--- a/Sesión 6.pptx
+++ b/Sesión 6.pptx
@@ -1474,7 +1474,7 @@
         <p:spPr>
           <a:xfrm>
             <a:off x="0" y="859536"/>
-            <a:ext cx="9144000" cy="18288"/>
+            <a:ext cx="9144000" cy="0"/>
           </a:xfrm>
           <a:prstGeom prst="rect">
             <a:avLst/>
@@ -1535,7 +1535,7 @@
               </a:defRPr>
             </a:pPr>
             <a:r>
-              <a:t>💡 Consejos Finales</a:t>
+              <a:t>⚠️ Consejos y Errores Comunes</a:t>
             </a:r>
           </a:p>
         </p:txBody>
@@ -1572,100 +1572,870 @@
       </p:pic>
       <p:sp>
         <p:nvSpPr>
-          <p:cNvPr id="9" name="TextBox 8"/>
-          <p:cNvSpPr txBox="1"/>
-          <p:nvPr/>
-        </p:nvSpPr>
-        <p:spPr>
-          <a:xfrm>
-            <a:off x="914400" y="1371600"/>
-            <a:ext cx="7315200" cy="3474720"/>
-          </a:xfrm>
-          <a:prstGeom prst="rect">
-            <a:avLst/>
-          </a:prstGeom>
-          <a:noFill/>
-        </p:spPr>
-        <p:txBody>
-          <a:bodyPr wrap="square">
-            <a:spAutoFit/>
-          </a:bodyPr>
-          <a:lstStyle/>
-          <a:p>
-            <a:pPr>
-              <a:spcAft>
-                <a:spcPts val="1200"/>
-              </a:spcAft>
-              <a:defRPr sz="1500"/>
-            </a:pPr>
-            <a:r>
-              <a:t>✨ Sé creativo: Usa diferentes ángulos, distancias y perspectivas</a:t>
-            </a:r>
-          </a:p>
-          <a:p>
-            <a:pPr>
-              <a:spcAft>
-                <a:spcPts val="1200"/>
-              </a:spcAft>
-              <a:defRPr sz="1500"/>
-            </a:pPr>
-            <a:r>
-              <a:t>🎨 Varía el contexto: Diferentes fondos y entornos</a:t>
-            </a:r>
-          </a:p>
-          <a:p>
-            <a:pPr>
-              <a:spcAft>
-                <a:spcPts val="1200"/>
-              </a:spcAft>
-              <a:defRPr sz="1500"/>
-            </a:pPr>
-            <a:r>
-              <a:t>☀️ Iluminación: Captura datos con buena luz</a:t>
-            </a:r>
-          </a:p>
-          <a:p>
-            <a:pPr>
-              <a:spcAft>
-                <a:spcPts val="1200"/>
-              </a:spcAft>
-              <a:defRPr sz="1500"/>
-            </a:pPr>
-            <a:r>
-              <a:t>🔄 Diversidad: Incluye diferentes variaciones de cada categoría</a:t>
-            </a:r>
-          </a:p>
-          <a:p>
-            <a:pPr>
-              <a:spcAft>
-                <a:spcPts val="1200"/>
-              </a:spcAft>
-              <a:defRPr sz="1500"/>
-            </a:pPr>
-            <a:r>
-              <a:t>🤝 Colabora: Trabaja con compañeros para obtener más datos</a:t>
-            </a:r>
-          </a:p>
-          <a:p>
-            <a:pPr>
-              <a:spcAft>
-                <a:spcPts val="1200"/>
-              </a:spcAft>
-              <a:defRPr sz="1500"/>
-            </a:pPr>
-            <a:r>
-              <a:t>⏰ Ten paciencia: La recopilación lleva tiempo, ¡pero vale la pena!</a:t>
-            </a:r>
-          </a:p>
-          <a:p>
-            <a:pPr>
-              <a:spcAft>
-                <a:spcPts val="1200"/>
-              </a:spcAft>
-              <a:defRPr sz="1500"/>
-            </a:pPr>
-            <a:r>
-              <a:t>🎯 Calidad &gt; Cantidad: Mejor pocos datos buenos que muchos malos</a:t>
+          <p:cNvPr id="9" name="Rectangle 8"/>
+          <p:cNvSpPr/>
+          <p:nvPr/>
+        </p:nvSpPr>
+        <p:spPr>
+          <a:xfrm>
+            <a:off x="228600" y="1435608"/>
+            <a:ext cx="4114800" cy="978408"/>
+          </a:xfrm>
+          <a:prstGeom prst="rect">
+            <a:avLst/>
+          </a:prstGeom>
+          <a:solidFill>
+            <a:srgbClr val="FEE2E2"/>
+          </a:solidFill>
+          <a:ln>
+            <a:noFill/>
+          </a:ln>
+        </p:spPr>
+        <p:style>
+          <a:lnRef idx="1">
+            <a:schemeClr val="accent1"/>
+          </a:lnRef>
+          <a:fillRef idx="3">
+            <a:schemeClr val="accent1"/>
+          </a:fillRef>
+          <a:effectRef idx="2">
+            <a:schemeClr val="accent1"/>
+          </a:effectRef>
+          <a:fontRef idx="minor">
+            <a:schemeClr val="lt1"/>
+          </a:fontRef>
+        </p:style>
+        <p:txBody>
+          <a:bodyPr rtlCol="0" anchor="ctr"/>
+          <a:lstStyle/>
+          <a:p>
+            <a:pPr algn="ctr"/>
+          </a:p>
+        </p:txBody>
+      </p:sp>
+      <p:sp>
+        <p:nvSpPr>
+          <p:cNvPr id="10" name="Rectangle 9"/>
+          <p:cNvSpPr/>
+          <p:nvPr/>
+        </p:nvSpPr>
+        <p:spPr>
+          <a:xfrm>
+            <a:off x="256032" y="1435608"/>
+            <a:ext cx="0" cy="978408"/>
+          </a:xfrm>
+          <a:prstGeom prst="rect">
+            <a:avLst/>
+          </a:prstGeom>
+          <a:ln>
+            <a:noFill/>
+          </a:ln>
+        </p:spPr>
+        <p:style>
+          <a:lnRef idx="1">
+            <a:schemeClr val="accent1"/>
+          </a:lnRef>
+          <a:fillRef idx="3">
+            <a:schemeClr val="accent1"/>
+          </a:fillRef>
+          <a:effectRef idx="2">
+            <a:schemeClr val="accent1"/>
+          </a:effectRef>
+          <a:fontRef idx="minor">
+            <a:schemeClr val="lt1"/>
+          </a:fontRef>
+        </p:style>
+        <p:txBody>
+          <a:bodyPr rtlCol="0" anchor="ctr"/>
+          <a:lstStyle/>
+          <a:p>
+            <a:pPr algn="ctr"/>
+          </a:p>
+        </p:txBody>
+      </p:sp>
+      <p:sp>
+        <p:nvSpPr>
+          <p:cNvPr id="11" name="TextBox 10"/>
+          <p:cNvSpPr txBox="1"/>
+          <p:nvPr/>
+        </p:nvSpPr>
+        <p:spPr>
+          <a:xfrm>
+            <a:off x="466344" y="1618488"/>
+            <a:ext cx="3767328" cy="265176"/>
+          </a:xfrm>
+          <a:prstGeom prst="rect">
+            <a:avLst/>
+          </a:prstGeom>
+          <a:noFill/>
+        </p:spPr>
+        <p:txBody>
+          <a:bodyPr wrap="none">
+            <a:spAutoFit/>
+          </a:bodyPr>
+          <a:lstStyle/>
+          <a:p>
+            <a:pPr algn="l">
+              <a:defRPr sz="1350" b="1"/>
+            </a:pPr>
+            <a:r>
+              <a:t>❌ Pocos datos</a:t>
+            </a:r>
+          </a:p>
+        </p:txBody>
+      </p:sp>
+      <p:sp>
+        <p:nvSpPr>
+          <p:cNvPr id="12" name="TextBox 11"/>
+          <p:cNvSpPr txBox="1"/>
+          <p:nvPr/>
+        </p:nvSpPr>
+        <p:spPr>
+          <a:xfrm>
+            <a:off x="466344" y="1993392"/>
+            <a:ext cx="3767328" cy="228600"/>
+          </a:xfrm>
+          <a:prstGeom prst="rect">
+            <a:avLst/>
+          </a:prstGeom>
+          <a:noFill/>
+        </p:spPr>
+        <p:txBody>
+          <a:bodyPr wrap="none">
+            <a:spAutoFit/>
+          </a:bodyPr>
+          <a:lstStyle/>
+          <a:p>
+            <a:pPr algn="l">
+              <a:defRPr sz="1200"/>
+            </a:pPr>
+            <a:r>
+              <a:t>Sin suficientes ejemplos, la IA no aprende bien</a:t>
+            </a:r>
+          </a:p>
+        </p:txBody>
+      </p:sp>
+      <p:sp>
+        <p:nvSpPr>
+          <p:cNvPr id="13" name="Rectangle 12"/>
+          <p:cNvSpPr/>
+          <p:nvPr/>
+        </p:nvSpPr>
+        <p:spPr>
+          <a:xfrm>
+            <a:off x="4800600" y="1435608"/>
+            <a:ext cx="4114800" cy="978408"/>
+          </a:xfrm>
+          <a:prstGeom prst="rect">
+            <a:avLst/>
+          </a:prstGeom>
+          <a:solidFill>
+            <a:srgbClr val="D1FAE5"/>
+          </a:solidFill>
+          <a:ln>
+            <a:noFill/>
+          </a:ln>
+        </p:spPr>
+        <p:style>
+          <a:lnRef idx="1">
+            <a:schemeClr val="accent1"/>
+          </a:lnRef>
+          <a:fillRef idx="3">
+            <a:schemeClr val="accent1"/>
+          </a:fillRef>
+          <a:effectRef idx="2">
+            <a:schemeClr val="accent1"/>
+          </a:effectRef>
+          <a:fontRef idx="minor">
+            <a:schemeClr val="lt1"/>
+          </a:fontRef>
+        </p:style>
+        <p:txBody>
+          <a:bodyPr rtlCol="0" anchor="ctr"/>
+          <a:lstStyle/>
+          <a:p>
+            <a:pPr algn="ctr"/>
+          </a:p>
+        </p:txBody>
+      </p:sp>
+      <p:sp>
+        <p:nvSpPr>
+          <p:cNvPr id="14" name="Rectangle 13"/>
+          <p:cNvSpPr/>
+          <p:nvPr/>
+        </p:nvSpPr>
+        <p:spPr>
+          <a:xfrm>
+            <a:off x="4828032" y="1435608"/>
+            <a:ext cx="0" cy="978408"/>
+          </a:xfrm>
+          <a:prstGeom prst="rect">
+            <a:avLst/>
+          </a:prstGeom>
+          <a:ln>
+            <a:noFill/>
+          </a:ln>
+        </p:spPr>
+        <p:style>
+          <a:lnRef idx="1">
+            <a:schemeClr val="accent1"/>
+          </a:lnRef>
+          <a:fillRef idx="3">
+            <a:schemeClr val="accent1"/>
+          </a:fillRef>
+          <a:effectRef idx="2">
+            <a:schemeClr val="accent1"/>
+          </a:effectRef>
+          <a:fontRef idx="minor">
+            <a:schemeClr val="lt1"/>
+          </a:fontRef>
+        </p:style>
+        <p:txBody>
+          <a:bodyPr rtlCol="0" anchor="ctr"/>
+          <a:lstStyle/>
+          <a:p>
+            <a:pPr algn="ctr"/>
+          </a:p>
+        </p:txBody>
+      </p:sp>
+      <p:sp>
+        <p:nvSpPr>
+          <p:cNvPr id="15" name="TextBox 14"/>
+          <p:cNvSpPr txBox="1"/>
+          <p:nvPr/>
+        </p:nvSpPr>
+        <p:spPr>
+          <a:xfrm>
+            <a:off x="5038344" y="1618488"/>
+            <a:ext cx="3767328" cy="265176"/>
+          </a:xfrm>
+          <a:prstGeom prst="rect">
+            <a:avLst/>
+          </a:prstGeom>
+          <a:noFill/>
+        </p:spPr>
+        <p:txBody>
+          <a:bodyPr wrap="none">
+            <a:spAutoFit/>
+          </a:bodyPr>
+          <a:lstStyle/>
+          <a:p>
+            <a:pPr algn="l">
+              <a:defRPr sz="1350" b="1"/>
+            </a:pPr>
+            <a:r>
+              <a:t>✅ Datos abundantes</a:t>
+            </a:r>
+          </a:p>
+        </p:txBody>
+      </p:sp>
+      <p:sp>
+        <p:nvSpPr>
+          <p:cNvPr id="16" name="TextBox 15"/>
+          <p:cNvSpPr txBox="1"/>
+          <p:nvPr/>
+        </p:nvSpPr>
+        <p:spPr>
+          <a:xfrm>
+            <a:off x="5038344" y="1993392"/>
+            <a:ext cx="3767328" cy="228600"/>
+          </a:xfrm>
+          <a:prstGeom prst="rect">
+            <a:avLst/>
+          </a:prstGeom>
+          <a:noFill/>
+        </p:spPr>
+        <p:txBody>
+          <a:bodyPr wrap="none">
+            <a:spAutoFit/>
+          </a:bodyPr>
+          <a:lstStyle/>
+          <a:p>
+            <a:pPr algn="l">
+              <a:defRPr sz="1200"/>
+            </a:pPr>
+            <a:r>
+              <a:t>Al menos 25-30 ejemplos por categoría</a:t>
+            </a:r>
+          </a:p>
+        </p:txBody>
+      </p:sp>
+      <p:sp>
+        <p:nvSpPr>
+          <p:cNvPr id="17" name="Rectangle 16"/>
+          <p:cNvSpPr/>
+          <p:nvPr/>
+        </p:nvSpPr>
+        <p:spPr>
+          <a:xfrm>
+            <a:off x="228600" y="2633472"/>
+            <a:ext cx="4114800" cy="978408"/>
+          </a:xfrm>
+          <a:prstGeom prst="rect">
+            <a:avLst/>
+          </a:prstGeom>
+          <a:solidFill>
+            <a:srgbClr val="FEE2E2"/>
+          </a:solidFill>
+          <a:ln>
+            <a:noFill/>
+          </a:ln>
+        </p:spPr>
+        <p:style>
+          <a:lnRef idx="1">
+            <a:schemeClr val="accent1"/>
+          </a:lnRef>
+          <a:fillRef idx="3">
+            <a:schemeClr val="accent1"/>
+          </a:fillRef>
+          <a:effectRef idx="2">
+            <a:schemeClr val="accent1"/>
+          </a:effectRef>
+          <a:fontRef idx="minor">
+            <a:schemeClr val="lt1"/>
+          </a:fontRef>
+        </p:style>
+        <p:txBody>
+          <a:bodyPr rtlCol="0" anchor="ctr"/>
+          <a:lstStyle/>
+          <a:p>
+            <a:pPr algn="ctr"/>
+          </a:p>
+        </p:txBody>
+      </p:sp>
+      <p:sp>
+        <p:nvSpPr>
+          <p:cNvPr id="18" name="Rectangle 17"/>
+          <p:cNvSpPr/>
+          <p:nvPr/>
+        </p:nvSpPr>
+        <p:spPr>
+          <a:xfrm>
+            <a:off x="256032" y="2633472"/>
+            <a:ext cx="0" cy="978408"/>
+          </a:xfrm>
+          <a:prstGeom prst="rect">
+            <a:avLst/>
+          </a:prstGeom>
+          <a:ln>
+            <a:noFill/>
+          </a:ln>
+        </p:spPr>
+        <p:style>
+          <a:lnRef idx="1">
+            <a:schemeClr val="accent1"/>
+          </a:lnRef>
+          <a:fillRef idx="3">
+            <a:schemeClr val="accent1"/>
+          </a:fillRef>
+          <a:effectRef idx="2">
+            <a:schemeClr val="accent1"/>
+          </a:effectRef>
+          <a:fontRef idx="minor">
+            <a:schemeClr val="lt1"/>
+          </a:fontRef>
+        </p:style>
+        <p:txBody>
+          <a:bodyPr rtlCol="0" anchor="ctr"/>
+          <a:lstStyle/>
+          <a:p>
+            <a:pPr algn="ctr"/>
+          </a:p>
+        </p:txBody>
+      </p:sp>
+      <p:sp>
+        <p:nvSpPr>
+          <p:cNvPr id="19" name="TextBox 18"/>
+          <p:cNvSpPr txBox="1"/>
+          <p:nvPr/>
+        </p:nvSpPr>
+        <p:spPr>
+          <a:xfrm>
+            <a:off x="466344" y="2816352"/>
+            <a:ext cx="3767328" cy="265176"/>
+          </a:xfrm>
+          <a:prstGeom prst="rect">
+            <a:avLst/>
+          </a:prstGeom>
+          <a:noFill/>
+        </p:spPr>
+        <p:txBody>
+          <a:bodyPr wrap="none">
+            <a:spAutoFit/>
+          </a:bodyPr>
+          <a:lstStyle/>
+          <a:p>
+            <a:pPr algn="l">
+              <a:defRPr sz="1350" b="1"/>
+            </a:pPr>
+            <a:r>
+              <a:t>❌ Datos similares</a:t>
+            </a:r>
+          </a:p>
+        </p:txBody>
+      </p:sp>
+      <p:sp>
+        <p:nvSpPr>
+          <p:cNvPr id="20" name="TextBox 19"/>
+          <p:cNvSpPr txBox="1"/>
+          <p:nvPr/>
+        </p:nvSpPr>
+        <p:spPr>
+          <a:xfrm>
+            <a:off x="466344" y="3191256"/>
+            <a:ext cx="3767328" cy="228600"/>
+          </a:xfrm>
+          <a:prstGeom prst="rect">
+            <a:avLst/>
+          </a:prstGeom>
+          <a:noFill/>
+        </p:spPr>
+        <p:txBody>
+          <a:bodyPr wrap="none">
+            <a:spAutoFit/>
+          </a:bodyPr>
+          <a:lstStyle/>
+          <a:p>
+            <a:pPr algn="l">
+              <a:defRPr sz="1200"/>
+            </a:pPr>
+            <a:r>
+              <a:t>Sin variedad, el modelo no generaliza</a:t>
+            </a:r>
+          </a:p>
+        </p:txBody>
+      </p:sp>
+      <p:sp>
+        <p:nvSpPr>
+          <p:cNvPr id="21" name="Rectangle 20"/>
+          <p:cNvSpPr/>
+          <p:nvPr/>
+        </p:nvSpPr>
+        <p:spPr>
+          <a:xfrm>
+            <a:off x="4800600" y="2633472"/>
+            <a:ext cx="4114800" cy="978408"/>
+          </a:xfrm>
+          <a:prstGeom prst="rect">
+            <a:avLst/>
+          </a:prstGeom>
+          <a:solidFill>
+            <a:srgbClr val="D1FAE5"/>
+          </a:solidFill>
+          <a:ln>
+            <a:noFill/>
+          </a:ln>
+        </p:spPr>
+        <p:style>
+          <a:lnRef idx="1">
+            <a:schemeClr val="accent1"/>
+          </a:lnRef>
+          <a:fillRef idx="3">
+            <a:schemeClr val="accent1"/>
+          </a:fillRef>
+          <a:effectRef idx="2">
+            <a:schemeClr val="accent1"/>
+          </a:effectRef>
+          <a:fontRef idx="minor">
+            <a:schemeClr val="lt1"/>
+          </a:fontRef>
+        </p:style>
+        <p:txBody>
+          <a:bodyPr rtlCol="0" anchor="ctr"/>
+          <a:lstStyle/>
+          <a:p>
+            <a:pPr algn="ctr"/>
+          </a:p>
+        </p:txBody>
+      </p:sp>
+      <p:sp>
+        <p:nvSpPr>
+          <p:cNvPr id="22" name="Rectangle 21"/>
+          <p:cNvSpPr/>
+          <p:nvPr/>
+        </p:nvSpPr>
+        <p:spPr>
+          <a:xfrm>
+            <a:off x="4828032" y="2633472"/>
+            <a:ext cx="0" cy="978408"/>
+          </a:xfrm>
+          <a:prstGeom prst="rect">
+            <a:avLst/>
+          </a:prstGeom>
+          <a:ln>
+            <a:noFill/>
+          </a:ln>
+        </p:spPr>
+        <p:style>
+          <a:lnRef idx="1">
+            <a:schemeClr val="accent1"/>
+          </a:lnRef>
+          <a:fillRef idx="3">
+            <a:schemeClr val="accent1"/>
+          </a:fillRef>
+          <a:effectRef idx="2">
+            <a:schemeClr val="accent1"/>
+          </a:effectRef>
+          <a:fontRef idx="minor">
+            <a:schemeClr val="lt1"/>
+          </a:fontRef>
+        </p:style>
+        <p:txBody>
+          <a:bodyPr rtlCol="0" anchor="ctr"/>
+          <a:lstStyle/>
+          <a:p>
+            <a:pPr algn="ctr"/>
+          </a:p>
+        </p:txBody>
+      </p:sp>
+      <p:sp>
+        <p:nvSpPr>
+          <p:cNvPr id="23" name="TextBox 22"/>
+          <p:cNvSpPr txBox="1"/>
+          <p:nvPr/>
+        </p:nvSpPr>
+        <p:spPr>
+          <a:xfrm>
+            <a:off x="5038344" y="2816352"/>
+            <a:ext cx="3767328" cy="265176"/>
+          </a:xfrm>
+          <a:prstGeom prst="rect">
+            <a:avLst/>
+          </a:prstGeom>
+          <a:noFill/>
+        </p:spPr>
+        <p:txBody>
+          <a:bodyPr wrap="none">
+            <a:spAutoFit/>
+          </a:bodyPr>
+          <a:lstStyle/>
+          <a:p>
+            <a:pPr algn="l">
+              <a:defRPr sz="1350" b="1"/>
+            </a:pPr>
+            <a:r>
+              <a:t>✅ Datos variados</a:t>
+            </a:r>
+          </a:p>
+        </p:txBody>
+      </p:sp>
+      <p:sp>
+        <p:nvSpPr>
+          <p:cNvPr id="24" name="TextBox 23"/>
+          <p:cNvSpPr txBox="1"/>
+          <p:nvPr/>
+        </p:nvSpPr>
+        <p:spPr>
+          <a:xfrm>
+            <a:off x="5038344" y="3191256"/>
+            <a:ext cx="3767328" cy="228600"/>
+          </a:xfrm>
+          <a:prstGeom prst="rect">
+            <a:avLst/>
+          </a:prstGeom>
+          <a:noFill/>
+        </p:spPr>
+        <p:txBody>
+          <a:bodyPr wrap="none">
+            <a:spAutoFit/>
+          </a:bodyPr>
+          <a:lstStyle/>
+          <a:p>
+            <a:pPr algn="l">
+              <a:defRPr sz="1200"/>
+            </a:pPr>
+            <a:r>
+              <a:t>Diferentes ángulos, fondos y condiciones</a:t>
+            </a:r>
+          </a:p>
+        </p:txBody>
+      </p:sp>
+      <p:sp>
+        <p:nvSpPr>
+          <p:cNvPr id="25" name="Rectangle 24"/>
+          <p:cNvSpPr/>
+          <p:nvPr/>
+        </p:nvSpPr>
+        <p:spPr>
+          <a:xfrm>
+            <a:off x="228600" y="3840480"/>
+            <a:ext cx="4114800" cy="978408"/>
+          </a:xfrm>
+          <a:prstGeom prst="rect">
+            <a:avLst/>
+          </a:prstGeom>
+          <a:solidFill>
+            <a:srgbClr val="FEE2E2"/>
+          </a:solidFill>
+          <a:ln>
+            <a:noFill/>
+          </a:ln>
+        </p:spPr>
+        <p:style>
+          <a:lnRef idx="1">
+            <a:schemeClr val="accent1"/>
+          </a:lnRef>
+          <a:fillRef idx="3">
+            <a:schemeClr val="accent1"/>
+          </a:fillRef>
+          <a:effectRef idx="2">
+            <a:schemeClr val="accent1"/>
+          </a:effectRef>
+          <a:fontRef idx="minor">
+            <a:schemeClr val="lt1"/>
+          </a:fontRef>
+        </p:style>
+        <p:txBody>
+          <a:bodyPr rtlCol="0" anchor="ctr"/>
+          <a:lstStyle/>
+          <a:p>
+            <a:pPr algn="ctr"/>
+          </a:p>
+        </p:txBody>
+      </p:sp>
+      <p:sp>
+        <p:nvSpPr>
+          <p:cNvPr id="26" name="Rectangle 25"/>
+          <p:cNvSpPr/>
+          <p:nvPr/>
+        </p:nvSpPr>
+        <p:spPr>
+          <a:xfrm>
+            <a:off x="256032" y="3840480"/>
+            <a:ext cx="0" cy="978408"/>
+          </a:xfrm>
+          <a:prstGeom prst="rect">
+            <a:avLst/>
+          </a:prstGeom>
+          <a:ln>
+            <a:noFill/>
+          </a:ln>
+        </p:spPr>
+        <p:style>
+          <a:lnRef idx="1">
+            <a:schemeClr val="accent1"/>
+          </a:lnRef>
+          <a:fillRef idx="3">
+            <a:schemeClr val="accent1"/>
+          </a:fillRef>
+          <a:effectRef idx="2">
+            <a:schemeClr val="accent1"/>
+          </a:effectRef>
+          <a:fontRef idx="minor">
+            <a:schemeClr val="lt1"/>
+          </a:fontRef>
+        </p:style>
+        <p:txBody>
+          <a:bodyPr rtlCol="0" anchor="ctr"/>
+          <a:lstStyle/>
+          <a:p>
+            <a:pPr algn="ctr"/>
+          </a:p>
+        </p:txBody>
+      </p:sp>
+      <p:sp>
+        <p:nvSpPr>
+          <p:cNvPr id="27" name="TextBox 26"/>
+          <p:cNvSpPr txBox="1"/>
+          <p:nvPr/>
+        </p:nvSpPr>
+        <p:spPr>
+          <a:xfrm>
+            <a:off x="466344" y="4023360"/>
+            <a:ext cx="3767328" cy="265176"/>
+          </a:xfrm>
+          <a:prstGeom prst="rect">
+            <a:avLst/>
+          </a:prstGeom>
+          <a:noFill/>
+        </p:spPr>
+        <p:txBody>
+          <a:bodyPr wrap="none">
+            <a:spAutoFit/>
+          </a:bodyPr>
+          <a:lstStyle/>
+          <a:p>
+            <a:pPr algn="l">
+              <a:defRPr sz="1350" b="1"/>
+            </a:pPr>
+            <a:r>
+              <a:t>❌ Mala calidad</a:t>
+            </a:r>
+          </a:p>
+        </p:txBody>
+      </p:sp>
+      <p:sp>
+        <p:nvSpPr>
+          <p:cNvPr id="28" name="TextBox 27"/>
+          <p:cNvSpPr txBox="1"/>
+          <p:nvPr/>
+        </p:nvSpPr>
+        <p:spPr>
+          <a:xfrm>
+            <a:off x="466344" y="4398264"/>
+            <a:ext cx="3767328" cy="228600"/>
+          </a:xfrm>
+          <a:prstGeom prst="rect">
+            <a:avLst/>
+          </a:prstGeom>
+          <a:noFill/>
+        </p:spPr>
+        <p:txBody>
+          <a:bodyPr wrap="none">
+            <a:spAutoFit/>
+          </a:bodyPr>
+          <a:lstStyle/>
+          <a:p>
+            <a:pPr algn="l">
+              <a:defRPr sz="1200"/>
+            </a:pPr>
+            <a:r>
+              <a:t>Imágenes borrosas o audio con ruido</a:t>
+            </a:r>
+          </a:p>
+        </p:txBody>
+      </p:sp>
+      <p:sp>
+        <p:nvSpPr>
+          <p:cNvPr id="29" name="Rectangle 28"/>
+          <p:cNvSpPr/>
+          <p:nvPr/>
+        </p:nvSpPr>
+        <p:spPr>
+          <a:xfrm>
+            <a:off x="4800600" y="3840480"/>
+            <a:ext cx="4114800" cy="978408"/>
+          </a:xfrm>
+          <a:prstGeom prst="rect">
+            <a:avLst/>
+          </a:prstGeom>
+          <a:solidFill>
+            <a:srgbClr val="D1FAE5"/>
+          </a:solidFill>
+          <a:ln>
+            <a:noFill/>
+          </a:ln>
+        </p:spPr>
+        <p:style>
+          <a:lnRef idx="1">
+            <a:schemeClr val="accent1"/>
+          </a:lnRef>
+          <a:fillRef idx="3">
+            <a:schemeClr val="accent1"/>
+          </a:fillRef>
+          <a:effectRef idx="2">
+            <a:schemeClr val="accent1"/>
+          </a:effectRef>
+          <a:fontRef idx="minor">
+            <a:schemeClr val="lt1"/>
+          </a:fontRef>
+        </p:style>
+        <p:txBody>
+          <a:bodyPr rtlCol="0" anchor="ctr"/>
+          <a:lstStyle/>
+          <a:p>
+            <a:pPr algn="ctr"/>
+          </a:p>
+        </p:txBody>
+      </p:sp>
+      <p:sp>
+        <p:nvSpPr>
+          <p:cNvPr id="30" name="Rectangle 29"/>
+          <p:cNvSpPr/>
+          <p:nvPr/>
+        </p:nvSpPr>
+        <p:spPr>
+          <a:xfrm>
+            <a:off x="4828032" y="3840480"/>
+            <a:ext cx="0" cy="978408"/>
+          </a:xfrm>
+          <a:prstGeom prst="rect">
+            <a:avLst/>
+          </a:prstGeom>
+          <a:ln>
+            <a:noFill/>
+          </a:ln>
+        </p:spPr>
+        <p:style>
+          <a:lnRef idx="1">
+            <a:schemeClr val="accent1"/>
+          </a:lnRef>
+          <a:fillRef idx="3">
+            <a:schemeClr val="accent1"/>
+          </a:fillRef>
+          <a:effectRef idx="2">
+            <a:schemeClr val="accent1"/>
+          </a:effectRef>
+          <a:fontRef idx="minor">
+            <a:schemeClr val="lt1"/>
+          </a:fontRef>
+        </p:style>
+        <p:txBody>
+          <a:bodyPr rtlCol="0" anchor="ctr"/>
+          <a:lstStyle/>
+          <a:p>
+            <a:pPr algn="ctr"/>
+          </a:p>
+        </p:txBody>
+      </p:sp>
+      <p:sp>
+        <p:nvSpPr>
+          <p:cNvPr id="31" name="TextBox 30"/>
+          <p:cNvSpPr txBox="1"/>
+          <p:nvPr/>
+        </p:nvSpPr>
+        <p:spPr>
+          <a:xfrm>
+            <a:off x="5038344" y="4023360"/>
+            <a:ext cx="3767328" cy="265176"/>
+          </a:xfrm>
+          <a:prstGeom prst="rect">
+            <a:avLst/>
+          </a:prstGeom>
+          <a:noFill/>
+        </p:spPr>
+        <p:txBody>
+          <a:bodyPr wrap="none">
+            <a:spAutoFit/>
+          </a:bodyPr>
+          <a:lstStyle/>
+          <a:p>
+            <a:pPr algn="l">
+              <a:defRPr sz="1350" b="1"/>
+            </a:pPr>
+            <a:r>
+              <a:t>✅ Alta calidad</a:t>
+            </a:r>
+          </a:p>
+        </p:txBody>
+      </p:sp>
+      <p:sp>
+        <p:nvSpPr>
+          <p:cNvPr id="32" name="TextBox 31"/>
+          <p:cNvSpPr txBox="1"/>
+          <p:nvPr/>
+        </p:nvSpPr>
+        <p:spPr>
+          <a:xfrm>
+            <a:off x="5038344" y="4398264"/>
+            <a:ext cx="3767328" cy="228600"/>
+          </a:xfrm>
+          <a:prstGeom prst="rect">
+            <a:avLst/>
+          </a:prstGeom>
+          <a:noFill/>
+        </p:spPr>
+        <p:txBody>
+          <a:bodyPr wrap="none">
+            <a:spAutoFit/>
+          </a:bodyPr>
+          <a:lstStyle/>
+          <a:p>
+            <a:pPr algn="l">
+              <a:defRPr sz="1200"/>
+            </a:pPr>
+            <a:r>
+              <a:t>Datos claros, nítidos y representativos</a:t>
             </a:r>
           </a:p>
         </p:txBody>
@@ -1740,7 +2510,7 @@
         <p:spPr>
           <a:xfrm>
             <a:off x="0" y="859536"/>
-            <a:ext cx="9144000" cy="18288"/>
+            <a:ext cx="9144000" cy="0"/>
           </a:xfrm>
           <a:prstGeom prst="rect">
             <a:avLst/>
@@ -1801,7 +2571,7 @@
               </a:defRPr>
             </a:pPr>
             <a:r>
-              <a:t>Próxima Sesión</a:t>
+              <a:t>🎯 Conclusión y Próximos Pasos</a:t>
             </a:r>
           </a:p>
         </p:txBody>
@@ -1838,14 +2608,97 @@
       </p:pic>
       <p:sp>
         <p:nvSpPr>
-          <p:cNvPr id="9" name="TextBox 8"/>
-          <p:cNvSpPr txBox="1"/>
-          <p:nvPr/>
-        </p:nvSpPr>
-        <p:spPr>
-          <a:xfrm>
-            <a:off x="457200" y="1828800"/>
-            <a:ext cx="8229600" cy="548640"/>
+          <p:cNvPr id="9" name="Rectangle 8"/>
+          <p:cNvSpPr/>
+          <p:nvPr/>
+        </p:nvSpPr>
+        <p:spPr>
+          <a:xfrm>
+            <a:off x="384048" y="877824"/>
+            <a:ext cx="8385048" cy="1828800"/>
+          </a:xfrm>
+          <a:prstGeom prst="rect">
+            <a:avLst/>
+          </a:prstGeom>
+          <a:solidFill>
+            <a:srgbClr val="F1F5F9"/>
+          </a:solidFill>
+          <a:ln>
+            <a:noFill/>
+          </a:ln>
+        </p:spPr>
+        <p:style>
+          <a:lnRef idx="1">
+            <a:schemeClr val="accent1"/>
+          </a:lnRef>
+          <a:fillRef idx="3">
+            <a:schemeClr val="accent1"/>
+          </a:fillRef>
+          <a:effectRef idx="2">
+            <a:schemeClr val="accent1"/>
+          </a:effectRef>
+          <a:fontRef idx="minor">
+            <a:schemeClr val="lt1"/>
+          </a:fontRef>
+        </p:style>
+        <p:txBody>
+          <a:bodyPr rtlCol="0" anchor="ctr"/>
+          <a:lstStyle/>
+          <a:p>
+            <a:pPr algn="ctr"/>
+          </a:p>
+        </p:txBody>
+      </p:sp>
+      <p:sp>
+        <p:nvSpPr>
+          <p:cNvPr id="10" name="Rectangle 9"/>
+          <p:cNvSpPr/>
+          <p:nvPr/>
+        </p:nvSpPr>
+        <p:spPr>
+          <a:xfrm>
+            <a:off x="411480" y="877824"/>
+            <a:ext cx="0" cy="1828800"/>
+          </a:xfrm>
+          <a:prstGeom prst="rect">
+            <a:avLst/>
+          </a:prstGeom>
+          <a:ln>
+            <a:noFill/>
+          </a:ln>
+        </p:spPr>
+        <p:style>
+          <a:lnRef idx="1">
+            <a:schemeClr val="accent1"/>
+          </a:lnRef>
+          <a:fillRef idx="3">
+            <a:schemeClr val="accent1"/>
+          </a:fillRef>
+          <a:effectRef idx="2">
+            <a:schemeClr val="accent1"/>
+          </a:effectRef>
+          <a:fontRef idx="minor">
+            <a:schemeClr val="lt1"/>
+          </a:fontRef>
+        </p:style>
+        <p:txBody>
+          <a:bodyPr rtlCol="0" anchor="ctr"/>
+          <a:lstStyle/>
+          <a:p>
+            <a:pPr algn="ctr"/>
+          </a:p>
+        </p:txBody>
+      </p:sp>
+      <p:sp>
+        <p:nvSpPr>
+          <p:cNvPr id="11" name="TextBox 10"/>
+          <p:cNvSpPr txBox="1"/>
+          <p:nvPr/>
+        </p:nvSpPr>
+        <p:spPr>
+          <a:xfrm>
+            <a:off x="667512" y="1106424"/>
+            <a:ext cx="4023360" cy="301752"/>
           </a:xfrm>
           <a:prstGeom prst="rect">
             <a:avLst/>
@@ -1858,8 +2711,160 @@
           </a:bodyPr>
           <a:lstStyle/>
           <a:p>
+            <a:pPr algn="l">
+              <a:defRPr sz="1800" b="1"/>
+            </a:pPr>
+            <a:r>
+              <a:t>📌 Puntos Clave</a:t>
+            </a:r>
+          </a:p>
+        </p:txBody>
+      </p:sp>
+      <p:sp>
+        <p:nvSpPr>
+          <p:cNvPr id="12" name="TextBox 11"/>
+          <p:cNvSpPr txBox="1"/>
+          <p:nvPr/>
+        </p:nvSpPr>
+        <p:spPr>
+          <a:xfrm>
+            <a:off x="667512" y="1600200"/>
+            <a:ext cx="7863840" cy="877824"/>
+          </a:xfrm>
+          <a:prstGeom prst="rect">
+            <a:avLst/>
+          </a:prstGeom>
+          <a:noFill/>
+        </p:spPr>
+        <p:txBody>
+          <a:bodyPr wrap="square">
+            <a:spAutoFit/>
+          </a:bodyPr>
+          <a:lstStyle/>
+          <a:p>
+            <a:pPr algn="l">
+              <a:defRPr sz="1350"/>
+            </a:pPr>
+            <a:r>
+              <a:t>Los datos son esenciales para entrenar modelos de IA</a:t>
+            </a:r>
+          </a:p>
+          <a:p>
+            <a:pPr algn="l">
+              <a:defRPr sz="1350"/>
+            </a:pPr>
+            <a:r>
+              <a:t>La calidad y variedad son más importantes que la cantidad</a:t>
+            </a:r>
+          </a:p>
+          <a:p>
+            <a:pPr algn="l">
+              <a:defRPr sz="1350"/>
+            </a:pPr>
+            <a:r>
+              <a:t>Organizar y etiquetar correctamente los datos es fundamental</a:t>
+            </a:r>
+          </a:p>
+        </p:txBody>
+      </p:sp>
+      <p:sp>
+        <p:nvSpPr>
+          <p:cNvPr id="13" name="Rectangle 12"/>
+          <p:cNvSpPr/>
+          <p:nvPr/>
+        </p:nvSpPr>
+        <p:spPr>
+          <a:xfrm>
+            <a:off x="384048" y="3163824"/>
+            <a:ext cx="8385048" cy="1828800"/>
+          </a:xfrm>
+          <a:prstGeom prst="rect">
+            <a:avLst/>
+          </a:prstGeom>
+          <a:solidFill>
+            <a:srgbClr val="F1F5F9"/>
+          </a:solidFill>
+          <a:ln>
+            <a:noFill/>
+          </a:ln>
+        </p:spPr>
+        <p:style>
+          <a:lnRef idx="1">
+            <a:schemeClr val="accent1"/>
+          </a:lnRef>
+          <a:fillRef idx="3">
+            <a:schemeClr val="accent1"/>
+          </a:fillRef>
+          <a:effectRef idx="2">
+            <a:schemeClr val="accent1"/>
+          </a:effectRef>
+          <a:fontRef idx="minor">
+            <a:schemeClr val="lt1"/>
+          </a:fontRef>
+        </p:style>
+        <p:txBody>
+          <a:bodyPr rtlCol="0" anchor="ctr"/>
+          <a:lstStyle/>
+          <a:p>
+            <a:pPr algn="ctr"/>
+          </a:p>
+        </p:txBody>
+      </p:sp>
+      <p:sp>
+        <p:nvSpPr>
+          <p:cNvPr id="14" name="TextBox 13"/>
+          <p:cNvSpPr txBox="1"/>
+          <p:nvPr/>
+        </p:nvSpPr>
+        <p:spPr>
+          <a:xfrm>
+            <a:off x="3255264" y="3465576"/>
+            <a:ext cx="2633472" cy="347472"/>
+          </a:xfrm>
+          <a:prstGeom prst="rect">
+            <a:avLst/>
+          </a:prstGeom>
+          <a:noFill/>
+        </p:spPr>
+        <p:txBody>
+          <a:bodyPr wrap="none">
+            <a:spAutoFit/>
+          </a:bodyPr>
+          <a:lstStyle/>
+          <a:p>
             <a:pPr algn="ctr">
-              <a:defRPr sz="3200" b="1"/>
+              <a:defRPr sz="2250" b="1"/>
+            </a:pPr>
+            <a:r>
+              <a:t>🚀 Próxima Sesión</a:t>
+            </a:r>
+          </a:p>
+        </p:txBody>
+      </p:sp>
+      <p:sp>
+        <p:nvSpPr>
+          <p:cNvPr id="15" name="TextBox 14"/>
+          <p:cNvSpPr txBox="1"/>
+          <p:nvPr/>
+        </p:nvSpPr>
+        <p:spPr>
+          <a:xfrm>
+            <a:off x="3182112" y="3959352"/>
+            <a:ext cx="2779776" cy="265176"/>
+          </a:xfrm>
+          <a:prstGeom prst="rect">
+            <a:avLst/>
+          </a:prstGeom>
+          <a:noFill/>
+        </p:spPr>
+        <p:txBody>
+          <a:bodyPr wrap="none">
+            <a:spAutoFit/>
+          </a:bodyPr>
+          <a:lstStyle/>
+          <a:p>
+            <a:pPr algn="ctr">
+              <a:defRPr sz="1500"/>
             </a:pPr>
             <a:r>
               <a:t>Sesión 7: Entrenando el Modelo de IA</a:t>
@@ -1869,31 +2874,31 @@
       </p:sp>
       <p:sp>
         <p:nvSpPr>
-          <p:cNvPr id="10" name="TextBox 9"/>
-          <p:cNvSpPr txBox="1"/>
-          <p:nvPr/>
-        </p:nvSpPr>
-        <p:spPr>
-          <a:xfrm>
-            <a:off x="914400" y="2743200"/>
-            <a:ext cx="7315200" cy="914400"/>
-          </a:xfrm>
-          <a:prstGeom prst="rect">
-            <a:avLst/>
-          </a:prstGeom>
-          <a:noFill/>
-        </p:spPr>
-        <p:txBody>
-          <a:bodyPr wrap="square">
+          <p:cNvPr id="16" name="TextBox 15"/>
+          <p:cNvSpPr txBox="1"/>
+          <p:nvPr/>
+        </p:nvSpPr>
+        <p:spPr>
+          <a:xfrm>
+            <a:off x="2057400" y="4416552"/>
+            <a:ext cx="5038344" cy="228600"/>
+          </a:xfrm>
+          <a:prstGeom prst="rect">
+            <a:avLst/>
+          </a:prstGeom>
+          <a:noFill/>
+        </p:spPr>
+        <p:txBody>
+          <a:bodyPr wrap="none">
             <a:spAutoFit/>
           </a:bodyPr>
           <a:lstStyle/>
           <a:p>
             <a:pPr algn="ctr">
-              <a:defRPr sz="1800"/>
-            </a:pPr>
-            <a:r>
-              <a:t>¡Usaremos los datos que recopilaste hoy para entrenar tu modelo de Inteligencia Artificial!</a:t>
+              <a:defRPr sz="1200"/>
+            </a:pPr>
+            <a:r>
+              <a:t>Usaremos los datos recopilados para entrenar tu primer modelo de IA</a:t>
             </a:r>
           </a:p>
         </p:txBody>
@@ -1968,7 +2973,7 @@
         <p:spPr>
           <a:xfrm>
             <a:off x="0" y="859536"/>
-            <a:ext cx="9144000" cy="18288"/>
+            <a:ext cx="9144000" cy="0"/>
           </a:xfrm>
           <a:prstGeom prst="rect">
             <a:avLst/>
@@ -2116,7 +3121,7 @@
         <p:spPr>
           <a:xfrm>
             <a:off x="484632" y="1508760"/>
-            <a:ext cx="27432" cy="1124712"/>
+            <a:ext cx="0" cy="1124712"/>
           </a:xfrm>
           <a:prstGeom prst="rect">
             <a:avLst/>
@@ -2187,7 +3192,7 @@
         <p:spPr>
           <a:xfrm>
             <a:off x="740664" y="2103120"/>
-            <a:ext cx="7872983" cy="457200"/>
+            <a:ext cx="7872983" cy="265176"/>
           </a:xfrm>
           <a:prstGeom prst="rect">
             <a:avLst/>
@@ -2365,7 +3370,7 @@
         <p:spPr>
           <a:xfrm>
             <a:off x="0" y="859536"/>
-            <a:ext cx="9144000" cy="18288"/>
+            <a:ext cx="9144000" cy="0"/>
           </a:xfrm>
           <a:prstGeom prst="rect">
             <a:avLst/>
@@ -2463,45 +3468,14 @@
       </p:pic>
       <p:sp>
         <p:nvSpPr>
-          <p:cNvPr id="9" name="TextBox 8"/>
-          <p:cNvSpPr txBox="1"/>
-          <p:nvPr/>
-        </p:nvSpPr>
-        <p:spPr>
-          <a:xfrm>
-            <a:off x="530352" y="1280160"/>
-            <a:ext cx="8083296" cy="731520"/>
-          </a:xfrm>
-          <a:prstGeom prst="rect">
-            <a:avLst/>
-          </a:prstGeom>
-          <a:noFill/>
-        </p:spPr>
-        <p:txBody>
-          <a:bodyPr wrap="square">
-            <a:spAutoFit/>
-          </a:bodyPr>
-          <a:lstStyle/>
-          <a:p>
-            <a:pPr algn="ctr">
-              <a:defRPr sz="1800"/>
-            </a:pPr>
-            <a:r>
-              <a:t>Los datos son el combustible de la Inteligencia Artificial. Sin datos de calidad, los modelos de IA no pueden aprender correctamente.</a:t>
-            </a:r>
-          </a:p>
-        </p:txBody>
-      </p:sp>
-      <p:sp>
-        <p:nvSpPr>
-          <p:cNvPr id="10" name="Rectangle 9"/>
+          <p:cNvPr id="9" name="Rectangle 8"/>
           <p:cNvSpPr/>
           <p:nvPr/>
         </p:nvSpPr>
         <p:spPr>
           <a:xfrm>
-            <a:off x="301752" y="2377440"/>
-            <a:ext cx="2542032" cy="1371600"/>
+            <a:off x="301752" y="1499616"/>
+            <a:ext cx="8531352" cy="1417320"/>
           </a:xfrm>
           <a:prstGeom prst="rect">
             <a:avLst/>
@@ -2537,75 +3511,44 @@
       </p:sp>
       <p:sp>
         <p:nvSpPr>
-          <p:cNvPr id="11" name="TextBox 10"/>
-          <p:cNvSpPr txBox="1"/>
-          <p:nvPr/>
-        </p:nvSpPr>
-        <p:spPr>
-          <a:xfrm>
-            <a:off x="1280160" y="2532888"/>
-            <a:ext cx="585216" cy="457200"/>
-          </a:xfrm>
-          <a:prstGeom prst="rect">
-            <a:avLst/>
-          </a:prstGeom>
-          <a:noFill/>
-        </p:spPr>
-        <p:txBody>
-          <a:bodyPr wrap="none">
+          <p:cNvPr id="10" name="TextBox 9"/>
+          <p:cNvSpPr txBox="1"/>
+          <p:nvPr/>
+        </p:nvSpPr>
+        <p:spPr>
+          <a:xfrm>
+            <a:off x="530352" y="1847088"/>
+            <a:ext cx="8083296" cy="731520"/>
+          </a:xfrm>
+          <a:prstGeom prst="rect">
+            <a:avLst/>
+          </a:prstGeom>
+          <a:noFill/>
+        </p:spPr>
+        <p:txBody>
+          <a:bodyPr wrap="square">
             <a:spAutoFit/>
           </a:bodyPr>
           <a:lstStyle/>
           <a:p>
             <a:pPr algn="ctr">
-              <a:defRPr sz="3600"/>
-            </a:pPr>
-            <a:r>
-              <a:t>💡</a:t>
-            </a:r>
-          </a:p>
-        </p:txBody>
-      </p:sp>
-      <p:sp>
-        <p:nvSpPr>
-          <p:cNvPr id="12" name="TextBox 11"/>
-          <p:cNvSpPr txBox="1"/>
-          <p:nvPr/>
-        </p:nvSpPr>
-        <p:spPr>
-          <a:xfrm>
-            <a:off x="758952" y="3291840"/>
-            <a:ext cx="1627632" cy="265176"/>
-          </a:xfrm>
-          <a:prstGeom prst="rect">
-            <a:avLst/>
-          </a:prstGeom>
-          <a:noFill/>
-        </p:spPr>
-        <p:txBody>
-          <a:bodyPr wrap="none">
-            <a:spAutoFit/>
-          </a:bodyPr>
-          <a:lstStyle/>
-          <a:p>
-            <a:pPr algn="ctr">
-              <a:defRPr sz="1350"/>
-            </a:pPr>
-            <a:r>
-              <a:t>Datos = Conocimiento</a:t>
-            </a:r>
-          </a:p>
-        </p:txBody>
-      </p:sp>
-      <p:sp>
-        <p:nvSpPr>
-          <p:cNvPr id="13" name="Rectangle 12"/>
+              <a:defRPr sz="1800"/>
+            </a:pPr>
+            <a:r>
+              <a:t>Los datos son el combustible de la Inteligencia Artificial. Sin datos de calidad, los modelos de IA no pueden aprender correctamente.</a:t>
+            </a:r>
+          </a:p>
+        </p:txBody>
+      </p:sp>
+      <p:sp>
+        <p:nvSpPr>
+          <p:cNvPr id="11" name="Rectangle 10"/>
           <p:cNvSpPr/>
           <p:nvPr/>
         </p:nvSpPr>
         <p:spPr>
           <a:xfrm>
-            <a:off x="3300984" y="2377440"/>
+            <a:off x="301752" y="3374136"/>
             <a:ext cx="2542032" cy="1371600"/>
           </a:xfrm>
           <a:prstGeom prst="rect">
@@ -2642,13 +3585,13 @@
       </p:sp>
       <p:sp>
         <p:nvSpPr>
-          <p:cNvPr id="14" name="TextBox 13"/>
-          <p:cNvSpPr txBox="1"/>
-          <p:nvPr/>
-        </p:nvSpPr>
-        <p:spPr>
-          <a:xfrm>
-            <a:off x="4279392" y="2532888"/>
+          <p:cNvPr id="12" name="TextBox 11"/>
+          <p:cNvSpPr txBox="1"/>
+          <p:nvPr/>
+        </p:nvSpPr>
+        <p:spPr>
+          <a:xfrm>
+            <a:off x="1280160" y="3529584"/>
             <a:ext cx="585216" cy="457200"/>
           </a:xfrm>
           <a:prstGeom prst="rect">
@@ -2666,20 +3609,20 @@
               <a:defRPr sz="3600"/>
             </a:pPr>
             <a:r>
-              <a:t>🎯</a:t>
-            </a:r>
-          </a:p>
-        </p:txBody>
-      </p:sp>
-      <p:sp>
-        <p:nvSpPr>
-          <p:cNvPr id="15" name="TextBox 14"/>
-          <p:cNvSpPr txBox="1"/>
-          <p:nvPr/>
-        </p:nvSpPr>
-        <p:spPr>
-          <a:xfrm>
-            <a:off x="3758183" y="3291840"/>
+              <a:t>💡</a:t>
+            </a:r>
+          </a:p>
+        </p:txBody>
+      </p:sp>
+      <p:sp>
+        <p:nvSpPr>
+          <p:cNvPr id="13" name="TextBox 12"/>
+          <p:cNvSpPr txBox="1"/>
+          <p:nvPr/>
+        </p:nvSpPr>
+        <p:spPr>
+          <a:xfrm>
+            <a:off x="758951" y="4288536"/>
             <a:ext cx="1627632" cy="265176"/>
           </a:xfrm>
           <a:prstGeom prst="rect">
@@ -2697,20 +3640,20 @@
               <a:defRPr sz="1350"/>
             </a:pPr>
             <a:r>
-              <a:t>Calidad &gt; Cantidad</a:t>
-            </a:r>
-          </a:p>
-        </p:txBody>
-      </p:sp>
-      <p:sp>
-        <p:nvSpPr>
-          <p:cNvPr id="16" name="Rectangle 15"/>
+              <a:t>Datos = Conocimiento</a:t>
+            </a:r>
+          </a:p>
+        </p:txBody>
+      </p:sp>
+      <p:sp>
+        <p:nvSpPr>
+          <p:cNvPr id="14" name="Rectangle 13"/>
           <p:cNvSpPr/>
           <p:nvPr/>
         </p:nvSpPr>
         <p:spPr>
           <a:xfrm>
-            <a:off x="6300216" y="2377440"/>
+            <a:off x="3300984" y="3374136"/>
             <a:ext cx="2542032" cy="1371600"/>
           </a:xfrm>
           <a:prstGeom prst="rect">
@@ -2747,13 +3690,13 @@
       </p:sp>
       <p:sp>
         <p:nvSpPr>
-          <p:cNvPr id="17" name="TextBox 16"/>
-          <p:cNvSpPr txBox="1"/>
-          <p:nvPr/>
-        </p:nvSpPr>
-        <p:spPr>
-          <a:xfrm>
-            <a:off x="7278624" y="2532888"/>
+          <p:cNvPr id="15" name="TextBox 14"/>
+          <p:cNvSpPr txBox="1"/>
+          <p:nvPr/>
+        </p:nvSpPr>
+        <p:spPr>
+          <a:xfrm>
+            <a:off x="4279392" y="3529584"/>
             <a:ext cx="585216" cy="457200"/>
           </a:xfrm>
           <a:prstGeom prst="rect">
@@ -2771,6 +3714,111 @@
               <a:defRPr sz="3600"/>
             </a:pPr>
             <a:r>
+              <a:t>🎯</a:t>
+            </a:r>
+          </a:p>
+        </p:txBody>
+      </p:sp>
+      <p:sp>
+        <p:nvSpPr>
+          <p:cNvPr id="16" name="TextBox 15"/>
+          <p:cNvSpPr txBox="1"/>
+          <p:nvPr/>
+        </p:nvSpPr>
+        <p:spPr>
+          <a:xfrm>
+            <a:off x="3758183" y="4288536"/>
+            <a:ext cx="1627632" cy="265176"/>
+          </a:xfrm>
+          <a:prstGeom prst="rect">
+            <a:avLst/>
+          </a:prstGeom>
+          <a:noFill/>
+        </p:spPr>
+        <p:txBody>
+          <a:bodyPr wrap="none">
+            <a:spAutoFit/>
+          </a:bodyPr>
+          <a:lstStyle/>
+          <a:p>
+            <a:pPr algn="ctr">
+              <a:defRPr sz="1350"/>
+            </a:pPr>
+            <a:r>
+              <a:t>Calidad &gt; Cantidad</a:t>
+            </a:r>
+          </a:p>
+        </p:txBody>
+      </p:sp>
+      <p:sp>
+        <p:nvSpPr>
+          <p:cNvPr id="17" name="Rectangle 16"/>
+          <p:cNvSpPr/>
+          <p:nvPr/>
+        </p:nvSpPr>
+        <p:spPr>
+          <a:xfrm>
+            <a:off x="6300216" y="3374136"/>
+            <a:ext cx="2542032" cy="1371600"/>
+          </a:xfrm>
+          <a:prstGeom prst="rect">
+            <a:avLst/>
+          </a:prstGeom>
+          <a:solidFill>
+            <a:srgbClr val="F1F5F9"/>
+          </a:solidFill>
+          <a:ln>
+            <a:noFill/>
+          </a:ln>
+        </p:spPr>
+        <p:style>
+          <a:lnRef idx="1">
+            <a:schemeClr val="accent1"/>
+          </a:lnRef>
+          <a:fillRef idx="3">
+            <a:schemeClr val="accent1"/>
+          </a:fillRef>
+          <a:effectRef idx="2">
+            <a:schemeClr val="accent1"/>
+          </a:effectRef>
+          <a:fontRef idx="minor">
+            <a:schemeClr val="lt1"/>
+          </a:fontRef>
+        </p:style>
+        <p:txBody>
+          <a:bodyPr rtlCol="0" anchor="ctr"/>
+          <a:lstStyle/>
+          <a:p>
+            <a:pPr algn="ctr"/>
+          </a:p>
+        </p:txBody>
+      </p:sp>
+      <p:sp>
+        <p:nvSpPr>
+          <p:cNvPr id="18" name="TextBox 17"/>
+          <p:cNvSpPr txBox="1"/>
+          <p:nvPr/>
+        </p:nvSpPr>
+        <p:spPr>
+          <a:xfrm>
+            <a:off x="7278624" y="3529584"/>
+            <a:ext cx="585216" cy="457200"/>
+          </a:xfrm>
+          <a:prstGeom prst="rect">
+            <a:avLst/>
+          </a:prstGeom>
+          <a:noFill/>
+        </p:spPr>
+        <p:txBody>
+          <a:bodyPr wrap="none">
+            <a:spAutoFit/>
+          </a:bodyPr>
+          <a:lstStyle/>
+          <a:p>
+            <a:pPr algn="ctr">
+              <a:defRPr sz="3600"/>
+            </a:pPr>
+            <a:r>
               <a:t>📊</a:t>
             </a:r>
           </a:p>
@@ -2778,13 +3826,13 @@
       </p:sp>
       <p:sp>
         <p:nvSpPr>
-          <p:cNvPr id="18" name="TextBox 17"/>
-          <p:cNvSpPr txBox="1"/>
-          <p:nvPr/>
-        </p:nvSpPr>
-        <p:spPr>
-          <a:xfrm>
-            <a:off x="6757416" y="3291840"/>
+          <p:cNvPr id="19" name="TextBox 18"/>
+          <p:cNvSpPr txBox="1"/>
+          <p:nvPr/>
+        </p:nvSpPr>
+        <p:spPr>
+          <a:xfrm>
+            <a:off x="6757416" y="4288536"/>
             <a:ext cx="1627632" cy="265176"/>
           </a:xfrm>
           <a:prstGeom prst="rect">
@@ -2877,7 +3925,7 @@
         <p:spPr>
           <a:xfrm>
             <a:off x="0" y="859536"/>
-            <a:ext cx="9144000" cy="18288"/>
+            <a:ext cx="9144000" cy="0"/>
           </a:xfrm>
           <a:prstGeom prst="rect">
             <a:avLst/>
@@ -2981,14 +4029,14 @@
         </p:nvSpPr>
         <p:spPr>
           <a:xfrm>
-            <a:off x="548640" y="1371600"/>
-            <a:ext cx="3749039" cy="1188720"/>
+            <a:off x="228600" y="1179576"/>
+            <a:ext cx="4114800" cy="1828800"/>
           </a:xfrm>
           <a:prstGeom prst="rect">
             <a:avLst/>
           </a:prstGeom>
           <a:solidFill>
-            <a:srgbClr val="F1F5F9"/>
+            <a:srgbClr val="FFFFFF"/>
           </a:solidFill>
           <a:ln>
             <a:noFill/>
@@ -3024,8 +4072,8 @@
         </p:nvSpPr>
         <p:spPr>
           <a:xfrm>
-            <a:off x="731520" y="1508760"/>
-            <a:ext cx="3383280" cy="365760"/>
+            <a:off x="475488" y="1426464"/>
+            <a:ext cx="3694176" cy="265176"/>
           </a:xfrm>
           <a:prstGeom prst="rect">
             <a:avLst/>
@@ -3055,8 +4103,8 @@
         </p:nvSpPr>
         <p:spPr>
           <a:xfrm>
-            <a:off x="731520" y="1920240"/>
-            <a:ext cx="3383280" cy="548640"/>
+            <a:off x="475488" y="1847088"/>
+            <a:ext cx="3694176" cy="457200"/>
           </a:xfrm>
           <a:prstGeom prst="rect">
             <a:avLst/>
@@ -3091,14 +4139,14 @@
         </p:nvSpPr>
         <p:spPr>
           <a:xfrm>
-            <a:off x="4709160" y="1371600"/>
-            <a:ext cx="3749039" cy="1188720"/>
+            <a:off x="4800600" y="1179576"/>
+            <a:ext cx="4114800" cy="1828800"/>
           </a:xfrm>
           <a:prstGeom prst="rect">
             <a:avLst/>
           </a:prstGeom>
           <a:solidFill>
-            <a:srgbClr val="F1F5F9"/>
+            <a:srgbClr val="FFFFFF"/>
           </a:solidFill>
           <a:ln>
             <a:noFill/>
@@ -3134,8 +4182,8 @@
         </p:nvSpPr>
         <p:spPr>
           <a:xfrm>
-            <a:off x="4892040" y="1508760"/>
-            <a:ext cx="3383280" cy="365760"/>
+            <a:off x="5047488" y="1426464"/>
+            <a:ext cx="3694176" cy="265176"/>
           </a:xfrm>
           <a:prstGeom prst="rect">
             <a:avLst/>
@@ -3165,8 +4213,8 @@
         </p:nvSpPr>
         <p:spPr>
           <a:xfrm>
-            <a:off x="4892040" y="1920240"/>
-            <a:ext cx="3383280" cy="548640"/>
+            <a:off x="5047488" y="1847088"/>
+            <a:ext cx="3694176" cy="457200"/>
           </a:xfrm>
           <a:prstGeom prst="rect">
             <a:avLst/>
@@ -3201,14 +4249,14 @@
         </p:nvSpPr>
         <p:spPr>
           <a:xfrm>
-            <a:off x="548640" y="3200400"/>
-            <a:ext cx="3749039" cy="1188720"/>
+            <a:off x="228600" y="3236976"/>
+            <a:ext cx="4114800" cy="1828800"/>
           </a:xfrm>
           <a:prstGeom prst="rect">
             <a:avLst/>
           </a:prstGeom>
           <a:solidFill>
-            <a:srgbClr val="F1F5F9"/>
+            <a:srgbClr val="FFFFFF"/>
           </a:solidFill>
           <a:ln>
             <a:noFill/>
@@ -3244,8 +4292,8 @@
         </p:nvSpPr>
         <p:spPr>
           <a:xfrm>
-            <a:off x="731520" y="3337560"/>
-            <a:ext cx="3383280" cy="365760"/>
+            <a:off x="475488" y="3483864"/>
+            <a:ext cx="3694176" cy="265176"/>
           </a:xfrm>
           <a:prstGeom prst="rect">
             <a:avLst/>
@@ -3275,8 +4323,8 @@
         </p:nvSpPr>
         <p:spPr>
           <a:xfrm>
-            <a:off x="731520" y="3749039"/>
-            <a:ext cx="3383280" cy="548640"/>
+            <a:off x="475488" y="3904487"/>
+            <a:ext cx="3694176" cy="457200"/>
           </a:xfrm>
           <a:prstGeom prst="rect">
             <a:avLst/>
@@ -3311,14 +4359,14 @@
         </p:nvSpPr>
         <p:spPr>
           <a:xfrm>
-            <a:off x="4709160" y="3200400"/>
-            <a:ext cx="3749039" cy="1188720"/>
+            <a:off x="4800600" y="3236976"/>
+            <a:ext cx="4114800" cy="1828800"/>
           </a:xfrm>
           <a:prstGeom prst="rect">
             <a:avLst/>
           </a:prstGeom>
           <a:solidFill>
-            <a:srgbClr val="F1F5F9"/>
+            <a:srgbClr val="FFFFFF"/>
           </a:solidFill>
           <a:ln>
             <a:noFill/>
@@ -3354,8 +4402,8 @@
         </p:nvSpPr>
         <p:spPr>
           <a:xfrm>
-            <a:off x="4892040" y="3337560"/>
-            <a:ext cx="3383280" cy="365760"/>
+            <a:off x="5047488" y="3483864"/>
+            <a:ext cx="3694176" cy="265176"/>
           </a:xfrm>
           <a:prstGeom prst="rect">
             <a:avLst/>
@@ -3385,8 +4433,8 @@
         </p:nvSpPr>
         <p:spPr>
           <a:xfrm>
-            <a:off x="4892040" y="3749039"/>
-            <a:ext cx="3383280" cy="548640"/>
+            <a:off x="5047488" y="3904487"/>
+            <a:ext cx="3694176" cy="457200"/>
           </a:xfrm>
           <a:prstGeom prst="rect">
             <a:avLst/>
@@ -3483,7 +4531,7 @@
         <p:spPr>
           <a:xfrm>
             <a:off x="0" y="859536"/>
-            <a:ext cx="9144000" cy="18288"/>
+            <a:ext cx="9144000" cy="0"/>
           </a:xfrm>
           <a:prstGeom prst="rect">
             <a:avLst/>
@@ -3581,14 +4629,202 @@
       </p:pic>
       <p:sp>
         <p:nvSpPr>
-          <p:cNvPr id="9" name="TextBox 8"/>
-          <p:cNvSpPr txBox="1"/>
-          <p:nvPr/>
-        </p:nvSpPr>
-        <p:spPr>
-          <a:xfrm>
-            <a:off x="731520" y="1371600"/>
-            <a:ext cx="7680960" cy="3474720"/>
+          <p:cNvPr id="9" name="Rectangle 8"/>
+          <p:cNvSpPr/>
+          <p:nvPr/>
+        </p:nvSpPr>
+        <p:spPr>
+          <a:xfrm>
+            <a:off x="548640" y="1197864"/>
+            <a:ext cx="8055864" cy="1673352"/>
+          </a:xfrm>
+          <a:prstGeom prst="rect">
+            <a:avLst/>
+          </a:prstGeom>
+          <a:solidFill>
+            <a:srgbClr val="F1F5F9"/>
+          </a:solidFill>
+          <a:ln>
+            <a:noFill/>
+          </a:ln>
+        </p:spPr>
+        <p:style>
+          <a:lnRef idx="1">
+            <a:schemeClr val="accent1"/>
+          </a:lnRef>
+          <a:fillRef idx="3">
+            <a:schemeClr val="accent1"/>
+          </a:fillRef>
+          <a:effectRef idx="2">
+            <a:schemeClr val="accent1"/>
+          </a:effectRef>
+          <a:fontRef idx="minor">
+            <a:schemeClr val="lt1"/>
+          </a:fontRef>
+        </p:style>
+        <p:txBody>
+          <a:bodyPr rtlCol="0" anchor="ctr"/>
+          <a:lstStyle/>
+          <a:p>
+            <a:pPr algn="ctr"/>
+          </a:p>
+        </p:txBody>
+      </p:sp>
+      <p:sp>
+        <p:nvSpPr>
+          <p:cNvPr id="10" name="TextBox 9"/>
+          <p:cNvSpPr txBox="1"/>
+          <p:nvPr/>
+        </p:nvSpPr>
+        <p:spPr>
+          <a:xfrm>
+            <a:off x="850392" y="1581912"/>
+            <a:ext cx="7434072" cy="457200"/>
+          </a:xfrm>
+          <a:prstGeom prst="rect">
+            <a:avLst/>
+          </a:prstGeom>
+          <a:noFill/>
+        </p:spPr>
+        <p:txBody>
+          <a:bodyPr wrap="none">
+            <a:spAutoFit/>
+          </a:bodyPr>
+          <a:lstStyle/>
+          <a:p>
+            <a:pPr algn="ctr">
+              <a:defRPr sz="3600" b="1"/>
+            </a:pPr>
+            <a:r>
+              <a:t>5 Reglas de Oro</a:t>
+            </a:r>
+          </a:p>
+        </p:txBody>
+      </p:sp>
+      <p:sp>
+        <p:nvSpPr>
+          <p:cNvPr id="11" name="Rectangle 10"/>
+          <p:cNvSpPr/>
+          <p:nvPr/>
+        </p:nvSpPr>
+        <p:spPr>
+          <a:xfrm>
+            <a:off x="1280160" y="3328416"/>
+            <a:ext cx="6583680" cy="1417320"/>
+          </a:xfrm>
+          <a:prstGeom prst="rect">
+            <a:avLst/>
+          </a:prstGeom>
+          <a:solidFill>
+            <a:srgbClr val="F1F5F9"/>
+          </a:solidFill>
+          <a:ln>
+            <a:noFill/>
+          </a:ln>
+        </p:spPr>
+        <p:style>
+          <a:lnRef idx="1">
+            <a:schemeClr val="accent1"/>
+          </a:lnRef>
+          <a:fillRef idx="3">
+            <a:schemeClr val="accent1"/>
+          </a:fillRef>
+          <a:effectRef idx="2">
+            <a:schemeClr val="accent1"/>
+          </a:effectRef>
+          <a:fontRef idx="minor">
+            <a:schemeClr val="lt1"/>
+          </a:fontRef>
+        </p:style>
+        <p:txBody>
+          <a:bodyPr rtlCol="0" anchor="ctr"/>
+          <a:lstStyle/>
+          <a:p>
+            <a:pPr algn="ctr"/>
+          </a:p>
+        </p:txBody>
+      </p:sp>
+      <p:sp>
+        <p:nvSpPr>
+          <p:cNvPr id="12" name="Rectangle 11"/>
+          <p:cNvSpPr/>
+          <p:nvPr/>
+        </p:nvSpPr>
+        <p:spPr>
+          <a:xfrm>
+            <a:off x="1307592" y="3328416"/>
+            <a:ext cx="0" cy="1417320"/>
+          </a:xfrm>
+          <a:prstGeom prst="rect">
+            <a:avLst/>
+          </a:prstGeom>
+          <a:ln>
+            <a:noFill/>
+          </a:ln>
+        </p:spPr>
+        <p:style>
+          <a:lnRef idx="1">
+            <a:schemeClr val="accent1"/>
+          </a:lnRef>
+          <a:fillRef idx="3">
+            <a:schemeClr val="accent1"/>
+          </a:fillRef>
+          <a:effectRef idx="2">
+            <a:schemeClr val="accent1"/>
+          </a:effectRef>
+          <a:fontRef idx="minor">
+            <a:schemeClr val="lt1"/>
+          </a:fontRef>
+        </p:style>
+        <p:txBody>
+          <a:bodyPr rtlCol="0" anchor="ctr"/>
+          <a:lstStyle/>
+          <a:p>
+            <a:pPr algn="ctr"/>
+          </a:p>
+        </p:txBody>
+      </p:sp>
+      <p:sp>
+        <p:nvSpPr>
+          <p:cNvPr id="13" name="TextBox 12"/>
+          <p:cNvSpPr txBox="1"/>
+          <p:nvPr/>
+        </p:nvSpPr>
+        <p:spPr>
+          <a:xfrm>
+            <a:off x="1508760" y="3557016"/>
+            <a:ext cx="6190488" cy="265176"/>
+          </a:xfrm>
+          <a:prstGeom prst="rect">
+            <a:avLst/>
+          </a:prstGeom>
+          <a:noFill/>
+        </p:spPr>
+        <p:txBody>
+          <a:bodyPr wrap="none">
+            <a:spAutoFit/>
+          </a:bodyPr>
+          <a:lstStyle/>
+          <a:p>
+            <a:pPr algn="ctr">
+              <a:defRPr sz="1500" b="1"/>
+            </a:pPr>
+            <a:r>
+              <a:t>💭 Reglas clave</a:t>
+            </a:r>
+          </a:p>
+        </p:txBody>
+      </p:sp>
+      <p:sp>
+        <p:nvSpPr>
+          <p:cNvPr id="14" name="TextBox 13"/>
+          <p:cNvSpPr txBox="1"/>
+          <p:nvPr/>
+        </p:nvSpPr>
+        <p:spPr>
+          <a:xfrm>
+            <a:off x="1563624" y="3950208"/>
+            <a:ext cx="6071616" cy="566928"/>
           </a:xfrm>
           <a:prstGeom prst="rect">
             <a:avLst/>
@@ -3601,63 +4837,11 @@
           </a:bodyPr>
           <a:lstStyle/>
           <a:p>
-            <a:pPr algn="l">
-              <a:spcAft>
-                <a:spcPts val="1500"/>
-              </a:spcAft>
-              <a:defRPr sz="1500"/>
-            </a:pPr>
-            <a:r>
-              <a:rPr b="1"/>
-              <a:t>1️⃣ Cantidad suficiente Necesitas muchos ejemplos de cada categoría (mínimo 20-30)</a:t>
-            </a:r>
-          </a:p>
-          <a:p>
-            <a:pPr algn="l">
-              <a:spcAft>
-                <a:spcPts val="1500"/>
-              </a:spcAft>
-              <a:defRPr sz="1500"/>
-            </a:pPr>
-            <a:r>
-              <a:rPr b="1"/>
-              <a:t>2️⃣ Variedad Incluye diferentes ángulos, iluminación, fondos, contextos</a:t>
-            </a:r>
-          </a:p>
-          <a:p>
-            <a:pPr algn="l">
-              <a:spcAft>
-                <a:spcPts val="1500"/>
-              </a:spcAft>
-              <a:defRPr sz="1500"/>
-            </a:pPr>
-            <a:r>
-              <a:rPr b="1"/>
-              <a:t>3️⃣ Claridad Asegúrate de que los datos sean claros y representativos</a:t>
-            </a:r>
-          </a:p>
-          <a:p>
-            <a:pPr algn="l">
-              <a:spcAft>
-                <a:spcPts val="1500"/>
-              </a:spcAft>
-              <a:defRPr sz="1500"/>
-            </a:pPr>
-            <a:r>
-              <a:rPr b="1"/>
-              <a:t>4️⃣ Balance Ten una cantidad similar de datos para cada categoría</a:t>
-            </a:r>
-          </a:p>
-          <a:p>
-            <a:pPr algn="l">
-              <a:spcAft>
-                <a:spcPts val="1500"/>
-              </a:spcAft>
-              <a:defRPr sz="1500"/>
-            </a:pPr>
-            <a:r>
-              <a:rPr b="1"/>
-              <a:t>5️⃣ Relevancia Los datos deben relacionarse directamente con tu proyecto</a:t>
+            <a:pPr algn="ctr">
+              <a:defRPr sz="1350"/>
+            </a:pPr>
+            <a:r>
+              <a:t>Cantidad suficiente • Variedad • Claridad • Balance • Relevancia</a:t>
             </a:r>
           </a:p>
         </p:txBody>
@@ -3732,7 +4916,7 @@
         <p:spPr>
           <a:xfrm>
             <a:off x="0" y="859536"/>
-            <a:ext cx="9144000" cy="18288"/>
+            <a:ext cx="9144000" cy="0"/>
           </a:xfrm>
           <a:prstGeom prst="rect">
             <a:avLst/>
@@ -3793,7 +4977,7 @@
               </a:defRPr>
             </a:pPr>
             <a:r>
-              <a:t>Ejemplo Práctico: Clasificador de Animales</a:t>
+              <a:t>Ejemplos de Datos en Acción</a:t>
             </a:r>
           </a:p>
         </p:txBody>
@@ -3830,14 +5014,57 @@
       </p:pic>
       <p:sp>
         <p:nvSpPr>
-          <p:cNvPr id="9" name="TextBox 8"/>
-          <p:cNvSpPr txBox="1"/>
-          <p:nvPr/>
-        </p:nvSpPr>
-        <p:spPr>
-          <a:xfrm>
-            <a:off x="731520" y="1280160"/>
-            <a:ext cx="7680960" cy="457200"/>
+          <p:cNvPr id="9" name="Rectangle 8"/>
+          <p:cNvSpPr/>
+          <p:nvPr/>
+        </p:nvSpPr>
+        <p:spPr>
+          <a:xfrm>
+            <a:off x="228600" y="1563624"/>
+            <a:ext cx="4114800" cy="1444752"/>
+          </a:xfrm>
+          <a:prstGeom prst="rect">
+            <a:avLst/>
+          </a:prstGeom>
+          <a:solidFill>
+            <a:srgbClr val="FFFFFF"/>
+          </a:solidFill>
+          <a:ln>
+            <a:noFill/>
+          </a:ln>
+        </p:spPr>
+        <p:style>
+          <a:lnRef idx="1">
+            <a:schemeClr val="accent1"/>
+          </a:lnRef>
+          <a:fillRef idx="3">
+            <a:schemeClr val="accent1"/>
+          </a:fillRef>
+          <a:effectRef idx="2">
+            <a:schemeClr val="accent1"/>
+          </a:effectRef>
+          <a:fontRef idx="minor">
+            <a:schemeClr val="lt1"/>
+          </a:fontRef>
+        </p:style>
+        <p:txBody>
+          <a:bodyPr rtlCol="0" anchor="ctr"/>
+          <a:lstStyle/>
+          <a:p>
+            <a:pPr algn="ctr"/>
+          </a:p>
+        </p:txBody>
+      </p:sp>
+      <p:sp>
+        <p:nvSpPr>
+          <p:cNvPr id="10" name="TextBox 9"/>
+          <p:cNvSpPr txBox="1"/>
+          <p:nvPr/>
+        </p:nvSpPr>
+        <p:spPr>
+          <a:xfrm>
+            <a:off x="475488" y="1810512"/>
+            <a:ext cx="3694176" cy="301752"/>
           </a:xfrm>
           <a:prstGeom prst="rect">
             <a:avLst/>
@@ -3850,25 +5077,25 @@
           </a:bodyPr>
           <a:lstStyle/>
           <a:p>
-            <a:pPr algn="ctr">
-              <a:defRPr sz="2000" b="1"/>
-            </a:pPr>
-            <a:r>
-              <a:t>🎯 Proyecto: Una IA que identifique perros, gatos y pájaros</a:t>
-            </a:r>
-          </a:p>
-        </p:txBody>
-      </p:sp>
-      <p:sp>
-        <p:nvSpPr>
-          <p:cNvPr id="10" name="TextBox 9"/>
-          <p:cNvSpPr txBox="1"/>
-          <p:nvPr/>
-        </p:nvSpPr>
-        <p:spPr>
-          <a:xfrm>
-            <a:off x="1097280" y="2011680"/>
-            <a:ext cx="6949440" cy="2743200"/>
+            <a:pPr algn="l">
+              <a:defRPr sz="1800" b="1"/>
+            </a:pPr>
+            <a:r>
+              <a:t>🐕  Clasificador de Animales</a:t>
+            </a:r>
+          </a:p>
+        </p:txBody>
+      </p:sp>
+      <p:sp>
+        <p:nvSpPr>
+          <p:cNvPr id="11" name="TextBox 10"/>
+          <p:cNvSpPr txBox="1"/>
+          <p:nvPr/>
+        </p:nvSpPr>
+        <p:spPr>
+          <a:xfrm>
+            <a:off x="475488" y="2267712"/>
+            <a:ext cx="3694176" cy="457200"/>
           </a:xfrm>
           <a:prstGeom prst="rect">
             <a:avLst/>
@@ -3881,80 +5108,326 @@
           </a:bodyPr>
           <a:lstStyle/>
           <a:p>
-            <a:pPr>
-              <a:spcAft>
-                <a:spcPts val="1200"/>
-              </a:spcAft>
-              <a:defRPr sz="1600" b="1"/>
-            </a:pPr>
-            <a:r>
-              <a:t>Datos necesarios:</a:t>
-            </a:r>
-          </a:p>
-          <a:p>
-            <a:pPr lvl="1">
-              <a:spcAft>
-                <a:spcPts val="1000"/>
-              </a:spcAft>
-              <a:defRPr sz="1400"/>
-            </a:pPr>
-            <a:r>
-              <a:t>✓ 30+ fotos de perros (diferentes razas, tamaños, colores)</a:t>
-            </a:r>
-          </a:p>
-          <a:p>
-            <a:pPr lvl="1">
-              <a:spcAft>
-                <a:spcPts val="1000"/>
-              </a:spcAft>
-              <a:defRPr sz="1400"/>
-            </a:pPr>
-            <a:r>
-              <a:t>✓ 30+ fotos de gatos (diferentes poses, lugares)</a:t>
-            </a:r>
-          </a:p>
-          <a:p>
-            <a:pPr lvl="1">
-              <a:spcAft>
-                <a:spcPts val="1000"/>
-              </a:spcAft>
-              <a:defRPr sz="1400"/>
-            </a:pPr>
-            <a:r>
-              <a:t>✓ 30+ fotos de pájaros (en vuelo, posados, diferentes especies)</a:t>
-            </a:r>
-          </a:p>
-          <a:p>
-            <a:pPr lvl="1">
-              <a:spcAft>
-                <a:spcPts val="1000"/>
-              </a:spcAft>
-              <a:defRPr sz="1400"/>
-            </a:pPr>
-            <a:r>
-              <a:t>✓ Buena iluminación en todas las fotos</a:t>
-            </a:r>
-          </a:p>
-          <a:p>
-            <a:pPr lvl="1">
-              <a:spcAft>
-                <a:spcPts val="1000"/>
-              </a:spcAft>
-              <a:defRPr sz="1400"/>
-            </a:pPr>
-            <a:r>
-              <a:t>✓ Fondos variados para cada categoría</a:t>
-            </a:r>
-          </a:p>
-          <a:p>
-            <a:pPr lvl="1">
-              <a:spcAft>
-                <a:spcPts val="1000"/>
-              </a:spcAft>
-              <a:defRPr sz="1400"/>
-            </a:pPr>
-            <a:r>
-              <a:t>✓ Diferentes distancias: cerca y lejos</a:t>
+            <a:pPr algn="l">
+              <a:defRPr sz="1200"/>
+            </a:pPr>
+            <a:r>
+              <a:t>Reconoce perros, gatos y pájaros mediante fotos</a:t>
+            </a:r>
+          </a:p>
+        </p:txBody>
+      </p:sp>
+      <p:sp>
+        <p:nvSpPr>
+          <p:cNvPr id="12" name="Rectangle 11"/>
+          <p:cNvSpPr/>
+          <p:nvPr/>
+        </p:nvSpPr>
+        <p:spPr>
+          <a:xfrm>
+            <a:off x="4800600" y="1563624"/>
+            <a:ext cx="4114800" cy="1444752"/>
+          </a:xfrm>
+          <a:prstGeom prst="rect">
+            <a:avLst/>
+          </a:prstGeom>
+          <a:solidFill>
+            <a:srgbClr val="FFFFFF"/>
+          </a:solidFill>
+          <a:ln>
+            <a:noFill/>
+          </a:ln>
+        </p:spPr>
+        <p:style>
+          <a:lnRef idx="1">
+            <a:schemeClr val="accent1"/>
+          </a:lnRef>
+          <a:fillRef idx="3">
+            <a:schemeClr val="accent1"/>
+          </a:fillRef>
+          <a:effectRef idx="2">
+            <a:schemeClr val="accent1"/>
+          </a:effectRef>
+          <a:fontRef idx="minor">
+            <a:schemeClr val="lt1"/>
+          </a:fontRef>
+        </p:style>
+        <p:txBody>
+          <a:bodyPr rtlCol="0" anchor="ctr"/>
+          <a:lstStyle/>
+          <a:p>
+            <a:pPr algn="ctr"/>
+          </a:p>
+        </p:txBody>
+      </p:sp>
+      <p:sp>
+        <p:nvSpPr>
+          <p:cNvPr id="13" name="TextBox 12"/>
+          <p:cNvSpPr txBox="1"/>
+          <p:nvPr/>
+        </p:nvSpPr>
+        <p:spPr>
+          <a:xfrm>
+            <a:off x="5047488" y="1810512"/>
+            <a:ext cx="3694176" cy="301752"/>
+          </a:xfrm>
+          <a:prstGeom prst="rect">
+            <a:avLst/>
+          </a:prstGeom>
+          <a:noFill/>
+        </p:spPr>
+        <p:txBody>
+          <a:bodyPr wrap="none">
+            <a:spAutoFit/>
+          </a:bodyPr>
+          <a:lstStyle/>
+          <a:p>
+            <a:pPr algn="l">
+              <a:defRPr sz="1800" b="1"/>
+            </a:pPr>
+            <a:r>
+              <a:t>🗣️  Reconocedor de Voz</a:t>
+            </a:r>
+          </a:p>
+        </p:txBody>
+      </p:sp>
+      <p:sp>
+        <p:nvSpPr>
+          <p:cNvPr id="14" name="TextBox 13"/>
+          <p:cNvSpPr txBox="1"/>
+          <p:nvPr/>
+        </p:nvSpPr>
+        <p:spPr>
+          <a:xfrm>
+            <a:off x="5047488" y="2267712"/>
+            <a:ext cx="3694176" cy="457200"/>
+          </a:xfrm>
+          <a:prstGeom prst="rect">
+            <a:avLst/>
+          </a:prstGeom>
+          <a:noFill/>
+        </p:spPr>
+        <p:txBody>
+          <a:bodyPr wrap="square">
+            <a:spAutoFit/>
+          </a:bodyPr>
+          <a:lstStyle/>
+          <a:p>
+            <a:pPr algn="l">
+              <a:defRPr sz="1200"/>
+            </a:pPr>
+            <a:r>
+              <a:t>Identifica diferentes voces y comandos hablados</a:t>
+            </a:r>
+          </a:p>
+        </p:txBody>
+      </p:sp>
+      <p:sp>
+        <p:nvSpPr>
+          <p:cNvPr id="15" name="Rectangle 14"/>
+          <p:cNvSpPr/>
+          <p:nvPr/>
+        </p:nvSpPr>
+        <p:spPr>
+          <a:xfrm>
+            <a:off x="228600" y="3236976"/>
+            <a:ext cx="4114800" cy="1444752"/>
+          </a:xfrm>
+          <a:prstGeom prst="rect">
+            <a:avLst/>
+          </a:prstGeom>
+          <a:solidFill>
+            <a:srgbClr val="FFFFFF"/>
+          </a:solidFill>
+          <a:ln>
+            <a:noFill/>
+          </a:ln>
+        </p:spPr>
+        <p:style>
+          <a:lnRef idx="1">
+            <a:schemeClr val="accent1"/>
+          </a:lnRef>
+          <a:fillRef idx="3">
+            <a:schemeClr val="accent1"/>
+          </a:fillRef>
+          <a:effectRef idx="2">
+            <a:schemeClr val="accent1"/>
+          </a:effectRef>
+          <a:fontRef idx="minor">
+            <a:schemeClr val="lt1"/>
+          </a:fontRef>
+        </p:style>
+        <p:txBody>
+          <a:bodyPr rtlCol="0" anchor="ctr"/>
+          <a:lstStyle/>
+          <a:p>
+            <a:pPr algn="ctr"/>
+          </a:p>
+        </p:txBody>
+      </p:sp>
+      <p:sp>
+        <p:nvSpPr>
+          <p:cNvPr id="16" name="TextBox 15"/>
+          <p:cNvSpPr txBox="1"/>
+          <p:nvPr/>
+        </p:nvSpPr>
+        <p:spPr>
+          <a:xfrm>
+            <a:off x="475488" y="3483864"/>
+            <a:ext cx="3694176" cy="301752"/>
+          </a:xfrm>
+          <a:prstGeom prst="rect">
+            <a:avLst/>
+          </a:prstGeom>
+          <a:noFill/>
+        </p:spPr>
+        <p:txBody>
+          <a:bodyPr wrap="none">
+            <a:spAutoFit/>
+          </a:bodyPr>
+          <a:lstStyle/>
+          <a:p>
+            <a:pPr algn="l">
+              <a:defRPr sz="1800" b="1"/>
+            </a:pPr>
+            <a:r>
+              <a:t>👋  Detector de Gestos</a:t>
+            </a:r>
+          </a:p>
+        </p:txBody>
+      </p:sp>
+      <p:sp>
+        <p:nvSpPr>
+          <p:cNvPr id="17" name="TextBox 16"/>
+          <p:cNvSpPr txBox="1"/>
+          <p:nvPr/>
+        </p:nvSpPr>
+        <p:spPr>
+          <a:xfrm>
+            <a:off x="475488" y="3941064"/>
+            <a:ext cx="3694176" cy="457200"/>
+          </a:xfrm>
+          <a:prstGeom prst="rect">
+            <a:avLst/>
+          </a:prstGeom>
+          <a:noFill/>
+        </p:spPr>
+        <p:txBody>
+          <a:bodyPr wrap="square">
+            <a:spAutoFit/>
+          </a:bodyPr>
+          <a:lstStyle/>
+          <a:p>
+            <a:pPr algn="l">
+              <a:defRPr sz="1200"/>
+            </a:pPr>
+            <a:r>
+              <a:t>Reconoce movimientos de manos para controlar dispositivos</a:t>
+            </a:r>
+          </a:p>
+        </p:txBody>
+      </p:sp>
+      <p:sp>
+        <p:nvSpPr>
+          <p:cNvPr id="18" name="Rectangle 17"/>
+          <p:cNvSpPr/>
+          <p:nvPr/>
+        </p:nvSpPr>
+        <p:spPr>
+          <a:xfrm>
+            <a:off x="4800600" y="3236976"/>
+            <a:ext cx="4114800" cy="1444752"/>
+          </a:xfrm>
+          <a:prstGeom prst="rect">
+            <a:avLst/>
+          </a:prstGeom>
+          <a:solidFill>
+            <a:srgbClr val="FFFFFF"/>
+          </a:solidFill>
+          <a:ln>
+            <a:noFill/>
+          </a:ln>
+        </p:spPr>
+        <p:style>
+          <a:lnRef idx="1">
+            <a:schemeClr val="accent1"/>
+          </a:lnRef>
+          <a:fillRef idx="3">
+            <a:schemeClr val="accent1"/>
+          </a:fillRef>
+          <a:effectRef idx="2">
+            <a:schemeClr val="accent1"/>
+          </a:effectRef>
+          <a:fontRef idx="minor">
+            <a:schemeClr val="lt1"/>
+          </a:fontRef>
+        </p:style>
+        <p:txBody>
+          <a:bodyPr rtlCol="0" anchor="ctr"/>
+          <a:lstStyle/>
+          <a:p>
+            <a:pPr algn="ctr"/>
+          </a:p>
+        </p:txBody>
+      </p:sp>
+      <p:sp>
+        <p:nvSpPr>
+          <p:cNvPr id="19" name="TextBox 18"/>
+          <p:cNvSpPr txBox="1"/>
+          <p:nvPr/>
+        </p:nvSpPr>
+        <p:spPr>
+          <a:xfrm>
+            <a:off x="5047488" y="3483864"/>
+            <a:ext cx="3694176" cy="301752"/>
+          </a:xfrm>
+          <a:prstGeom prst="rect">
+            <a:avLst/>
+          </a:prstGeom>
+          <a:noFill/>
+        </p:spPr>
+        <p:txBody>
+          <a:bodyPr wrap="none">
+            <a:spAutoFit/>
+          </a:bodyPr>
+          <a:lstStyle/>
+          <a:p>
+            <a:pPr algn="l">
+              <a:defRPr sz="1800" b="1"/>
+            </a:pPr>
+            <a:r>
+              <a:t>📚  Clasificador de Texto</a:t>
+            </a:r>
+          </a:p>
+        </p:txBody>
+      </p:sp>
+      <p:sp>
+        <p:nvSpPr>
+          <p:cNvPr id="20" name="TextBox 19"/>
+          <p:cNvSpPr txBox="1"/>
+          <p:nvPr/>
+        </p:nvSpPr>
+        <p:spPr>
+          <a:xfrm>
+            <a:off x="5047488" y="3941064"/>
+            <a:ext cx="3694176" cy="457200"/>
+          </a:xfrm>
+          <a:prstGeom prst="rect">
+            <a:avLst/>
+          </a:prstGeom>
+          <a:noFill/>
+        </p:spPr>
+        <p:txBody>
+          <a:bodyPr wrap="square">
+            <a:spAutoFit/>
+          </a:bodyPr>
+          <a:lstStyle/>
+          <a:p>
+            <a:pPr algn="l">
+              <a:defRPr sz="1200"/>
+            </a:pPr>
+            <a:r>
+              <a:t>Categoriza comentarios como positivos o negativos</a:t>
             </a:r>
           </a:p>
         </p:txBody>
@@ -4029,7 +5502,7 @@
         <p:spPr>
           <a:xfrm>
             <a:off x="0" y="859536"/>
-            <a:ext cx="9144000" cy="18288"/>
+            <a:ext cx="9144000" cy="0"/>
           </a:xfrm>
           <a:prstGeom prst="rect">
             <a:avLst/>
@@ -4090,7 +5563,7 @@
               </a:defRPr>
             </a:pPr>
             <a:r>
-              <a:t>Herramientas para Recopilar Datos</a:t>
+              <a:t>Pasos para Recopilar Datos</a:t>
             </a:r>
           </a:p>
         </p:txBody>
@@ -4133,14 +5606,14 @@
         </p:nvSpPr>
         <p:spPr>
           <a:xfrm>
-            <a:off x="548640" y="1371600"/>
-            <a:ext cx="3749039" cy="1097280"/>
+            <a:off x="384048" y="877824"/>
+            <a:ext cx="8211312" cy="576072"/>
           </a:xfrm>
           <a:prstGeom prst="rect">
             <a:avLst/>
           </a:prstGeom>
           <a:solidFill>
-            <a:srgbClr val="F1F5F9"/>
+            <a:srgbClr val="FFFFFF"/>
           </a:solidFill>
           <a:ln>
             <a:noFill/>
@@ -4170,82 +5643,20 @@
       </p:sp>
       <p:sp>
         <p:nvSpPr>
-          <p:cNvPr id="10" name="TextBox 9"/>
-          <p:cNvSpPr txBox="1"/>
-          <p:nvPr/>
-        </p:nvSpPr>
-        <p:spPr>
-          <a:xfrm>
-            <a:off x="731520" y="1508760"/>
-            <a:ext cx="3383280" cy="320040"/>
-          </a:xfrm>
-          <a:prstGeom prst="rect">
-            <a:avLst/>
-          </a:prstGeom>
-          <a:noFill/>
-        </p:spPr>
-        <p:txBody>
-          <a:bodyPr wrap="none">
-            <a:spAutoFit/>
-          </a:bodyPr>
-          <a:lstStyle/>
-          <a:p>
-            <a:pPr algn="l">
-              <a:defRPr sz="1600" b="1"/>
-            </a:pPr>
-            <a:r>
-              <a:t>📱  Cámara del celular</a:t>
-            </a:r>
-          </a:p>
-        </p:txBody>
-      </p:sp>
-      <p:sp>
-        <p:nvSpPr>
-          <p:cNvPr id="11" name="TextBox 10"/>
-          <p:cNvSpPr txBox="1"/>
-          <p:nvPr/>
-        </p:nvSpPr>
-        <p:spPr>
-          <a:xfrm>
-            <a:off x="731520" y="1874519"/>
-            <a:ext cx="3383280" cy="502920"/>
-          </a:xfrm>
-          <a:prstGeom prst="rect">
-            <a:avLst/>
-          </a:prstGeom>
-          <a:noFill/>
-        </p:spPr>
-        <p:txBody>
-          <a:bodyPr wrap="square">
-            <a:spAutoFit/>
-          </a:bodyPr>
-          <a:lstStyle/>
-          <a:p>
-            <a:pPr algn="l">
-              <a:defRPr sz="1200"/>
-            </a:pPr>
-            <a:r>
-              <a:t>Captura imágenes y videos fácilmente</a:t>
-            </a:r>
-          </a:p>
-        </p:txBody>
-      </p:sp>
-      <p:sp>
-        <p:nvSpPr>
-          <p:cNvPr id="12" name="Rectangle 11"/>
+          <p:cNvPr id="10" name="Rectangle 9"/>
           <p:cNvSpPr/>
           <p:nvPr/>
         </p:nvSpPr>
         <p:spPr>
           <a:xfrm>
-            <a:off x="4709160" y="1371600"/>
-            <a:ext cx="3749039" cy="1097280"/>
+            <a:off x="539496" y="621792"/>
+            <a:ext cx="283464" cy="210312"/>
           </a:xfrm>
           <a:prstGeom prst="rect">
             <a:avLst/>
           </a:prstGeom>
           <a:solidFill>
-            <a:srgbClr val="F1F5F9"/>
+            <a:srgbClr val="F59E0B"/>
           </a:solidFill>
           <a:ln>
             <a:noFill/>
@@ -4275,14 +5686,76 @@
       </p:sp>
       <p:sp>
         <p:nvSpPr>
+          <p:cNvPr id="11" name="TextBox 10"/>
+          <p:cNvSpPr txBox="1"/>
+          <p:nvPr/>
+        </p:nvSpPr>
+        <p:spPr>
+          <a:xfrm>
+            <a:off x="649224" y="640080"/>
+            <a:ext cx="73152" cy="137160"/>
+          </a:xfrm>
+          <a:prstGeom prst="rect">
+            <a:avLst/>
+          </a:prstGeom>
+          <a:noFill/>
+        </p:spPr>
+        <p:txBody>
+          <a:bodyPr wrap="none">
+            <a:spAutoFit/>
+          </a:bodyPr>
+          <a:lstStyle/>
+          <a:p>
+            <a:pPr algn="l">
+              <a:defRPr sz="1080"/>
+            </a:pPr>
+            <a:r>
+              <a:t>1</a:t>
+            </a:r>
+          </a:p>
+        </p:txBody>
+      </p:sp>
+      <p:sp>
+        <p:nvSpPr>
+          <p:cNvPr id="12" name="TextBox 11"/>
+          <p:cNvSpPr txBox="1"/>
+          <p:nvPr/>
+        </p:nvSpPr>
+        <p:spPr>
+          <a:xfrm>
+            <a:off x="548640" y="896112"/>
+            <a:ext cx="8028431" cy="164592"/>
+          </a:xfrm>
+          <a:prstGeom prst="rect">
+            <a:avLst/>
+          </a:prstGeom>
+          <a:noFill/>
+        </p:spPr>
+        <p:txBody>
+          <a:bodyPr wrap="none">
+            <a:spAutoFit/>
+          </a:bodyPr>
+          <a:lstStyle/>
+          <a:p>
+            <a:pPr algn="l">
+              <a:defRPr sz="1200" b="1"/>
+            </a:pPr>
+            <a:r>
+              <a:t>Definir categorías</a:t>
+            </a:r>
+          </a:p>
+        </p:txBody>
+      </p:sp>
+      <p:sp>
+        <p:nvSpPr>
           <p:cNvPr id="13" name="TextBox 12"/>
           <p:cNvSpPr txBox="1"/>
           <p:nvPr/>
         </p:nvSpPr>
         <p:spPr>
           <a:xfrm>
-            <a:off x="4892040" y="1508760"/>
-            <a:ext cx="3383280" cy="320040"/>
+            <a:off x="548640" y="1143000"/>
+            <a:ext cx="8028431" cy="137160"/>
           </a:xfrm>
           <a:prstGeom prst="rect">
             <a:avLst/>
@@ -4296,61 +5769,30 @@
           <a:lstStyle/>
           <a:p>
             <a:pPr algn="l">
-              <a:defRPr sz="1600" b="1"/>
-            </a:pPr>
-            <a:r>
-              <a:t>🎤  Micrófono</a:t>
-            </a:r>
-          </a:p>
-        </p:txBody>
-      </p:sp>
-      <p:sp>
-        <p:nvSpPr>
-          <p:cNvPr id="14" name="TextBox 13"/>
-          <p:cNvSpPr txBox="1"/>
-          <p:nvPr/>
-        </p:nvSpPr>
-        <p:spPr>
-          <a:xfrm>
-            <a:off x="4892040" y="1874519"/>
-            <a:ext cx="3383280" cy="502920"/>
-          </a:xfrm>
-          <a:prstGeom prst="rect">
-            <a:avLst/>
-          </a:prstGeom>
-          <a:noFill/>
-        </p:spPr>
-        <p:txBody>
-          <a:bodyPr wrap="square">
-            <a:spAutoFit/>
-          </a:bodyPr>
-          <a:lstStyle/>
-          <a:p>
-            <a:pPr algn="l">
-              <a:defRPr sz="1200"/>
-            </a:pPr>
-            <a:r>
-              <a:t>Graba sonidos y audio</a:t>
-            </a:r>
-          </a:p>
-        </p:txBody>
-      </p:sp>
-      <p:sp>
-        <p:nvSpPr>
-          <p:cNvPr id="15" name="Rectangle 14"/>
+              <a:defRPr sz="1050"/>
+            </a:pPr>
+            <a:r>
+              <a:t>Decide qué clases tendrá tu modelo</a:t>
+            </a:r>
+          </a:p>
+        </p:txBody>
+      </p:sp>
+      <p:sp>
+        <p:nvSpPr>
+          <p:cNvPr id="14" name="Rectangle 13"/>
           <p:cNvSpPr/>
           <p:nvPr/>
         </p:nvSpPr>
         <p:spPr>
           <a:xfrm>
-            <a:off x="548640" y="2926080"/>
-            <a:ext cx="3749039" cy="1097280"/>
+            <a:off x="384048" y="1773936"/>
+            <a:ext cx="8211312" cy="576072"/>
           </a:xfrm>
           <a:prstGeom prst="rect">
             <a:avLst/>
           </a:prstGeom>
           <a:solidFill>
-            <a:srgbClr val="F1F5F9"/>
+            <a:srgbClr val="FFFFFF"/>
           </a:solidFill>
           <a:ln>
             <a:noFill/>
@@ -4380,82 +5822,20 @@
       </p:sp>
       <p:sp>
         <p:nvSpPr>
-          <p:cNvPr id="16" name="TextBox 15"/>
-          <p:cNvSpPr txBox="1"/>
-          <p:nvPr/>
-        </p:nvSpPr>
-        <p:spPr>
-          <a:xfrm>
-            <a:off x="731520" y="3063240"/>
-            <a:ext cx="3383280" cy="320040"/>
-          </a:xfrm>
-          <a:prstGeom prst="rect">
-            <a:avLst/>
-          </a:prstGeom>
-          <a:noFill/>
-        </p:spPr>
-        <p:txBody>
-          <a:bodyPr wrap="none">
-            <a:spAutoFit/>
-          </a:bodyPr>
-          <a:lstStyle/>
-          <a:p>
-            <a:pPr algn="l">
-              <a:defRPr sz="1600" b="1"/>
-            </a:pPr>
-            <a:r>
-              <a:t>💻  Teachable Machine</a:t>
-            </a:r>
-          </a:p>
-        </p:txBody>
-      </p:sp>
-      <p:sp>
-        <p:nvSpPr>
-          <p:cNvPr id="17" name="TextBox 16"/>
-          <p:cNvSpPr txBox="1"/>
-          <p:nvPr/>
-        </p:nvSpPr>
-        <p:spPr>
-          <a:xfrm>
-            <a:off x="731520" y="3429000"/>
-            <a:ext cx="3383280" cy="502920"/>
-          </a:xfrm>
-          <a:prstGeom prst="rect">
-            <a:avLst/>
-          </a:prstGeom>
-          <a:noFill/>
-        </p:spPr>
-        <p:txBody>
-          <a:bodyPr wrap="square">
-            <a:spAutoFit/>
-          </a:bodyPr>
-          <a:lstStyle/>
-          <a:p>
-            <a:pPr algn="l">
-              <a:defRPr sz="1200"/>
-            </a:pPr>
-            <a:r>
-              <a:t>Captura datos directamente desde el navegador</a:t>
-            </a:r>
-          </a:p>
-        </p:txBody>
-      </p:sp>
-      <p:sp>
-        <p:nvSpPr>
-          <p:cNvPr id="18" name="Rectangle 17"/>
+          <p:cNvPr id="15" name="Rectangle 14"/>
           <p:cNvSpPr/>
           <p:nvPr/>
         </p:nvSpPr>
         <p:spPr>
           <a:xfrm>
-            <a:off x="4709160" y="2926080"/>
-            <a:ext cx="3749039" cy="1097280"/>
+            <a:off x="539496" y="1517904"/>
+            <a:ext cx="283464" cy="210312"/>
           </a:xfrm>
           <a:prstGeom prst="rect">
             <a:avLst/>
           </a:prstGeom>
           <a:solidFill>
-            <a:srgbClr val="F1F5F9"/>
+            <a:srgbClr val="F59E0B"/>
           </a:solidFill>
           <a:ln>
             <a:noFill/>
@@ -4485,14 +5865,14 @@
       </p:sp>
       <p:sp>
         <p:nvSpPr>
-          <p:cNvPr id="19" name="TextBox 18"/>
-          <p:cNvSpPr txBox="1"/>
-          <p:nvPr/>
-        </p:nvSpPr>
-        <p:spPr>
-          <a:xfrm>
-            <a:off x="4892040" y="3063240"/>
-            <a:ext cx="3383280" cy="320040"/>
+          <p:cNvPr id="16" name="TextBox 15"/>
+          <p:cNvSpPr txBox="1"/>
+          <p:nvPr/>
+        </p:nvSpPr>
+        <p:spPr>
+          <a:xfrm>
+            <a:off x="649224" y="1536192"/>
+            <a:ext cx="73152" cy="137160"/>
           </a:xfrm>
           <a:prstGeom prst="rect">
             <a:avLst/>
@@ -4506,41 +5886,609 @@
           <a:lstStyle/>
           <a:p>
             <a:pPr algn="l">
-              <a:defRPr sz="1600" b="1"/>
-            </a:pPr>
-            <a:r>
-              <a:t>👥  Colaboración</a:t>
-            </a:r>
-          </a:p>
-        </p:txBody>
-      </p:sp>
-      <p:sp>
-        <p:nvSpPr>
-          <p:cNvPr id="20" name="TextBox 19"/>
-          <p:cNvSpPr txBox="1"/>
-          <p:nvPr/>
-        </p:nvSpPr>
-        <p:spPr>
-          <a:xfrm>
-            <a:off x="4892040" y="3429000"/>
-            <a:ext cx="3383280" cy="502920"/>
-          </a:xfrm>
-          <a:prstGeom prst="rect">
-            <a:avLst/>
-          </a:prstGeom>
-          <a:noFill/>
-        </p:spPr>
-        <p:txBody>
-          <a:bodyPr wrap="square">
-            <a:spAutoFit/>
-          </a:bodyPr>
-          <a:lstStyle/>
-          <a:p>
-            <a:pPr algn="l">
-              <a:defRPr sz="1200"/>
-            </a:pPr>
-            <a:r>
-              <a:t>Trabaja con compañeros para más variedad</a:t>
+              <a:defRPr sz="1080"/>
+            </a:pPr>
+            <a:r>
+              <a:t>2</a:t>
+            </a:r>
+          </a:p>
+        </p:txBody>
+      </p:sp>
+      <p:sp>
+        <p:nvSpPr>
+          <p:cNvPr id="17" name="TextBox 16"/>
+          <p:cNvSpPr txBox="1"/>
+          <p:nvPr/>
+        </p:nvSpPr>
+        <p:spPr>
+          <a:xfrm>
+            <a:off x="548640" y="1792224"/>
+            <a:ext cx="8028431" cy="164592"/>
+          </a:xfrm>
+          <a:prstGeom prst="rect">
+            <a:avLst/>
+          </a:prstGeom>
+          <a:noFill/>
+        </p:spPr>
+        <p:txBody>
+          <a:bodyPr wrap="none">
+            <a:spAutoFit/>
+          </a:bodyPr>
+          <a:lstStyle/>
+          <a:p>
+            <a:pPr algn="l">
+              <a:defRPr sz="1200" b="1"/>
+            </a:pPr>
+            <a:r>
+              <a:t>Recopilar ejemplos</a:t>
+            </a:r>
+          </a:p>
+        </p:txBody>
+      </p:sp>
+      <p:sp>
+        <p:nvSpPr>
+          <p:cNvPr id="18" name="TextBox 17"/>
+          <p:cNvSpPr txBox="1"/>
+          <p:nvPr/>
+        </p:nvSpPr>
+        <p:spPr>
+          <a:xfrm>
+            <a:off x="548640" y="2039112"/>
+            <a:ext cx="8028431" cy="137160"/>
+          </a:xfrm>
+          <a:prstGeom prst="rect">
+            <a:avLst/>
+          </a:prstGeom>
+          <a:noFill/>
+        </p:spPr>
+        <p:txBody>
+          <a:bodyPr wrap="none">
+            <a:spAutoFit/>
+          </a:bodyPr>
+          <a:lstStyle/>
+          <a:p>
+            <a:pPr algn="l">
+              <a:defRPr sz="1050"/>
+            </a:pPr>
+            <a:r>
+              <a:t>Captura al menos 25-30 por categoría</a:t>
+            </a:r>
+          </a:p>
+        </p:txBody>
+      </p:sp>
+      <p:sp>
+        <p:nvSpPr>
+          <p:cNvPr id="19" name="Rectangle 18"/>
+          <p:cNvSpPr/>
+          <p:nvPr/>
+        </p:nvSpPr>
+        <p:spPr>
+          <a:xfrm>
+            <a:off x="384048" y="2670048"/>
+            <a:ext cx="8211312" cy="576072"/>
+          </a:xfrm>
+          <a:prstGeom prst="rect">
+            <a:avLst/>
+          </a:prstGeom>
+          <a:solidFill>
+            <a:srgbClr val="FFFFFF"/>
+          </a:solidFill>
+          <a:ln>
+            <a:noFill/>
+          </a:ln>
+        </p:spPr>
+        <p:style>
+          <a:lnRef idx="1">
+            <a:schemeClr val="accent1"/>
+          </a:lnRef>
+          <a:fillRef idx="3">
+            <a:schemeClr val="accent1"/>
+          </a:fillRef>
+          <a:effectRef idx="2">
+            <a:schemeClr val="accent1"/>
+          </a:effectRef>
+          <a:fontRef idx="minor">
+            <a:schemeClr val="lt1"/>
+          </a:fontRef>
+        </p:style>
+        <p:txBody>
+          <a:bodyPr rtlCol="0" anchor="ctr"/>
+          <a:lstStyle/>
+          <a:p>
+            <a:pPr algn="ctr"/>
+          </a:p>
+        </p:txBody>
+      </p:sp>
+      <p:sp>
+        <p:nvSpPr>
+          <p:cNvPr id="20" name="Rectangle 19"/>
+          <p:cNvSpPr/>
+          <p:nvPr/>
+        </p:nvSpPr>
+        <p:spPr>
+          <a:xfrm>
+            <a:off x="539496" y="2414015"/>
+            <a:ext cx="283464" cy="210312"/>
+          </a:xfrm>
+          <a:prstGeom prst="rect">
+            <a:avLst/>
+          </a:prstGeom>
+          <a:solidFill>
+            <a:srgbClr val="F59E0B"/>
+          </a:solidFill>
+          <a:ln>
+            <a:noFill/>
+          </a:ln>
+        </p:spPr>
+        <p:style>
+          <a:lnRef idx="1">
+            <a:schemeClr val="accent1"/>
+          </a:lnRef>
+          <a:fillRef idx="3">
+            <a:schemeClr val="accent1"/>
+          </a:fillRef>
+          <a:effectRef idx="2">
+            <a:schemeClr val="accent1"/>
+          </a:effectRef>
+          <a:fontRef idx="minor">
+            <a:schemeClr val="lt1"/>
+          </a:fontRef>
+        </p:style>
+        <p:txBody>
+          <a:bodyPr rtlCol="0" anchor="ctr"/>
+          <a:lstStyle/>
+          <a:p>
+            <a:pPr algn="ctr"/>
+          </a:p>
+        </p:txBody>
+      </p:sp>
+      <p:sp>
+        <p:nvSpPr>
+          <p:cNvPr id="21" name="TextBox 20"/>
+          <p:cNvSpPr txBox="1"/>
+          <p:nvPr/>
+        </p:nvSpPr>
+        <p:spPr>
+          <a:xfrm>
+            <a:off x="649224" y="2432304"/>
+            <a:ext cx="73152" cy="137160"/>
+          </a:xfrm>
+          <a:prstGeom prst="rect">
+            <a:avLst/>
+          </a:prstGeom>
+          <a:noFill/>
+        </p:spPr>
+        <p:txBody>
+          <a:bodyPr wrap="none">
+            <a:spAutoFit/>
+          </a:bodyPr>
+          <a:lstStyle/>
+          <a:p>
+            <a:pPr algn="l">
+              <a:defRPr sz="1080"/>
+            </a:pPr>
+            <a:r>
+              <a:t>3</a:t>
+            </a:r>
+          </a:p>
+        </p:txBody>
+      </p:sp>
+      <p:sp>
+        <p:nvSpPr>
+          <p:cNvPr id="22" name="TextBox 21"/>
+          <p:cNvSpPr txBox="1"/>
+          <p:nvPr/>
+        </p:nvSpPr>
+        <p:spPr>
+          <a:xfrm>
+            <a:off x="548640" y="2688336"/>
+            <a:ext cx="8028431" cy="164592"/>
+          </a:xfrm>
+          <a:prstGeom prst="rect">
+            <a:avLst/>
+          </a:prstGeom>
+          <a:noFill/>
+        </p:spPr>
+        <p:txBody>
+          <a:bodyPr wrap="none">
+            <a:spAutoFit/>
+          </a:bodyPr>
+          <a:lstStyle/>
+          <a:p>
+            <a:pPr algn="l">
+              <a:defRPr sz="1200" b="1"/>
+            </a:pPr>
+            <a:r>
+              <a:t>Asegurar variedad</a:t>
+            </a:r>
+          </a:p>
+        </p:txBody>
+      </p:sp>
+      <p:sp>
+        <p:nvSpPr>
+          <p:cNvPr id="23" name="TextBox 22"/>
+          <p:cNvSpPr txBox="1"/>
+          <p:nvPr/>
+        </p:nvSpPr>
+        <p:spPr>
+          <a:xfrm>
+            <a:off x="548640" y="2935224"/>
+            <a:ext cx="8028431" cy="137160"/>
+          </a:xfrm>
+          <a:prstGeom prst="rect">
+            <a:avLst/>
+          </a:prstGeom>
+          <a:noFill/>
+        </p:spPr>
+        <p:txBody>
+          <a:bodyPr wrap="none">
+            <a:spAutoFit/>
+          </a:bodyPr>
+          <a:lstStyle/>
+          <a:p>
+            <a:pPr algn="l">
+              <a:defRPr sz="1050"/>
+            </a:pPr>
+            <a:r>
+              <a:t>Diferentes ángulos, iluminación, fondos</a:t>
+            </a:r>
+          </a:p>
+        </p:txBody>
+      </p:sp>
+      <p:sp>
+        <p:nvSpPr>
+          <p:cNvPr id="24" name="Rectangle 23"/>
+          <p:cNvSpPr/>
+          <p:nvPr/>
+        </p:nvSpPr>
+        <p:spPr>
+          <a:xfrm>
+            <a:off x="384048" y="3575304"/>
+            <a:ext cx="8211312" cy="576072"/>
+          </a:xfrm>
+          <a:prstGeom prst="rect">
+            <a:avLst/>
+          </a:prstGeom>
+          <a:solidFill>
+            <a:srgbClr val="FFFFFF"/>
+          </a:solidFill>
+          <a:ln>
+            <a:noFill/>
+          </a:ln>
+        </p:spPr>
+        <p:style>
+          <a:lnRef idx="1">
+            <a:schemeClr val="accent1"/>
+          </a:lnRef>
+          <a:fillRef idx="3">
+            <a:schemeClr val="accent1"/>
+          </a:fillRef>
+          <a:effectRef idx="2">
+            <a:schemeClr val="accent1"/>
+          </a:effectRef>
+          <a:fontRef idx="minor">
+            <a:schemeClr val="lt1"/>
+          </a:fontRef>
+        </p:style>
+        <p:txBody>
+          <a:bodyPr rtlCol="0" anchor="ctr"/>
+          <a:lstStyle/>
+          <a:p>
+            <a:pPr algn="ctr"/>
+          </a:p>
+        </p:txBody>
+      </p:sp>
+      <p:sp>
+        <p:nvSpPr>
+          <p:cNvPr id="25" name="Rectangle 24"/>
+          <p:cNvSpPr/>
+          <p:nvPr/>
+        </p:nvSpPr>
+        <p:spPr>
+          <a:xfrm>
+            <a:off x="539496" y="3319272"/>
+            <a:ext cx="283464" cy="210312"/>
+          </a:xfrm>
+          <a:prstGeom prst="rect">
+            <a:avLst/>
+          </a:prstGeom>
+          <a:solidFill>
+            <a:srgbClr val="F59E0B"/>
+          </a:solidFill>
+          <a:ln>
+            <a:noFill/>
+          </a:ln>
+        </p:spPr>
+        <p:style>
+          <a:lnRef idx="1">
+            <a:schemeClr val="accent1"/>
+          </a:lnRef>
+          <a:fillRef idx="3">
+            <a:schemeClr val="accent1"/>
+          </a:fillRef>
+          <a:effectRef idx="2">
+            <a:schemeClr val="accent1"/>
+          </a:effectRef>
+          <a:fontRef idx="minor">
+            <a:schemeClr val="lt1"/>
+          </a:fontRef>
+        </p:style>
+        <p:txBody>
+          <a:bodyPr rtlCol="0" anchor="ctr"/>
+          <a:lstStyle/>
+          <a:p>
+            <a:pPr algn="ctr"/>
+          </a:p>
+        </p:txBody>
+      </p:sp>
+      <p:sp>
+        <p:nvSpPr>
+          <p:cNvPr id="26" name="TextBox 25"/>
+          <p:cNvSpPr txBox="1"/>
+          <p:nvPr/>
+        </p:nvSpPr>
+        <p:spPr>
+          <a:xfrm>
+            <a:off x="649224" y="3337560"/>
+            <a:ext cx="73152" cy="137160"/>
+          </a:xfrm>
+          <a:prstGeom prst="rect">
+            <a:avLst/>
+          </a:prstGeom>
+          <a:noFill/>
+        </p:spPr>
+        <p:txBody>
+          <a:bodyPr wrap="none">
+            <a:spAutoFit/>
+          </a:bodyPr>
+          <a:lstStyle/>
+          <a:p>
+            <a:pPr algn="l">
+              <a:defRPr sz="1080"/>
+            </a:pPr>
+            <a:r>
+              <a:t>4</a:t>
+            </a:r>
+          </a:p>
+        </p:txBody>
+      </p:sp>
+      <p:sp>
+        <p:nvSpPr>
+          <p:cNvPr id="27" name="TextBox 26"/>
+          <p:cNvSpPr txBox="1"/>
+          <p:nvPr/>
+        </p:nvSpPr>
+        <p:spPr>
+          <a:xfrm>
+            <a:off x="548640" y="3593592"/>
+            <a:ext cx="8028431" cy="164592"/>
+          </a:xfrm>
+          <a:prstGeom prst="rect">
+            <a:avLst/>
+          </a:prstGeom>
+          <a:noFill/>
+        </p:spPr>
+        <p:txBody>
+          <a:bodyPr wrap="none">
+            <a:spAutoFit/>
+          </a:bodyPr>
+          <a:lstStyle/>
+          <a:p>
+            <a:pPr algn="l">
+              <a:defRPr sz="1200" b="1"/>
+            </a:pPr>
+            <a:r>
+              <a:t>Verificar calidad</a:t>
+            </a:r>
+          </a:p>
+        </p:txBody>
+      </p:sp>
+      <p:sp>
+        <p:nvSpPr>
+          <p:cNvPr id="28" name="TextBox 27"/>
+          <p:cNvSpPr txBox="1"/>
+          <p:nvPr/>
+        </p:nvSpPr>
+        <p:spPr>
+          <a:xfrm>
+            <a:off x="548640" y="3840480"/>
+            <a:ext cx="8028431" cy="137160"/>
+          </a:xfrm>
+          <a:prstGeom prst="rect">
+            <a:avLst/>
+          </a:prstGeom>
+          <a:noFill/>
+        </p:spPr>
+        <p:txBody>
+          <a:bodyPr wrap="none">
+            <a:spAutoFit/>
+          </a:bodyPr>
+          <a:lstStyle/>
+          <a:p>
+            <a:pPr algn="l">
+              <a:defRPr sz="1050"/>
+            </a:pPr>
+            <a:r>
+              <a:t>Elimina datos borrosos o incorrectos</a:t>
+            </a:r>
+          </a:p>
+        </p:txBody>
+      </p:sp>
+      <p:sp>
+        <p:nvSpPr>
+          <p:cNvPr id="29" name="Rectangle 28"/>
+          <p:cNvSpPr/>
+          <p:nvPr/>
+        </p:nvSpPr>
+        <p:spPr>
+          <a:xfrm>
+            <a:off x="384048" y="4471416"/>
+            <a:ext cx="8211312" cy="576072"/>
+          </a:xfrm>
+          <a:prstGeom prst="rect">
+            <a:avLst/>
+          </a:prstGeom>
+          <a:solidFill>
+            <a:srgbClr val="FFFFFF"/>
+          </a:solidFill>
+          <a:ln>
+            <a:noFill/>
+          </a:ln>
+        </p:spPr>
+        <p:style>
+          <a:lnRef idx="1">
+            <a:schemeClr val="accent1"/>
+          </a:lnRef>
+          <a:fillRef idx="3">
+            <a:schemeClr val="accent1"/>
+          </a:fillRef>
+          <a:effectRef idx="2">
+            <a:schemeClr val="accent1"/>
+          </a:effectRef>
+          <a:fontRef idx="minor">
+            <a:schemeClr val="lt1"/>
+          </a:fontRef>
+        </p:style>
+        <p:txBody>
+          <a:bodyPr rtlCol="0" anchor="ctr"/>
+          <a:lstStyle/>
+          <a:p>
+            <a:pPr algn="ctr"/>
+          </a:p>
+        </p:txBody>
+      </p:sp>
+      <p:sp>
+        <p:nvSpPr>
+          <p:cNvPr id="30" name="Rectangle 29"/>
+          <p:cNvSpPr/>
+          <p:nvPr/>
+        </p:nvSpPr>
+        <p:spPr>
+          <a:xfrm>
+            <a:off x="539496" y="4215383"/>
+            <a:ext cx="283464" cy="210312"/>
+          </a:xfrm>
+          <a:prstGeom prst="rect">
+            <a:avLst/>
+          </a:prstGeom>
+          <a:solidFill>
+            <a:srgbClr val="F59E0B"/>
+          </a:solidFill>
+          <a:ln>
+            <a:noFill/>
+          </a:ln>
+        </p:spPr>
+        <p:style>
+          <a:lnRef idx="1">
+            <a:schemeClr val="accent1"/>
+          </a:lnRef>
+          <a:fillRef idx="3">
+            <a:schemeClr val="accent1"/>
+          </a:fillRef>
+          <a:effectRef idx="2">
+            <a:schemeClr val="accent1"/>
+          </a:effectRef>
+          <a:fontRef idx="minor">
+            <a:schemeClr val="lt1"/>
+          </a:fontRef>
+        </p:style>
+        <p:txBody>
+          <a:bodyPr rtlCol="0" anchor="ctr"/>
+          <a:lstStyle/>
+          <a:p>
+            <a:pPr algn="ctr"/>
+          </a:p>
+        </p:txBody>
+      </p:sp>
+      <p:sp>
+        <p:nvSpPr>
+          <p:cNvPr id="31" name="TextBox 30"/>
+          <p:cNvSpPr txBox="1"/>
+          <p:nvPr/>
+        </p:nvSpPr>
+        <p:spPr>
+          <a:xfrm>
+            <a:off x="649224" y="4233672"/>
+            <a:ext cx="73152" cy="137160"/>
+          </a:xfrm>
+          <a:prstGeom prst="rect">
+            <a:avLst/>
+          </a:prstGeom>
+          <a:noFill/>
+        </p:spPr>
+        <p:txBody>
+          <a:bodyPr wrap="none">
+            <a:spAutoFit/>
+          </a:bodyPr>
+          <a:lstStyle/>
+          <a:p>
+            <a:pPr algn="l">
+              <a:defRPr sz="1080"/>
+            </a:pPr>
+            <a:r>
+              <a:t>5</a:t>
+            </a:r>
+          </a:p>
+        </p:txBody>
+      </p:sp>
+      <p:sp>
+        <p:nvSpPr>
+          <p:cNvPr id="32" name="TextBox 31"/>
+          <p:cNvSpPr txBox="1"/>
+          <p:nvPr/>
+        </p:nvSpPr>
+        <p:spPr>
+          <a:xfrm>
+            <a:off x="548640" y="4489703"/>
+            <a:ext cx="8028431" cy="164592"/>
+          </a:xfrm>
+          <a:prstGeom prst="rect">
+            <a:avLst/>
+          </a:prstGeom>
+          <a:noFill/>
+        </p:spPr>
+        <p:txBody>
+          <a:bodyPr wrap="none">
+            <a:spAutoFit/>
+          </a:bodyPr>
+          <a:lstStyle/>
+          <a:p>
+            <a:pPr algn="l">
+              <a:defRPr sz="1200" b="1"/>
+            </a:pPr>
+            <a:r>
+              <a:t>Organizar y etiquetar</a:t>
+            </a:r>
+          </a:p>
+        </p:txBody>
+      </p:sp>
+      <p:sp>
+        <p:nvSpPr>
+          <p:cNvPr id="33" name="TextBox 32"/>
+          <p:cNvSpPr txBox="1"/>
+          <p:nvPr/>
+        </p:nvSpPr>
+        <p:spPr>
+          <a:xfrm>
+            <a:off x="548640" y="4736592"/>
+            <a:ext cx="8028431" cy="137160"/>
+          </a:xfrm>
+          <a:prstGeom prst="rect">
+            <a:avLst/>
+          </a:prstGeom>
+          <a:noFill/>
+        </p:spPr>
+        <p:txBody>
+          <a:bodyPr wrap="none">
+            <a:spAutoFit/>
+          </a:bodyPr>
+          <a:lstStyle/>
+          <a:p>
+            <a:pPr algn="l">
+              <a:defRPr sz="1050"/>
+            </a:pPr>
+            <a:r>
+              <a:t>Clasifica los datos en grupos claros</a:t>
             </a:r>
           </a:p>
         </p:txBody>
@@ -4615,7 +6563,7 @@
         <p:spPr>
           <a:xfrm>
             <a:off x="0" y="859536"/>
-            <a:ext cx="9144000" cy="18288"/>
+            <a:ext cx="9144000" cy="0"/>
           </a:xfrm>
           <a:prstGeom prst="rect">
             <a:avLst/>
@@ -4676,7 +6624,7 @@
               </a:defRPr>
             </a:pPr>
             <a:r>
-              <a:t>Preparando tus Datos</a:t>
+              <a:t>🛠️ Herramientas y Recursos</a:t>
             </a:r>
           </a:p>
         </p:txBody>
@@ -4713,14 +6661,57 @@
       </p:pic>
       <p:sp>
         <p:nvSpPr>
-          <p:cNvPr id="9" name="TextBox 8"/>
-          <p:cNvSpPr txBox="1"/>
-          <p:nvPr/>
-        </p:nvSpPr>
-        <p:spPr>
-          <a:xfrm>
-            <a:off x="731520" y="1280160"/>
-            <a:ext cx="7680960" cy="365760"/>
+          <p:cNvPr id="9" name="Rectangle 8"/>
+          <p:cNvSpPr/>
+          <p:nvPr/>
+        </p:nvSpPr>
+        <p:spPr>
+          <a:xfrm>
+            <a:off x="228600" y="1179576"/>
+            <a:ext cx="4114800" cy="1828800"/>
+          </a:xfrm>
+          <a:prstGeom prst="rect">
+            <a:avLst/>
+          </a:prstGeom>
+          <a:solidFill>
+            <a:srgbClr val="FFFFFF"/>
+          </a:solidFill>
+          <a:ln>
+            <a:noFill/>
+          </a:ln>
+        </p:spPr>
+        <p:style>
+          <a:lnRef idx="1">
+            <a:schemeClr val="accent1"/>
+          </a:lnRef>
+          <a:fillRef idx="3">
+            <a:schemeClr val="accent1"/>
+          </a:fillRef>
+          <a:effectRef idx="2">
+            <a:schemeClr val="accent1"/>
+          </a:effectRef>
+          <a:fontRef idx="minor">
+            <a:schemeClr val="lt1"/>
+          </a:fontRef>
+        </p:style>
+        <p:txBody>
+          <a:bodyPr rtlCol="0" anchor="ctr"/>
+          <a:lstStyle/>
+          <a:p>
+            <a:pPr algn="ctr"/>
+          </a:p>
+        </p:txBody>
+      </p:sp>
+      <p:sp>
+        <p:nvSpPr>
+          <p:cNvPr id="10" name="TextBox 9"/>
+          <p:cNvSpPr txBox="1"/>
+          <p:nvPr/>
+        </p:nvSpPr>
+        <p:spPr>
+          <a:xfrm>
+            <a:off x="475488" y="1426464"/>
+            <a:ext cx="3694176" cy="265176"/>
           </a:xfrm>
           <a:prstGeom prst="rect">
             <a:avLst/>
@@ -4733,25 +6724,25 @@
           </a:bodyPr>
           <a:lstStyle/>
           <a:p>
-            <a:pPr>
-              <a:defRPr sz="1800" b="1"/>
-            </a:pPr>
-            <a:r>
-              <a:t>Pasos para preparar tus datos:</a:t>
-            </a:r>
-          </a:p>
-        </p:txBody>
-      </p:sp>
-      <p:sp>
-        <p:nvSpPr>
-          <p:cNvPr id="10" name="TextBox 9"/>
-          <p:cNvSpPr txBox="1"/>
-          <p:nvPr/>
-        </p:nvSpPr>
-        <p:spPr>
-          <a:xfrm>
-            <a:off x="1097280" y="1828800"/>
-            <a:ext cx="6949440" cy="2926080"/>
+            <a:pPr algn="l">
+              <a:defRPr sz="1500" b="1"/>
+            </a:pPr>
+            <a:r>
+              <a:t>Teachable Machine</a:t>
+            </a:r>
+          </a:p>
+        </p:txBody>
+      </p:sp>
+      <p:sp>
+        <p:nvSpPr>
+          <p:cNvPr id="11" name="TextBox 10"/>
+          <p:cNvSpPr txBox="1"/>
+          <p:nvPr/>
+        </p:nvSpPr>
+        <p:spPr>
+          <a:xfrm>
+            <a:off x="475488" y="1847088"/>
+            <a:ext cx="3694176" cy="457200"/>
           </a:xfrm>
           <a:prstGeom prst="rect">
             <a:avLst/>
@@ -4764,58 +6755,450 @@
           </a:bodyPr>
           <a:lstStyle/>
           <a:p>
-            <a:pPr>
-              <a:spcAft>
-                <a:spcPts val="1800"/>
-              </a:spcAft>
-              <a:defRPr sz="1600"/>
-            </a:pPr>
-            <a:r>
-              <a:t>1. Organiza tus datos por categorías (crea carpetas o clases)</a:t>
-            </a:r>
-          </a:p>
-          <a:p>
-            <a:pPr>
-              <a:spcAft>
-                <a:spcPts val="1800"/>
-              </a:spcAft>
-              <a:defRPr sz="1600"/>
-            </a:pPr>
-            <a:r>
-              <a:t>2. Elimina datos borrosos o de mala calidad</a:t>
-            </a:r>
-          </a:p>
-          <a:p>
-            <a:pPr>
-              <a:spcAft>
-                <a:spcPts val="1800"/>
-              </a:spcAft>
-              <a:defRPr sz="1600"/>
-            </a:pPr>
-            <a:r>
-              <a:t>3. Revisa que todas las categorías tengan cantidad similar</a:t>
-            </a:r>
-          </a:p>
-          <a:p>
-            <a:pPr>
-              <a:spcAft>
-                <a:spcPts val="1800"/>
-              </a:spcAft>
-              <a:defRPr sz="1600"/>
-            </a:pPr>
-            <a:r>
-              <a:t>4. Etiqueta correctamente cada grupo de datos</a:t>
-            </a:r>
-          </a:p>
-          <a:p>
-            <a:pPr>
-              <a:spcAft>
-                <a:spcPts val="1800"/>
-              </a:spcAft>
-              <a:defRPr sz="1600"/>
-            </a:pPr>
-            <a:r>
-              <a:t>5. Verifica que los datos representen bien lo que quieres enseñar</a:t>
+            <a:pPr algn="l">
+              <a:defRPr sz="1200"/>
+            </a:pPr>
+            <a:r>
+              <a:t>Entrena modelos de IA sin código. Reconoce imágenes, sonidos y poses.</a:t>
+            </a:r>
+          </a:p>
+        </p:txBody>
+      </p:sp>
+      <p:sp>
+        <p:nvSpPr>
+          <p:cNvPr id="12" name="TextBox 11"/>
+          <p:cNvSpPr txBox="1"/>
+          <p:nvPr/>
+        </p:nvSpPr>
+        <p:spPr>
+          <a:xfrm>
+            <a:off x="475488" y="2532888"/>
+            <a:ext cx="3694176" cy="192024"/>
+          </a:xfrm>
+          <a:prstGeom prst="rect">
+            <a:avLst/>
+          </a:prstGeom>
+          <a:noFill/>
+        </p:spPr>
+        <p:txBody>
+          <a:bodyPr wrap="none">
+            <a:spAutoFit/>
+          </a:bodyPr>
+          <a:lstStyle/>
+          <a:p>
+            <a:pPr algn="l">
+              <a:defRPr sz="1050"/>
+            </a:pPr>
+            <a:r>
+              <a:t>teachablemachine.withgoogle.com</a:t>
+            </a:r>
+          </a:p>
+        </p:txBody>
+      </p:sp>
+      <p:sp>
+        <p:nvSpPr>
+          <p:cNvPr id="13" name="Rectangle 12"/>
+          <p:cNvSpPr/>
+          <p:nvPr/>
+        </p:nvSpPr>
+        <p:spPr>
+          <a:xfrm>
+            <a:off x="4800600" y="1179576"/>
+            <a:ext cx="4114800" cy="1828800"/>
+          </a:xfrm>
+          <a:prstGeom prst="rect">
+            <a:avLst/>
+          </a:prstGeom>
+          <a:solidFill>
+            <a:srgbClr val="FFFFFF"/>
+          </a:solidFill>
+          <a:ln>
+            <a:noFill/>
+          </a:ln>
+        </p:spPr>
+        <p:style>
+          <a:lnRef idx="1">
+            <a:schemeClr val="accent1"/>
+          </a:lnRef>
+          <a:fillRef idx="3">
+            <a:schemeClr val="accent1"/>
+          </a:fillRef>
+          <a:effectRef idx="2">
+            <a:schemeClr val="accent1"/>
+          </a:effectRef>
+          <a:fontRef idx="minor">
+            <a:schemeClr val="lt1"/>
+          </a:fontRef>
+        </p:style>
+        <p:txBody>
+          <a:bodyPr rtlCol="0" anchor="ctr"/>
+          <a:lstStyle/>
+          <a:p>
+            <a:pPr algn="ctr"/>
+          </a:p>
+        </p:txBody>
+      </p:sp>
+      <p:sp>
+        <p:nvSpPr>
+          <p:cNvPr id="14" name="TextBox 13"/>
+          <p:cNvSpPr txBox="1"/>
+          <p:nvPr/>
+        </p:nvSpPr>
+        <p:spPr>
+          <a:xfrm>
+            <a:off x="5047488" y="1426464"/>
+            <a:ext cx="3694176" cy="265176"/>
+          </a:xfrm>
+          <a:prstGeom prst="rect">
+            <a:avLst/>
+          </a:prstGeom>
+          <a:noFill/>
+        </p:spPr>
+        <p:txBody>
+          <a:bodyPr wrap="none">
+            <a:spAutoFit/>
+          </a:bodyPr>
+          <a:lstStyle/>
+          <a:p>
+            <a:pPr algn="l">
+              <a:defRPr sz="1500" b="1"/>
+            </a:pPr>
+            <a:r>
+              <a:t>Scratch + ML</a:t>
+            </a:r>
+          </a:p>
+        </p:txBody>
+      </p:sp>
+      <p:sp>
+        <p:nvSpPr>
+          <p:cNvPr id="15" name="TextBox 14"/>
+          <p:cNvSpPr txBox="1"/>
+          <p:nvPr/>
+        </p:nvSpPr>
+        <p:spPr>
+          <a:xfrm>
+            <a:off x="5047488" y="1847088"/>
+            <a:ext cx="3694176" cy="457200"/>
+          </a:xfrm>
+          <a:prstGeom prst="rect">
+            <a:avLst/>
+          </a:prstGeom>
+          <a:noFill/>
+        </p:spPr>
+        <p:txBody>
+          <a:bodyPr wrap="square">
+            <a:spAutoFit/>
+          </a:bodyPr>
+          <a:lstStyle/>
+          <a:p>
+            <a:pPr algn="l">
+              <a:defRPr sz="1200"/>
+            </a:pPr>
+            <a:r>
+              <a:t>Programa con bloques y añade extensiones de machine learning.</a:t>
+            </a:r>
+          </a:p>
+        </p:txBody>
+      </p:sp>
+      <p:sp>
+        <p:nvSpPr>
+          <p:cNvPr id="16" name="TextBox 15"/>
+          <p:cNvSpPr txBox="1"/>
+          <p:nvPr/>
+        </p:nvSpPr>
+        <p:spPr>
+          <a:xfrm>
+            <a:off x="5047488" y="2532888"/>
+            <a:ext cx="3694176" cy="192024"/>
+          </a:xfrm>
+          <a:prstGeom prst="rect">
+            <a:avLst/>
+          </a:prstGeom>
+          <a:noFill/>
+        </p:spPr>
+        <p:txBody>
+          <a:bodyPr wrap="none">
+            <a:spAutoFit/>
+          </a:bodyPr>
+          <a:lstStyle/>
+          <a:p>
+            <a:pPr algn="l">
+              <a:defRPr sz="1050"/>
+            </a:pPr>
+            <a:r>
+              <a:t>scratch.mit.edu</a:t>
+            </a:r>
+          </a:p>
+        </p:txBody>
+      </p:sp>
+      <p:sp>
+        <p:nvSpPr>
+          <p:cNvPr id="17" name="Rectangle 16"/>
+          <p:cNvSpPr/>
+          <p:nvPr/>
+        </p:nvSpPr>
+        <p:spPr>
+          <a:xfrm>
+            <a:off x="228600" y="3236976"/>
+            <a:ext cx="4114800" cy="1828800"/>
+          </a:xfrm>
+          <a:prstGeom prst="rect">
+            <a:avLst/>
+          </a:prstGeom>
+          <a:solidFill>
+            <a:srgbClr val="FFFFFF"/>
+          </a:solidFill>
+          <a:ln>
+            <a:noFill/>
+          </a:ln>
+        </p:spPr>
+        <p:style>
+          <a:lnRef idx="1">
+            <a:schemeClr val="accent1"/>
+          </a:lnRef>
+          <a:fillRef idx="3">
+            <a:schemeClr val="accent1"/>
+          </a:fillRef>
+          <a:effectRef idx="2">
+            <a:schemeClr val="accent1"/>
+          </a:effectRef>
+          <a:fontRef idx="minor">
+            <a:schemeClr val="lt1"/>
+          </a:fontRef>
+        </p:style>
+        <p:txBody>
+          <a:bodyPr rtlCol="0" anchor="ctr"/>
+          <a:lstStyle/>
+          <a:p>
+            <a:pPr algn="ctr"/>
+          </a:p>
+        </p:txBody>
+      </p:sp>
+      <p:sp>
+        <p:nvSpPr>
+          <p:cNvPr id="18" name="TextBox 17"/>
+          <p:cNvSpPr txBox="1"/>
+          <p:nvPr/>
+        </p:nvSpPr>
+        <p:spPr>
+          <a:xfrm>
+            <a:off x="475488" y="3483864"/>
+            <a:ext cx="3694176" cy="265176"/>
+          </a:xfrm>
+          <a:prstGeom prst="rect">
+            <a:avLst/>
+          </a:prstGeom>
+          <a:noFill/>
+        </p:spPr>
+        <p:txBody>
+          <a:bodyPr wrap="none">
+            <a:spAutoFit/>
+          </a:bodyPr>
+          <a:lstStyle/>
+          <a:p>
+            <a:pPr algn="l">
+              <a:defRPr sz="1500" b="1"/>
+            </a:pPr>
+            <a:r>
+              <a:t>Cámara y Micrófono</a:t>
+            </a:r>
+          </a:p>
+        </p:txBody>
+      </p:sp>
+      <p:sp>
+        <p:nvSpPr>
+          <p:cNvPr id="19" name="TextBox 18"/>
+          <p:cNvSpPr txBox="1"/>
+          <p:nvPr/>
+        </p:nvSpPr>
+        <p:spPr>
+          <a:xfrm>
+            <a:off x="475488" y="3904487"/>
+            <a:ext cx="3694176" cy="457200"/>
+          </a:xfrm>
+          <a:prstGeom prst="rect">
+            <a:avLst/>
+          </a:prstGeom>
+          <a:noFill/>
+        </p:spPr>
+        <p:txBody>
+          <a:bodyPr wrap="square">
+            <a:spAutoFit/>
+          </a:bodyPr>
+          <a:lstStyle/>
+          <a:p>
+            <a:pPr algn="l">
+              <a:defRPr sz="1200"/>
+            </a:pPr>
+            <a:r>
+              <a:t>Usa tu celular o computadora para capturar imágenes, videos y audio.</a:t>
+            </a:r>
+          </a:p>
+        </p:txBody>
+      </p:sp>
+      <p:sp>
+        <p:nvSpPr>
+          <p:cNvPr id="20" name="TextBox 19"/>
+          <p:cNvSpPr txBox="1"/>
+          <p:nvPr/>
+        </p:nvSpPr>
+        <p:spPr>
+          <a:xfrm>
+            <a:off x="475488" y="4590288"/>
+            <a:ext cx="3694176" cy="192024"/>
+          </a:xfrm>
+          <a:prstGeom prst="rect">
+            <a:avLst/>
+          </a:prstGeom>
+          <a:noFill/>
+        </p:spPr>
+        <p:txBody>
+          <a:bodyPr wrap="none">
+            <a:spAutoFit/>
+          </a:bodyPr>
+          <a:lstStyle/>
+          <a:p>
+            <a:pPr algn="l">
+              <a:defRPr sz="1050"/>
+            </a:pPr>
+            <a:r>
+              <a:t>Dispositivos personales</a:t>
+            </a:r>
+          </a:p>
+        </p:txBody>
+      </p:sp>
+      <p:sp>
+        <p:nvSpPr>
+          <p:cNvPr id="21" name="Rectangle 20"/>
+          <p:cNvSpPr/>
+          <p:nvPr/>
+        </p:nvSpPr>
+        <p:spPr>
+          <a:xfrm>
+            <a:off x="4800600" y="3236976"/>
+            <a:ext cx="4114800" cy="1828800"/>
+          </a:xfrm>
+          <a:prstGeom prst="rect">
+            <a:avLst/>
+          </a:prstGeom>
+          <a:solidFill>
+            <a:srgbClr val="FFFFFF"/>
+          </a:solidFill>
+          <a:ln>
+            <a:noFill/>
+          </a:ln>
+        </p:spPr>
+        <p:style>
+          <a:lnRef idx="1">
+            <a:schemeClr val="accent1"/>
+          </a:lnRef>
+          <a:fillRef idx="3">
+            <a:schemeClr val="accent1"/>
+          </a:fillRef>
+          <a:effectRef idx="2">
+            <a:schemeClr val="accent1"/>
+          </a:effectRef>
+          <a:fontRef idx="minor">
+            <a:schemeClr val="lt1"/>
+          </a:fontRef>
+        </p:style>
+        <p:txBody>
+          <a:bodyPr rtlCol="0" anchor="ctr"/>
+          <a:lstStyle/>
+          <a:p>
+            <a:pPr algn="ctr"/>
+          </a:p>
+        </p:txBody>
+      </p:sp>
+      <p:sp>
+        <p:nvSpPr>
+          <p:cNvPr id="22" name="TextBox 21"/>
+          <p:cNvSpPr txBox="1"/>
+          <p:nvPr/>
+        </p:nvSpPr>
+        <p:spPr>
+          <a:xfrm>
+            <a:off x="5047488" y="3483864"/>
+            <a:ext cx="3694176" cy="265176"/>
+          </a:xfrm>
+          <a:prstGeom prst="rect">
+            <a:avLst/>
+          </a:prstGeom>
+          <a:noFill/>
+        </p:spPr>
+        <p:txBody>
+          <a:bodyPr wrap="none">
+            <a:spAutoFit/>
+          </a:bodyPr>
+          <a:lstStyle/>
+          <a:p>
+            <a:pPr algn="l">
+              <a:defRPr sz="1500" b="1"/>
+            </a:pPr>
+            <a:r>
+              <a:t>Colaboración</a:t>
+            </a:r>
+          </a:p>
+        </p:txBody>
+      </p:sp>
+      <p:sp>
+        <p:nvSpPr>
+          <p:cNvPr id="23" name="TextBox 22"/>
+          <p:cNvSpPr txBox="1"/>
+          <p:nvPr/>
+        </p:nvSpPr>
+        <p:spPr>
+          <a:xfrm>
+            <a:off x="5047488" y="3904487"/>
+            <a:ext cx="3694176" cy="457200"/>
+          </a:xfrm>
+          <a:prstGeom prst="rect">
+            <a:avLst/>
+          </a:prstGeom>
+          <a:noFill/>
+        </p:spPr>
+        <p:txBody>
+          <a:bodyPr wrap="square">
+            <a:spAutoFit/>
+          </a:bodyPr>
+          <a:lstStyle/>
+          <a:p>
+            <a:pPr algn="l">
+              <a:defRPr sz="1200"/>
+            </a:pPr>
+            <a:r>
+              <a:t>Trabaja con compañeros para obtener más ejemplos y variedad.</a:t>
+            </a:r>
+          </a:p>
+        </p:txBody>
+      </p:sp>
+      <p:sp>
+        <p:nvSpPr>
+          <p:cNvPr id="24" name="TextBox 23"/>
+          <p:cNvSpPr txBox="1"/>
+          <p:nvPr/>
+        </p:nvSpPr>
+        <p:spPr>
+          <a:xfrm>
+            <a:off x="5047488" y="4590288"/>
+            <a:ext cx="3694176" cy="192024"/>
+          </a:xfrm>
+          <a:prstGeom prst="rect">
+            <a:avLst/>
+          </a:prstGeom>
+          <a:noFill/>
+        </p:spPr>
+        <p:txBody>
+          <a:bodyPr wrap="none">
+            <a:spAutoFit/>
+          </a:bodyPr>
+          <a:lstStyle/>
+          <a:p>
+            <a:pPr algn="l">
+              <a:defRPr sz="1050"/>
+            </a:pPr>
+            <a:r>
+              <a:t>Trabajo en equipo</a:t>
             </a:r>
           </a:p>
         </p:txBody>
@@ -4890,7 +7273,7 @@
         <p:spPr>
           <a:xfrm>
             <a:off x="0" y="859536"/>
-            <a:ext cx="9144000" cy="18288"/>
+            <a:ext cx="9144000" cy="0"/>
           </a:xfrm>
           <a:prstGeom prst="rect">
             <a:avLst/>
@@ -4951,7 +7334,7 @@
               </a:defRPr>
             </a:pPr>
             <a:r>
-              <a:t>🎯 Actividad Práctica</a:t>
+              <a:t>👥 Actividad Práctica</a:t>
             </a:r>
           </a:p>
         </p:txBody>
@@ -4988,14 +7371,97 @@
       </p:pic>
       <p:sp>
         <p:nvSpPr>
-          <p:cNvPr id="9" name="TextBox 8"/>
-          <p:cNvSpPr txBox="1"/>
-          <p:nvPr/>
-        </p:nvSpPr>
-        <p:spPr>
-          <a:xfrm>
-            <a:off x="731520" y="1188720"/>
-            <a:ext cx="7680960" cy="457200"/>
+          <p:cNvPr id="9" name="Rectangle 8"/>
+          <p:cNvSpPr/>
+          <p:nvPr/>
+        </p:nvSpPr>
+        <p:spPr>
+          <a:xfrm>
+            <a:off x="301752" y="1307592"/>
+            <a:ext cx="4041648" cy="758952"/>
+          </a:xfrm>
+          <a:prstGeom prst="rect">
+            <a:avLst/>
+          </a:prstGeom>
+          <a:solidFill>
+            <a:srgbClr val="F1F5F9"/>
+          </a:solidFill>
+          <a:ln>
+            <a:noFill/>
+          </a:ln>
+        </p:spPr>
+        <p:style>
+          <a:lnRef idx="1">
+            <a:schemeClr val="accent1"/>
+          </a:lnRef>
+          <a:fillRef idx="3">
+            <a:schemeClr val="accent1"/>
+          </a:fillRef>
+          <a:effectRef idx="2">
+            <a:schemeClr val="accent1"/>
+          </a:effectRef>
+          <a:fontRef idx="minor">
+            <a:schemeClr val="lt1"/>
+          </a:fontRef>
+        </p:style>
+        <p:txBody>
+          <a:bodyPr rtlCol="0" anchor="ctr"/>
+          <a:lstStyle/>
+          <a:p>
+            <a:pPr algn="ctr"/>
+          </a:p>
+        </p:txBody>
+      </p:sp>
+      <p:sp>
+        <p:nvSpPr>
+          <p:cNvPr id="10" name="Rectangle 9"/>
+          <p:cNvSpPr/>
+          <p:nvPr/>
+        </p:nvSpPr>
+        <p:spPr>
+          <a:xfrm>
+            <a:off x="329184" y="1307592"/>
+            <a:ext cx="0" cy="758952"/>
+          </a:xfrm>
+          <a:prstGeom prst="rect">
+            <a:avLst/>
+          </a:prstGeom>
+          <a:ln>
+            <a:noFill/>
+          </a:ln>
+        </p:spPr>
+        <p:style>
+          <a:lnRef idx="1">
+            <a:schemeClr val="accent1"/>
+          </a:lnRef>
+          <a:fillRef idx="3">
+            <a:schemeClr val="accent1"/>
+          </a:fillRef>
+          <a:effectRef idx="2">
+            <a:schemeClr val="accent1"/>
+          </a:effectRef>
+          <a:fontRef idx="minor">
+            <a:schemeClr val="lt1"/>
+          </a:fontRef>
+        </p:style>
+        <p:txBody>
+          <a:bodyPr rtlCol="0" anchor="ctr"/>
+          <a:lstStyle/>
+          <a:p>
+            <a:pPr algn="ctr"/>
+          </a:p>
+        </p:txBody>
+      </p:sp>
+      <p:sp>
+        <p:nvSpPr>
+          <p:cNvPr id="11" name="TextBox 10"/>
+          <p:cNvSpPr txBox="1"/>
+          <p:nvPr/>
+        </p:nvSpPr>
+        <p:spPr>
+          <a:xfrm>
+            <a:off x="594360" y="1536192"/>
+            <a:ext cx="2551176" cy="301752"/>
           </a:xfrm>
           <a:prstGeom prst="rect">
             <a:avLst/>
@@ -5008,25 +7474,56 @@
           </a:bodyPr>
           <a:lstStyle/>
           <a:p>
-            <a:pPr algn="ctr">
-              <a:defRPr sz="2200" b="1"/>
-            </a:pPr>
-            <a:r>
-              <a:t>¡Es hora de recopilar datos para tu proyecto!</a:t>
-            </a:r>
-          </a:p>
-        </p:txBody>
-      </p:sp>
-      <p:sp>
-        <p:nvSpPr>
-          <p:cNvPr id="10" name="TextBox 9"/>
-          <p:cNvSpPr txBox="1"/>
-          <p:nvPr/>
-        </p:nvSpPr>
-        <p:spPr>
-          <a:xfrm>
-            <a:off x="914400" y="1828800"/>
-            <a:ext cx="7315200" cy="3017520"/>
+            <a:pPr algn="l">
+              <a:defRPr sz="1800" b="1"/>
+            </a:pPr>
+            <a:r>
+              <a:t>⏱️ Tiempo: 20 minutos</a:t>
+            </a:r>
+          </a:p>
+        </p:txBody>
+      </p:sp>
+      <p:sp>
+        <p:nvSpPr>
+          <p:cNvPr id="12" name="TextBox 11"/>
+          <p:cNvSpPr txBox="1"/>
+          <p:nvPr/>
+        </p:nvSpPr>
+        <p:spPr>
+          <a:xfrm>
+            <a:off x="301752" y="2194560"/>
+            <a:ext cx="4114800" cy="265176"/>
+          </a:xfrm>
+          <a:prstGeom prst="rect">
+            <a:avLst/>
+          </a:prstGeom>
+          <a:noFill/>
+        </p:spPr>
+        <p:txBody>
+          <a:bodyPr wrap="none">
+            <a:spAutoFit/>
+          </a:bodyPr>
+          <a:lstStyle/>
+          <a:p>
+            <a:pPr algn="l">
+              <a:defRPr sz="1500" b="1"/>
+            </a:pPr>
+            <a:r>
+              <a:t>📝 Instrucciones</a:t>
+            </a:r>
+          </a:p>
+        </p:txBody>
+      </p:sp>
+      <p:sp>
+        <p:nvSpPr>
+          <p:cNvPr id="13" name="TextBox 12"/>
+          <p:cNvSpPr txBox="1"/>
+          <p:nvPr/>
+        </p:nvSpPr>
+        <p:spPr>
+          <a:xfrm>
+            <a:off x="301752" y="2569464"/>
+            <a:ext cx="4041648" cy="1179576"/>
           </a:xfrm>
           <a:prstGeom prst="rect">
             <a:avLst/>
@@ -5039,80 +7536,357 @@
           </a:bodyPr>
           <a:lstStyle/>
           <a:p>
-            <a:pPr>
-              <a:spcAft>
-                <a:spcPts val="1200"/>
-              </a:spcAft>
-              <a:defRPr sz="1600" b="1"/>
-            </a:pPr>
-            <a:r>
-              <a:t>Instrucciones:</a:t>
-            </a:r>
-          </a:p>
-          <a:p>
-            <a:pPr>
-              <a:spcAft>
-                <a:spcPts val="1000"/>
-              </a:spcAft>
-              <a:defRPr sz="1400"/>
-            </a:pPr>
-            <a:r>
-              <a:t>1. Revisa el proyecto que planeaste en la Sesión 5</a:t>
-            </a:r>
-          </a:p>
-          <a:p>
-            <a:pPr>
-              <a:spcAft>
-                <a:spcPts val="1000"/>
-              </a:spcAft>
-              <a:defRPr sz="1400"/>
-            </a:pPr>
-            <a:r>
-              <a:t>2. Define qué tipo de datos necesitas (imágenes, sonidos, poses)</a:t>
-            </a:r>
-          </a:p>
-          <a:p>
-            <a:pPr>
-              <a:spcAft>
-                <a:spcPts val="1000"/>
-              </a:spcAft>
-              <a:defRPr sz="1400"/>
-            </a:pPr>
-            <a:r>
-              <a:t>3. Determina cuántas categorías o clases tendrás</a:t>
-            </a:r>
-          </a:p>
-          <a:p>
-            <a:pPr>
-              <a:spcAft>
-                <a:spcPts val="1000"/>
-              </a:spcAft>
-              <a:defRPr sz="1400"/>
-            </a:pPr>
-            <a:r>
-              <a:t>4. Recopila al menos 25-30 ejemplos de cada categoría</a:t>
-            </a:r>
-          </a:p>
-          <a:p>
-            <a:pPr>
-              <a:spcAft>
-                <a:spcPts val="1000"/>
-              </a:spcAft>
-              <a:defRPr sz="1400"/>
-            </a:pPr>
-            <a:r>
-              <a:t>5. Organiza tus datos en carpetas o grupos</a:t>
-            </a:r>
-          </a:p>
-          <a:p>
-            <a:pPr>
-              <a:spcAft>
-                <a:spcPts val="1000"/>
-              </a:spcAft>
-              <a:defRPr sz="1400"/>
-            </a:pPr>
-            <a:r>
-              <a:t>6. Revisa la calidad y variedad de tus datos</a:t>
+            <a:pPr algn="l">
+              <a:defRPr sz="1350"/>
+            </a:pPr>
+            <a:r>
+              <a:t>Define tu proyecto de IA</a:t>
+            </a:r>
+          </a:p>
+          <a:p>
+            <a:pPr algn="l">
+              <a:defRPr sz="1350"/>
+            </a:pPr>
+            <a:r>
+              <a:t>Identifica qué datos necesitas</a:t>
+            </a:r>
+          </a:p>
+          <a:p>
+            <a:pPr algn="l">
+              <a:defRPr sz="1350"/>
+            </a:pPr>
+            <a:r>
+              <a:t>Determina cuántas categorías tendrás</a:t>
+            </a:r>
+          </a:p>
+          <a:p>
+            <a:pPr algn="l">
+              <a:defRPr sz="1350"/>
+            </a:pPr>
+            <a:r>
+              <a:t>Comienza a recopilar ejemplos</a:t>
+            </a:r>
+          </a:p>
+        </p:txBody>
+      </p:sp>
+      <p:sp>
+        <p:nvSpPr>
+          <p:cNvPr id="14" name="TextBox 13"/>
+          <p:cNvSpPr txBox="1"/>
+          <p:nvPr/>
+        </p:nvSpPr>
+        <p:spPr>
+          <a:xfrm>
+            <a:off x="301752" y="3877056"/>
+            <a:ext cx="4114800" cy="265176"/>
+          </a:xfrm>
+          <a:prstGeom prst="rect">
+            <a:avLst/>
+          </a:prstGeom>
+          <a:noFill/>
+        </p:spPr>
+        <p:txBody>
+          <a:bodyPr wrap="none">
+            <a:spAutoFit/>
+          </a:bodyPr>
+          <a:lstStyle/>
+          <a:p>
+            <a:pPr algn="l">
+              <a:defRPr sz="1500" b="1"/>
+            </a:pPr>
+            <a:r>
+              <a:t>💬 Presentación</a:t>
+            </a:r>
+          </a:p>
+        </p:txBody>
+      </p:sp>
+      <p:sp>
+        <p:nvSpPr>
+          <p:cNvPr id="15" name="TextBox 14"/>
+          <p:cNvSpPr txBox="1"/>
+          <p:nvPr/>
+        </p:nvSpPr>
+        <p:spPr>
+          <a:xfrm>
+            <a:off x="301752" y="4297680"/>
+            <a:ext cx="4114800" cy="228600"/>
+          </a:xfrm>
+          <a:prstGeom prst="rect">
+            <a:avLst/>
+          </a:prstGeom>
+          <a:noFill/>
+        </p:spPr>
+        <p:txBody>
+          <a:bodyPr wrap="none">
+            <a:spAutoFit/>
+          </a:bodyPr>
+          <a:lstStyle/>
+          <a:p>
+            <a:pPr algn="l">
+              <a:defRPr sz="1200"/>
+            </a:pPr>
+            <a:r>
+              <a:t>Comparte qué datos vas a recopilar y por qué.</a:t>
+            </a:r>
+          </a:p>
+        </p:txBody>
+      </p:sp>
+      <p:sp>
+        <p:nvSpPr>
+          <p:cNvPr id="16" name="TextBox 15"/>
+          <p:cNvSpPr txBox="1"/>
+          <p:nvPr/>
+        </p:nvSpPr>
+        <p:spPr>
+          <a:xfrm>
+            <a:off x="4800600" y="1682496"/>
+            <a:ext cx="4114800" cy="265176"/>
+          </a:xfrm>
+          <a:prstGeom prst="rect">
+            <a:avLst/>
+          </a:prstGeom>
+          <a:noFill/>
+        </p:spPr>
+        <p:txBody>
+          <a:bodyPr wrap="none">
+            <a:spAutoFit/>
+          </a:bodyPr>
+          <a:lstStyle/>
+          <a:p>
+            <a:pPr algn="l">
+              <a:defRPr sz="1500" b="1"/>
+            </a:pPr>
+            <a:r>
+              <a:t>📋 Ficha de Recopilación</a:t>
+            </a:r>
+          </a:p>
+        </p:txBody>
+      </p:sp>
+      <p:sp>
+        <p:nvSpPr>
+          <p:cNvPr id="17" name="Rectangle 16"/>
+          <p:cNvSpPr/>
+          <p:nvPr/>
+        </p:nvSpPr>
+        <p:spPr>
+          <a:xfrm>
+            <a:off x="4800600" y="2066543"/>
+            <a:ext cx="4041648" cy="2121408"/>
+          </a:xfrm>
+          <a:prstGeom prst="rect">
+            <a:avLst/>
+          </a:prstGeom>
+          <a:solidFill>
+            <a:srgbClr val="FFFFFF"/>
+          </a:solidFill>
+          <a:ln>
+            <a:noFill/>
+          </a:ln>
+        </p:spPr>
+        <p:style>
+          <a:lnRef idx="1">
+            <a:schemeClr val="accent1"/>
+          </a:lnRef>
+          <a:fillRef idx="3">
+            <a:schemeClr val="accent1"/>
+          </a:fillRef>
+          <a:effectRef idx="2">
+            <a:schemeClr val="accent1"/>
+          </a:effectRef>
+          <a:fontRef idx="minor">
+            <a:schemeClr val="lt1"/>
+          </a:fontRef>
+        </p:style>
+        <p:txBody>
+          <a:bodyPr rtlCol="0" anchor="ctr"/>
+          <a:lstStyle/>
+          <a:p>
+            <a:pPr algn="ctr"/>
+          </a:p>
+        </p:txBody>
+      </p:sp>
+      <p:sp>
+        <p:nvSpPr>
+          <p:cNvPr id="18" name="TextBox 17"/>
+          <p:cNvSpPr txBox="1"/>
+          <p:nvPr/>
+        </p:nvSpPr>
+        <p:spPr>
+          <a:xfrm>
+            <a:off x="5001768" y="2267712"/>
+            <a:ext cx="3703320" cy="192024"/>
+          </a:xfrm>
+          <a:prstGeom prst="rect">
+            <a:avLst/>
+          </a:prstGeom>
+          <a:noFill/>
+        </p:spPr>
+        <p:txBody>
+          <a:bodyPr wrap="none">
+            <a:spAutoFit/>
+          </a:bodyPr>
+          <a:lstStyle/>
+          <a:p>
+            <a:pPr algn="l">
+              <a:defRPr sz="1050" b="1"/>
+            </a:pPr>
+            <a:r>
+              <a:t>Proyecto: _______________</a:t>
+            </a:r>
+          </a:p>
+        </p:txBody>
+      </p:sp>
+      <p:sp>
+        <p:nvSpPr>
+          <p:cNvPr id="19" name="TextBox 18"/>
+          <p:cNvSpPr txBox="1"/>
+          <p:nvPr/>
+        </p:nvSpPr>
+        <p:spPr>
+          <a:xfrm>
+            <a:off x="5001768" y="2569464"/>
+            <a:ext cx="3703320" cy="192024"/>
+          </a:xfrm>
+          <a:prstGeom prst="rect">
+            <a:avLst/>
+          </a:prstGeom>
+          <a:noFill/>
+        </p:spPr>
+        <p:txBody>
+          <a:bodyPr wrap="none">
+            <a:spAutoFit/>
+          </a:bodyPr>
+          <a:lstStyle/>
+          <a:p>
+            <a:pPr algn="l">
+              <a:defRPr sz="1050" b="1"/>
+            </a:pPr>
+            <a:r>
+              <a:t>Tipo de datos: _______________</a:t>
+            </a:r>
+          </a:p>
+        </p:txBody>
+      </p:sp>
+      <p:sp>
+        <p:nvSpPr>
+          <p:cNvPr id="20" name="TextBox 19"/>
+          <p:cNvSpPr txBox="1"/>
+          <p:nvPr/>
+        </p:nvSpPr>
+        <p:spPr>
+          <a:xfrm>
+            <a:off x="5001768" y="2871216"/>
+            <a:ext cx="3703320" cy="192024"/>
+          </a:xfrm>
+          <a:prstGeom prst="rect">
+            <a:avLst/>
+          </a:prstGeom>
+          <a:noFill/>
+        </p:spPr>
+        <p:txBody>
+          <a:bodyPr wrap="none">
+            <a:spAutoFit/>
+          </a:bodyPr>
+          <a:lstStyle/>
+          <a:p>
+            <a:pPr algn="l">
+              <a:defRPr sz="1050" b="1"/>
+            </a:pPr>
+            <a:r>
+              <a:t>Categorías: _______________</a:t>
+            </a:r>
+          </a:p>
+        </p:txBody>
+      </p:sp>
+      <p:sp>
+        <p:nvSpPr>
+          <p:cNvPr id="21" name="TextBox 20"/>
+          <p:cNvSpPr txBox="1"/>
+          <p:nvPr/>
+        </p:nvSpPr>
+        <p:spPr>
+          <a:xfrm>
+            <a:off x="5001768" y="3172968"/>
+            <a:ext cx="3703320" cy="192024"/>
+          </a:xfrm>
+          <a:prstGeom prst="rect">
+            <a:avLst/>
+          </a:prstGeom>
+          <a:noFill/>
+        </p:spPr>
+        <p:txBody>
+          <a:bodyPr wrap="none">
+            <a:spAutoFit/>
+          </a:bodyPr>
+          <a:lstStyle/>
+          <a:p>
+            <a:pPr algn="l">
+              <a:defRPr sz="1050" b="1"/>
+            </a:pPr>
+            <a:r>
+              <a:t>Cantidad por categoría: _______________</a:t>
+            </a:r>
+          </a:p>
+        </p:txBody>
+      </p:sp>
+      <p:sp>
+        <p:nvSpPr>
+          <p:cNvPr id="22" name="TextBox 21"/>
+          <p:cNvSpPr txBox="1"/>
+          <p:nvPr/>
+        </p:nvSpPr>
+        <p:spPr>
+          <a:xfrm>
+            <a:off x="5001768" y="3474720"/>
+            <a:ext cx="3703320" cy="192024"/>
+          </a:xfrm>
+          <a:prstGeom prst="rect">
+            <a:avLst/>
+          </a:prstGeom>
+          <a:noFill/>
+        </p:spPr>
+        <p:txBody>
+          <a:bodyPr wrap="none">
+            <a:spAutoFit/>
+          </a:bodyPr>
+          <a:lstStyle/>
+          <a:p>
+            <a:pPr algn="l">
+              <a:defRPr sz="1050" b="1"/>
+            </a:pPr>
+            <a:r>
+              <a:t>Herramienta: _______________</a:t>
+            </a:r>
+          </a:p>
+        </p:txBody>
+      </p:sp>
+      <p:sp>
+        <p:nvSpPr>
+          <p:cNvPr id="23" name="TextBox 22"/>
+          <p:cNvSpPr txBox="1"/>
+          <p:nvPr/>
+        </p:nvSpPr>
+        <p:spPr>
+          <a:xfrm>
+            <a:off x="5001768" y="3776472"/>
+            <a:ext cx="3703320" cy="192024"/>
+          </a:xfrm>
+          <a:prstGeom prst="rect">
+            <a:avLst/>
+          </a:prstGeom>
+          <a:noFill/>
+        </p:spPr>
+        <p:txBody>
+          <a:bodyPr wrap="none">
+            <a:spAutoFit/>
+          </a:bodyPr>
+          <a:lstStyle/>
+          <a:p>
+            <a:pPr algn="l">
+              <a:defRPr sz="1050" b="1"/>
+            </a:pPr>
+            <a:r>
+              <a:t>Fecha límite: _______________</a:t>
             </a:r>
           </a:p>
         </p:txBody>

--- a/Sesión 6.pptx
+++ b/Sesión 6.pptx
@@ -1264,9 +1264,27 @@
           <a:bodyPr wrap="square" lIns="0" tIns="0" rIns="0" bIns="0" rtlCol="0" anchor="t"/>
           <a:lstStyle/>
           <a:p>
-            <a:r>
+            <a:pPr marL="0" indent="0" algn="ctr">
+              <a:lnSpc>
+                <a:spcPts val="4500"/>
+              </a:lnSpc>
+              <a:spcAft>
+                <a:spcPts val="600"/>
+              </a:spcAft>
+              <a:buNone/>
+            </a:pPr>
+            <a:r>
+              <a:rPr lang="en-US" sz="4500" b="1" dirty="0">
+                <a:solidFill>
+                  <a:srgbClr val="FFFFFF"/>
+                </a:solidFill>
+                <a:latin typeface="Arial" pitchFamily="34" charset="0"/>
+                <a:ea typeface="Arial" pitchFamily="34" charset="-122"/>
+                <a:cs typeface="Arial" pitchFamily="34" charset="-120"/>
+              </a:rPr>
               <a:t>Sesión 6</a:t>
             </a:r>
+            <a:endParaRPr lang="en-US" sz="4500" dirty="0"/>
           </a:p>
         </p:txBody>
       </p:sp>
@@ -1291,9 +1309,26 @@
           <a:bodyPr wrap="square" lIns="0" tIns="0" rIns="0" bIns="0" rtlCol="0" anchor="t"/>
           <a:lstStyle/>
           <a:p>
-            <a:r>
+            <a:pPr marL="0" indent="0" algn="ctr">
+              <a:lnSpc>
+                <a:spcPts val="3000"/>
+              </a:lnSpc>
+              <a:buNone/>
+            </a:pPr>
+            <a:r>
+              <a:rPr lang="en-US" sz="2700" b="1" dirty="0">
+                <a:solidFill>
+                  <a:srgbClr val="FFFFFF">
+                    <a:alpha val="95000"/>
+                  </a:srgbClr>
+                </a:solidFill>
+                <a:latin typeface="Arial" pitchFamily="34" charset="0"/>
+                <a:ea typeface="Arial" pitchFamily="34" charset="-122"/>
+                <a:cs typeface="Arial" pitchFamily="34" charset="-120"/>
+              </a:rPr>
               <a:t>Recopilación y Preparación de Datos</a:t>
             </a:r>
+            <a:endParaRPr lang="en-US" sz="2700" dirty="0"/>
           </a:p>
         </p:txBody>
       </p:sp>
@@ -1368,9 +1403,32 @@
           <a:bodyPr wrap="square" lIns="0" tIns="0" rIns="0" bIns="0" rtlCol="0" anchor="t"/>
           <a:lstStyle/>
           <a:p>
-            <a:r>
+            <a:pPr marL="0" indent="0" algn="ctr">
+              <a:lnSpc>
+                <a:spcPts val="2100"/>
+              </a:lnSpc>
+              <a:spcBef>
+                <a:spcPts val="300"/>
+              </a:spcBef>
+              <a:spcAft>
+                <a:spcPts val="300"/>
+              </a:spcAft>
+              <a:buNone/>
+            </a:pPr>
+            <a:r>
+              <a:rPr lang="en-US" sz="1350" dirty="0">
+                <a:solidFill>
+                  <a:srgbClr val="FFFFFF">
+                    <a:alpha val="70000"/>
+                  </a:srgbClr>
+                </a:solidFill>
+                <a:latin typeface="Arial" pitchFamily="34" charset="0"/>
+                <a:ea typeface="Arial" pitchFamily="34" charset="-122"/>
+                <a:cs typeface="Arial" pitchFamily="34" charset="-120"/>
+              </a:rPr>
               <a:t>Noviembre 2024</a:t>
             </a:r>
+            <a:endParaRPr lang="en-US" sz="1350" dirty="0"/>
           </a:p>
         </p:txBody>
       </p:sp>
@@ -1532,9 +1590,16 @@
                 <a:solidFill>
                   <a:srgbClr val="FFFFFF"/>
                 </a:solidFill>
-              </a:defRPr>
-            </a:pPr>
-            <a:r>
+                <a:latin typeface="Arial"/>
+              </a:defRPr>
+            </a:pPr>
+            <a:r>
+              <a:rPr sz="1350">
+                <a:solidFill>
+                  <a:srgbClr val="1E293B"/>
+                </a:solidFill>
+                <a:latin typeface="Arial"/>
+              </a:rPr>
               <a:t>⚠️ Consejos y Errores Comunes</a:t>
             </a:r>
           </a:p>
@@ -1676,9 +1741,20 @@
           <a:lstStyle/>
           <a:p>
             <a:pPr algn="l">
-              <a:defRPr sz="1350" b="1"/>
-            </a:pPr>
-            <a:r>
+              <a:defRPr sz="1350" b="1">
+                <a:solidFill>
+                  <a:srgbClr val="1E293B"/>
+                </a:solidFill>
+                <a:latin typeface="Arial"/>
+              </a:defRPr>
+            </a:pPr>
+            <a:r>
+              <a:rPr sz="1350">
+                <a:solidFill>
+                  <a:srgbClr val="1E293B"/>
+                </a:solidFill>
+                <a:latin typeface="Arial"/>
+              </a:rPr>
               <a:t>❌ Pocos datos</a:t>
             </a:r>
           </a:p>
@@ -1707,9 +1783,20 @@
           <a:lstStyle/>
           <a:p>
             <a:pPr algn="l">
-              <a:defRPr sz="1200"/>
-            </a:pPr>
-            <a:r>
+              <a:defRPr sz="1200">
+                <a:solidFill>
+                  <a:srgbClr val="1E293B"/>
+                </a:solidFill>
+                <a:latin typeface="Arial"/>
+              </a:defRPr>
+            </a:pPr>
+            <a:r>
+              <a:rPr sz="1350">
+                <a:solidFill>
+                  <a:srgbClr val="1E293B"/>
+                </a:solidFill>
+                <a:latin typeface="Arial"/>
+              </a:rPr>
               <a:t>Sin suficientes ejemplos, la IA no aprende bien</a:t>
             </a:r>
           </a:p>
@@ -1821,9 +1908,20 @@
           <a:lstStyle/>
           <a:p>
             <a:pPr algn="l">
-              <a:defRPr sz="1350" b="1"/>
-            </a:pPr>
-            <a:r>
+              <a:defRPr sz="1350" b="1">
+                <a:solidFill>
+                  <a:srgbClr val="1E293B"/>
+                </a:solidFill>
+                <a:latin typeface="Arial"/>
+              </a:defRPr>
+            </a:pPr>
+            <a:r>
+              <a:rPr sz="1350">
+                <a:solidFill>
+                  <a:srgbClr val="1E293B"/>
+                </a:solidFill>
+                <a:latin typeface="Arial"/>
+              </a:rPr>
               <a:t>✅ Datos abundantes</a:t>
             </a:r>
           </a:p>
@@ -1852,9 +1950,20 @@
           <a:lstStyle/>
           <a:p>
             <a:pPr algn="l">
-              <a:defRPr sz="1200"/>
-            </a:pPr>
-            <a:r>
+              <a:defRPr sz="1200">
+                <a:solidFill>
+                  <a:srgbClr val="1E293B"/>
+                </a:solidFill>
+                <a:latin typeface="Arial"/>
+              </a:defRPr>
+            </a:pPr>
+            <a:r>
+              <a:rPr sz="1350">
+                <a:solidFill>
+                  <a:srgbClr val="1E293B"/>
+                </a:solidFill>
+                <a:latin typeface="Arial"/>
+              </a:rPr>
               <a:t>Al menos 25-30 ejemplos por categoría</a:t>
             </a:r>
           </a:p>
@@ -1966,9 +2075,20 @@
           <a:lstStyle/>
           <a:p>
             <a:pPr algn="l">
-              <a:defRPr sz="1350" b="1"/>
-            </a:pPr>
-            <a:r>
+              <a:defRPr sz="1350" b="1">
+                <a:solidFill>
+                  <a:srgbClr val="1E293B"/>
+                </a:solidFill>
+                <a:latin typeface="Arial"/>
+              </a:defRPr>
+            </a:pPr>
+            <a:r>
+              <a:rPr sz="1350">
+                <a:solidFill>
+                  <a:srgbClr val="1E293B"/>
+                </a:solidFill>
+                <a:latin typeface="Arial"/>
+              </a:rPr>
               <a:t>❌ Datos similares</a:t>
             </a:r>
           </a:p>
@@ -1997,9 +2117,20 @@
           <a:lstStyle/>
           <a:p>
             <a:pPr algn="l">
-              <a:defRPr sz="1200"/>
-            </a:pPr>
-            <a:r>
+              <a:defRPr sz="1200">
+                <a:solidFill>
+                  <a:srgbClr val="1E293B"/>
+                </a:solidFill>
+                <a:latin typeface="Arial"/>
+              </a:defRPr>
+            </a:pPr>
+            <a:r>
+              <a:rPr sz="1350">
+                <a:solidFill>
+                  <a:srgbClr val="1E293B"/>
+                </a:solidFill>
+                <a:latin typeface="Arial"/>
+              </a:rPr>
               <a:t>Sin variedad, el modelo no generaliza</a:t>
             </a:r>
           </a:p>
@@ -2111,9 +2242,20 @@
           <a:lstStyle/>
           <a:p>
             <a:pPr algn="l">
-              <a:defRPr sz="1350" b="1"/>
-            </a:pPr>
-            <a:r>
+              <a:defRPr sz="1350" b="1">
+                <a:solidFill>
+                  <a:srgbClr val="1E293B"/>
+                </a:solidFill>
+                <a:latin typeface="Arial"/>
+              </a:defRPr>
+            </a:pPr>
+            <a:r>
+              <a:rPr sz="1350">
+                <a:solidFill>
+                  <a:srgbClr val="1E293B"/>
+                </a:solidFill>
+                <a:latin typeface="Arial"/>
+              </a:rPr>
               <a:t>✅ Datos variados</a:t>
             </a:r>
           </a:p>
@@ -2142,9 +2284,20 @@
           <a:lstStyle/>
           <a:p>
             <a:pPr algn="l">
-              <a:defRPr sz="1200"/>
-            </a:pPr>
-            <a:r>
+              <a:defRPr sz="1200">
+                <a:solidFill>
+                  <a:srgbClr val="1E293B"/>
+                </a:solidFill>
+                <a:latin typeface="Arial"/>
+              </a:defRPr>
+            </a:pPr>
+            <a:r>
+              <a:rPr sz="1350">
+                <a:solidFill>
+                  <a:srgbClr val="1E293B"/>
+                </a:solidFill>
+                <a:latin typeface="Arial"/>
+              </a:rPr>
               <a:t>Diferentes ángulos, fondos y condiciones</a:t>
             </a:r>
           </a:p>
@@ -2256,9 +2409,20 @@
           <a:lstStyle/>
           <a:p>
             <a:pPr algn="l">
-              <a:defRPr sz="1350" b="1"/>
-            </a:pPr>
-            <a:r>
+              <a:defRPr sz="1350" b="1">
+                <a:solidFill>
+                  <a:srgbClr val="1E293B"/>
+                </a:solidFill>
+                <a:latin typeface="Arial"/>
+              </a:defRPr>
+            </a:pPr>
+            <a:r>
+              <a:rPr sz="1350">
+                <a:solidFill>
+                  <a:srgbClr val="1E293B"/>
+                </a:solidFill>
+                <a:latin typeface="Arial"/>
+              </a:rPr>
               <a:t>❌ Mala calidad</a:t>
             </a:r>
           </a:p>
@@ -2287,9 +2451,20 @@
           <a:lstStyle/>
           <a:p>
             <a:pPr algn="l">
-              <a:defRPr sz="1200"/>
-            </a:pPr>
-            <a:r>
+              <a:defRPr sz="1200">
+                <a:solidFill>
+                  <a:srgbClr val="1E293B"/>
+                </a:solidFill>
+                <a:latin typeface="Arial"/>
+              </a:defRPr>
+            </a:pPr>
+            <a:r>
+              <a:rPr sz="1350">
+                <a:solidFill>
+                  <a:srgbClr val="1E293B"/>
+                </a:solidFill>
+                <a:latin typeface="Arial"/>
+              </a:rPr>
               <a:t>Imágenes borrosas o audio con ruido</a:t>
             </a:r>
           </a:p>
@@ -2401,9 +2576,20 @@
           <a:lstStyle/>
           <a:p>
             <a:pPr algn="l">
-              <a:defRPr sz="1350" b="1"/>
-            </a:pPr>
-            <a:r>
+              <a:defRPr sz="1350" b="1">
+                <a:solidFill>
+                  <a:srgbClr val="1E293B"/>
+                </a:solidFill>
+                <a:latin typeface="Arial"/>
+              </a:defRPr>
+            </a:pPr>
+            <a:r>
+              <a:rPr sz="1350">
+                <a:solidFill>
+                  <a:srgbClr val="1E293B"/>
+                </a:solidFill>
+                <a:latin typeface="Arial"/>
+              </a:rPr>
               <a:t>✅ Alta calidad</a:t>
             </a:r>
           </a:p>
@@ -2432,9 +2618,20 @@
           <a:lstStyle/>
           <a:p>
             <a:pPr algn="l">
-              <a:defRPr sz="1200"/>
-            </a:pPr>
-            <a:r>
+              <a:defRPr sz="1200">
+                <a:solidFill>
+                  <a:srgbClr val="1E293B"/>
+                </a:solidFill>
+                <a:latin typeface="Arial"/>
+              </a:defRPr>
+            </a:pPr>
+            <a:r>
+              <a:rPr sz="1350">
+                <a:solidFill>
+                  <a:srgbClr val="1E293B"/>
+                </a:solidFill>
+                <a:latin typeface="Arial"/>
+              </a:rPr>
               <a:t>Datos claros, nítidos y representativos</a:t>
             </a:r>
           </a:p>
@@ -2568,9 +2765,16 @@
                 <a:solidFill>
                   <a:srgbClr val="FFFFFF"/>
                 </a:solidFill>
-              </a:defRPr>
-            </a:pPr>
-            <a:r>
+                <a:latin typeface="Arial"/>
+              </a:defRPr>
+            </a:pPr>
+            <a:r>
+              <a:rPr sz="1350">
+                <a:solidFill>
+                  <a:srgbClr val="1E293B"/>
+                </a:solidFill>
+                <a:latin typeface="Arial"/>
+              </a:rPr>
               <a:t>🎯 Conclusión y Próximos Pasos</a:t>
             </a:r>
           </a:p>
@@ -2712,9 +2916,20 @@
           <a:lstStyle/>
           <a:p>
             <a:pPr algn="l">
-              <a:defRPr sz="1800" b="1"/>
-            </a:pPr>
-            <a:r>
+              <a:defRPr sz="1800" b="1">
+                <a:solidFill>
+                  <a:srgbClr val="1E293B"/>
+                </a:solidFill>
+                <a:latin typeface="Arial"/>
+              </a:defRPr>
+            </a:pPr>
+            <a:r>
+              <a:rPr sz="1800" b="1">
+                <a:solidFill>
+                  <a:srgbClr val="6366F1"/>
+                </a:solidFill>
+                <a:latin typeface="Arial"/>
+              </a:rPr>
               <a:t>📌 Puntos Clave</a:t>
             </a:r>
           </a:p>
@@ -2743,25 +2958,58 @@
           <a:lstStyle/>
           <a:p>
             <a:pPr algn="l">
-              <a:defRPr sz="1350"/>
-            </a:pPr>
-            <a:r>
+              <a:defRPr sz="1350">
+                <a:solidFill>
+                  <a:srgbClr val="1E293B"/>
+                </a:solidFill>
+                <a:latin typeface="Arial"/>
+              </a:defRPr>
+            </a:pPr>
+            <a:r>
+              <a:rPr sz="1800">
+                <a:solidFill>
+                  <a:srgbClr val="FFFFFF"/>
+                </a:solidFill>
+                <a:latin typeface="Arial"/>
+              </a:rPr>
               <a:t>Los datos son esenciales para entrenar modelos de IA</a:t>
             </a:r>
           </a:p>
           <a:p>
             <a:pPr algn="l">
-              <a:defRPr sz="1350"/>
-            </a:pPr>
-            <a:r>
+              <a:defRPr sz="1350">
+                <a:solidFill>
+                  <a:srgbClr val="1E293B"/>
+                </a:solidFill>
+                <a:latin typeface="Arial"/>
+              </a:defRPr>
+            </a:pPr>
+            <a:r>
+              <a:rPr sz="1800">
+                <a:solidFill>
+                  <a:srgbClr val="FFFFFF"/>
+                </a:solidFill>
+                <a:latin typeface="Arial"/>
+              </a:rPr>
               <a:t>La calidad y variedad son más importantes que la cantidad</a:t>
             </a:r>
           </a:p>
           <a:p>
             <a:pPr algn="l">
-              <a:defRPr sz="1350"/>
-            </a:pPr>
-            <a:r>
+              <a:defRPr sz="1350">
+                <a:solidFill>
+                  <a:srgbClr val="1E293B"/>
+                </a:solidFill>
+                <a:latin typeface="Arial"/>
+              </a:defRPr>
+            </a:pPr>
+            <a:r>
+              <a:rPr sz="1800">
+                <a:solidFill>
+                  <a:srgbClr val="FFFFFF"/>
+                </a:solidFill>
+                <a:latin typeface="Arial"/>
+              </a:rPr>
               <a:t>Organizar y etiquetar correctamente los datos es fundamental</a:t>
             </a:r>
           </a:p>
@@ -2833,9 +3081,20 @@
           <a:lstStyle/>
           <a:p>
             <a:pPr algn="ctr">
-              <a:defRPr sz="2250" b="1"/>
-            </a:pPr>
-            <a:r>
+              <a:defRPr sz="2250" b="1">
+                <a:solidFill>
+                  <a:srgbClr val="FFFFFF"/>
+                </a:solidFill>
+                <a:latin typeface="Arial"/>
+              </a:defRPr>
+            </a:pPr>
+            <a:r>
+              <a:rPr sz="1800" b="1">
+                <a:solidFill>
+                  <a:srgbClr val="6366F1"/>
+                </a:solidFill>
+                <a:latin typeface="Arial"/>
+              </a:rPr>
               <a:t>🚀 Próxima Sesión</a:t>
             </a:r>
           </a:p>
@@ -2864,9 +3123,20 @@
           <a:lstStyle/>
           <a:p>
             <a:pPr algn="ctr">
-              <a:defRPr sz="1500"/>
-            </a:pPr>
-            <a:r>
+              <a:defRPr sz="1500">
+                <a:solidFill>
+                  <a:srgbClr val="FFFFFF"/>
+                </a:solidFill>
+                <a:latin typeface="Arial"/>
+              </a:defRPr>
+            </a:pPr>
+            <a:r>
+              <a:rPr sz="1350">
+                <a:solidFill>
+                  <a:srgbClr val="1E293B"/>
+                </a:solidFill>
+                <a:latin typeface="Arial"/>
+              </a:rPr>
               <a:t>Sesión 7: Entrenando el Modelo de IA</a:t>
             </a:r>
           </a:p>
@@ -2895,9 +3165,20 @@
           <a:lstStyle/>
           <a:p>
             <a:pPr algn="ctr">
-              <a:defRPr sz="1200"/>
-            </a:pPr>
-            <a:r>
+              <a:defRPr sz="1200">
+                <a:solidFill>
+                  <a:srgbClr val="FFFFFF"/>
+                </a:solidFill>
+                <a:latin typeface="Arial"/>
+              </a:defRPr>
+            </a:pPr>
+            <a:r>
+              <a:rPr sz="1350">
+                <a:solidFill>
+                  <a:srgbClr val="1E293B"/>
+                </a:solidFill>
+                <a:latin typeface="Arial"/>
+              </a:rPr>
               <a:t>Usaremos los datos recopilados para entrenar tu primer modelo de IA</a:t>
             </a:r>
           </a:p>
@@ -3031,9 +3312,16 @@
                 <a:solidFill>
                   <a:srgbClr val="FFFFFF"/>
                 </a:solidFill>
-              </a:defRPr>
-            </a:pPr>
-            <a:r>
+                <a:latin typeface="Arial"/>
+              </a:defRPr>
+            </a:pPr>
+            <a:r>
+              <a:rPr sz="2700" b="1">
+                <a:solidFill>
+                  <a:srgbClr val="FFFFFF"/>
+                </a:solidFill>
+                <a:latin typeface="Arial"/>
+              </a:rPr>
               <a:t>Objetivo y Agenda</a:t>
             </a:r>
           </a:p>
@@ -3175,9 +3463,20 @@
           <a:lstStyle/>
           <a:p>
             <a:pPr algn="l">
-              <a:defRPr sz="1800" b="1"/>
-            </a:pPr>
-            <a:r>
+              <a:defRPr sz="1800" b="1">
+                <a:solidFill>
+                  <a:srgbClr val="6366F1"/>
+                </a:solidFill>
+                <a:latin typeface="Arial"/>
+              </a:defRPr>
+            </a:pPr>
+            <a:r>
+              <a:rPr sz="1800" b="1">
+                <a:solidFill>
+                  <a:srgbClr val="6366F1"/>
+                </a:solidFill>
+                <a:latin typeface="Arial"/>
+              </a:rPr>
               <a:t>🎯 Objetivo</a:t>
             </a:r>
           </a:p>
@@ -3206,9 +3505,20 @@
           <a:lstStyle/>
           <a:p>
             <a:pPr algn="l">
-              <a:defRPr sz="1350"/>
-            </a:pPr>
-            <a:r>
+              <a:defRPr sz="1350">
+                <a:solidFill>
+                  <a:srgbClr val="1E293B"/>
+                </a:solidFill>
+                <a:latin typeface="Arial"/>
+              </a:defRPr>
+            </a:pPr>
+            <a:r>
+              <a:rPr sz="1800">
+                <a:solidFill>
+                  <a:srgbClr val="FFFFFF"/>
+                </a:solidFill>
+                <a:latin typeface="Arial"/>
+              </a:rPr>
               <a:t>Enseñar la importancia de los datos para entrenar modelos de Inteligencia Artificial y cómo recopilar datos de calidad.</a:t>
             </a:r>
           </a:p>
@@ -3237,9 +3547,20 @@
           <a:lstStyle/>
           <a:p>
             <a:pPr algn="l">
-              <a:defRPr sz="1500" b="1"/>
-            </a:pPr>
-            <a:r>
+              <a:defRPr sz="1500" b="1">
+                <a:solidFill>
+                  <a:srgbClr val="6366F1"/>
+                </a:solidFill>
+                <a:latin typeface="Arial"/>
+              </a:defRPr>
+            </a:pPr>
+            <a:r>
+              <a:rPr sz="1800" b="1">
+                <a:solidFill>
+                  <a:srgbClr val="6366F1"/>
+                </a:solidFill>
+                <a:latin typeface="Arial"/>
+              </a:rPr>
               <a:t>📋 Agenda</a:t>
             </a:r>
           </a:p>
@@ -3268,33 +3589,77 @@
           <a:lstStyle/>
           <a:p>
             <a:pPr algn="l">
-              <a:defRPr sz="1350"/>
-            </a:pPr>
-            <a:r>
+              <a:defRPr sz="1350">
+                <a:solidFill>
+                  <a:srgbClr val="1E293B"/>
+                </a:solidFill>
+                <a:latin typeface="Arial"/>
+              </a:defRPr>
+            </a:pPr>
+            <a:r>
+              <a:rPr sz="1800">
+                <a:solidFill>
+                  <a:srgbClr val="FFFFFF"/>
+                </a:solidFill>
+                <a:latin typeface="Arial"/>
+              </a:rPr>
               <a:t>Importancia de los datos en IA</a:t>
             </a:r>
           </a:p>
           <a:p>
             <a:pPr algn="l">
-              <a:defRPr sz="1350"/>
-            </a:pPr>
-            <a:r>
+              <a:defRPr sz="1350">
+                <a:solidFill>
+                  <a:srgbClr val="1E293B"/>
+                </a:solidFill>
+                <a:latin typeface="Arial"/>
+              </a:defRPr>
+            </a:pPr>
+            <a:r>
+              <a:rPr sz="1800">
+                <a:solidFill>
+                  <a:srgbClr val="FFFFFF"/>
+                </a:solidFill>
+                <a:latin typeface="Arial"/>
+              </a:rPr>
               <a:t>Tipos de datos para entrenar modelos</a:t>
             </a:r>
           </a:p>
           <a:p>
             <a:pPr algn="l">
-              <a:defRPr sz="1350"/>
-            </a:pPr>
-            <a:r>
+              <a:defRPr sz="1350">
+                <a:solidFill>
+                  <a:srgbClr val="1E293B"/>
+                </a:solidFill>
+                <a:latin typeface="Arial"/>
+              </a:defRPr>
+            </a:pPr>
+            <a:r>
+              <a:rPr sz="1800">
+                <a:solidFill>
+                  <a:srgbClr val="FFFFFF"/>
+                </a:solidFill>
+                <a:latin typeface="Arial"/>
+              </a:rPr>
               <a:t>Cómo recopilar datos de calidad</a:t>
             </a:r>
           </a:p>
           <a:p>
             <a:pPr algn="l">
-              <a:defRPr sz="1350"/>
-            </a:pPr>
-            <a:r>
+              <a:defRPr sz="1350">
+                <a:solidFill>
+                  <a:srgbClr val="1E293B"/>
+                </a:solidFill>
+                <a:latin typeface="Arial"/>
+              </a:defRPr>
+            </a:pPr>
+            <a:r>
+              <a:rPr sz="1800">
+                <a:solidFill>
+                  <a:srgbClr val="FFFFFF"/>
+                </a:solidFill>
+                <a:latin typeface="Arial"/>
+              </a:rPr>
               <a:t>Actividad práctica: recopilación de datos</a:t>
             </a:r>
           </a:p>
@@ -3428,9 +3793,16 @@
                 <a:solidFill>
                   <a:srgbClr val="FFFFFF"/>
                 </a:solidFill>
-              </a:defRPr>
-            </a:pPr>
-            <a:r>
+                <a:latin typeface="Arial"/>
+              </a:defRPr>
+            </a:pPr>
+            <a:r>
+              <a:rPr sz="2700" b="1">
+                <a:solidFill>
+                  <a:srgbClr val="FFFFFF"/>
+                </a:solidFill>
+                <a:latin typeface="Arial"/>
+              </a:rPr>
               <a:t>¿Por qué son importantes los datos?</a:t>
             </a:r>
           </a:p>
@@ -3532,9 +3904,20 @@
           <a:lstStyle/>
           <a:p>
             <a:pPr algn="ctr">
-              <a:defRPr sz="1800"/>
-            </a:pPr>
-            <a:r>
+              <a:defRPr sz="1800">
+                <a:solidFill>
+                  <a:srgbClr val="FFFFFF"/>
+                </a:solidFill>
+                <a:latin typeface="Arial"/>
+              </a:defRPr>
+            </a:pPr>
+            <a:r>
+              <a:rPr sz="1800">
+                <a:solidFill>
+                  <a:srgbClr val="FFFFFF"/>
+                </a:solidFill>
+                <a:latin typeface="Arial"/>
+              </a:rPr>
               <a:t>Los datos son el combustible de la Inteligencia Artificial. Sin datos de calidad, los modelos de IA no pueden aprender correctamente.</a:t>
             </a:r>
           </a:p>
@@ -3606,9 +3989,20 @@
           <a:lstStyle/>
           <a:p>
             <a:pPr algn="ctr">
-              <a:defRPr sz="3600"/>
-            </a:pPr>
-            <a:r>
+              <a:defRPr sz="3600">
+                <a:solidFill>
+                  <a:srgbClr val="1E293B"/>
+                </a:solidFill>
+                <a:latin typeface="Arial"/>
+              </a:defRPr>
+            </a:pPr>
+            <a:r>
+              <a:rPr sz="3600">
+                <a:solidFill>
+                  <a:srgbClr val="1E293B"/>
+                </a:solidFill>
+                <a:latin typeface="Arial"/>
+              </a:rPr>
               <a:t>💡</a:t>
             </a:r>
           </a:p>
@@ -3637,9 +4031,20 @@
           <a:lstStyle/>
           <a:p>
             <a:pPr algn="ctr">
-              <a:defRPr sz="1350"/>
-            </a:pPr>
-            <a:r>
+              <a:defRPr sz="1350">
+                <a:solidFill>
+                  <a:srgbClr val="1E293B"/>
+                </a:solidFill>
+                <a:latin typeface="Arial"/>
+              </a:defRPr>
+            </a:pPr>
+            <a:r>
+              <a:rPr sz="1350">
+                <a:solidFill>
+                  <a:srgbClr val="1E293B"/>
+                </a:solidFill>
+                <a:latin typeface="Arial"/>
+              </a:rPr>
               <a:t>Datos = Conocimiento</a:t>
             </a:r>
           </a:p>
@@ -3711,9 +4116,20 @@
           <a:lstStyle/>
           <a:p>
             <a:pPr algn="ctr">
-              <a:defRPr sz="3600"/>
-            </a:pPr>
-            <a:r>
+              <a:defRPr sz="3600">
+                <a:solidFill>
+                  <a:srgbClr val="1E293B"/>
+                </a:solidFill>
+                <a:latin typeface="Arial"/>
+              </a:defRPr>
+            </a:pPr>
+            <a:r>
+              <a:rPr sz="1800" b="1">
+                <a:solidFill>
+                  <a:srgbClr val="6366F1"/>
+                </a:solidFill>
+                <a:latin typeface="Arial"/>
+              </a:rPr>
               <a:t>🎯</a:t>
             </a:r>
           </a:p>
@@ -3742,9 +4158,20 @@
           <a:lstStyle/>
           <a:p>
             <a:pPr algn="ctr">
-              <a:defRPr sz="1350"/>
-            </a:pPr>
-            <a:r>
+              <a:defRPr sz="1350">
+                <a:solidFill>
+                  <a:srgbClr val="1E293B"/>
+                </a:solidFill>
+                <a:latin typeface="Arial"/>
+              </a:defRPr>
+            </a:pPr>
+            <a:r>
+              <a:rPr sz="1350">
+                <a:solidFill>
+                  <a:srgbClr val="1E293B"/>
+                </a:solidFill>
+                <a:latin typeface="Arial"/>
+              </a:rPr>
               <a:t>Calidad &gt; Cantidad</a:t>
             </a:r>
           </a:p>
@@ -3816,9 +4243,20 @@
           <a:lstStyle/>
           <a:p>
             <a:pPr algn="ctr">
-              <a:defRPr sz="3600"/>
-            </a:pPr>
-            <a:r>
+              <a:defRPr sz="3600">
+                <a:solidFill>
+                  <a:srgbClr val="1E293B"/>
+                </a:solidFill>
+                <a:latin typeface="Arial"/>
+              </a:defRPr>
+            </a:pPr>
+            <a:r>
+              <a:rPr sz="3600">
+                <a:solidFill>
+                  <a:srgbClr val="1E293B"/>
+                </a:solidFill>
+                <a:latin typeface="Arial"/>
+              </a:rPr>
               <a:t>📊</a:t>
             </a:r>
           </a:p>
@@ -3847,9 +4285,20 @@
           <a:lstStyle/>
           <a:p>
             <a:pPr algn="ctr">
-              <a:defRPr sz="1350"/>
-            </a:pPr>
-            <a:r>
+              <a:defRPr sz="1350">
+                <a:solidFill>
+                  <a:srgbClr val="1E293B"/>
+                </a:solidFill>
+                <a:latin typeface="Arial"/>
+              </a:defRPr>
+            </a:pPr>
+            <a:r>
+              <a:rPr sz="1350">
+                <a:solidFill>
+                  <a:srgbClr val="1E293B"/>
+                </a:solidFill>
+                <a:latin typeface="Arial"/>
+              </a:rPr>
               <a:t>Variedad es clave</a:t>
             </a:r>
           </a:p>
@@ -3983,9 +4432,16 @@
                 <a:solidFill>
                   <a:srgbClr val="FFFFFF"/>
                 </a:solidFill>
-              </a:defRPr>
-            </a:pPr>
-            <a:r>
+                <a:latin typeface="Arial"/>
+              </a:defRPr>
+            </a:pPr>
+            <a:r>
+              <a:rPr sz="2700" b="1">
+                <a:solidFill>
+                  <a:srgbClr val="FFFFFF"/>
+                </a:solidFill>
+                <a:latin typeface="Arial"/>
+              </a:rPr>
               <a:t>Tipos de Datos para Entrenar IA</a:t>
             </a:r>
           </a:p>
@@ -4087,9 +4543,20 @@
           <a:lstStyle/>
           <a:p>
             <a:pPr algn="l">
-              <a:defRPr sz="1800" b="1"/>
-            </a:pPr>
-            <a:r>
+              <a:defRPr sz="1800" b="1">
+                <a:solidFill>
+                  <a:srgbClr val="1E293B"/>
+                </a:solidFill>
+                <a:latin typeface="Arial"/>
+              </a:defRPr>
+            </a:pPr>
+            <a:r>
+              <a:rPr sz="1350">
+                <a:solidFill>
+                  <a:srgbClr val="1E293B"/>
+                </a:solidFill>
+                <a:latin typeface="Arial"/>
+              </a:rPr>
               <a:t>📸  Imágenes</a:t>
             </a:r>
           </a:p>
@@ -4118,14 +4585,31 @@
           <a:lstStyle/>
           <a:p>
             <a:pPr algn="l">
-              <a:defRPr sz="1200"/>
-            </a:pPr>
-            <a:r>
+              <a:defRPr sz="1200">
+                <a:solidFill>
+                  <a:srgbClr val="1E293B"/>
+                </a:solidFill>
+                <a:latin typeface="Arial"/>
+              </a:defRPr>
+            </a:pPr>
+            <a:r>
+              <a:rPr sz="1350">
+                <a:solidFill>
+                  <a:srgbClr val="1E293B"/>
+                </a:solidFill>
+                <a:latin typeface="Arial"/>
+              </a:rPr>
               <a:t>Fotos de objetos, rostros,</a:t>
             </a:r>
           </a:p>
           <a:p>
             <a:r>
+              <a:rPr sz="1350">
+                <a:solidFill>
+                  <a:srgbClr val="1E293B"/>
+                </a:solidFill>
+                <a:latin typeface="Arial"/>
+              </a:rPr>
               <a:t>animales, plantas</a:t>
             </a:r>
           </a:p>
@@ -4197,9 +4681,20 @@
           <a:lstStyle/>
           <a:p>
             <a:pPr algn="l">
-              <a:defRPr sz="1800" b="1"/>
-            </a:pPr>
-            <a:r>
+              <a:defRPr sz="1800" b="1">
+                <a:solidFill>
+                  <a:srgbClr val="1E293B"/>
+                </a:solidFill>
+                <a:latin typeface="Arial"/>
+              </a:defRPr>
+            </a:pPr>
+            <a:r>
+              <a:rPr sz="1350">
+                <a:solidFill>
+                  <a:srgbClr val="1E293B"/>
+                </a:solidFill>
+                <a:latin typeface="Arial"/>
+              </a:rPr>
               <a:t>🔊  Sonidos</a:t>
             </a:r>
           </a:p>
@@ -4228,14 +4723,31 @@
           <a:lstStyle/>
           <a:p>
             <a:pPr algn="l">
-              <a:defRPr sz="1200"/>
-            </a:pPr>
-            <a:r>
+              <a:defRPr sz="1200">
+                <a:solidFill>
+                  <a:srgbClr val="1E293B"/>
+                </a:solidFill>
+                <a:latin typeface="Arial"/>
+              </a:defRPr>
+            </a:pPr>
+            <a:r>
+              <a:rPr sz="1350">
+                <a:solidFill>
+                  <a:srgbClr val="1E293B"/>
+                </a:solidFill>
+                <a:latin typeface="Arial"/>
+              </a:rPr>
               <a:t>Voces, música,</a:t>
             </a:r>
           </a:p>
           <a:p>
             <a:r>
+              <a:rPr sz="1350">
+                <a:solidFill>
+                  <a:srgbClr val="1E293B"/>
+                </a:solidFill>
+                <a:latin typeface="Arial"/>
+              </a:rPr>
               <a:t>sonidos ambientales</a:t>
             </a:r>
           </a:p>
@@ -4307,9 +4819,20 @@
           <a:lstStyle/>
           <a:p>
             <a:pPr algn="l">
-              <a:defRPr sz="1800" b="1"/>
-            </a:pPr>
-            <a:r>
+              <a:defRPr sz="1800" b="1">
+                <a:solidFill>
+                  <a:srgbClr val="1E293B"/>
+                </a:solidFill>
+                <a:latin typeface="Arial"/>
+              </a:defRPr>
+            </a:pPr>
+            <a:r>
+              <a:rPr sz="1350">
+                <a:solidFill>
+                  <a:srgbClr val="1E293B"/>
+                </a:solidFill>
+                <a:latin typeface="Arial"/>
+              </a:rPr>
               <a:t>🤸  Poses</a:t>
             </a:r>
           </a:p>
@@ -4338,14 +4861,31 @@
           <a:lstStyle/>
           <a:p>
             <a:pPr algn="l">
-              <a:defRPr sz="1200"/>
-            </a:pPr>
-            <a:r>
+              <a:defRPr sz="1200">
+                <a:solidFill>
+                  <a:srgbClr val="1E293B"/>
+                </a:solidFill>
+                <a:latin typeface="Arial"/>
+              </a:defRPr>
+            </a:pPr>
+            <a:r>
+              <a:rPr sz="1350">
+                <a:solidFill>
+                  <a:srgbClr val="1E293B"/>
+                </a:solidFill>
+                <a:latin typeface="Arial"/>
+              </a:rPr>
               <a:t>Movimientos corporales,</a:t>
             </a:r>
           </a:p>
           <a:p>
             <a:r>
+              <a:rPr sz="1350">
+                <a:solidFill>
+                  <a:srgbClr val="1E293B"/>
+                </a:solidFill>
+                <a:latin typeface="Arial"/>
+              </a:rPr>
               <a:t>posturas, gestos</a:t>
             </a:r>
           </a:p>
@@ -4417,9 +4957,20 @@
           <a:lstStyle/>
           <a:p>
             <a:pPr algn="l">
-              <a:defRPr sz="1800" b="1"/>
-            </a:pPr>
-            <a:r>
+              <a:defRPr sz="1800" b="1">
+                <a:solidFill>
+                  <a:srgbClr val="1E293B"/>
+                </a:solidFill>
+                <a:latin typeface="Arial"/>
+              </a:defRPr>
+            </a:pPr>
+            <a:r>
+              <a:rPr sz="1800" b="1">
+                <a:solidFill>
+                  <a:srgbClr val="6366F1"/>
+                </a:solidFill>
+                <a:latin typeface="Arial"/>
+              </a:rPr>
               <a:t>📝  Texto</a:t>
             </a:r>
           </a:p>
@@ -4448,14 +4999,31 @@
           <a:lstStyle/>
           <a:p>
             <a:pPr algn="l">
-              <a:defRPr sz="1200"/>
-            </a:pPr>
-            <a:r>
+              <a:defRPr sz="1200">
+                <a:solidFill>
+                  <a:srgbClr val="1E293B"/>
+                </a:solidFill>
+                <a:latin typeface="Arial"/>
+              </a:defRPr>
+            </a:pPr>
+            <a:r>
+              <a:rPr sz="1350">
+                <a:solidFill>
+                  <a:srgbClr val="1E293B"/>
+                </a:solidFill>
+                <a:latin typeface="Arial"/>
+              </a:rPr>
               <a:t>Palabras, frases,</a:t>
             </a:r>
           </a:p>
           <a:p>
             <a:r>
+              <a:rPr sz="1350">
+                <a:solidFill>
+                  <a:srgbClr val="1E293B"/>
+                </a:solidFill>
+                <a:latin typeface="Arial"/>
+              </a:rPr>
               <a:t>etiquetas, descripciones</a:t>
             </a:r>
           </a:p>
@@ -4589,9 +5157,16 @@
                 <a:solidFill>
                   <a:srgbClr val="FFFFFF"/>
                 </a:solidFill>
-              </a:defRPr>
-            </a:pPr>
-            <a:r>
+                <a:latin typeface="Arial"/>
+              </a:defRPr>
+            </a:pPr>
+            <a:r>
+              <a:rPr sz="2700" b="1">
+                <a:solidFill>
+                  <a:srgbClr val="FFFFFF"/>
+                </a:solidFill>
+                <a:latin typeface="Arial"/>
+              </a:rPr>
               <a:t>¿Cómo Recopilar Datos de Calidad?</a:t>
             </a:r>
           </a:p>
@@ -4693,9 +5268,20 @@
           <a:lstStyle/>
           <a:p>
             <a:pPr algn="ctr">
-              <a:defRPr sz="3600" b="1"/>
-            </a:pPr>
-            <a:r>
+              <a:defRPr sz="3600" b="1">
+                <a:solidFill>
+                  <a:srgbClr val="FFFFFF"/>
+                </a:solidFill>
+                <a:latin typeface="Arial"/>
+              </a:defRPr>
+            </a:pPr>
+            <a:r>
+              <a:rPr sz="1350">
+                <a:solidFill>
+                  <a:srgbClr val="1E293B"/>
+                </a:solidFill>
+                <a:latin typeface="Arial"/>
+              </a:rPr>
               <a:t>5 Reglas de Oro</a:t>
             </a:r>
           </a:p>
@@ -4807,9 +5393,20 @@
           <a:lstStyle/>
           <a:p>
             <a:pPr algn="ctr">
-              <a:defRPr sz="1500" b="1"/>
-            </a:pPr>
-            <a:r>
+              <a:defRPr sz="1500" b="1">
+                <a:solidFill>
+                  <a:srgbClr val="1E293B"/>
+                </a:solidFill>
+                <a:latin typeface="Arial"/>
+              </a:defRPr>
+            </a:pPr>
+            <a:r>
+              <a:rPr sz="1800" b="1">
+                <a:solidFill>
+                  <a:srgbClr val="6366F1"/>
+                </a:solidFill>
+                <a:latin typeface="Arial"/>
+              </a:rPr>
               <a:t>💭 Reglas clave</a:t>
             </a:r>
           </a:p>
@@ -4838,9 +5435,20 @@
           <a:lstStyle/>
           <a:p>
             <a:pPr algn="ctr">
-              <a:defRPr sz="1350"/>
-            </a:pPr>
-            <a:r>
+              <a:defRPr sz="1350">
+                <a:solidFill>
+                  <a:srgbClr val="1E293B"/>
+                </a:solidFill>
+                <a:latin typeface="Arial"/>
+              </a:defRPr>
+            </a:pPr>
+            <a:r>
+              <a:rPr sz="1350">
+                <a:solidFill>
+                  <a:srgbClr val="1E293B"/>
+                </a:solidFill>
+                <a:latin typeface="Arial"/>
+              </a:rPr>
               <a:t>Cantidad suficiente • Variedad • Claridad • Balance • Relevancia</a:t>
             </a:r>
           </a:p>
@@ -4974,9 +5582,16 @@
                 <a:solidFill>
                   <a:srgbClr val="FFFFFF"/>
                 </a:solidFill>
-              </a:defRPr>
-            </a:pPr>
-            <a:r>
+                <a:latin typeface="Arial"/>
+              </a:defRPr>
+            </a:pPr>
+            <a:r>
+              <a:rPr sz="2700" b="1">
+                <a:solidFill>
+                  <a:srgbClr val="FFFFFF"/>
+                </a:solidFill>
+                <a:latin typeface="Arial"/>
+              </a:rPr>
               <a:t>Ejemplos de Datos en Acción</a:t>
             </a:r>
           </a:p>
@@ -5078,9 +5693,20 @@
           <a:lstStyle/>
           <a:p>
             <a:pPr algn="l">
-              <a:defRPr sz="1800" b="1"/>
-            </a:pPr>
-            <a:r>
+              <a:defRPr sz="1800" b="1">
+                <a:solidFill>
+                  <a:srgbClr val="1E293B"/>
+                </a:solidFill>
+                <a:latin typeface="Arial"/>
+              </a:defRPr>
+            </a:pPr>
+            <a:r>
+              <a:rPr sz="1350">
+                <a:solidFill>
+                  <a:srgbClr val="1E293B"/>
+                </a:solidFill>
+                <a:latin typeface="Arial"/>
+              </a:rPr>
               <a:t>🐕  Clasificador de Animales</a:t>
             </a:r>
           </a:p>
@@ -5109,9 +5735,20 @@
           <a:lstStyle/>
           <a:p>
             <a:pPr algn="l">
-              <a:defRPr sz="1200"/>
-            </a:pPr>
-            <a:r>
+              <a:defRPr sz="1200">
+                <a:solidFill>
+                  <a:srgbClr val="1E293B"/>
+                </a:solidFill>
+                <a:latin typeface="Arial"/>
+              </a:defRPr>
+            </a:pPr>
+            <a:r>
+              <a:rPr sz="1350">
+                <a:solidFill>
+                  <a:srgbClr val="1E293B"/>
+                </a:solidFill>
+                <a:latin typeface="Arial"/>
+              </a:rPr>
               <a:t>Reconoce perros, gatos y pájaros mediante fotos</a:t>
             </a:r>
           </a:p>
@@ -5183,9 +5820,20 @@
           <a:lstStyle/>
           <a:p>
             <a:pPr algn="l">
-              <a:defRPr sz="1800" b="1"/>
-            </a:pPr>
-            <a:r>
+              <a:defRPr sz="1800" b="1">
+                <a:solidFill>
+                  <a:srgbClr val="1E293B"/>
+                </a:solidFill>
+                <a:latin typeface="Arial"/>
+              </a:defRPr>
+            </a:pPr>
+            <a:r>
+              <a:rPr sz="1350">
+                <a:solidFill>
+                  <a:srgbClr val="1E293B"/>
+                </a:solidFill>
+                <a:latin typeface="Arial"/>
+              </a:rPr>
               <a:t>🗣️  Reconocedor de Voz</a:t>
             </a:r>
           </a:p>
@@ -5214,9 +5862,20 @@
           <a:lstStyle/>
           <a:p>
             <a:pPr algn="l">
-              <a:defRPr sz="1200"/>
-            </a:pPr>
-            <a:r>
+              <a:defRPr sz="1200">
+                <a:solidFill>
+                  <a:srgbClr val="1E293B"/>
+                </a:solidFill>
+                <a:latin typeface="Arial"/>
+              </a:defRPr>
+            </a:pPr>
+            <a:r>
+              <a:rPr sz="1350">
+                <a:solidFill>
+                  <a:srgbClr val="1E293B"/>
+                </a:solidFill>
+                <a:latin typeface="Arial"/>
+              </a:rPr>
               <a:t>Identifica diferentes voces y comandos hablados</a:t>
             </a:r>
           </a:p>
@@ -5288,9 +5947,20 @@
           <a:lstStyle/>
           <a:p>
             <a:pPr algn="l">
-              <a:defRPr sz="1800" b="1"/>
-            </a:pPr>
-            <a:r>
+              <a:defRPr sz="1800" b="1">
+                <a:solidFill>
+                  <a:srgbClr val="1E293B"/>
+                </a:solidFill>
+                <a:latin typeface="Arial"/>
+              </a:defRPr>
+            </a:pPr>
+            <a:r>
+              <a:rPr sz="1350">
+                <a:solidFill>
+                  <a:srgbClr val="1E293B"/>
+                </a:solidFill>
+                <a:latin typeface="Arial"/>
+              </a:rPr>
               <a:t>👋  Detector de Gestos</a:t>
             </a:r>
           </a:p>
@@ -5319,9 +5989,20 @@
           <a:lstStyle/>
           <a:p>
             <a:pPr algn="l">
-              <a:defRPr sz="1200"/>
-            </a:pPr>
-            <a:r>
+              <a:defRPr sz="1200">
+                <a:solidFill>
+                  <a:srgbClr val="1E293B"/>
+                </a:solidFill>
+                <a:latin typeface="Arial"/>
+              </a:defRPr>
+            </a:pPr>
+            <a:r>
+              <a:rPr sz="1350">
+                <a:solidFill>
+                  <a:srgbClr val="1E293B"/>
+                </a:solidFill>
+                <a:latin typeface="Arial"/>
+              </a:rPr>
               <a:t>Reconoce movimientos de manos para controlar dispositivos</a:t>
             </a:r>
           </a:p>
@@ -5393,9 +6074,20 @@
           <a:lstStyle/>
           <a:p>
             <a:pPr algn="l">
-              <a:defRPr sz="1800" b="1"/>
-            </a:pPr>
-            <a:r>
+              <a:defRPr sz="1800" b="1">
+                <a:solidFill>
+                  <a:srgbClr val="1E293B"/>
+                </a:solidFill>
+                <a:latin typeface="Arial"/>
+              </a:defRPr>
+            </a:pPr>
+            <a:r>
+              <a:rPr sz="1350">
+                <a:solidFill>
+                  <a:srgbClr val="1E293B"/>
+                </a:solidFill>
+                <a:latin typeface="Arial"/>
+              </a:rPr>
               <a:t>📚  Clasificador de Texto</a:t>
             </a:r>
           </a:p>
@@ -5424,9 +6116,20 @@
           <a:lstStyle/>
           <a:p>
             <a:pPr algn="l">
-              <a:defRPr sz="1200"/>
-            </a:pPr>
-            <a:r>
+              <a:defRPr sz="1200">
+                <a:solidFill>
+                  <a:srgbClr val="1E293B"/>
+                </a:solidFill>
+                <a:latin typeface="Arial"/>
+              </a:defRPr>
+            </a:pPr>
+            <a:r>
+              <a:rPr sz="1350">
+                <a:solidFill>
+                  <a:srgbClr val="1E293B"/>
+                </a:solidFill>
+                <a:latin typeface="Arial"/>
+              </a:rPr>
               <a:t>Categoriza comentarios como positivos o negativos</a:t>
             </a:r>
           </a:p>
@@ -5560,9 +6263,16 @@
                 <a:solidFill>
                   <a:srgbClr val="FFFFFF"/>
                 </a:solidFill>
-              </a:defRPr>
-            </a:pPr>
-            <a:r>
+                <a:latin typeface="Arial"/>
+              </a:defRPr>
+            </a:pPr>
+            <a:r>
+              <a:rPr sz="2700" b="1">
+                <a:solidFill>
+                  <a:srgbClr val="FFFFFF"/>
+                </a:solidFill>
+                <a:latin typeface="Arial"/>
+              </a:rPr>
               <a:t>Pasos para Recopilar Datos</a:t>
             </a:r>
           </a:p>
@@ -5707,9 +6417,20 @@
           <a:lstStyle/>
           <a:p>
             <a:pPr algn="l">
-              <a:defRPr sz="1080"/>
-            </a:pPr>
-            <a:r>
+              <a:defRPr sz="1080">
+                <a:solidFill>
+                  <a:srgbClr val="1E293B"/>
+                </a:solidFill>
+                <a:latin typeface="Arial"/>
+              </a:defRPr>
+            </a:pPr>
+            <a:r>
+              <a:rPr sz="3600">
+                <a:solidFill>
+                  <a:srgbClr val="1E293B"/>
+                </a:solidFill>
+                <a:latin typeface="Arial"/>
+              </a:rPr>
               <a:t>1</a:t>
             </a:r>
           </a:p>
@@ -5738,9 +6459,20 @@
           <a:lstStyle/>
           <a:p>
             <a:pPr algn="l">
-              <a:defRPr sz="1200" b="1"/>
-            </a:pPr>
-            <a:r>
+              <a:defRPr sz="1200" b="1">
+                <a:solidFill>
+                  <a:srgbClr val="1E293B"/>
+                </a:solidFill>
+                <a:latin typeface="Arial"/>
+              </a:defRPr>
+            </a:pPr>
+            <a:r>
+              <a:rPr sz="2700" b="1">
+                <a:solidFill>
+                  <a:srgbClr val="FFFFFF"/>
+                </a:solidFill>
+                <a:latin typeface="Arial"/>
+              </a:rPr>
               <a:t>Definir categorías</a:t>
             </a:r>
           </a:p>
@@ -5769,9 +6501,20 @@
           <a:lstStyle/>
           <a:p>
             <a:pPr algn="l">
-              <a:defRPr sz="1050"/>
-            </a:pPr>
-            <a:r>
+              <a:defRPr sz="1050">
+                <a:solidFill>
+                  <a:srgbClr val="1E293B"/>
+                </a:solidFill>
+                <a:latin typeface="Arial"/>
+              </a:defRPr>
+            </a:pPr>
+            <a:r>
+              <a:rPr sz="1350">
+                <a:solidFill>
+                  <a:srgbClr val="1E293B"/>
+                </a:solidFill>
+                <a:latin typeface="Arial"/>
+              </a:rPr>
               <a:t>Decide qué clases tendrá tu modelo</a:t>
             </a:r>
           </a:p>
@@ -5886,9 +6629,20 @@
           <a:lstStyle/>
           <a:p>
             <a:pPr algn="l">
-              <a:defRPr sz="1080"/>
-            </a:pPr>
-            <a:r>
+              <a:defRPr sz="1080">
+                <a:solidFill>
+                  <a:srgbClr val="1E293B"/>
+                </a:solidFill>
+                <a:latin typeface="Arial"/>
+              </a:defRPr>
+            </a:pPr>
+            <a:r>
+              <a:rPr sz="3600">
+                <a:solidFill>
+                  <a:srgbClr val="1E293B"/>
+                </a:solidFill>
+                <a:latin typeface="Arial"/>
+              </a:rPr>
               <a:t>2</a:t>
             </a:r>
           </a:p>
@@ -5917,9 +6671,20 @@
           <a:lstStyle/>
           <a:p>
             <a:pPr algn="l">
-              <a:defRPr sz="1200" b="1"/>
-            </a:pPr>
-            <a:r>
+              <a:defRPr sz="1200" b="1">
+                <a:solidFill>
+                  <a:srgbClr val="1E293B"/>
+                </a:solidFill>
+                <a:latin typeface="Arial"/>
+              </a:defRPr>
+            </a:pPr>
+            <a:r>
+              <a:rPr sz="1350">
+                <a:solidFill>
+                  <a:srgbClr val="1E293B"/>
+                </a:solidFill>
+                <a:latin typeface="Arial"/>
+              </a:rPr>
               <a:t>Recopilar ejemplos</a:t>
             </a:r>
           </a:p>
@@ -5948,9 +6713,20 @@
           <a:lstStyle/>
           <a:p>
             <a:pPr algn="l">
-              <a:defRPr sz="1050"/>
-            </a:pPr>
-            <a:r>
+              <a:defRPr sz="1050">
+                <a:solidFill>
+                  <a:srgbClr val="1E293B"/>
+                </a:solidFill>
+                <a:latin typeface="Arial"/>
+              </a:defRPr>
+            </a:pPr>
+            <a:r>
+              <a:rPr sz="1350">
+                <a:solidFill>
+                  <a:srgbClr val="1E293B"/>
+                </a:solidFill>
+                <a:latin typeface="Arial"/>
+              </a:rPr>
               <a:t>Captura al menos 25-30 por categoría</a:t>
             </a:r>
           </a:p>
@@ -6065,9 +6841,20 @@
           <a:lstStyle/>
           <a:p>
             <a:pPr algn="l">
-              <a:defRPr sz="1080"/>
-            </a:pPr>
-            <a:r>
+              <a:defRPr sz="1080">
+                <a:solidFill>
+                  <a:srgbClr val="1E293B"/>
+                </a:solidFill>
+                <a:latin typeface="Arial"/>
+              </a:defRPr>
+            </a:pPr>
+            <a:r>
+              <a:rPr sz="3600">
+                <a:solidFill>
+                  <a:srgbClr val="1E293B"/>
+                </a:solidFill>
+                <a:latin typeface="Arial"/>
+              </a:rPr>
               <a:t>3</a:t>
             </a:r>
           </a:p>
@@ -6096,9 +6883,20 @@
           <a:lstStyle/>
           <a:p>
             <a:pPr algn="l">
-              <a:defRPr sz="1200" b="1"/>
-            </a:pPr>
-            <a:r>
+              <a:defRPr sz="1200" b="1">
+                <a:solidFill>
+                  <a:srgbClr val="1E293B"/>
+                </a:solidFill>
+                <a:latin typeface="Arial"/>
+              </a:defRPr>
+            </a:pPr>
+            <a:r>
+              <a:rPr sz="1350">
+                <a:solidFill>
+                  <a:srgbClr val="1E293B"/>
+                </a:solidFill>
+                <a:latin typeface="Arial"/>
+              </a:rPr>
               <a:t>Asegurar variedad</a:t>
             </a:r>
           </a:p>
@@ -6127,9 +6925,20 @@
           <a:lstStyle/>
           <a:p>
             <a:pPr algn="l">
-              <a:defRPr sz="1050"/>
-            </a:pPr>
-            <a:r>
+              <a:defRPr sz="1050">
+                <a:solidFill>
+                  <a:srgbClr val="1E293B"/>
+                </a:solidFill>
+                <a:latin typeface="Arial"/>
+              </a:defRPr>
+            </a:pPr>
+            <a:r>
+              <a:rPr sz="1350">
+                <a:solidFill>
+                  <a:srgbClr val="1E293B"/>
+                </a:solidFill>
+                <a:latin typeface="Arial"/>
+              </a:rPr>
               <a:t>Diferentes ángulos, iluminación, fondos</a:t>
             </a:r>
           </a:p>
@@ -6244,9 +7053,20 @@
           <a:lstStyle/>
           <a:p>
             <a:pPr algn="l">
-              <a:defRPr sz="1080"/>
-            </a:pPr>
-            <a:r>
+              <a:defRPr sz="1080">
+                <a:solidFill>
+                  <a:srgbClr val="1E293B"/>
+                </a:solidFill>
+                <a:latin typeface="Arial"/>
+              </a:defRPr>
+            </a:pPr>
+            <a:r>
+              <a:rPr sz="3600">
+                <a:solidFill>
+                  <a:srgbClr val="1E293B"/>
+                </a:solidFill>
+                <a:latin typeface="Arial"/>
+              </a:rPr>
               <a:t>4</a:t>
             </a:r>
           </a:p>
@@ -6275,9 +7095,20 @@
           <a:lstStyle/>
           <a:p>
             <a:pPr algn="l">
-              <a:defRPr sz="1200" b="1"/>
-            </a:pPr>
-            <a:r>
+              <a:defRPr sz="1200" b="1">
+                <a:solidFill>
+                  <a:srgbClr val="1E293B"/>
+                </a:solidFill>
+                <a:latin typeface="Arial"/>
+              </a:defRPr>
+            </a:pPr>
+            <a:r>
+              <a:rPr sz="1350">
+                <a:solidFill>
+                  <a:srgbClr val="1E293B"/>
+                </a:solidFill>
+                <a:latin typeface="Arial"/>
+              </a:rPr>
               <a:t>Verificar calidad</a:t>
             </a:r>
           </a:p>
@@ -6306,9 +7137,20 @@
           <a:lstStyle/>
           <a:p>
             <a:pPr algn="l">
-              <a:defRPr sz="1050"/>
-            </a:pPr>
-            <a:r>
+              <a:defRPr sz="1050">
+                <a:solidFill>
+                  <a:srgbClr val="1E293B"/>
+                </a:solidFill>
+                <a:latin typeface="Arial"/>
+              </a:defRPr>
+            </a:pPr>
+            <a:r>
+              <a:rPr sz="1350">
+                <a:solidFill>
+                  <a:srgbClr val="1E293B"/>
+                </a:solidFill>
+                <a:latin typeface="Arial"/>
+              </a:rPr>
               <a:t>Elimina datos borrosos o incorrectos</a:t>
             </a:r>
           </a:p>
@@ -6423,9 +7265,20 @@
           <a:lstStyle/>
           <a:p>
             <a:pPr algn="l">
-              <a:defRPr sz="1080"/>
-            </a:pPr>
-            <a:r>
+              <a:defRPr sz="1080">
+                <a:solidFill>
+                  <a:srgbClr val="1E293B"/>
+                </a:solidFill>
+                <a:latin typeface="Arial"/>
+              </a:defRPr>
+            </a:pPr>
+            <a:r>
+              <a:rPr sz="3600">
+                <a:solidFill>
+                  <a:srgbClr val="1E293B"/>
+                </a:solidFill>
+                <a:latin typeface="Arial"/>
+              </a:rPr>
               <a:t>5</a:t>
             </a:r>
           </a:p>
@@ -6454,9 +7307,20 @@
           <a:lstStyle/>
           <a:p>
             <a:pPr algn="l">
-              <a:defRPr sz="1200" b="1"/>
-            </a:pPr>
-            <a:r>
+              <a:defRPr sz="1200" b="1">
+                <a:solidFill>
+                  <a:srgbClr val="1E293B"/>
+                </a:solidFill>
+                <a:latin typeface="Arial"/>
+              </a:defRPr>
+            </a:pPr>
+            <a:r>
+              <a:rPr sz="1350">
+                <a:solidFill>
+                  <a:srgbClr val="1E293B"/>
+                </a:solidFill>
+                <a:latin typeface="Arial"/>
+              </a:rPr>
               <a:t>Organizar y etiquetar</a:t>
             </a:r>
           </a:p>
@@ -6485,9 +7349,20 @@
           <a:lstStyle/>
           <a:p>
             <a:pPr algn="l">
-              <a:defRPr sz="1050"/>
-            </a:pPr>
-            <a:r>
+              <a:defRPr sz="1050">
+                <a:solidFill>
+                  <a:srgbClr val="1E293B"/>
+                </a:solidFill>
+                <a:latin typeface="Arial"/>
+              </a:defRPr>
+            </a:pPr>
+            <a:r>
+              <a:rPr sz="1350">
+                <a:solidFill>
+                  <a:srgbClr val="1E293B"/>
+                </a:solidFill>
+                <a:latin typeface="Arial"/>
+              </a:rPr>
               <a:t>Clasifica los datos en grupos claros</a:t>
             </a:r>
           </a:p>
@@ -6621,9 +7496,16 @@
                 <a:solidFill>
                   <a:srgbClr val="FFFFFF"/>
                 </a:solidFill>
-              </a:defRPr>
-            </a:pPr>
-            <a:r>
+                <a:latin typeface="Arial"/>
+              </a:defRPr>
+            </a:pPr>
+            <a:r>
+              <a:rPr sz="2700" b="1">
+                <a:solidFill>
+                  <a:srgbClr val="FFFFFF"/>
+                </a:solidFill>
+                <a:latin typeface="Arial"/>
+              </a:rPr>
               <a:t>🛠️ Herramientas y Recursos</a:t>
             </a:r>
           </a:p>
@@ -6725,9 +7607,20 @@
           <a:lstStyle/>
           <a:p>
             <a:pPr algn="l">
-              <a:defRPr sz="1500" b="1"/>
-            </a:pPr>
-            <a:r>
+              <a:defRPr sz="1500" b="1">
+                <a:solidFill>
+                  <a:srgbClr val="1E293B"/>
+                </a:solidFill>
+                <a:latin typeface="Arial"/>
+              </a:defRPr>
+            </a:pPr>
+            <a:r>
+              <a:rPr sz="1350">
+                <a:solidFill>
+                  <a:srgbClr val="1E293B"/>
+                </a:solidFill>
+                <a:latin typeface="Arial"/>
+              </a:rPr>
               <a:t>Teachable Machine</a:t>
             </a:r>
           </a:p>
@@ -6756,9 +7649,20 @@
           <a:lstStyle/>
           <a:p>
             <a:pPr algn="l">
-              <a:defRPr sz="1200"/>
-            </a:pPr>
-            <a:r>
+              <a:defRPr sz="1200">
+                <a:solidFill>
+                  <a:srgbClr val="1E293B"/>
+                </a:solidFill>
+                <a:latin typeface="Arial"/>
+              </a:defRPr>
+            </a:pPr>
+            <a:r>
+              <a:rPr sz="1800">
+                <a:solidFill>
+                  <a:srgbClr val="FFFFFF"/>
+                </a:solidFill>
+                <a:latin typeface="Arial"/>
+              </a:rPr>
               <a:t>Entrena modelos de IA sin código. Reconoce imágenes, sonidos y poses.</a:t>
             </a:r>
           </a:p>
@@ -6787,9 +7691,20 @@
           <a:lstStyle/>
           <a:p>
             <a:pPr algn="l">
-              <a:defRPr sz="1050"/>
-            </a:pPr>
-            <a:r>
+              <a:defRPr sz="1050">
+                <a:solidFill>
+                  <a:srgbClr val="1E293B"/>
+                </a:solidFill>
+                <a:latin typeface="Arial"/>
+              </a:defRPr>
+            </a:pPr>
+            <a:r>
+              <a:rPr sz="1350">
+                <a:solidFill>
+                  <a:srgbClr val="1E293B"/>
+                </a:solidFill>
+                <a:latin typeface="Arial"/>
+              </a:rPr>
               <a:t>teachablemachine.withgoogle.com</a:t>
             </a:r>
           </a:p>
@@ -6861,9 +7776,20 @@
           <a:lstStyle/>
           <a:p>
             <a:pPr algn="l">
-              <a:defRPr sz="1500" b="1"/>
-            </a:pPr>
-            <a:r>
+              <a:defRPr sz="1500" b="1">
+                <a:solidFill>
+                  <a:srgbClr val="1E293B"/>
+                </a:solidFill>
+                <a:latin typeface="Arial"/>
+              </a:defRPr>
+            </a:pPr>
+            <a:r>
+              <a:rPr sz="1350">
+                <a:solidFill>
+                  <a:srgbClr val="1E293B"/>
+                </a:solidFill>
+                <a:latin typeface="Arial"/>
+              </a:rPr>
               <a:t>Scratch + ML</a:t>
             </a:r>
           </a:p>
@@ -6892,9 +7818,20 @@
           <a:lstStyle/>
           <a:p>
             <a:pPr algn="l">
-              <a:defRPr sz="1200"/>
-            </a:pPr>
-            <a:r>
+              <a:defRPr sz="1200">
+                <a:solidFill>
+                  <a:srgbClr val="1E293B"/>
+                </a:solidFill>
+                <a:latin typeface="Arial"/>
+              </a:defRPr>
+            </a:pPr>
+            <a:r>
+              <a:rPr sz="1800">
+                <a:solidFill>
+                  <a:srgbClr val="FFFFFF"/>
+                </a:solidFill>
+                <a:latin typeface="Arial"/>
+              </a:rPr>
               <a:t>Programa con bloques y añade extensiones de machine learning.</a:t>
             </a:r>
           </a:p>
@@ -6923,9 +7860,20 @@
           <a:lstStyle/>
           <a:p>
             <a:pPr algn="l">
-              <a:defRPr sz="1050"/>
-            </a:pPr>
-            <a:r>
+              <a:defRPr sz="1050">
+                <a:solidFill>
+                  <a:srgbClr val="1E293B"/>
+                </a:solidFill>
+                <a:latin typeface="Arial"/>
+              </a:defRPr>
+            </a:pPr>
+            <a:r>
+              <a:rPr sz="1350">
+                <a:solidFill>
+                  <a:srgbClr val="1E293B"/>
+                </a:solidFill>
+                <a:latin typeface="Arial"/>
+              </a:rPr>
               <a:t>scratch.mit.edu</a:t>
             </a:r>
           </a:p>
@@ -6997,9 +7945,20 @@
           <a:lstStyle/>
           <a:p>
             <a:pPr algn="l">
-              <a:defRPr sz="1500" b="1"/>
-            </a:pPr>
-            <a:r>
+              <a:defRPr sz="1500" b="1">
+                <a:solidFill>
+                  <a:srgbClr val="1E293B"/>
+                </a:solidFill>
+                <a:latin typeface="Arial"/>
+              </a:defRPr>
+            </a:pPr>
+            <a:r>
+              <a:rPr sz="1350">
+                <a:solidFill>
+                  <a:srgbClr val="1E293B"/>
+                </a:solidFill>
+                <a:latin typeface="Arial"/>
+              </a:rPr>
               <a:t>Cámara y Micrófono</a:t>
             </a:r>
           </a:p>
@@ -7028,9 +7987,20 @@
           <a:lstStyle/>
           <a:p>
             <a:pPr algn="l">
-              <a:defRPr sz="1200"/>
-            </a:pPr>
-            <a:r>
+              <a:defRPr sz="1200">
+                <a:solidFill>
+                  <a:srgbClr val="1E293B"/>
+                </a:solidFill>
+                <a:latin typeface="Arial"/>
+              </a:defRPr>
+            </a:pPr>
+            <a:r>
+              <a:rPr sz="1350">
+                <a:solidFill>
+                  <a:srgbClr val="1E293B"/>
+                </a:solidFill>
+                <a:latin typeface="Arial"/>
+              </a:rPr>
               <a:t>Usa tu celular o computadora para capturar imágenes, videos y audio.</a:t>
             </a:r>
           </a:p>
@@ -7059,9 +8029,20 @@
           <a:lstStyle/>
           <a:p>
             <a:pPr algn="l">
-              <a:defRPr sz="1050"/>
-            </a:pPr>
-            <a:r>
+              <a:defRPr sz="1050">
+                <a:solidFill>
+                  <a:srgbClr val="1E293B"/>
+                </a:solidFill>
+                <a:latin typeface="Arial"/>
+              </a:defRPr>
+            </a:pPr>
+            <a:r>
+              <a:rPr sz="1350">
+                <a:solidFill>
+                  <a:srgbClr val="1E293B"/>
+                </a:solidFill>
+                <a:latin typeface="Arial"/>
+              </a:rPr>
               <a:t>Dispositivos personales</a:t>
             </a:r>
           </a:p>
@@ -7133,9 +8114,20 @@
           <a:lstStyle/>
           <a:p>
             <a:pPr algn="l">
-              <a:defRPr sz="1500" b="1"/>
-            </a:pPr>
-            <a:r>
+              <a:defRPr sz="1500" b="1">
+                <a:solidFill>
+                  <a:srgbClr val="1E293B"/>
+                </a:solidFill>
+                <a:latin typeface="Arial"/>
+              </a:defRPr>
+            </a:pPr>
+            <a:r>
+              <a:rPr sz="1350">
+                <a:solidFill>
+                  <a:srgbClr val="1E293B"/>
+                </a:solidFill>
+                <a:latin typeface="Arial"/>
+              </a:rPr>
               <a:t>Colaboración</a:t>
             </a:r>
           </a:p>
@@ -7164,9 +8156,20 @@
           <a:lstStyle/>
           <a:p>
             <a:pPr algn="l">
-              <a:defRPr sz="1200"/>
-            </a:pPr>
-            <a:r>
+              <a:defRPr sz="1200">
+                <a:solidFill>
+                  <a:srgbClr val="1E293B"/>
+                </a:solidFill>
+                <a:latin typeface="Arial"/>
+              </a:defRPr>
+            </a:pPr>
+            <a:r>
+              <a:rPr sz="1350">
+                <a:solidFill>
+                  <a:srgbClr val="1E293B"/>
+                </a:solidFill>
+                <a:latin typeface="Arial"/>
+              </a:rPr>
               <a:t>Trabaja con compañeros para obtener más ejemplos y variedad.</a:t>
             </a:r>
           </a:p>
@@ -7195,9 +8198,20 @@
           <a:lstStyle/>
           <a:p>
             <a:pPr algn="l">
-              <a:defRPr sz="1050"/>
-            </a:pPr>
-            <a:r>
+              <a:defRPr sz="1050">
+                <a:solidFill>
+                  <a:srgbClr val="1E293B"/>
+                </a:solidFill>
+                <a:latin typeface="Arial"/>
+              </a:defRPr>
+            </a:pPr>
+            <a:r>
+              <a:rPr sz="1350">
+                <a:solidFill>
+                  <a:srgbClr val="1E293B"/>
+                </a:solidFill>
+                <a:latin typeface="Arial"/>
+              </a:rPr>
               <a:t>Trabajo en equipo</a:t>
             </a:r>
           </a:p>
@@ -7331,9 +8345,16 @@
                 <a:solidFill>
                   <a:srgbClr val="FFFFFF"/>
                 </a:solidFill>
-              </a:defRPr>
-            </a:pPr>
-            <a:r>
+                <a:latin typeface="Arial"/>
+              </a:defRPr>
+            </a:pPr>
+            <a:r>
+              <a:rPr sz="2700" b="1">
+                <a:solidFill>
+                  <a:srgbClr val="FFFFFF"/>
+                </a:solidFill>
+                <a:latin typeface="Arial"/>
+              </a:rPr>
               <a:t>👥 Actividad Práctica</a:t>
             </a:r>
           </a:p>
@@ -7475,9 +8496,20 @@
           <a:lstStyle/>
           <a:p>
             <a:pPr algn="l">
-              <a:defRPr sz="1800" b="1"/>
-            </a:pPr>
-            <a:r>
+              <a:defRPr sz="1800" b="1">
+                <a:solidFill>
+                  <a:srgbClr val="1E293B"/>
+                </a:solidFill>
+                <a:latin typeface="Arial"/>
+              </a:defRPr>
+            </a:pPr>
+            <a:r>
+              <a:rPr sz="1350">
+                <a:solidFill>
+                  <a:srgbClr val="1E293B"/>
+                </a:solidFill>
+                <a:latin typeface="Arial"/>
+              </a:rPr>
               <a:t>⏱️ Tiempo: 20 minutos</a:t>
             </a:r>
           </a:p>
@@ -7506,9 +8538,20 @@
           <a:lstStyle/>
           <a:p>
             <a:pPr algn="l">
-              <a:defRPr sz="1500" b="1"/>
-            </a:pPr>
-            <a:r>
+              <a:defRPr sz="1500" b="1">
+                <a:solidFill>
+                  <a:srgbClr val="1E293B"/>
+                </a:solidFill>
+                <a:latin typeface="Arial"/>
+              </a:defRPr>
+            </a:pPr>
+            <a:r>
+              <a:rPr sz="1800" b="1">
+                <a:solidFill>
+                  <a:srgbClr val="6366F1"/>
+                </a:solidFill>
+                <a:latin typeface="Arial"/>
+              </a:rPr>
               <a:t>📝 Instrucciones</a:t>
             </a:r>
           </a:p>
@@ -7537,33 +8580,77 @@
           <a:lstStyle/>
           <a:p>
             <a:pPr algn="l">
-              <a:defRPr sz="1350"/>
-            </a:pPr>
-            <a:r>
+              <a:defRPr sz="1350">
+                <a:solidFill>
+                  <a:srgbClr val="1E293B"/>
+                </a:solidFill>
+                <a:latin typeface="Arial"/>
+              </a:defRPr>
+            </a:pPr>
+            <a:r>
+              <a:rPr sz="1800">
+                <a:solidFill>
+                  <a:srgbClr val="FFFFFF"/>
+                </a:solidFill>
+                <a:latin typeface="Arial"/>
+              </a:rPr>
               <a:t>Define tu proyecto de IA</a:t>
             </a:r>
           </a:p>
           <a:p>
             <a:pPr algn="l">
-              <a:defRPr sz="1350"/>
-            </a:pPr>
-            <a:r>
+              <a:defRPr sz="1350">
+                <a:solidFill>
+                  <a:srgbClr val="1E293B"/>
+                </a:solidFill>
+                <a:latin typeface="Arial"/>
+              </a:defRPr>
+            </a:pPr>
+            <a:r>
+              <a:rPr sz="1800">
+                <a:solidFill>
+                  <a:srgbClr val="FFFFFF"/>
+                </a:solidFill>
+                <a:latin typeface="Arial"/>
+              </a:rPr>
               <a:t>Identifica qué datos necesitas</a:t>
             </a:r>
           </a:p>
           <a:p>
             <a:pPr algn="l">
-              <a:defRPr sz="1350"/>
-            </a:pPr>
-            <a:r>
+              <a:defRPr sz="1350">
+                <a:solidFill>
+                  <a:srgbClr val="1E293B"/>
+                </a:solidFill>
+                <a:latin typeface="Arial"/>
+              </a:defRPr>
+            </a:pPr>
+            <a:r>
+              <a:rPr sz="1800">
+                <a:solidFill>
+                  <a:srgbClr val="FFFFFF"/>
+                </a:solidFill>
+                <a:latin typeface="Arial"/>
+              </a:rPr>
               <a:t>Determina cuántas categorías tendrás</a:t>
             </a:r>
           </a:p>
           <a:p>
             <a:pPr algn="l">
-              <a:defRPr sz="1350"/>
-            </a:pPr>
-            <a:r>
+              <a:defRPr sz="1350">
+                <a:solidFill>
+                  <a:srgbClr val="1E293B"/>
+                </a:solidFill>
+                <a:latin typeface="Arial"/>
+              </a:defRPr>
+            </a:pPr>
+            <a:r>
+              <a:rPr sz="1800">
+                <a:solidFill>
+                  <a:srgbClr val="FFFFFF"/>
+                </a:solidFill>
+                <a:latin typeface="Arial"/>
+              </a:rPr>
               <a:t>Comienza a recopilar ejemplos</a:t>
             </a:r>
           </a:p>
@@ -7592,9 +8679,20 @@
           <a:lstStyle/>
           <a:p>
             <a:pPr algn="l">
-              <a:defRPr sz="1500" b="1"/>
-            </a:pPr>
-            <a:r>
+              <a:defRPr sz="1500" b="1">
+                <a:solidFill>
+                  <a:srgbClr val="1E293B"/>
+                </a:solidFill>
+                <a:latin typeface="Arial"/>
+              </a:defRPr>
+            </a:pPr>
+            <a:r>
+              <a:rPr sz="1800" b="1">
+                <a:solidFill>
+                  <a:srgbClr val="6366F1"/>
+                </a:solidFill>
+                <a:latin typeface="Arial"/>
+              </a:rPr>
               <a:t>💬 Presentación</a:t>
             </a:r>
           </a:p>
@@ -7623,9 +8721,20 @@
           <a:lstStyle/>
           <a:p>
             <a:pPr algn="l">
-              <a:defRPr sz="1200"/>
-            </a:pPr>
-            <a:r>
+              <a:defRPr sz="1200">
+                <a:solidFill>
+                  <a:srgbClr val="1E293B"/>
+                </a:solidFill>
+                <a:latin typeface="Arial"/>
+              </a:defRPr>
+            </a:pPr>
+            <a:r>
+              <a:rPr sz="1350">
+                <a:solidFill>
+                  <a:srgbClr val="1E293B"/>
+                </a:solidFill>
+                <a:latin typeface="Arial"/>
+              </a:rPr>
               <a:t>Comparte qué datos vas a recopilar y por qué.</a:t>
             </a:r>
           </a:p>
@@ -7654,9 +8763,20 @@
           <a:lstStyle/>
           <a:p>
             <a:pPr algn="l">
-              <a:defRPr sz="1500" b="1"/>
-            </a:pPr>
-            <a:r>
+              <a:defRPr sz="1500" b="1">
+                <a:solidFill>
+                  <a:srgbClr val="1E293B"/>
+                </a:solidFill>
+                <a:latin typeface="Arial"/>
+              </a:defRPr>
+            </a:pPr>
+            <a:r>
+              <a:rPr sz="1350">
+                <a:solidFill>
+                  <a:srgbClr val="1E293B"/>
+                </a:solidFill>
+                <a:latin typeface="Arial"/>
+              </a:rPr>
               <a:t>📋 Ficha de Recopilación</a:t>
             </a:r>
           </a:p>
@@ -7728,9 +8848,20 @@
           <a:lstStyle/>
           <a:p>
             <a:pPr algn="l">
-              <a:defRPr sz="1050" b="1"/>
-            </a:pPr>
-            <a:r>
+              <a:defRPr sz="1050" b="1">
+                <a:solidFill>
+                  <a:srgbClr val="1E293B"/>
+                </a:solidFill>
+                <a:latin typeface="Arial"/>
+              </a:defRPr>
+            </a:pPr>
+            <a:r>
+              <a:rPr sz="1350">
+                <a:solidFill>
+                  <a:srgbClr val="1E293B"/>
+                </a:solidFill>
+                <a:latin typeface="Arial"/>
+              </a:rPr>
               <a:t>Proyecto: _______________</a:t>
             </a:r>
           </a:p>
@@ -7759,9 +8890,20 @@
           <a:lstStyle/>
           <a:p>
             <a:pPr algn="l">
-              <a:defRPr sz="1050" b="1"/>
-            </a:pPr>
-            <a:r>
+              <a:defRPr sz="1050" b="1">
+                <a:solidFill>
+                  <a:srgbClr val="1E293B"/>
+                </a:solidFill>
+                <a:latin typeface="Arial"/>
+              </a:defRPr>
+            </a:pPr>
+            <a:r>
+              <a:rPr sz="1350">
+                <a:solidFill>
+                  <a:srgbClr val="1E293B"/>
+                </a:solidFill>
+                <a:latin typeface="Arial"/>
+              </a:rPr>
               <a:t>Tipo de datos: _______________</a:t>
             </a:r>
           </a:p>
@@ -7790,9 +8932,20 @@
           <a:lstStyle/>
           <a:p>
             <a:pPr algn="l">
-              <a:defRPr sz="1050" b="1"/>
-            </a:pPr>
-            <a:r>
+              <a:defRPr sz="1050" b="1">
+                <a:solidFill>
+                  <a:srgbClr val="1E293B"/>
+                </a:solidFill>
+                <a:latin typeface="Arial"/>
+              </a:defRPr>
+            </a:pPr>
+            <a:r>
+              <a:rPr sz="1350">
+                <a:solidFill>
+                  <a:srgbClr val="1E293B"/>
+                </a:solidFill>
+                <a:latin typeface="Arial"/>
+              </a:rPr>
               <a:t>Categorías: _______________</a:t>
             </a:r>
           </a:p>
@@ -7821,9 +8974,20 @@
           <a:lstStyle/>
           <a:p>
             <a:pPr algn="l">
-              <a:defRPr sz="1050" b="1"/>
-            </a:pPr>
-            <a:r>
+              <a:defRPr sz="1050" b="1">
+                <a:solidFill>
+                  <a:srgbClr val="1E293B"/>
+                </a:solidFill>
+                <a:latin typeface="Arial"/>
+              </a:defRPr>
+            </a:pPr>
+            <a:r>
+              <a:rPr sz="1350">
+                <a:solidFill>
+                  <a:srgbClr val="1E293B"/>
+                </a:solidFill>
+                <a:latin typeface="Arial"/>
+              </a:rPr>
               <a:t>Cantidad por categoría: _______________</a:t>
             </a:r>
           </a:p>
@@ -7852,9 +9016,20 @@
           <a:lstStyle/>
           <a:p>
             <a:pPr algn="l">
-              <a:defRPr sz="1050" b="1"/>
-            </a:pPr>
-            <a:r>
+              <a:defRPr sz="1050" b="1">
+                <a:solidFill>
+                  <a:srgbClr val="1E293B"/>
+                </a:solidFill>
+                <a:latin typeface="Arial"/>
+              </a:defRPr>
+            </a:pPr>
+            <a:r>
+              <a:rPr sz="1350">
+                <a:solidFill>
+                  <a:srgbClr val="1E293B"/>
+                </a:solidFill>
+                <a:latin typeface="Arial"/>
+              </a:rPr>
               <a:t>Herramienta: _______________</a:t>
             </a:r>
           </a:p>
@@ -7883,9 +9058,20 @@
           <a:lstStyle/>
           <a:p>
             <a:pPr algn="l">
-              <a:defRPr sz="1050" b="1"/>
-            </a:pPr>
-            <a:r>
+              <a:defRPr sz="1050" b="1">
+                <a:solidFill>
+                  <a:srgbClr val="1E293B"/>
+                </a:solidFill>
+                <a:latin typeface="Arial"/>
+              </a:defRPr>
+            </a:pPr>
+            <a:r>
+              <a:rPr sz="1350">
+                <a:solidFill>
+                  <a:srgbClr val="1E293B"/>
+                </a:solidFill>
+                <a:latin typeface="Arial"/>
+              </a:rPr>
               <a:t>Fecha límite: _______________</a:t>
             </a:r>
           </a:p>

--- a/Sesión 6.pptx
+++ b/Sesión 6.pptx
@@ -1585,18 +1585,11 @@
           </a:bodyPr>
           <a:lstStyle/>
           <a:p>
-            <a:pPr algn="l">
-              <a:defRPr sz="2700" b="1">
+            <a:pPr algn="l"/>
+            <a:r>
+              <a:rPr sz="2700" b="1">
                 <a:solidFill>
                   <a:srgbClr val="FFFFFF"/>
-                </a:solidFill>
-                <a:latin typeface="Arial"/>
-              </a:defRPr>
-            </a:pPr>
-            <a:r>
-              <a:rPr sz="1350">
-                <a:solidFill>
-                  <a:srgbClr val="1E293B"/>
                 </a:solidFill>
                 <a:latin typeface="Arial"/>
               </a:rPr>
@@ -1749,12 +1742,6 @@
               </a:defRPr>
             </a:pPr>
             <a:r>
-              <a:rPr sz="1350">
-                <a:solidFill>
-                  <a:srgbClr val="1E293B"/>
-                </a:solidFill>
-                <a:latin typeface="Arial"/>
-              </a:rPr>
               <a:t>❌ Pocos datos</a:t>
             </a:r>
           </a:p>
@@ -1791,12 +1778,6 @@
               </a:defRPr>
             </a:pPr>
             <a:r>
-              <a:rPr sz="1350">
-                <a:solidFill>
-                  <a:srgbClr val="1E293B"/>
-                </a:solidFill>
-                <a:latin typeface="Arial"/>
-              </a:rPr>
               <a:t>Sin suficientes ejemplos, la IA no aprende bien</a:t>
             </a:r>
           </a:p>
@@ -1916,12 +1897,6 @@
               </a:defRPr>
             </a:pPr>
             <a:r>
-              <a:rPr sz="1350">
-                <a:solidFill>
-                  <a:srgbClr val="1E293B"/>
-                </a:solidFill>
-                <a:latin typeface="Arial"/>
-              </a:rPr>
               <a:t>✅ Datos abundantes</a:t>
             </a:r>
           </a:p>
@@ -1958,12 +1933,6 @@
               </a:defRPr>
             </a:pPr>
             <a:r>
-              <a:rPr sz="1350">
-                <a:solidFill>
-                  <a:srgbClr val="1E293B"/>
-                </a:solidFill>
-                <a:latin typeface="Arial"/>
-              </a:rPr>
               <a:t>Al menos 25-30 ejemplos por categoría</a:t>
             </a:r>
           </a:p>
@@ -2083,12 +2052,6 @@
               </a:defRPr>
             </a:pPr>
             <a:r>
-              <a:rPr sz="1350">
-                <a:solidFill>
-                  <a:srgbClr val="1E293B"/>
-                </a:solidFill>
-                <a:latin typeface="Arial"/>
-              </a:rPr>
               <a:t>❌ Datos similares</a:t>
             </a:r>
           </a:p>
@@ -2125,12 +2088,6 @@
               </a:defRPr>
             </a:pPr>
             <a:r>
-              <a:rPr sz="1350">
-                <a:solidFill>
-                  <a:srgbClr val="1E293B"/>
-                </a:solidFill>
-                <a:latin typeface="Arial"/>
-              </a:rPr>
               <a:t>Sin variedad, el modelo no generaliza</a:t>
             </a:r>
           </a:p>
@@ -2250,12 +2207,6 @@
               </a:defRPr>
             </a:pPr>
             <a:r>
-              <a:rPr sz="1350">
-                <a:solidFill>
-                  <a:srgbClr val="1E293B"/>
-                </a:solidFill>
-                <a:latin typeface="Arial"/>
-              </a:rPr>
               <a:t>✅ Datos variados</a:t>
             </a:r>
           </a:p>
@@ -2292,12 +2243,6 @@
               </a:defRPr>
             </a:pPr>
             <a:r>
-              <a:rPr sz="1350">
-                <a:solidFill>
-                  <a:srgbClr val="1E293B"/>
-                </a:solidFill>
-                <a:latin typeface="Arial"/>
-              </a:rPr>
               <a:t>Diferentes ángulos, fondos y condiciones</a:t>
             </a:r>
           </a:p>
@@ -2417,12 +2362,6 @@
               </a:defRPr>
             </a:pPr>
             <a:r>
-              <a:rPr sz="1350">
-                <a:solidFill>
-                  <a:srgbClr val="1E293B"/>
-                </a:solidFill>
-                <a:latin typeface="Arial"/>
-              </a:rPr>
               <a:t>❌ Mala calidad</a:t>
             </a:r>
           </a:p>
@@ -2459,12 +2398,6 @@
               </a:defRPr>
             </a:pPr>
             <a:r>
-              <a:rPr sz="1350">
-                <a:solidFill>
-                  <a:srgbClr val="1E293B"/>
-                </a:solidFill>
-                <a:latin typeface="Arial"/>
-              </a:rPr>
               <a:t>Imágenes borrosas o audio con ruido</a:t>
             </a:r>
           </a:p>
@@ -2584,12 +2517,6 @@
               </a:defRPr>
             </a:pPr>
             <a:r>
-              <a:rPr sz="1350">
-                <a:solidFill>
-                  <a:srgbClr val="1E293B"/>
-                </a:solidFill>
-                <a:latin typeface="Arial"/>
-              </a:rPr>
               <a:t>✅ Alta calidad</a:t>
             </a:r>
           </a:p>
@@ -2626,12 +2553,6 @@
               </a:defRPr>
             </a:pPr>
             <a:r>
-              <a:rPr sz="1350">
-                <a:solidFill>
-                  <a:srgbClr val="1E293B"/>
-                </a:solidFill>
-                <a:latin typeface="Arial"/>
-              </a:rPr>
               <a:t>Datos claros, nítidos y representativos</a:t>
             </a:r>
           </a:p>
@@ -2760,18 +2681,11 @@
           </a:bodyPr>
           <a:lstStyle/>
           <a:p>
-            <a:pPr algn="l">
-              <a:defRPr sz="2700" b="1">
+            <a:pPr algn="l"/>
+            <a:r>
+              <a:rPr sz="2700" b="1">
                 <a:solidFill>
                   <a:srgbClr val="FFFFFF"/>
-                </a:solidFill>
-                <a:latin typeface="Arial"/>
-              </a:defRPr>
-            </a:pPr>
-            <a:r>
-              <a:rPr sz="1350">
-                <a:solidFill>
-                  <a:srgbClr val="1E293B"/>
                 </a:solidFill>
                 <a:latin typeface="Arial"/>
               </a:rPr>
@@ -2825,7 +2739,7 @@
             <a:avLst/>
           </a:prstGeom>
           <a:solidFill>
-            <a:srgbClr val="F1F5F9"/>
+            <a:srgbClr val="DBEAFE"/>
           </a:solidFill>
           <a:ln>
             <a:noFill/>
@@ -2918,18 +2832,12 @@
             <a:pPr algn="l">
               <a:defRPr sz="1800" b="1">
                 <a:solidFill>
-                  <a:srgbClr val="1E293B"/>
+                  <a:srgbClr val="6366F1"/>
                 </a:solidFill>
                 <a:latin typeface="Arial"/>
               </a:defRPr>
             </a:pPr>
             <a:r>
-              <a:rPr sz="1800" b="1">
-                <a:solidFill>
-                  <a:srgbClr val="6366F1"/>
-                </a:solidFill>
-                <a:latin typeface="Arial"/>
-              </a:rPr>
               <a:t>📌 Puntos Clave</a:t>
             </a:r>
           </a:p>
@@ -2966,12 +2874,6 @@
               </a:defRPr>
             </a:pPr>
             <a:r>
-              <a:rPr sz="1800">
-                <a:solidFill>
-                  <a:srgbClr val="FFFFFF"/>
-                </a:solidFill>
-                <a:latin typeface="Arial"/>
-              </a:rPr>
               <a:t>Los datos son esenciales para entrenar modelos de IA</a:t>
             </a:r>
           </a:p>
@@ -2985,12 +2887,6 @@
               </a:defRPr>
             </a:pPr>
             <a:r>
-              <a:rPr sz="1800">
-                <a:solidFill>
-                  <a:srgbClr val="FFFFFF"/>
-                </a:solidFill>
-                <a:latin typeface="Arial"/>
-              </a:rPr>
               <a:t>La calidad y variedad son más importantes que la cantidad</a:t>
             </a:r>
           </a:p>
@@ -3004,12 +2900,6 @@
               </a:defRPr>
             </a:pPr>
             <a:r>
-              <a:rPr sz="1800">
-                <a:solidFill>
-                  <a:srgbClr val="FFFFFF"/>
-                </a:solidFill>
-                <a:latin typeface="Arial"/>
-              </a:rPr>
               <a:t>Organizar y etiquetar correctamente los datos es fundamental</a:t>
             </a:r>
           </a:p>
@@ -3030,7 +2920,7 @@
             <a:avLst/>
           </a:prstGeom>
           <a:solidFill>
-            <a:srgbClr val="F1F5F9"/>
+            <a:srgbClr val="A855F7"/>
           </a:solidFill>
           <a:ln>
             <a:noFill/>
@@ -3089,12 +2979,6 @@
               </a:defRPr>
             </a:pPr>
             <a:r>
-              <a:rPr sz="1800" b="1">
-                <a:solidFill>
-                  <a:srgbClr val="6366F1"/>
-                </a:solidFill>
-                <a:latin typeface="Arial"/>
-              </a:rPr>
               <a:t>🚀 Próxima Sesión</a:t>
             </a:r>
           </a:p>
@@ -3131,12 +3015,6 @@
               </a:defRPr>
             </a:pPr>
             <a:r>
-              <a:rPr sz="1350">
-                <a:solidFill>
-                  <a:srgbClr val="1E293B"/>
-                </a:solidFill>
-                <a:latin typeface="Arial"/>
-              </a:rPr>
               <a:t>Sesión 7: Entrenando el Modelo de IA</a:t>
             </a:r>
           </a:p>
@@ -3173,12 +3051,6 @@
               </a:defRPr>
             </a:pPr>
             <a:r>
-              <a:rPr sz="1350">
-                <a:solidFill>
-                  <a:srgbClr val="1E293B"/>
-                </a:solidFill>
-                <a:latin typeface="Arial"/>
-              </a:rPr>
               <a:t>Usaremos los datos recopilados para entrenar tu primer modelo de IA</a:t>
             </a:r>
           </a:p>
@@ -3307,14 +3179,7 @@
           </a:bodyPr>
           <a:lstStyle/>
           <a:p>
-            <a:pPr algn="l">
-              <a:defRPr sz="2700" b="1">
-                <a:solidFill>
-                  <a:srgbClr val="FFFFFF"/>
-                </a:solidFill>
-                <a:latin typeface="Arial"/>
-              </a:defRPr>
-            </a:pPr>
+            <a:pPr algn="l"/>
             <a:r>
               <a:rPr sz="2700" b="1">
                 <a:solidFill>
@@ -3372,7 +3237,7 @@
             <a:avLst/>
           </a:prstGeom>
           <a:solidFill>
-            <a:srgbClr val="F1F5F9"/>
+            <a:srgbClr val="EDE9FE"/>
           </a:solidFill>
           <a:ln>
             <a:noFill/>
@@ -3462,18 +3327,11 @@
           </a:bodyPr>
           <a:lstStyle/>
           <a:p>
-            <a:pPr algn="l">
-              <a:defRPr sz="1800" b="1">
-                <a:solidFill>
-                  <a:srgbClr val="6366F1"/>
-                </a:solidFill>
-                <a:latin typeface="Arial"/>
-              </a:defRPr>
-            </a:pPr>
+            <a:pPr algn="l"/>
             <a:r>
               <a:rPr sz="1800" b="1">
                 <a:solidFill>
-                  <a:srgbClr val="6366F1"/>
+                  <a:srgbClr val="A855F7"/>
                 </a:solidFill>
                 <a:latin typeface="Arial"/>
               </a:rPr>
@@ -3504,6 +3362,76 @@
           </a:bodyPr>
           <a:lstStyle/>
           <a:p>
+            <a:pPr algn="l"/>
+            <a:r>
+              <a:rPr sz="1350">
+                <a:solidFill>
+                  <a:srgbClr val="1E293B"/>
+                </a:solidFill>
+                <a:latin typeface="Arial"/>
+              </a:rPr>
+              <a:t>Enseñar la importancia de los datos para entrenar modelos de Inteligencia Artificial y cómo recopilar datos de calidad.</a:t>
+            </a:r>
+          </a:p>
+        </p:txBody>
+      </p:sp>
+      <p:sp>
+        <p:nvSpPr>
+          <p:cNvPr id="13" name="TextBox 12"/>
+          <p:cNvSpPr txBox="1"/>
+          <p:nvPr/>
+        </p:nvSpPr>
+        <p:spPr>
+          <a:xfrm>
+            <a:off x="457200" y="2862072"/>
+            <a:ext cx="8394192" cy="265176"/>
+          </a:xfrm>
+          <a:prstGeom prst="rect">
+            <a:avLst/>
+          </a:prstGeom>
+          <a:noFill/>
+        </p:spPr>
+        <p:txBody>
+          <a:bodyPr wrap="none">
+            <a:spAutoFit/>
+          </a:bodyPr>
+          <a:lstStyle/>
+          <a:p>
+            <a:pPr algn="l"/>
+            <a:r>
+              <a:rPr sz="1500" b="1">
+                <a:solidFill>
+                  <a:srgbClr val="6366F1"/>
+                </a:solidFill>
+                <a:latin typeface="Arial"/>
+              </a:rPr>
+              <a:t>📋 Agenda</a:t>
+            </a:r>
+          </a:p>
+        </p:txBody>
+      </p:sp>
+      <p:sp>
+        <p:nvSpPr>
+          <p:cNvPr id="14" name="TextBox 13"/>
+          <p:cNvSpPr txBox="1"/>
+          <p:nvPr/>
+        </p:nvSpPr>
+        <p:spPr>
+          <a:xfrm>
+            <a:off x="457200" y="3255264"/>
+            <a:ext cx="8229600" cy="1179576"/>
+          </a:xfrm>
+          <a:prstGeom prst="rect">
+            <a:avLst/>
+          </a:prstGeom>
+          <a:noFill/>
+        </p:spPr>
+        <p:txBody>
+          <a:bodyPr wrap="square">
+            <a:spAutoFit/>
+          </a:bodyPr>
+          <a:lstStyle/>
+          <a:p>
             <a:pPr algn="l">
               <a:defRPr sz="1350">
                 <a:solidFill>
@@ -3513,80 +3441,9 @@
               </a:defRPr>
             </a:pPr>
             <a:r>
-              <a:rPr sz="1800">
-                <a:solidFill>
-                  <a:srgbClr val="FFFFFF"/>
-                </a:solidFill>
-                <a:latin typeface="Arial"/>
-              </a:rPr>
-              <a:t>Enseñar la importancia de los datos para entrenar modelos de Inteligencia Artificial y cómo recopilar datos de calidad.</a:t>
-            </a:r>
-          </a:p>
-        </p:txBody>
-      </p:sp>
-      <p:sp>
-        <p:nvSpPr>
-          <p:cNvPr id="13" name="TextBox 12"/>
-          <p:cNvSpPr txBox="1"/>
-          <p:nvPr/>
-        </p:nvSpPr>
-        <p:spPr>
-          <a:xfrm>
-            <a:off x="457200" y="2862072"/>
-            <a:ext cx="8394192" cy="265176"/>
-          </a:xfrm>
-          <a:prstGeom prst="rect">
-            <a:avLst/>
-          </a:prstGeom>
-          <a:noFill/>
-        </p:spPr>
-        <p:txBody>
-          <a:bodyPr wrap="none">
-            <a:spAutoFit/>
-          </a:bodyPr>
-          <a:lstStyle/>
-          <a:p>
-            <a:pPr algn="l">
-              <a:defRPr sz="1500" b="1">
-                <a:solidFill>
-                  <a:srgbClr val="6366F1"/>
-                </a:solidFill>
-                <a:latin typeface="Arial"/>
-              </a:defRPr>
-            </a:pPr>
-            <a:r>
-              <a:rPr sz="1800" b="1">
-                <a:solidFill>
-                  <a:srgbClr val="6366F1"/>
-                </a:solidFill>
-                <a:latin typeface="Arial"/>
-              </a:rPr>
-              <a:t>📋 Agenda</a:t>
-            </a:r>
-          </a:p>
-        </p:txBody>
-      </p:sp>
-      <p:sp>
-        <p:nvSpPr>
-          <p:cNvPr id="14" name="TextBox 13"/>
-          <p:cNvSpPr txBox="1"/>
-          <p:nvPr/>
-        </p:nvSpPr>
-        <p:spPr>
-          <a:xfrm>
-            <a:off x="457200" y="3255264"/>
-            <a:ext cx="8229600" cy="1179576"/>
-          </a:xfrm>
-          <a:prstGeom prst="rect">
-            <a:avLst/>
-          </a:prstGeom>
-          <a:noFill/>
-        </p:spPr>
-        <p:txBody>
-          <a:bodyPr wrap="square">
-            <a:spAutoFit/>
-          </a:bodyPr>
-          <a:lstStyle/>
+              <a:t>Importancia de los datos en IA</a:t>
+            </a:r>
+          </a:p>
           <a:p>
             <a:pPr algn="l">
               <a:defRPr sz="1350">
@@ -3597,13 +3454,7 @@
               </a:defRPr>
             </a:pPr>
             <a:r>
-              <a:rPr sz="1800">
-                <a:solidFill>
-                  <a:srgbClr val="FFFFFF"/>
-                </a:solidFill>
-                <a:latin typeface="Arial"/>
-              </a:rPr>
-              <a:t>Importancia de los datos en IA</a:t>
+              <a:t>Tipos de datos para entrenar modelos</a:t>
             </a:r>
           </a:p>
           <a:p>
@@ -3616,13 +3467,7 @@
               </a:defRPr>
             </a:pPr>
             <a:r>
-              <a:rPr sz="1800">
-                <a:solidFill>
-                  <a:srgbClr val="FFFFFF"/>
-                </a:solidFill>
-                <a:latin typeface="Arial"/>
-              </a:rPr>
-              <a:t>Tipos de datos para entrenar modelos</a:t>
+              <a:t>Cómo recopilar datos de calidad</a:t>
             </a:r>
           </a:p>
           <a:p>
@@ -3635,31 +3480,6 @@
               </a:defRPr>
             </a:pPr>
             <a:r>
-              <a:rPr sz="1800">
-                <a:solidFill>
-                  <a:srgbClr val="FFFFFF"/>
-                </a:solidFill>
-                <a:latin typeface="Arial"/>
-              </a:rPr>
-              <a:t>Cómo recopilar datos de calidad</a:t>
-            </a:r>
-          </a:p>
-          <a:p>
-            <a:pPr algn="l">
-              <a:defRPr sz="1350">
-                <a:solidFill>
-                  <a:srgbClr val="1E293B"/>
-                </a:solidFill>
-                <a:latin typeface="Arial"/>
-              </a:defRPr>
-            </a:pPr>
-            <a:r>
-              <a:rPr sz="1800">
-                <a:solidFill>
-                  <a:srgbClr val="FFFFFF"/>
-                </a:solidFill>
-                <a:latin typeface="Arial"/>
-              </a:rPr>
               <a:t>Actividad práctica: recopilación de datos</a:t>
             </a:r>
           </a:p>
@@ -3788,14 +3608,7 @@
           </a:bodyPr>
           <a:lstStyle/>
           <a:p>
-            <a:pPr algn="l">
-              <a:defRPr sz="2700" b="1">
-                <a:solidFill>
-                  <a:srgbClr val="FFFFFF"/>
-                </a:solidFill>
-                <a:latin typeface="Arial"/>
-              </a:defRPr>
-            </a:pPr>
+            <a:pPr algn="l"/>
             <a:r>
               <a:rPr sz="2700" b="1">
                 <a:solidFill>
@@ -3853,7 +3666,7 @@
             <a:avLst/>
           </a:prstGeom>
           <a:solidFill>
-            <a:srgbClr val="F1F5F9"/>
+            <a:srgbClr val="6366F1"/>
           </a:solidFill>
           <a:ln>
             <a:noFill/>
@@ -3912,12 +3725,6 @@
               </a:defRPr>
             </a:pPr>
             <a:r>
-              <a:rPr sz="1800">
-                <a:solidFill>
-                  <a:srgbClr val="FFFFFF"/>
-                </a:solidFill>
-                <a:latin typeface="Arial"/>
-              </a:rPr>
               <a:t>Los datos son el combustible de la Inteligencia Artificial. Sin datos de calidad, los modelos de IA no pueden aprender correctamente.</a:t>
             </a:r>
           </a:p>
@@ -3938,7 +3745,7 @@
             <a:avLst/>
           </a:prstGeom>
           <a:solidFill>
-            <a:srgbClr val="F1F5F9"/>
+            <a:srgbClr val="FEF3C7"/>
           </a:solidFill>
           <a:ln>
             <a:noFill/>
@@ -3997,12 +3804,6 @@
               </a:defRPr>
             </a:pPr>
             <a:r>
-              <a:rPr sz="3600">
-                <a:solidFill>
-                  <a:srgbClr val="1E293B"/>
-                </a:solidFill>
-                <a:latin typeface="Arial"/>
-              </a:rPr>
               <a:t>💡</a:t>
             </a:r>
           </a:p>
@@ -4039,12 +3840,6 @@
               </a:defRPr>
             </a:pPr>
             <a:r>
-              <a:rPr sz="1350">
-                <a:solidFill>
-                  <a:srgbClr val="1E293B"/>
-                </a:solidFill>
-                <a:latin typeface="Arial"/>
-              </a:rPr>
               <a:t>Datos = Conocimiento</a:t>
             </a:r>
           </a:p>
@@ -4065,7 +3860,7 @@
             <a:avLst/>
           </a:prstGeom>
           <a:solidFill>
-            <a:srgbClr val="F1F5F9"/>
+            <a:srgbClr val="DBEAFE"/>
           </a:solidFill>
           <a:ln>
             <a:noFill/>
@@ -4124,12 +3919,6 @@
               </a:defRPr>
             </a:pPr>
             <a:r>
-              <a:rPr sz="1800" b="1">
-                <a:solidFill>
-                  <a:srgbClr val="6366F1"/>
-                </a:solidFill>
-                <a:latin typeface="Arial"/>
-              </a:rPr>
               <a:t>🎯</a:t>
             </a:r>
           </a:p>
@@ -4166,12 +3955,6 @@
               </a:defRPr>
             </a:pPr>
             <a:r>
-              <a:rPr sz="1350">
-                <a:solidFill>
-                  <a:srgbClr val="1E293B"/>
-                </a:solidFill>
-                <a:latin typeface="Arial"/>
-              </a:rPr>
               <a:t>Calidad &gt; Cantidad</a:t>
             </a:r>
           </a:p>
@@ -4192,7 +3975,7 @@
             <a:avLst/>
           </a:prstGeom>
           <a:solidFill>
-            <a:srgbClr val="F1F5F9"/>
+            <a:srgbClr val="FEE2E2"/>
           </a:solidFill>
           <a:ln>
             <a:noFill/>
@@ -4251,12 +4034,6 @@
               </a:defRPr>
             </a:pPr>
             <a:r>
-              <a:rPr sz="3600">
-                <a:solidFill>
-                  <a:srgbClr val="1E293B"/>
-                </a:solidFill>
-                <a:latin typeface="Arial"/>
-              </a:rPr>
               <a:t>📊</a:t>
             </a:r>
           </a:p>
@@ -4293,12 +4070,6 @@
               </a:defRPr>
             </a:pPr>
             <a:r>
-              <a:rPr sz="1350">
-                <a:solidFill>
-                  <a:srgbClr val="1E293B"/>
-                </a:solidFill>
-                <a:latin typeface="Arial"/>
-              </a:rPr>
               <a:t>Variedad es clave</a:t>
             </a:r>
           </a:p>
@@ -4427,14 +4198,7 @@
           </a:bodyPr>
           <a:lstStyle/>
           <a:p>
-            <a:pPr algn="l">
-              <a:defRPr sz="2700" b="1">
-                <a:solidFill>
-                  <a:srgbClr val="FFFFFF"/>
-                </a:solidFill>
-                <a:latin typeface="Arial"/>
-              </a:defRPr>
-            </a:pPr>
+            <a:pPr algn="l"/>
             <a:r>
               <a:rPr sz="2700" b="1">
                 <a:solidFill>
@@ -4494,8 +4258,10 @@
           <a:solidFill>
             <a:srgbClr val="FFFFFF"/>
           </a:solidFill>
-          <a:ln>
-            <a:noFill/>
+          <a:ln w="38100">
+            <a:solidFill>
+              <a:srgbClr val="EC4899"/>
+            </a:solidFill>
           </a:ln>
         </p:spPr>
         <p:style>
@@ -4545,18 +4311,12 @@
             <a:pPr algn="l">
               <a:defRPr sz="1800" b="1">
                 <a:solidFill>
-                  <a:srgbClr val="1E293B"/>
+                  <a:srgbClr val="EC4899"/>
                 </a:solidFill>
                 <a:latin typeface="Arial"/>
               </a:defRPr>
             </a:pPr>
             <a:r>
-              <a:rPr sz="1350">
-                <a:solidFill>
-                  <a:srgbClr val="1E293B"/>
-                </a:solidFill>
-                <a:latin typeface="Arial"/>
-              </a:rPr>
               <a:t>📸  Imágenes</a:t>
             </a:r>
           </a:p>
@@ -4593,23 +4353,11 @@
               </a:defRPr>
             </a:pPr>
             <a:r>
-              <a:rPr sz="1350">
-                <a:solidFill>
-                  <a:srgbClr val="1E293B"/>
-                </a:solidFill>
-                <a:latin typeface="Arial"/>
-              </a:rPr>
               <a:t>Fotos de objetos, rostros,</a:t>
             </a:r>
           </a:p>
           <a:p>
             <a:r>
-              <a:rPr sz="1350">
-                <a:solidFill>
-                  <a:srgbClr val="1E293B"/>
-                </a:solidFill>
-                <a:latin typeface="Arial"/>
-              </a:rPr>
               <a:t>animales, plantas</a:t>
             </a:r>
           </a:p>
@@ -4632,8 +4380,10 @@
           <a:solidFill>
             <a:srgbClr val="FFFFFF"/>
           </a:solidFill>
-          <a:ln>
-            <a:noFill/>
+          <a:ln w="38100">
+            <a:solidFill>
+              <a:srgbClr val="06B6D4"/>
+            </a:solidFill>
           </a:ln>
         </p:spPr>
         <p:style>
@@ -4683,18 +4433,12 @@
             <a:pPr algn="l">
               <a:defRPr sz="1800" b="1">
                 <a:solidFill>
-                  <a:srgbClr val="1E293B"/>
+                  <a:srgbClr val="06B6D4"/>
                 </a:solidFill>
                 <a:latin typeface="Arial"/>
               </a:defRPr>
             </a:pPr>
             <a:r>
-              <a:rPr sz="1350">
-                <a:solidFill>
-                  <a:srgbClr val="1E293B"/>
-                </a:solidFill>
-                <a:latin typeface="Arial"/>
-              </a:rPr>
               <a:t>🔊  Sonidos</a:t>
             </a:r>
           </a:p>
@@ -4731,23 +4475,11 @@
               </a:defRPr>
             </a:pPr>
             <a:r>
-              <a:rPr sz="1350">
-                <a:solidFill>
-                  <a:srgbClr val="1E293B"/>
-                </a:solidFill>
-                <a:latin typeface="Arial"/>
-              </a:rPr>
               <a:t>Voces, música,</a:t>
             </a:r>
           </a:p>
           <a:p>
             <a:r>
-              <a:rPr sz="1350">
-                <a:solidFill>
-                  <a:srgbClr val="1E293B"/>
-                </a:solidFill>
-                <a:latin typeface="Arial"/>
-              </a:rPr>
               <a:t>sonidos ambientales</a:t>
             </a:r>
           </a:p>
@@ -4770,8 +4502,10 @@
           <a:solidFill>
             <a:srgbClr val="FFFFFF"/>
           </a:solidFill>
-          <a:ln>
-            <a:noFill/>
+          <a:ln w="38100">
+            <a:solidFill>
+              <a:srgbClr val="F59E0B"/>
+            </a:solidFill>
           </a:ln>
         </p:spPr>
         <p:style>
@@ -4821,18 +4555,12 @@
             <a:pPr algn="l">
               <a:defRPr sz="1800" b="1">
                 <a:solidFill>
-                  <a:srgbClr val="1E293B"/>
+                  <a:srgbClr val="F59E0B"/>
                 </a:solidFill>
                 <a:latin typeface="Arial"/>
               </a:defRPr>
             </a:pPr>
             <a:r>
-              <a:rPr sz="1350">
-                <a:solidFill>
-                  <a:srgbClr val="1E293B"/>
-                </a:solidFill>
-                <a:latin typeface="Arial"/>
-              </a:rPr>
               <a:t>🤸  Poses</a:t>
             </a:r>
           </a:p>
@@ -4869,23 +4597,11 @@
               </a:defRPr>
             </a:pPr>
             <a:r>
-              <a:rPr sz="1350">
-                <a:solidFill>
-                  <a:srgbClr val="1E293B"/>
-                </a:solidFill>
-                <a:latin typeface="Arial"/>
-              </a:rPr>
               <a:t>Movimientos corporales,</a:t>
             </a:r>
           </a:p>
           <a:p>
             <a:r>
-              <a:rPr sz="1350">
-                <a:solidFill>
-                  <a:srgbClr val="1E293B"/>
-                </a:solidFill>
-                <a:latin typeface="Arial"/>
-              </a:rPr>
               <a:t>posturas, gestos</a:t>
             </a:r>
           </a:p>
@@ -4908,8 +4624,10 @@
           <a:solidFill>
             <a:srgbClr val="FFFFFF"/>
           </a:solidFill>
-          <a:ln>
-            <a:noFill/>
+          <a:ln w="38100">
+            <a:solidFill>
+              <a:srgbClr val="22C55E"/>
+            </a:solidFill>
           </a:ln>
         </p:spPr>
         <p:style>
@@ -4959,18 +4677,12 @@
             <a:pPr algn="l">
               <a:defRPr sz="1800" b="1">
                 <a:solidFill>
-                  <a:srgbClr val="1E293B"/>
+                  <a:srgbClr val="22C55E"/>
                 </a:solidFill>
                 <a:latin typeface="Arial"/>
               </a:defRPr>
             </a:pPr>
             <a:r>
-              <a:rPr sz="1800" b="1">
-                <a:solidFill>
-                  <a:srgbClr val="6366F1"/>
-                </a:solidFill>
-                <a:latin typeface="Arial"/>
-              </a:rPr>
               <a:t>📝  Texto</a:t>
             </a:r>
           </a:p>
@@ -5007,23 +4719,11 @@
               </a:defRPr>
             </a:pPr>
             <a:r>
-              <a:rPr sz="1350">
-                <a:solidFill>
-                  <a:srgbClr val="1E293B"/>
-                </a:solidFill>
-                <a:latin typeface="Arial"/>
-              </a:rPr>
               <a:t>Palabras, frases,</a:t>
             </a:r>
           </a:p>
           <a:p>
             <a:r>
-              <a:rPr sz="1350">
-                <a:solidFill>
-                  <a:srgbClr val="1E293B"/>
-                </a:solidFill>
-                <a:latin typeface="Arial"/>
-              </a:rPr>
               <a:t>etiquetas, descripciones</a:t>
             </a:r>
           </a:p>
@@ -5152,14 +4852,7 @@
           </a:bodyPr>
           <a:lstStyle/>
           <a:p>
-            <a:pPr algn="l">
-              <a:defRPr sz="2700" b="1">
-                <a:solidFill>
-                  <a:srgbClr val="FFFFFF"/>
-                </a:solidFill>
-                <a:latin typeface="Arial"/>
-              </a:defRPr>
-            </a:pPr>
+            <a:pPr algn="l"/>
             <a:r>
               <a:rPr sz="2700" b="1">
                 <a:solidFill>
@@ -5217,7 +4910,7 @@
             <a:avLst/>
           </a:prstGeom>
           <a:solidFill>
-            <a:srgbClr val="F1F5F9"/>
+            <a:srgbClr val="22C55E"/>
           </a:solidFill>
           <a:ln>
             <a:noFill/>
@@ -5276,12 +4969,6 @@
               </a:defRPr>
             </a:pPr>
             <a:r>
-              <a:rPr sz="1350">
-                <a:solidFill>
-                  <a:srgbClr val="1E293B"/>
-                </a:solidFill>
-                <a:latin typeface="Arial"/>
-              </a:rPr>
               <a:t>5 Reglas de Oro</a:t>
             </a:r>
           </a:p>
@@ -5302,7 +4989,7 @@
             <a:avLst/>
           </a:prstGeom>
           <a:solidFill>
-            <a:srgbClr val="F1F5F9"/>
+            <a:srgbClr val="FEF3C7"/>
           </a:solidFill>
           <a:ln>
             <a:noFill/>
@@ -5401,12 +5088,6 @@
               </a:defRPr>
             </a:pPr>
             <a:r>
-              <a:rPr sz="1800" b="1">
-                <a:solidFill>
-                  <a:srgbClr val="6366F1"/>
-                </a:solidFill>
-                <a:latin typeface="Arial"/>
-              </a:rPr>
               <a:t>💭 Reglas clave</a:t>
             </a:r>
           </a:p>
@@ -5443,12 +5124,6 @@
               </a:defRPr>
             </a:pPr>
             <a:r>
-              <a:rPr sz="1350">
-                <a:solidFill>
-                  <a:srgbClr val="1E293B"/>
-                </a:solidFill>
-                <a:latin typeface="Arial"/>
-              </a:rPr>
               <a:t>Cantidad suficiente • Variedad • Claridad • Balance • Relevancia</a:t>
             </a:r>
           </a:p>
@@ -5577,14 +5252,7 @@
           </a:bodyPr>
           <a:lstStyle/>
           <a:p>
-            <a:pPr algn="l">
-              <a:defRPr sz="2700" b="1">
-                <a:solidFill>
-                  <a:srgbClr val="FFFFFF"/>
-                </a:solidFill>
-                <a:latin typeface="Arial"/>
-              </a:defRPr>
-            </a:pPr>
+            <a:pPr algn="l"/>
             <a:r>
               <a:rPr sz="2700" b="1">
                 <a:solidFill>
@@ -5642,7 +5310,7 @@
             <a:avLst/>
           </a:prstGeom>
           <a:solidFill>
-            <a:srgbClr val="FFFFFF"/>
+            <a:srgbClr val="FEF3C7"/>
           </a:solidFill>
           <a:ln>
             <a:noFill/>
@@ -5701,12 +5369,6 @@
               </a:defRPr>
             </a:pPr>
             <a:r>
-              <a:rPr sz="1350">
-                <a:solidFill>
-                  <a:srgbClr val="1E293B"/>
-                </a:solidFill>
-                <a:latin typeface="Arial"/>
-              </a:rPr>
               <a:t>🐕  Clasificador de Animales</a:t>
             </a:r>
           </a:p>
@@ -5743,12 +5405,6 @@
               </a:defRPr>
             </a:pPr>
             <a:r>
-              <a:rPr sz="1350">
-                <a:solidFill>
-                  <a:srgbClr val="1E293B"/>
-                </a:solidFill>
-                <a:latin typeface="Arial"/>
-              </a:rPr>
               <a:t>Reconoce perros, gatos y pájaros mediante fotos</a:t>
             </a:r>
           </a:p>
@@ -5769,7 +5425,7 @@
             <a:avLst/>
           </a:prstGeom>
           <a:solidFill>
-            <a:srgbClr val="FFFFFF"/>
+            <a:srgbClr val="DBEAFE"/>
           </a:solidFill>
           <a:ln>
             <a:noFill/>
@@ -5828,12 +5484,6 @@
               </a:defRPr>
             </a:pPr>
             <a:r>
-              <a:rPr sz="1350">
-                <a:solidFill>
-                  <a:srgbClr val="1E293B"/>
-                </a:solidFill>
-                <a:latin typeface="Arial"/>
-              </a:rPr>
               <a:t>🗣️  Reconocedor de Voz</a:t>
             </a:r>
           </a:p>
@@ -5870,12 +5520,6 @@
               </a:defRPr>
             </a:pPr>
             <a:r>
-              <a:rPr sz="1350">
-                <a:solidFill>
-                  <a:srgbClr val="1E293B"/>
-                </a:solidFill>
-                <a:latin typeface="Arial"/>
-              </a:rPr>
               <a:t>Identifica diferentes voces y comandos hablados</a:t>
             </a:r>
           </a:p>
@@ -5896,7 +5540,7 @@
             <a:avLst/>
           </a:prstGeom>
           <a:solidFill>
-            <a:srgbClr val="FFFFFF"/>
+            <a:srgbClr val="FEE2E2"/>
           </a:solidFill>
           <a:ln>
             <a:noFill/>
@@ -5955,12 +5599,6 @@
               </a:defRPr>
             </a:pPr>
             <a:r>
-              <a:rPr sz="1350">
-                <a:solidFill>
-                  <a:srgbClr val="1E293B"/>
-                </a:solidFill>
-                <a:latin typeface="Arial"/>
-              </a:rPr>
               <a:t>👋  Detector de Gestos</a:t>
             </a:r>
           </a:p>
@@ -5997,12 +5635,6 @@
               </a:defRPr>
             </a:pPr>
             <a:r>
-              <a:rPr sz="1350">
-                <a:solidFill>
-                  <a:srgbClr val="1E293B"/>
-                </a:solidFill>
-                <a:latin typeface="Arial"/>
-              </a:rPr>
               <a:t>Reconoce movimientos de manos para controlar dispositivos</a:t>
             </a:r>
           </a:p>
@@ -6023,7 +5655,7 @@
             <a:avLst/>
           </a:prstGeom>
           <a:solidFill>
-            <a:srgbClr val="FFFFFF"/>
+            <a:srgbClr val="DCFCE7"/>
           </a:solidFill>
           <a:ln>
             <a:noFill/>
@@ -6082,12 +5714,6 @@
               </a:defRPr>
             </a:pPr>
             <a:r>
-              <a:rPr sz="1350">
-                <a:solidFill>
-                  <a:srgbClr val="1E293B"/>
-                </a:solidFill>
-                <a:latin typeface="Arial"/>
-              </a:rPr>
               <a:t>📚  Clasificador de Texto</a:t>
             </a:r>
           </a:p>
@@ -6124,12 +5750,6 @@
               </a:defRPr>
             </a:pPr>
             <a:r>
-              <a:rPr sz="1350">
-                <a:solidFill>
-                  <a:srgbClr val="1E293B"/>
-                </a:solidFill>
-                <a:latin typeface="Arial"/>
-              </a:rPr>
               <a:t>Categoriza comentarios como positivos o negativos</a:t>
             </a:r>
           </a:p>
@@ -6258,14 +5878,7 @@
           </a:bodyPr>
           <a:lstStyle/>
           <a:p>
-            <a:pPr algn="l">
-              <a:defRPr sz="2700" b="1">
-                <a:solidFill>
-                  <a:srgbClr val="FFFFFF"/>
-                </a:solidFill>
-                <a:latin typeface="Arial"/>
-              </a:defRPr>
-            </a:pPr>
+            <a:pPr algn="l"/>
             <a:r>
               <a:rPr sz="2700" b="1">
                 <a:solidFill>
@@ -6316,8 +5929,8 @@
         </p:nvSpPr>
         <p:spPr>
           <a:xfrm>
-            <a:off x="384048" y="877824"/>
-            <a:ext cx="8211312" cy="576072"/>
+            <a:off x="301752" y="1143000"/>
+            <a:ext cx="2670048" cy="1737360"/>
           </a:xfrm>
           <a:prstGeom prst="rect">
             <a:avLst/>
@@ -6325,8 +5938,10 @@
           <a:solidFill>
             <a:srgbClr val="FFFFFF"/>
           </a:solidFill>
-          <a:ln>
-            <a:noFill/>
+          <a:ln w="25400">
+            <a:solidFill>
+              <a:srgbClr val="EC4899"/>
+            </a:solidFill>
           </a:ln>
         </p:spPr>
         <p:style>
@@ -6353,16 +5968,212 @@
       </p:sp>
       <p:sp>
         <p:nvSpPr>
-          <p:cNvPr id="10" name="Rectangle 9"/>
+          <p:cNvPr id="10" name="Oval 9"/>
           <p:cNvSpPr/>
           <p:nvPr/>
         </p:nvSpPr>
         <p:spPr>
           <a:xfrm>
-            <a:off x="539496" y="621792"/>
-            <a:ext cx="283464" cy="210312"/>
-          </a:xfrm>
-          <a:prstGeom prst="rect">
+            <a:off x="484632" y="1325880"/>
+            <a:ext cx="457200" cy="457200"/>
+          </a:xfrm>
+          <a:prstGeom prst="ellipse">
+            <a:avLst/>
+          </a:prstGeom>
+          <a:solidFill>
+            <a:srgbClr val="EC4899"/>
+          </a:solidFill>
+          <a:ln>
+            <a:noFill/>
+          </a:ln>
+        </p:spPr>
+        <p:style>
+          <a:lnRef idx="1">
+            <a:schemeClr val="accent1"/>
+          </a:lnRef>
+          <a:fillRef idx="3">
+            <a:schemeClr val="accent1"/>
+          </a:fillRef>
+          <a:effectRef idx="2">
+            <a:schemeClr val="accent1"/>
+          </a:effectRef>
+          <a:fontRef idx="minor">
+            <a:schemeClr val="lt1"/>
+          </a:fontRef>
+        </p:style>
+        <p:txBody>
+          <a:bodyPr rtlCol="0" anchor="ctr"/>
+          <a:lstStyle/>
+          <a:p>
+            <a:pPr algn="ctr"/>
+          </a:p>
+        </p:txBody>
+      </p:sp>
+      <p:sp>
+        <p:nvSpPr>
+          <p:cNvPr id="11" name="TextBox 10"/>
+          <p:cNvSpPr txBox="1"/>
+          <p:nvPr/>
+        </p:nvSpPr>
+        <p:spPr>
+          <a:xfrm>
+            <a:off x="484632" y="1389888"/>
+            <a:ext cx="457200" cy="320040"/>
+          </a:xfrm>
+          <a:prstGeom prst="rect">
+            <a:avLst/>
+          </a:prstGeom>
+          <a:noFill/>
+        </p:spPr>
+        <p:txBody>
+          <a:bodyPr wrap="none">
+            <a:spAutoFit/>
+          </a:bodyPr>
+          <a:lstStyle/>
+          <a:p>
+            <a:pPr algn="ctr">
+              <a:defRPr sz="2200" b="1">
+                <a:solidFill>
+                  <a:srgbClr val="FFFFFF"/>
+                </a:solidFill>
+                <a:latin typeface="Arial"/>
+              </a:defRPr>
+            </a:pPr>
+            <a:r>
+              <a:t>1</a:t>
+            </a:r>
+          </a:p>
+        </p:txBody>
+      </p:sp>
+      <p:sp>
+        <p:nvSpPr>
+          <p:cNvPr id="12" name="TextBox 11"/>
+          <p:cNvSpPr txBox="1"/>
+          <p:nvPr/>
+        </p:nvSpPr>
+        <p:spPr>
+          <a:xfrm>
+            <a:off x="484632" y="1920240"/>
+            <a:ext cx="2304288" cy="365760"/>
+          </a:xfrm>
+          <a:prstGeom prst="rect">
+            <a:avLst/>
+          </a:prstGeom>
+          <a:noFill/>
+        </p:spPr>
+        <p:txBody>
+          <a:bodyPr wrap="square">
+            <a:spAutoFit/>
+          </a:bodyPr>
+          <a:lstStyle/>
+          <a:p>
+            <a:pPr algn="l">
+              <a:defRPr sz="1400" b="1">
+                <a:solidFill>
+                  <a:srgbClr val="EC4899"/>
+                </a:solidFill>
+                <a:latin typeface="Arial"/>
+              </a:defRPr>
+            </a:pPr>
+            <a:r>
+              <a:t>Definir categorías</a:t>
+            </a:r>
+          </a:p>
+        </p:txBody>
+      </p:sp>
+      <p:sp>
+        <p:nvSpPr>
+          <p:cNvPr id="13" name="TextBox 12"/>
+          <p:cNvSpPr txBox="1"/>
+          <p:nvPr/>
+        </p:nvSpPr>
+        <p:spPr>
+          <a:xfrm>
+            <a:off x="484632" y="2331720"/>
+            <a:ext cx="2304288" cy="411480"/>
+          </a:xfrm>
+          <a:prstGeom prst="rect">
+            <a:avLst/>
+          </a:prstGeom>
+          <a:noFill/>
+        </p:spPr>
+        <p:txBody>
+          <a:bodyPr wrap="square">
+            <a:spAutoFit/>
+          </a:bodyPr>
+          <a:lstStyle/>
+          <a:p>
+            <a:pPr algn="l">
+              <a:defRPr sz="1100">
+                <a:solidFill>
+                  <a:srgbClr val="1E293B"/>
+                </a:solidFill>
+                <a:latin typeface="Arial"/>
+              </a:defRPr>
+            </a:pPr>
+            <a:r>
+              <a:t>Decide qué clases tendrá tu modelo</a:t>
+            </a:r>
+          </a:p>
+        </p:txBody>
+      </p:sp>
+      <p:sp>
+        <p:nvSpPr>
+          <p:cNvPr id="14" name="Rectangle 13"/>
+          <p:cNvSpPr/>
+          <p:nvPr/>
+        </p:nvSpPr>
+        <p:spPr>
+          <a:xfrm>
+            <a:off x="3127248" y="1143000"/>
+            <a:ext cx="2670048" cy="1737360"/>
+          </a:xfrm>
+          <a:prstGeom prst="rect">
+            <a:avLst/>
+          </a:prstGeom>
+          <a:solidFill>
+            <a:srgbClr val="FFFFFF"/>
+          </a:solidFill>
+          <a:ln w="25400">
+            <a:solidFill>
+              <a:srgbClr val="F59E0B"/>
+            </a:solidFill>
+          </a:ln>
+        </p:spPr>
+        <p:style>
+          <a:lnRef idx="1">
+            <a:schemeClr val="accent1"/>
+          </a:lnRef>
+          <a:fillRef idx="3">
+            <a:schemeClr val="accent1"/>
+          </a:fillRef>
+          <a:effectRef idx="2">
+            <a:schemeClr val="accent1"/>
+          </a:effectRef>
+          <a:fontRef idx="minor">
+            <a:schemeClr val="lt1"/>
+          </a:fontRef>
+        </p:style>
+        <p:txBody>
+          <a:bodyPr rtlCol="0" anchor="ctr"/>
+          <a:lstStyle/>
+          <a:p>
+            <a:pPr algn="ctr"/>
+          </a:p>
+        </p:txBody>
+      </p:sp>
+      <p:sp>
+        <p:nvSpPr>
+          <p:cNvPr id="15" name="Oval 14"/>
+          <p:cNvSpPr/>
+          <p:nvPr/>
+        </p:nvSpPr>
+        <p:spPr>
+          <a:xfrm>
+            <a:off x="3310128" y="1325880"/>
+            <a:ext cx="457200" cy="457200"/>
+          </a:xfrm>
+          <a:prstGeom prst="ellipse">
             <a:avLst/>
           </a:prstGeom>
           <a:solidFill>
@@ -6396,14 +6207,14 @@
       </p:sp>
       <p:sp>
         <p:nvSpPr>
-          <p:cNvPr id="11" name="TextBox 10"/>
-          <p:cNvSpPr txBox="1"/>
-          <p:nvPr/>
-        </p:nvSpPr>
-        <p:spPr>
-          <a:xfrm>
-            <a:off x="649224" y="640080"/>
-            <a:ext cx="73152" cy="137160"/>
+          <p:cNvPr id="16" name="TextBox 15"/>
+          <p:cNvSpPr txBox="1"/>
+          <p:nvPr/>
+        </p:nvSpPr>
+        <p:spPr>
+          <a:xfrm>
+            <a:off x="3310128" y="1389888"/>
+            <a:ext cx="457200" cy="320040"/>
           </a:xfrm>
           <a:prstGeom prst="rect">
             <a:avLst/>
@@ -6416,8 +6227,80 @@
           </a:bodyPr>
           <a:lstStyle/>
           <a:p>
+            <a:pPr algn="ctr">
+              <a:defRPr sz="2200" b="1">
+                <a:solidFill>
+                  <a:srgbClr val="FFFFFF"/>
+                </a:solidFill>
+                <a:latin typeface="Arial"/>
+              </a:defRPr>
+            </a:pPr>
+            <a:r>
+              <a:t>2</a:t>
+            </a:r>
+          </a:p>
+        </p:txBody>
+      </p:sp>
+      <p:sp>
+        <p:nvSpPr>
+          <p:cNvPr id="17" name="TextBox 16"/>
+          <p:cNvSpPr txBox="1"/>
+          <p:nvPr/>
+        </p:nvSpPr>
+        <p:spPr>
+          <a:xfrm>
+            <a:off x="3310128" y="1920240"/>
+            <a:ext cx="2304288" cy="365760"/>
+          </a:xfrm>
+          <a:prstGeom prst="rect">
+            <a:avLst/>
+          </a:prstGeom>
+          <a:noFill/>
+        </p:spPr>
+        <p:txBody>
+          <a:bodyPr wrap="square">
+            <a:spAutoFit/>
+          </a:bodyPr>
+          <a:lstStyle/>
+          <a:p>
             <a:pPr algn="l">
-              <a:defRPr sz="1080">
+              <a:defRPr sz="1400" b="1">
+                <a:solidFill>
+                  <a:srgbClr val="F59E0B"/>
+                </a:solidFill>
+                <a:latin typeface="Arial"/>
+              </a:defRPr>
+            </a:pPr>
+            <a:r>
+              <a:t>Recopilar ejemplos</a:t>
+            </a:r>
+          </a:p>
+        </p:txBody>
+      </p:sp>
+      <p:sp>
+        <p:nvSpPr>
+          <p:cNvPr id="18" name="TextBox 17"/>
+          <p:cNvSpPr txBox="1"/>
+          <p:nvPr/>
+        </p:nvSpPr>
+        <p:spPr>
+          <a:xfrm>
+            <a:off x="3310128" y="2331720"/>
+            <a:ext cx="2304288" cy="411480"/>
+          </a:xfrm>
+          <a:prstGeom prst="rect">
+            <a:avLst/>
+          </a:prstGeom>
+          <a:noFill/>
+        </p:spPr>
+        <p:txBody>
+          <a:bodyPr wrap="square">
+            <a:spAutoFit/>
+          </a:bodyPr>
+          <a:lstStyle/>
+          <a:p>
+            <a:pPr algn="l">
+              <a:defRPr sz="1100">
                 <a:solidFill>
                   <a:srgbClr val="1E293B"/>
                 </a:solidFill>
@@ -6425,111 +6308,21 @@
               </a:defRPr>
             </a:pPr>
             <a:r>
-              <a:rPr sz="3600">
-                <a:solidFill>
-                  <a:srgbClr val="1E293B"/>
-                </a:solidFill>
-                <a:latin typeface="Arial"/>
-              </a:rPr>
-              <a:t>1</a:t>
-            </a:r>
-          </a:p>
-        </p:txBody>
-      </p:sp>
-      <p:sp>
-        <p:nvSpPr>
-          <p:cNvPr id="12" name="TextBox 11"/>
-          <p:cNvSpPr txBox="1"/>
-          <p:nvPr/>
-        </p:nvSpPr>
-        <p:spPr>
-          <a:xfrm>
-            <a:off x="548640" y="896112"/>
-            <a:ext cx="8028431" cy="164592"/>
-          </a:xfrm>
-          <a:prstGeom prst="rect">
-            <a:avLst/>
-          </a:prstGeom>
-          <a:noFill/>
-        </p:spPr>
-        <p:txBody>
-          <a:bodyPr wrap="none">
-            <a:spAutoFit/>
-          </a:bodyPr>
-          <a:lstStyle/>
-          <a:p>
-            <a:pPr algn="l">
-              <a:defRPr sz="1200" b="1">
-                <a:solidFill>
-                  <a:srgbClr val="1E293B"/>
-                </a:solidFill>
-                <a:latin typeface="Arial"/>
-              </a:defRPr>
-            </a:pPr>
-            <a:r>
-              <a:rPr sz="2700" b="1">
-                <a:solidFill>
-                  <a:srgbClr val="FFFFFF"/>
-                </a:solidFill>
-                <a:latin typeface="Arial"/>
-              </a:rPr>
-              <a:t>Definir categorías</a:t>
-            </a:r>
-          </a:p>
-        </p:txBody>
-      </p:sp>
-      <p:sp>
-        <p:nvSpPr>
-          <p:cNvPr id="13" name="TextBox 12"/>
-          <p:cNvSpPr txBox="1"/>
-          <p:nvPr/>
-        </p:nvSpPr>
-        <p:spPr>
-          <a:xfrm>
-            <a:off x="548640" y="1143000"/>
-            <a:ext cx="8028431" cy="137160"/>
-          </a:xfrm>
-          <a:prstGeom prst="rect">
-            <a:avLst/>
-          </a:prstGeom>
-          <a:noFill/>
-        </p:spPr>
-        <p:txBody>
-          <a:bodyPr wrap="none">
-            <a:spAutoFit/>
-          </a:bodyPr>
-          <a:lstStyle/>
-          <a:p>
-            <a:pPr algn="l">
-              <a:defRPr sz="1050">
-                <a:solidFill>
-                  <a:srgbClr val="1E293B"/>
-                </a:solidFill>
-                <a:latin typeface="Arial"/>
-              </a:defRPr>
-            </a:pPr>
-            <a:r>
-              <a:rPr sz="1350">
-                <a:solidFill>
-                  <a:srgbClr val="1E293B"/>
-                </a:solidFill>
-                <a:latin typeface="Arial"/>
-              </a:rPr>
-              <a:t>Decide qué clases tendrá tu modelo</a:t>
-            </a:r>
-          </a:p>
-        </p:txBody>
-      </p:sp>
-      <p:sp>
-        <p:nvSpPr>
-          <p:cNvPr id="14" name="Rectangle 13"/>
+              <a:t>Captura al menos 25-30 por categoría</a:t>
+            </a:r>
+          </a:p>
+        </p:txBody>
+      </p:sp>
+      <p:sp>
+        <p:nvSpPr>
+          <p:cNvPr id="19" name="Rectangle 18"/>
           <p:cNvSpPr/>
           <p:nvPr/>
         </p:nvSpPr>
         <p:spPr>
           <a:xfrm>
-            <a:off x="384048" y="1773936"/>
-            <a:ext cx="8211312" cy="576072"/>
+            <a:off x="5943600" y="1143000"/>
+            <a:ext cx="2670048" cy="1737360"/>
           </a:xfrm>
           <a:prstGeom prst="rect">
             <a:avLst/>
@@ -6537,8 +6330,10 @@
           <a:solidFill>
             <a:srgbClr val="FFFFFF"/>
           </a:solidFill>
-          <a:ln>
-            <a:noFill/>
+          <a:ln w="25400">
+            <a:solidFill>
+              <a:srgbClr val="06B6D4"/>
+            </a:solidFill>
           </a:ln>
         </p:spPr>
         <p:style>
@@ -6565,20 +6360,20 @@
       </p:sp>
       <p:sp>
         <p:nvSpPr>
-          <p:cNvPr id="15" name="Rectangle 14"/>
+          <p:cNvPr id="20" name="Oval 19"/>
           <p:cNvSpPr/>
           <p:nvPr/>
         </p:nvSpPr>
         <p:spPr>
           <a:xfrm>
-            <a:off x="539496" y="1517904"/>
-            <a:ext cx="283464" cy="210312"/>
-          </a:xfrm>
-          <a:prstGeom prst="rect">
+            <a:off x="6126480" y="1325880"/>
+            <a:ext cx="457200" cy="457200"/>
+          </a:xfrm>
+          <a:prstGeom prst="ellipse">
             <a:avLst/>
           </a:prstGeom>
           <a:solidFill>
-            <a:srgbClr val="F59E0B"/>
+            <a:srgbClr val="06B6D4"/>
           </a:solidFill>
           <a:ln>
             <a:noFill/>
@@ -6608,14 +6403,14 @@
       </p:sp>
       <p:sp>
         <p:nvSpPr>
-          <p:cNvPr id="16" name="TextBox 15"/>
-          <p:cNvSpPr txBox="1"/>
-          <p:nvPr/>
-        </p:nvSpPr>
-        <p:spPr>
-          <a:xfrm>
-            <a:off x="649224" y="1536192"/>
-            <a:ext cx="73152" cy="137160"/>
+          <p:cNvPr id="21" name="TextBox 20"/>
+          <p:cNvSpPr txBox="1"/>
+          <p:nvPr/>
+        </p:nvSpPr>
+        <p:spPr>
+          <a:xfrm>
+            <a:off x="6126480" y="1389888"/>
+            <a:ext cx="457200" cy="320040"/>
           </a:xfrm>
           <a:prstGeom prst="rect">
             <a:avLst/>
@@ -6628,8 +6423,80 @@
           </a:bodyPr>
           <a:lstStyle/>
           <a:p>
+            <a:pPr algn="ctr">
+              <a:defRPr sz="2200" b="1">
+                <a:solidFill>
+                  <a:srgbClr val="FFFFFF"/>
+                </a:solidFill>
+                <a:latin typeface="Arial"/>
+              </a:defRPr>
+            </a:pPr>
+            <a:r>
+              <a:t>3</a:t>
+            </a:r>
+          </a:p>
+        </p:txBody>
+      </p:sp>
+      <p:sp>
+        <p:nvSpPr>
+          <p:cNvPr id="22" name="TextBox 21"/>
+          <p:cNvSpPr txBox="1"/>
+          <p:nvPr/>
+        </p:nvSpPr>
+        <p:spPr>
+          <a:xfrm>
+            <a:off x="6126480" y="1920240"/>
+            <a:ext cx="2304288" cy="365760"/>
+          </a:xfrm>
+          <a:prstGeom prst="rect">
+            <a:avLst/>
+          </a:prstGeom>
+          <a:noFill/>
+        </p:spPr>
+        <p:txBody>
+          <a:bodyPr wrap="square">
+            <a:spAutoFit/>
+          </a:bodyPr>
+          <a:lstStyle/>
+          <a:p>
             <a:pPr algn="l">
-              <a:defRPr sz="1080">
+              <a:defRPr sz="1400" b="1">
+                <a:solidFill>
+                  <a:srgbClr val="06B6D4"/>
+                </a:solidFill>
+                <a:latin typeface="Arial"/>
+              </a:defRPr>
+            </a:pPr>
+            <a:r>
+              <a:t>Asegurar variedad</a:t>
+            </a:r>
+          </a:p>
+        </p:txBody>
+      </p:sp>
+      <p:sp>
+        <p:nvSpPr>
+          <p:cNvPr id="23" name="TextBox 22"/>
+          <p:cNvSpPr txBox="1"/>
+          <p:nvPr/>
+        </p:nvSpPr>
+        <p:spPr>
+          <a:xfrm>
+            <a:off x="6126480" y="2331720"/>
+            <a:ext cx="2304288" cy="411480"/>
+          </a:xfrm>
+          <a:prstGeom prst="rect">
+            <a:avLst/>
+          </a:prstGeom>
+          <a:noFill/>
+        </p:spPr>
+        <p:txBody>
+          <a:bodyPr wrap="square">
+            <a:spAutoFit/>
+          </a:bodyPr>
+          <a:lstStyle/>
+          <a:p>
+            <a:pPr algn="l">
+              <a:defRPr sz="1100">
                 <a:solidFill>
                   <a:srgbClr val="1E293B"/>
                 </a:solidFill>
@@ -6637,111 +6504,21 @@
               </a:defRPr>
             </a:pPr>
             <a:r>
-              <a:rPr sz="3600">
-                <a:solidFill>
-                  <a:srgbClr val="1E293B"/>
-                </a:solidFill>
-                <a:latin typeface="Arial"/>
-              </a:rPr>
-              <a:t>2</a:t>
-            </a:r>
-          </a:p>
-        </p:txBody>
-      </p:sp>
-      <p:sp>
-        <p:nvSpPr>
-          <p:cNvPr id="17" name="TextBox 16"/>
-          <p:cNvSpPr txBox="1"/>
-          <p:nvPr/>
-        </p:nvSpPr>
-        <p:spPr>
-          <a:xfrm>
-            <a:off x="548640" y="1792224"/>
-            <a:ext cx="8028431" cy="164592"/>
-          </a:xfrm>
-          <a:prstGeom prst="rect">
-            <a:avLst/>
-          </a:prstGeom>
-          <a:noFill/>
-        </p:spPr>
-        <p:txBody>
-          <a:bodyPr wrap="none">
-            <a:spAutoFit/>
-          </a:bodyPr>
-          <a:lstStyle/>
-          <a:p>
-            <a:pPr algn="l">
-              <a:defRPr sz="1200" b="1">
-                <a:solidFill>
-                  <a:srgbClr val="1E293B"/>
-                </a:solidFill>
-                <a:latin typeface="Arial"/>
-              </a:defRPr>
-            </a:pPr>
-            <a:r>
-              <a:rPr sz="1350">
-                <a:solidFill>
-                  <a:srgbClr val="1E293B"/>
-                </a:solidFill>
-                <a:latin typeface="Arial"/>
-              </a:rPr>
-              <a:t>Recopilar ejemplos</a:t>
-            </a:r>
-          </a:p>
-        </p:txBody>
-      </p:sp>
-      <p:sp>
-        <p:nvSpPr>
-          <p:cNvPr id="18" name="TextBox 17"/>
-          <p:cNvSpPr txBox="1"/>
-          <p:nvPr/>
-        </p:nvSpPr>
-        <p:spPr>
-          <a:xfrm>
-            <a:off x="548640" y="2039112"/>
-            <a:ext cx="8028431" cy="137160"/>
-          </a:xfrm>
-          <a:prstGeom prst="rect">
-            <a:avLst/>
-          </a:prstGeom>
-          <a:noFill/>
-        </p:spPr>
-        <p:txBody>
-          <a:bodyPr wrap="none">
-            <a:spAutoFit/>
-          </a:bodyPr>
-          <a:lstStyle/>
-          <a:p>
-            <a:pPr algn="l">
-              <a:defRPr sz="1050">
-                <a:solidFill>
-                  <a:srgbClr val="1E293B"/>
-                </a:solidFill>
-                <a:latin typeface="Arial"/>
-              </a:defRPr>
-            </a:pPr>
-            <a:r>
-              <a:rPr sz="1350">
-                <a:solidFill>
-                  <a:srgbClr val="1E293B"/>
-                </a:solidFill>
-                <a:latin typeface="Arial"/>
-              </a:rPr>
-              <a:t>Captura al menos 25-30 por categoría</a:t>
-            </a:r>
-          </a:p>
-        </p:txBody>
-      </p:sp>
-      <p:sp>
-        <p:nvSpPr>
-          <p:cNvPr id="19" name="Rectangle 18"/>
+              <a:t>Diferentes ángulos, iluminación, fondos</a:t>
+            </a:r>
+          </a:p>
+        </p:txBody>
+      </p:sp>
+      <p:sp>
+        <p:nvSpPr>
+          <p:cNvPr id="24" name="Rectangle 23"/>
           <p:cNvSpPr/>
           <p:nvPr/>
         </p:nvSpPr>
         <p:spPr>
           <a:xfrm>
-            <a:off x="384048" y="2670048"/>
-            <a:ext cx="8211312" cy="576072"/>
+            <a:off x="301752" y="3108960"/>
+            <a:ext cx="2670048" cy="1737360"/>
           </a:xfrm>
           <a:prstGeom prst="rect">
             <a:avLst/>
@@ -6749,8 +6526,10 @@
           <a:solidFill>
             <a:srgbClr val="FFFFFF"/>
           </a:solidFill>
-          <a:ln>
-            <a:noFill/>
+          <a:ln w="25400">
+            <a:solidFill>
+              <a:srgbClr val="A855F7"/>
+            </a:solidFill>
           </a:ln>
         </p:spPr>
         <p:style>
@@ -6777,20 +6556,20 @@
       </p:sp>
       <p:sp>
         <p:nvSpPr>
-          <p:cNvPr id="20" name="Rectangle 19"/>
+          <p:cNvPr id="25" name="Oval 24"/>
           <p:cNvSpPr/>
           <p:nvPr/>
         </p:nvSpPr>
         <p:spPr>
           <a:xfrm>
-            <a:off x="539496" y="2414015"/>
-            <a:ext cx="283464" cy="210312"/>
-          </a:xfrm>
-          <a:prstGeom prst="rect">
+            <a:off x="484632" y="3291840"/>
+            <a:ext cx="457200" cy="457200"/>
+          </a:xfrm>
+          <a:prstGeom prst="ellipse">
             <a:avLst/>
           </a:prstGeom>
           <a:solidFill>
-            <a:srgbClr val="F59E0B"/>
+            <a:srgbClr val="A855F7"/>
           </a:solidFill>
           <a:ln>
             <a:noFill/>
@@ -6820,14 +6599,14 @@
       </p:sp>
       <p:sp>
         <p:nvSpPr>
-          <p:cNvPr id="21" name="TextBox 20"/>
-          <p:cNvSpPr txBox="1"/>
-          <p:nvPr/>
-        </p:nvSpPr>
-        <p:spPr>
-          <a:xfrm>
-            <a:off x="649224" y="2432304"/>
-            <a:ext cx="73152" cy="137160"/>
+          <p:cNvPr id="26" name="TextBox 25"/>
+          <p:cNvSpPr txBox="1"/>
+          <p:nvPr/>
+        </p:nvSpPr>
+        <p:spPr>
+          <a:xfrm>
+            <a:off x="484632" y="3355848"/>
+            <a:ext cx="457200" cy="320040"/>
           </a:xfrm>
           <a:prstGeom prst="rect">
             <a:avLst/>
@@ -6840,8 +6619,80 @@
           </a:bodyPr>
           <a:lstStyle/>
           <a:p>
+            <a:pPr algn="ctr">
+              <a:defRPr sz="2200" b="1">
+                <a:solidFill>
+                  <a:srgbClr val="FFFFFF"/>
+                </a:solidFill>
+                <a:latin typeface="Arial"/>
+              </a:defRPr>
+            </a:pPr>
+            <a:r>
+              <a:t>4</a:t>
+            </a:r>
+          </a:p>
+        </p:txBody>
+      </p:sp>
+      <p:sp>
+        <p:nvSpPr>
+          <p:cNvPr id="27" name="TextBox 26"/>
+          <p:cNvSpPr txBox="1"/>
+          <p:nvPr/>
+        </p:nvSpPr>
+        <p:spPr>
+          <a:xfrm>
+            <a:off x="484632" y="3886200"/>
+            <a:ext cx="2304288" cy="365760"/>
+          </a:xfrm>
+          <a:prstGeom prst="rect">
+            <a:avLst/>
+          </a:prstGeom>
+          <a:noFill/>
+        </p:spPr>
+        <p:txBody>
+          <a:bodyPr wrap="square">
+            <a:spAutoFit/>
+          </a:bodyPr>
+          <a:lstStyle/>
+          <a:p>
             <a:pPr algn="l">
-              <a:defRPr sz="1080">
+              <a:defRPr sz="1400" b="1">
+                <a:solidFill>
+                  <a:srgbClr val="A855F7"/>
+                </a:solidFill>
+                <a:latin typeface="Arial"/>
+              </a:defRPr>
+            </a:pPr>
+            <a:r>
+              <a:t>Verificar calidad</a:t>
+            </a:r>
+          </a:p>
+        </p:txBody>
+      </p:sp>
+      <p:sp>
+        <p:nvSpPr>
+          <p:cNvPr id="28" name="TextBox 27"/>
+          <p:cNvSpPr txBox="1"/>
+          <p:nvPr/>
+        </p:nvSpPr>
+        <p:spPr>
+          <a:xfrm>
+            <a:off x="484632" y="4297680"/>
+            <a:ext cx="2304288" cy="411480"/>
+          </a:xfrm>
+          <a:prstGeom prst="rect">
+            <a:avLst/>
+          </a:prstGeom>
+          <a:noFill/>
+        </p:spPr>
+        <p:txBody>
+          <a:bodyPr wrap="square">
+            <a:spAutoFit/>
+          </a:bodyPr>
+          <a:lstStyle/>
+          <a:p>
+            <a:pPr algn="l">
+              <a:defRPr sz="1100">
                 <a:solidFill>
                   <a:srgbClr val="1E293B"/>
                 </a:solidFill>
@@ -6849,111 +6700,21 @@
               </a:defRPr>
             </a:pPr>
             <a:r>
-              <a:rPr sz="3600">
-                <a:solidFill>
-                  <a:srgbClr val="1E293B"/>
-                </a:solidFill>
-                <a:latin typeface="Arial"/>
-              </a:rPr>
-              <a:t>3</a:t>
-            </a:r>
-          </a:p>
-        </p:txBody>
-      </p:sp>
-      <p:sp>
-        <p:nvSpPr>
-          <p:cNvPr id="22" name="TextBox 21"/>
-          <p:cNvSpPr txBox="1"/>
-          <p:nvPr/>
-        </p:nvSpPr>
-        <p:spPr>
-          <a:xfrm>
-            <a:off x="548640" y="2688336"/>
-            <a:ext cx="8028431" cy="164592"/>
-          </a:xfrm>
-          <a:prstGeom prst="rect">
-            <a:avLst/>
-          </a:prstGeom>
-          <a:noFill/>
-        </p:spPr>
-        <p:txBody>
-          <a:bodyPr wrap="none">
-            <a:spAutoFit/>
-          </a:bodyPr>
-          <a:lstStyle/>
-          <a:p>
-            <a:pPr algn="l">
-              <a:defRPr sz="1200" b="1">
-                <a:solidFill>
-                  <a:srgbClr val="1E293B"/>
-                </a:solidFill>
-                <a:latin typeface="Arial"/>
-              </a:defRPr>
-            </a:pPr>
-            <a:r>
-              <a:rPr sz="1350">
-                <a:solidFill>
-                  <a:srgbClr val="1E293B"/>
-                </a:solidFill>
-                <a:latin typeface="Arial"/>
-              </a:rPr>
-              <a:t>Asegurar variedad</a:t>
-            </a:r>
-          </a:p>
-        </p:txBody>
-      </p:sp>
-      <p:sp>
-        <p:nvSpPr>
-          <p:cNvPr id="23" name="TextBox 22"/>
-          <p:cNvSpPr txBox="1"/>
-          <p:nvPr/>
-        </p:nvSpPr>
-        <p:spPr>
-          <a:xfrm>
-            <a:off x="548640" y="2935224"/>
-            <a:ext cx="8028431" cy="137160"/>
-          </a:xfrm>
-          <a:prstGeom prst="rect">
-            <a:avLst/>
-          </a:prstGeom>
-          <a:noFill/>
-        </p:spPr>
-        <p:txBody>
-          <a:bodyPr wrap="none">
-            <a:spAutoFit/>
-          </a:bodyPr>
-          <a:lstStyle/>
-          <a:p>
-            <a:pPr algn="l">
-              <a:defRPr sz="1050">
-                <a:solidFill>
-                  <a:srgbClr val="1E293B"/>
-                </a:solidFill>
-                <a:latin typeface="Arial"/>
-              </a:defRPr>
-            </a:pPr>
-            <a:r>
-              <a:rPr sz="1350">
-                <a:solidFill>
-                  <a:srgbClr val="1E293B"/>
-                </a:solidFill>
-                <a:latin typeface="Arial"/>
-              </a:rPr>
-              <a:t>Diferentes ángulos, iluminación, fondos</a:t>
-            </a:r>
-          </a:p>
-        </p:txBody>
-      </p:sp>
-      <p:sp>
-        <p:nvSpPr>
-          <p:cNvPr id="24" name="Rectangle 23"/>
+              <a:t>Elimina datos borrosos o incorrectos</a:t>
+            </a:r>
+          </a:p>
+        </p:txBody>
+      </p:sp>
+      <p:sp>
+        <p:nvSpPr>
+          <p:cNvPr id="29" name="Rectangle 28"/>
           <p:cNvSpPr/>
           <p:nvPr/>
         </p:nvSpPr>
         <p:spPr>
           <a:xfrm>
-            <a:off x="384048" y="3575304"/>
-            <a:ext cx="8211312" cy="576072"/>
+            <a:off x="3127248" y="3108960"/>
+            <a:ext cx="2670048" cy="1737360"/>
           </a:xfrm>
           <a:prstGeom prst="rect">
             <a:avLst/>
@@ -6961,8 +6722,10 @@
           <a:solidFill>
             <a:srgbClr val="FFFFFF"/>
           </a:solidFill>
-          <a:ln>
-            <a:noFill/>
+          <a:ln w="25400">
+            <a:solidFill>
+              <a:srgbClr val="22C55E"/>
+            </a:solidFill>
           </a:ln>
         </p:spPr>
         <p:style>
@@ -6989,20 +6752,20 @@
       </p:sp>
       <p:sp>
         <p:nvSpPr>
-          <p:cNvPr id="25" name="Rectangle 24"/>
+          <p:cNvPr id="30" name="Oval 29"/>
           <p:cNvSpPr/>
           <p:nvPr/>
         </p:nvSpPr>
         <p:spPr>
           <a:xfrm>
-            <a:off x="539496" y="3319272"/>
-            <a:ext cx="283464" cy="210312"/>
-          </a:xfrm>
-          <a:prstGeom prst="rect">
+            <a:off x="3310128" y="3291840"/>
+            <a:ext cx="457200" cy="457200"/>
+          </a:xfrm>
+          <a:prstGeom prst="ellipse">
             <a:avLst/>
           </a:prstGeom>
           <a:solidFill>
-            <a:srgbClr val="F59E0B"/>
+            <a:srgbClr val="22C55E"/>
           </a:solidFill>
           <a:ln>
             <a:noFill/>
@@ -7032,14 +6795,14 @@
       </p:sp>
       <p:sp>
         <p:nvSpPr>
-          <p:cNvPr id="26" name="TextBox 25"/>
-          <p:cNvSpPr txBox="1"/>
-          <p:nvPr/>
-        </p:nvSpPr>
-        <p:spPr>
-          <a:xfrm>
-            <a:off x="649224" y="3337560"/>
-            <a:ext cx="73152" cy="137160"/>
+          <p:cNvPr id="31" name="TextBox 30"/>
+          <p:cNvSpPr txBox="1"/>
+          <p:nvPr/>
+        </p:nvSpPr>
+        <p:spPr>
+          <a:xfrm>
+            <a:off x="3310128" y="3355848"/>
+            <a:ext cx="457200" cy="320040"/>
           </a:xfrm>
           <a:prstGeom prst="rect">
             <a:avLst/>
@@ -7052,8 +6815,80 @@
           </a:bodyPr>
           <a:lstStyle/>
           <a:p>
+            <a:pPr algn="ctr">
+              <a:defRPr sz="2200" b="1">
+                <a:solidFill>
+                  <a:srgbClr val="FFFFFF"/>
+                </a:solidFill>
+                <a:latin typeface="Arial"/>
+              </a:defRPr>
+            </a:pPr>
+            <a:r>
+              <a:t>5</a:t>
+            </a:r>
+          </a:p>
+        </p:txBody>
+      </p:sp>
+      <p:sp>
+        <p:nvSpPr>
+          <p:cNvPr id="32" name="TextBox 31"/>
+          <p:cNvSpPr txBox="1"/>
+          <p:nvPr/>
+        </p:nvSpPr>
+        <p:spPr>
+          <a:xfrm>
+            <a:off x="3310128" y="3886200"/>
+            <a:ext cx="2304288" cy="365760"/>
+          </a:xfrm>
+          <a:prstGeom prst="rect">
+            <a:avLst/>
+          </a:prstGeom>
+          <a:noFill/>
+        </p:spPr>
+        <p:txBody>
+          <a:bodyPr wrap="square">
+            <a:spAutoFit/>
+          </a:bodyPr>
+          <a:lstStyle/>
+          <a:p>
             <a:pPr algn="l">
-              <a:defRPr sz="1080">
+              <a:defRPr sz="1400" b="1">
+                <a:solidFill>
+                  <a:srgbClr val="22C55E"/>
+                </a:solidFill>
+                <a:latin typeface="Arial"/>
+              </a:defRPr>
+            </a:pPr>
+            <a:r>
+              <a:t>Organizar y etiquetar</a:t>
+            </a:r>
+          </a:p>
+        </p:txBody>
+      </p:sp>
+      <p:sp>
+        <p:nvSpPr>
+          <p:cNvPr id="33" name="TextBox 32"/>
+          <p:cNvSpPr txBox="1"/>
+          <p:nvPr/>
+        </p:nvSpPr>
+        <p:spPr>
+          <a:xfrm>
+            <a:off x="3310128" y="4297680"/>
+            <a:ext cx="2304288" cy="411480"/>
+          </a:xfrm>
+          <a:prstGeom prst="rect">
+            <a:avLst/>
+          </a:prstGeom>
+          <a:noFill/>
+        </p:spPr>
+        <p:txBody>
+          <a:bodyPr wrap="square">
+            <a:spAutoFit/>
+          </a:bodyPr>
+          <a:lstStyle/>
+          <a:p>
+            <a:pPr algn="l">
+              <a:defRPr sz="1100">
                 <a:solidFill>
                   <a:srgbClr val="1E293B"/>
                 </a:solidFill>
@@ -7061,308 +6896,6 @@
               </a:defRPr>
             </a:pPr>
             <a:r>
-              <a:rPr sz="3600">
-                <a:solidFill>
-                  <a:srgbClr val="1E293B"/>
-                </a:solidFill>
-                <a:latin typeface="Arial"/>
-              </a:rPr>
-              <a:t>4</a:t>
-            </a:r>
-          </a:p>
-        </p:txBody>
-      </p:sp>
-      <p:sp>
-        <p:nvSpPr>
-          <p:cNvPr id="27" name="TextBox 26"/>
-          <p:cNvSpPr txBox="1"/>
-          <p:nvPr/>
-        </p:nvSpPr>
-        <p:spPr>
-          <a:xfrm>
-            <a:off x="548640" y="3593592"/>
-            <a:ext cx="8028431" cy="164592"/>
-          </a:xfrm>
-          <a:prstGeom prst="rect">
-            <a:avLst/>
-          </a:prstGeom>
-          <a:noFill/>
-        </p:spPr>
-        <p:txBody>
-          <a:bodyPr wrap="none">
-            <a:spAutoFit/>
-          </a:bodyPr>
-          <a:lstStyle/>
-          <a:p>
-            <a:pPr algn="l">
-              <a:defRPr sz="1200" b="1">
-                <a:solidFill>
-                  <a:srgbClr val="1E293B"/>
-                </a:solidFill>
-                <a:latin typeface="Arial"/>
-              </a:defRPr>
-            </a:pPr>
-            <a:r>
-              <a:rPr sz="1350">
-                <a:solidFill>
-                  <a:srgbClr val="1E293B"/>
-                </a:solidFill>
-                <a:latin typeface="Arial"/>
-              </a:rPr>
-              <a:t>Verificar calidad</a:t>
-            </a:r>
-          </a:p>
-        </p:txBody>
-      </p:sp>
-      <p:sp>
-        <p:nvSpPr>
-          <p:cNvPr id="28" name="TextBox 27"/>
-          <p:cNvSpPr txBox="1"/>
-          <p:nvPr/>
-        </p:nvSpPr>
-        <p:spPr>
-          <a:xfrm>
-            <a:off x="548640" y="3840480"/>
-            <a:ext cx="8028431" cy="137160"/>
-          </a:xfrm>
-          <a:prstGeom prst="rect">
-            <a:avLst/>
-          </a:prstGeom>
-          <a:noFill/>
-        </p:spPr>
-        <p:txBody>
-          <a:bodyPr wrap="none">
-            <a:spAutoFit/>
-          </a:bodyPr>
-          <a:lstStyle/>
-          <a:p>
-            <a:pPr algn="l">
-              <a:defRPr sz="1050">
-                <a:solidFill>
-                  <a:srgbClr val="1E293B"/>
-                </a:solidFill>
-                <a:latin typeface="Arial"/>
-              </a:defRPr>
-            </a:pPr>
-            <a:r>
-              <a:rPr sz="1350">
-                <a:solidFill>
-                  <a:srgbClr val="1E293B"/>
-                </a:solidFill>
-                <a:latin typeface="Arial"/>
-              </a:rPr>
-              <a:t>Elimina datos borrosos o incorrectos</a:t>
-            </a:r>
-          </a:p>
-        </p:txBody>
-      </p:sp>
-      <p:sp>
-        <p:nvSpPr>
-          <p:cNvPr id="29" name="Rectangle 28"/>
-          <p:cNvSpPr/>
-          <p:nvPr/>
-        </p:nvSpPr>
-        <p:spPr>
-          <a:xfrm>
-            <a:off x="384048" y="4471416"/>
-            <a:ext cx="8211312" cy="576072"/>
-          </a:xfrm>
-          <a:prstGeom prst="rect">
-            <a:avLst/>
-          </a:prstGeom>
-          <a:solidFill>
-            <a:srgbClr val="FFFFFF"/>
-          </a:solidFill>
-          <a:ln>
-            <a:noFill/>
-          </a:ln>
-        </p:spPr>
-        <p:style>
-          <a:lnRef idx="1">
-            <a:schemeClr val="accent1"/>
-          </a:lnRef>
-          <a:fillRef idx="3">
-            <a:schemeClr val="accent1"/>
-          </a:fillRef>
-          <a:effectRef idx="2">
-            <a:schemeClr val="accent1"/>
-          </a:effectRef>
-          <a:fontRef idx="minor">
-            <a:schemeClr val="lt1"/>
-          </a:fontRef>
-        </p:style>
-        <p:txBody>
-          <a:bodyPr rtlCol="0" anchor="ctr"/>
-          <a:lstStyle/>
-          <a:p>
-            <a:pPr algn="ctr"/>
-          </a:p>
-        </p:txBody>
-      </p:sp>
-      <p:sp>
-        <p:nvSpPr>
-          <p:cNvPr id="30" name="Rectangle 29"/>
-          <p:cNvSpPr/>
-          <p:nvPr/>
-        </p:nvSpPr>
-        <p:spPr>
-          <a:xfrm>
-            <a:off x="539496" y="4215383"/>
-            <a:ext cx="283464" cy="210312"/>
-          </a:xfrm>
-          <a:prstGeom prst="rect">
-            <a:avLst/>
-          </a:prstGeom>
-          <a:solidFill>
-            <a:srgbClr val="F59E0B"/>
-          </a:solidFill>
-          <a:ln>
-            <a:noFill/>
-          </a:ln>
-        </p:spPr>
-        <p:style>
-          <a:lnRef idx="1">
-            <a:schemeClr val="accent1"/>
-          </a:lnRef>
-          <a:fillRef idx="3">
-            <a:schemeClr val="accent1"/>
-          </a:fillRef>
-          <a:effectRef idx="2">
-            <a:schemeClr val="accent1"/>
-          </a:effectRef>
-          <a:fontRef idx="minor">
-            <a:schemeClr val="lt1"/>
-          </a:fontRef>
-        </p:style>
-        <p:txBody>
-          <a:bodyPr rtlCol="0" anchor="ctr"/>
-          <a:lstStyle/>
-          <a:p>
-            <a:pPr algn="ctr"/>
-          </a:p>
-        </p:txBody>
-      </p:sp>
-      <p:sp>
-        <p:nvSpPr>
-          <p:cNvPr id="31" name="TextBox 30"/>
-          <p:cNvSpPr txBox="1"/>
-          <p:nvPr/>
-        </p:nvSpPr>
-        <p:spPr>
-          <a:xfrm>
-            <a:off x="649224" y="4233672"/>
-            <a:ext cx="73152" cy="137160"/>
-          </a:xfrm>
-          <a:prstGeom prst="rect">
-            <a:avLst/>
-          </a:prstGeom>
-          <a:noFill/>
-        </p:spPr>
-        <p:txBody>
-          <a:bodyPr wrap="none">
-            <a:spAutoFit/>
-          </a:bodyPr>
-          <a:lstStyle/>
-          <a:p>
-            <a:pPr algn="l">
-              <a:defRPr sz="1080">
-                <a:solidFill>
-                  <a:srgbClr val="1E293B"/>
-                </a:solidFill>
-                <a:latin typeface="Arial"/>
-              </a:defRPr>
-            </a:pPr>
-            <a:r>
-              <a:rPr sz="3600">
-                <a:solidFill>
-                  <a:srgbClr val="1E293B"/>
-                </a:solidFill>
-                <a:latin typeface="Arial"/>
-              </a:rPr>
-              <a:t>5</a:t>
-            </a:r>
-          </a:p>
-        </p:txBody>
-      </p:sp>
-      <p:sp>
-        <p:nvSpPr>
-          <p:cNvPr id="32" name="TextBox 31"/>
-          <p:cNvSpPr txBox="1"/>
-          <p:nvPr/>
-        </p:nvSpPr>
-        <p:spPr>
-          <a:xfrm>
-            <a:off x="548640" y="4489703"/>
-            <a:ext cx="8028431" cy="164592"/>
-          </a:xfrm>
-          <a:prstGeom prst="rect">
-            <a:avLst/>
-          </a:prstGeom>
-          <a:noFill/>
-        </p:spPr>
-        <p:txBody>
-          <a:bodyPr wrap="none">
-            <a:spAutoFit/>
-          </a:bodyPr>
-          <a:lstStyle/>
-          <a:p>
-            <a:pPr algn="l">
-              <a:defRPr sz="1200" b="1">
-                <a:solidFill>
-                  <a:srgbClr val="1E293B"/>
-                </a:solidFill>
-                <a:latin typeface="Arial"/>
-              </a:defRPr>
-            </a:pPr>
-            <a:r>
-              <a:rPr sz="1350">
-                <a:solidFill>
-                  <a:srgbClr val="1E293B"/>
-                </a:solidFill>
-                <a:latin typeface="Arial"/>
-              </a:rPr>
-              <a:t>Organizar y etiquetar</a:t>
-            </a:r>
-          </a:p>
-        </p:txBody>
-      </p:sp>
-      <p:sp>
-        <p:nvSpPr>
-          <p:cNvPr id="33" name="TextBox 32"/>
-          <p:cNvSpPr txBox="1"/>
-          <p:nvPr/>
-        </p:nvSpPr>
-        <p:spPr>
-          <a:xfrm>
-            <a:off x="548640" y="4736592"/>
-            <a:ext cx="8028431" cy="137160"/>
-          </a:xfrm>
-          <a:prstGeom prst="rect">
-            <a:avLst/>
-          </a:prstGeom>
-          <a:noFill/>
-        </p:spPr>
-        <p:txBody>
-          <a:bodyPr wrap="none">
-            <a:spAutoFit/>
-          </a:bodyPr>
-          <a:lstStyle/>
-          <a:p>
-            <a:pPr algn="l">
-              <a:defRPr sz="1050">
-                <a:solidFill>
-                  <a:srgbClr val="1E293B"/>
-                </a:solidFill>
-                <a:latin typeface="Arial"/>
-              </a:defRPr>
-            </a:pPr>
-            <a:r>
-              <a:rPr sz="1350">
-                <a:solidFill>
-                  <a:srgbClr val="1E293B"/>
-                </a:solidFill>
-                <a:latin typeface="Arial"/>
-              </a:rPr>
               <a:t>Clasifica los datos en grupos claros</a:t>
             </a:r>
           </a:p>
@@ -7491,14 +7024,7 @@
           </a:bodyPr>
           <a:lstStyle/>
           <a:p>
-            <a:pPr algn="l">
-              <a:defRPr sz="2700" b="1">
-                <a:solidFill>
-                  <a:srgbClr val="FFFFFF"/>
-                </a:solidFill>
-                <a:latin typeface="Arial"/>
-              </a:defRPr>
-            </a:pPr>
+            <a:pPr algn="l"/>
             <a:r>
               <a:rPr sz="2700" b="1">
                 <a:solidFill>
@@ -7556,7 +7082,7 @@
             <a:avLst/>
           </a:prstGeom>
           <a:solidFill>
-            <a:srgbClr val="FFFFFF"/>
+            <a:srgbClr val="FEF3C7"/>
           </a:solidFill>
           <a:ln>
             <a:noFill/>
@@ -7615,12 +7141,6 @@
               </a:defRPr>
             </a:pPr>
             <a:r>
-              <a:rPr sz="1350">
-                <a:solidFill>
-                  <a:srgbClr val="1E293B"/>
-                </a:solidFill>
-                <a:latin typeface="Arial"/>
-              </a:rPr>
               <a:t>Teachable Machine</a:t>
             </a:r>
           </a:p>
@@ -7657,12 +7177,6 @@
               </a:defRPr>
             </a:pPr>
             <a:r>
-              <a:rPr sz="1800">
-                <a:solidFill>
-                  <a:srgbClr val="FFFFFF"/>
-                </a:solidFill>
-                <a:latin typeface="Arial"/>
-              </a:rPr>
               <a:t>Entrena modelos de IA sin código. Reconoce imágenes, sonidos y poses.</a:t>
             </a:r>
           </a:p>
@@ -7699,12 +7213,6 @@
               </a:defRPr>
             </a:pPr>
             <a:r>
-              <a:rPr sz="1350">
-                <a:solidFill>
-                  <a:srgbClr val="1E293B"/>
-                </a:solidFill>
-                <a:latin typeface="Arial"/>
-              </a:rPr>
               <a:t>teachablemachine.withgoogle.com</a:t>
             </a:r>
           </a:p>
@@ -7725,7 +7233,7 @@
             <a:avLst/>
           </a:prstGeom>
           <a:solidFill>
-            <a:srgbClr val="FFFFFF"/>
+            <a:srgbClr val="EDE9FE"/>
           </a:solidFill>
           <a:ln>
             <a:noFill/>
@@ -7784,12 +7292,6 @@
               </a:defRPr>
             </a:pPr>
             <a:r>
-              <a:rPr sz="1350">
-                <a:solidFill>
-                  <a:srgbClr val="1E293B"/>
-                </a:solidFill>
-                <a:latin typeface="Arial"/>
-              </a:rPr>
               <a:t>Scratch + ML</a:t>
             </a:r>
           </a:p>
@@ -7826,12 +7328,6 @@
               </a:defRPr>
             </a:pPr>
             <a:r>
-              <a:rPr sz="1800">
-                <a:solidFill>
-                  <a:srgbClr val="FFFFFF"/>
-                </a:solidFill>
-                <a:latin typeface="Arial"/>
-              </a:rPr>
               <a:t>Programa con bloques y añade extensiones de machine learning.</a:t>
             </a:r>
           </a:p>
@@ -7868,12 +7364,6 @@
               </a:defRPr>
             </a:pPr>
             <a:r>
-              <a:rPr sz="1350">
-                <a:solidFill>
-                  <a:srgbClr val="1E293B"/>
-                </a:solidFill>
-                <a:latin typeface="Arial"/>
-              </a:rPr>
               <a:t>scratch.mit.edu</a:t>
             </a:r>
           </a:p>
@@ -7894,7 +7384,7 @@
             <a:avLst/>
           </a:prstGeom>
           <a:solidFill>
-            <a:srgbClr val="FFFFFF"/>
+            <a:srgbClr val="DBEAFE"/>
           </a:solidFill>
           <a:ln>
             <a:noFill/>
@@ -7953,12 +7443,6 @@
               </a:defRPr>
             </a:pPr>
             <a:r>
-              <a:rPr sz="1350">
-                <a:solidFill>
-                  <a:srgbClr val="1E293B"/>
-                </a:solidFill>
-                <a:latin typeface="Arial"/>
-              </a:rPr>
               <a:t>Cámara y Micrófono</a:t>
             </a:r>
           </a:p>
@@ -7995,12 +7479,6 @@
               </a:defRPr>
             </a:pPr>
             <a:r>
-              <a:rPr sz="1350">
-                <a:solidFill>
-                  <a:srgbClr val="1E293B"/>
-                </a:solidFill>
-                <a:latin typeface="Arial"/>
-              </a:rPr>
               <a:t>Usa tu celular o computadora para capturar imágenes, videos y audio.</a:t>
             </a:r>
           </a:p>
@@ -8037,12 +7515,6 @@
               </a:defRPr>
             </a:pPr>
             <a:r>
-              <a:rPr sz="1350">
-                <a:solidFill>
-                  <a:srgbClr val="1E293B"/>
-                </a:solidFill>
-                <a:latin typeface="Arial"/>
-              </a:rPr>
               <a:t>Dispositivos personales</a:t>
             </a:r>
           </a:p>
@@ -8063,7 +7535,7 @@
             <a:avLst/>
           </a:prstGeom>
           <a:solidFill>
-            <a:srgbClr val="FFFFFF"/>
+            <a:srgbClr val="DCFCE7"/>
           </a:solidFill>
           <a:ln>
             <a:noFill/>
@@ -8122,12 +7594,6 @@
               </a:defRPr>
             </a:pPr>
             <a:r>
-              <a:rPr sz="1350">
-                <a:solidFill>
-                  <a:srgbClr val="1E293B"/>
-                </a:solidFill>
-                <a:latin typeface="Arial"/>
-              </a:rPr>
               <a:t>Colaboración</a:t>
             </a:r>
           </a:p>
@@ -8164,12 +7630,6 @@
               </a:defRPr>
             </a:pPr>
             <a:r>
-              <a:rPr sz="1350">
-                <a:solidFill>
-                  <a:srgbClr val="1E293B"/>
-                </a:solidFill>
-                <a:latin typeface="Arial"/>
-              </a:rPr>
               <a:t>Trabaja con compañeros para obtener más ejemplos y variedad.</a:t>
             </a:r>
           </a:p>
@@ -8206,12 +7666,6 @@
               </a:defRPr>
             </a:pPr>
             <a:r>
-              <a:rPr sz="1350">
-                <a:solidFill>
-                  <a:srgbClr val="1E293B"/>
-                </a:solidFill>
-                <a:latin typeface="Arial"/>
-              </a:rPr>
               <a:t>Trabajo en equipo</a:t>
             </a:r>
           </a:p>
@@ -8340,14 +7794,7 @@
           </a:bodyPr>
           <a:lstStyle/>
           <a:p>
-            <a:pPr algn="l">
-              <a:defRPr sz="2700" b="1">
-                <a:solidFill>
-                  <a:srgbClr val="FFFFFF"/>
-                </a:solidFill>
-                <a:latin typeface="Arial"/>
-              </a:defRPr>
-            </a:pPr>
+            <a:pPr algn="l"/>
             <a:r>
               <a:rPr sz="2700" b="1">
                 <a:solidFill>
@@ -8405,7 +7852,7 @@
             <a:avLst/>
           </a:prstGeom>
           <a:solidFill>
-            <a:srgbClr val="F1F5F9"/>
+            <a:srgbClr val="CFFAFE"/>
           </a:solidFill>
           <a:ln>
             <a:noFill/>
@@ -8498,18 +7945,12 @@
             <a:pPr algn="l">
               <a:defRPr sz="1800" b="1">
                 <a:solidFill>
-                  <a:srgbClr val="1E293B"/>
+                  <a:srgbClr val="06B6D4"/>
                 </a:solidFill>
                 <a:latin typeface="Arial"/>
               </a:defRPr>
             </a:pPr>
             <a:r>
-              <a:rPr sz="1350">
-                <a:solidFill>
-                  <a:srgbClr val="1E293B"/>
-                </a:solidFill>
-                <a:latin typeface="Arial"/>
-              </a:rPr>
               <a:t>⏱️ Tiempo: 20 minutos</a:t>
             </a:r>
           </a:p>
@@ -8540,18 +7981,12 @@
             <a:pPr algn="l">
               <a:defRPr sz="1500" b="1">
                 <a:solidFill>
-                  <a:srgbClr val="1E293B"/>
+                  <a:srgbClr val="A855F7"/>
                 </a:solidFill>
                 <a:latin typeface="Arial"/>
               </a:defRPr>
             </a:pPr>
             <a:r>
-              <a:rPr sz="1800" b="1">
-                <a:solidFill>
-                  <a:srgbClr val="6366F1"/>
-                </a:solidFill>
-                <a:latin typeface="Arial"/>
-              </a:rPr>
               <a:t>📝 Instrucciones</a:t>
             </a:r>
           </a:p>
@@ -8588,12 +8023,6 @@
               </a:defRPr>
             </a:pPr>
             <a:r>
-              <a:rPr sz="1800">
-                <a:solidFill>
-                  <a:srgbClr val="FFFFFF"/>
-                </a:solidFill>
-                <a:latin typeface="Arial"/>
-              </a:rPr>
               <a:t>Define tu proyecto de IA</a:t>
             </a:r>
           </a:p>
@@ -8607,12 +8036,6 @@
               </a:defRPr>
             </a:pPr>
             <a:r>
-              <a:rPr sz="1800">
-                <a:solidFill>
-                  <a:srgbClr val="FFFFFF"/>
-                </a:solidFill>
-                <a:latin typeface="Arial"/>
-              </a:rPr>
               <a:t>Identifica qué datos necesitas</a:t>
             </a:r>
           </a:p>
@@ -8626,12 +8049,6 @@
               </a:defRPr>
             </a:pPr>
             <a:r>
-              <a:rPr sz="1800">
-                <a:solidFill>
-                  <a:srgbClr val="FFFFFF"/>
-                </a:solidFill>
-                <a:latin typeface="Arial"/>
-              </a:rPr>
               <a:t>Determina cuántas categorías tendrás</a:t>
             </a:r>
           </a:p>
@@ -8645,12 +8062,6 @@
               </a:defRPr>
             </a:pPr>
             <a:r>
-              <a:rPr sz="1800">
-                <a:solidFill>
-                  <a:srgbClr val="FFFFFF"/>
-                </a:solidFill>
-                <a:latin typeface="Arial"/>
-              </a:rPr>
               <a:t>Comienza a recopilar ejemplos</a:t>
             </a:r>
           </a:p>
@@ -8681,18 +8092,12 @@
             <a:pPr algn="l">
               <a:defRPr sz="1500" b="1">
                 <a:solidFill>
-                  <a:srgbClr val="1E293B"/>
+                  <a:srgbClr val="F59E0B"/>
                 </a:solidFill>
                 <a:latin typeface="Arial"/>
               </a:defRPr>
             </a:pPr>
             <a:r>
-              <a:rPr sz="1800" b="1">
-                <a:solidFill>
-                  <a:srgbClr val="6366F1"/>
-                </a:solidFill>
-                <a:latin typeface="Arial"/>
-              </a:rPr>
               <a:t>💬 Presentación</a:t>
             </a:r>
           </a:p>
@@ -8729,12 +8134,6 @@
               </a:defRPr>
             </a:pPr>
             <a:r>
-              <a:rPr sz="1350">
-                <a:solidFill>
-                  <a:srgbClr val="1E293B"/>
-                </a:solidFill>
-                <a:latin typeface="Arial"/>
-              </a:rPr>
               <a:t>Comparte qué datos vas a recopilar y por qué.</a:t>
             </a:r>
           </a:p>
@@ -8765,18 +8164,12 @@
             <a:pPr algn="l">
               <a:defRPr sz="1500" b="1">
                 <a:solidFill>
-                  <a:srgbClr val="1E293B"/>
+                  <a:srgbClr val="EC4899"/>
                 </a:solidFill>
                 <a:latin typeface="Arial"/>
               </a:defRPr>
             </a:pPr>
             <a:r>
-              <a:rPr sz="1350">
-                <a:solidFill>
-                  <a:srgbClr val="1E293B"/>
-                </a:solidFill>
-                <a:latin typeface="Arial"/>
-              </a:rPr>
               <a:t>📋 Ficha de Recopilación</a:t>
             </a:r>
           </a:p>
@@ -8797,7 +8190,7 @@
             <a:avLst/>
           </a:prstGeom>
           <a:solidFill>
-            <a:srgbClr val="FFFFFF"/>
+            <a:srgbClr val="FEF3C7"/>
           </a:solidFill>
           <a:ln>
             <a:noFill/>
@@ -8856,12 +8249,6 @@
               </a:defRPr>
             </a:pPr>
             <a:r>
-              <a:rPr sz="1350">
-                <a:solidFill>
-                  <a:srgbClr val="1E293B"/>
-                </a:solidFill>
-                <a:latin typeface="Arial"/>
-              </a:rPr>
               <a:t>Proyecto: _______________</a:t>
             </a:r>
           </a:p>
@@ -8898,12 +8285,6 @@
               </a:defRPr>
             </a:pPr>
             <a:r>
-              <a:rPr sz="1350">
-                <a:solidFill>
-                  <a:srgbClr val="1E293B"/>
-                </a:solidFill>
-                <a:latin typeface="Arial"/>
-              </a:rPr>
               <a:t>Tipo de datos: _______________</a:t>
             </a:r>
           </a:p>
@@ -8940,12 +8321,6 @@
               </a:defRPr>
             </a:pPr>
             <a:r>
-              <a:rPr sz="1350">
-                <a:solidFill>
-                  <a:srgbClr val="1E293B"/>
-                </a:solidFill>
-                <a:latin typeface="Arial"/>
-              </a:rPr>
               <a:t>Categorías: _______________</a:t>
             </a:r>
           </a:p>
@@ -8982,12 +8357,6 @@
               </a:defRPr>
             </a:pPr>
             <a:r>
-              <a:rPr sz="1350">
-                <a:solidFill>
-                  <a:srgbClr val="1E293B"/>
-                </a:solidFill>
-                <a:latin typeface="Arial"/>
-              </a:rPr>
               <a:t>Cantidad por categoría: _______________</a:t>
             </a:r>
           </a:p>
@@ -9024,12 +8393,6 @@
               </a:defRPr>
             </a:pPr>
             <a:r>
-              <a:rPr sz="1350">
-                <a:solidFill>
-                  <a:srgbClr val="1E293B"/>
-                </a:solidFill>
-                <a:latin typeface="Arial"/>
-              </a:rPr>
               <a:t>Herramienta: _______________</a:t>
             </a:r>
           </a:p>
@@ -9066,12 +8429,6 @@
               </a:defRPr>
             </a:pPr>
             <a:r>
-              <a:rPr sz="1350">
-                <a:solidFill>
-                  <a:srgbClr val="1E293B"/>
-                </a:solidFill>
-                <a:latin typeface="Arial"/>
-              </a:rPr>
               <a:t>Fecha límite: _______________</a:t>
             </a:r>
           </a:p>

--- a/Sesión 6.pptx
+++ b/Sesión 6.pptx
@@ -19,6 +19,7 @@
     <p:sldId id="264" r:id="rId7"/>
     <p:sldId id="265" r:id="rId6"/>
     <p:sldId id="266" r:id="rId5"/>
+    <p:sldId id="267" r:id="rId4"/>
   </p:sldIdLst>
   <p:sldSz cx="9144000" cy="5143500" type="screen16x9"/>
   <p:notesSz cx="5143500" cy="9144000"/>
@@ -1593,7 +1594,7 @@
                 </a:solidFill>
                 <a:latin typeface="Arial"/>
               </a:rPr>
-              <a:t>⚠️ Consejos y Errores Comunes</a:t>
+              <a:t>👥 Actividad Práctica en Clase</a:t>
             </a:r>
           </a:p>
         </p:txBody>
@@ -1636,14 +1637,14 @@
         </p:nvSpPr>
         <p:spPr>
           <a:xfrm>
-            <a:off x="228600" y="1435608"/>
-            <a:ext cx="4114800" cy="978408"/>
+            <a:off x="301752" y="1307592"/>
+            <a:ext cx="4041648" cy="758952"/>
           </a:xfrm>
           <a:prstGeom prst="rect">
             <a:avLst/>
           </a:prstGeom>
           <a:solidFill>
-            <a:srgbClr val="FEE2E2"/>
+            <a:srgbClr val="CFFAFE"/>
           </a:solidFill>
           <a:ln>
             <a:noFill/>
@@ -1679,8 +1680,8 @@
         </p:nvSpPr>
         <p:spPr>
           <a:xfrm>
-            <a:off x="256032" y="1435608"/>
-            <a:ext cx="0" cy="978408"/>
+            <a:off x="329184" y="1307592"/>
+            <a:ext cx="0" cy="758952"/>
           </a:xfrm>
           <a:prstGeom prst="rect">
             <a:avLst/>
@@ -1719,8 +1720,8 @@
         </p:nvSpPr>
         <p:spPr>
           <a:xfrm>
-            <a:off x="466344" y="1618488"/>
-            <a:ext cx="3767328" cy="265176"/>
+            <a:off x="594360" y="1536192"/>
+            <a:ext cx="2551176" cy="301752"/>
           </a:xfrm>
           <a:prstGeom prst="rect">
             <a:avLst/>
@@ -1734,15 +1735,15 @@
           <a:lstStyle/>
           <a:p>
             <a:pPr algn="l">
-              <a:defRPr sz="1350" b="1">
-                <a:solidFill>
-                  <a:srgbClr val="1E293B"/>
+              <a:defRPr sz="1800" b="1">
+                <a:solidFill>
+                  <a:srgbClr val="06B6D4"/>
                 </a:solidFill>
                 <a:latin typeface="Arial"/>
               </a:defRPr>
             </a:pPr>
             <a:r>
-              <a:t>❌ Pocos datos</a:t>
+              <a:t>⏱️ Tiempo: 20 minutos</a:t>
             </a:r>
           </a:p>
         </p:txBody>
@@ -1755,8 +1756,155 @@
         </p:nvSpPr>
         <p:spPr>
           <a:xfrm>
-            <a:off x="466344" y="1993392"/>
-            <a:ext cx="3767328" cy="228600"/>
+            <a:off x="301752" y="2194560"/>
+            <a:ext cx="4114800" cy="265176"/>
+          </a:xfrm>
+          <a:prstGeom prst="rect">
+            <a:avLst/>
+          </a:prstGeom>
+          <a:noFill/>
+        </p:spPr>
+        <p:txBody>
+          <a:bodyPr wrap="none">
+            <a:spAutoFit/>
+          </a:bodyPr>
+          <a:lstStyle/>
+          <a:p>
+            <a:pPr algn="l">
+              <a:defRPr sz="1500" b="1">
+                <a:solidFill>
+                  <a:srgbClr val="A855F7"/>
+                </a:solidFill>
+                <a:latin typeface="Arial"/>
+              </a:defRPr>
+            </a:pPr>
+            <a:r>
+              <a:t>📝 Instrucciones</a:t>
+            </a:r>
+          </a:p>
+        </p:txBody>
+      </p:sp>
+      <p:sp>
+        <p:nvSpPr>
+          <p:cNvPr id="13" name="TextBox 12"/>
+          <p:cNvSpPr txBox="1"/>
+          <p:nvPr/>
+        </p:nvSpPr>
+        <p:spPr>
+          <a:xfrm>
+            <a:off x="301752" y="2569464"/>
+            <a:ext cx="4041648" cy="1179576"/>
+          </a:xfrm>
+          <a:prstGeom prst="rect">
+            <a:avLst/>
+          </a:prstGeom>
+          <a:noFill/>
+        </p:spPr>
+        <p:txBody>
+          <a:bodyPr wrap="square">
+            <a:spAutoFit/>
+          </a:bodyPr>
+          <a:lstStyle/>
+          <a:p>
+            <a:pPr algn="l">
+              <a:defRPr sz="1350">
+                <a:solidFill>
+                  <a:srgbClr val="1E293B"/>
+                </a:solidFill>
+                <a:latin typeface="Arial"/>
+              </a:defRPr>
+            </a:pPr>
+            <a:r>
+              <a:t>Define tu proyecto de IA</a:t>
+            </a:r>
+          </a:p>
+          <a:p>
+            <a:pPr algn="l">
+              <a:defRPr sz="1350">
+                <a:solidFill>
+                  <a:srgbClr val="1E293B"/>
+                </a:solidFill>
+                <a:latin typeface="Arial"/>
+              </a:defRPr>
+            </a:pPr>
+            <a:r>
+              <a:t>Identifica qué datos necesitas</a:t>
+            </a:r>
+          </a:p>
+          <a:p>
+            <a:pPr algn="l">
+              <a:defRPr sz="1350">
+                <a:solidFill>
+                  <a:srgbClr val="1E293B"/>
+                </a:solidFill>
+                <a:latin typeface="Arial"/>
+              </a:defRPr>
+            </a:pPr>
+            <a:r>
+              <a:t>Determina cuántas categorías tendrás</a:t>
+            </a:r>
+          </a:p>
+          <a:p>
+            <a:pPr algn="l">
+              <a:defRPr sz="1350">
+                <a:solidFill>
+                  <a:srgbClr val="1E293B"/>
+                </a:solidFill>
+                <a:latin typeface="Arial"/>
+              </a:defRPr>
+            </a:pPr>
+            <a:r>
+              <a:t>Comienza a recopilar ejemplos</a:t>
+            </a:r>
+          </a:p>
+        </p:txBody>
+      </p:sp>
+      <p:sp>
+        <p:nvSpPr>
+          <p:cNvPr id="14" name="TextBox 13"/>
+          <p:cNvSpPr txBox="1"/>
+          <p:nvPr/>
+        </p:nvSpPr>
+        <p:spPr>
+          <a:xfrm>
+            <a:off x="301752" y="3877056"/>
+            <a:ext cx="4114800" cy="265176"/>
+          </a:xfrm>
+          <a:prstGeom prst="rect">
+            <a:avLst/>
+          </a:prstGeom>
+          <a:noFill/>
+        </p:spPr>
+        <p:txBody>
+          <a:bodyPr wrap="none">
+            <a:spAutoFit/>
+          </a:bodyPr>
+          <a:lstStyle/>
+          <a:p>
+            <a:pPr algn="l">
+              <a:defRPr sz="1500" b="1">
+                <a:solidFill>
+                  <a:srgbClr val="F59E0B"/>
+                </a:solidFill>
+                <a:latin typeface="Arial"/>
+              </a:defRPr>
+            </a:pPr>
+            <a:r>
+              <a:t>💬 Presentación</a:t>
+            </a:r>
+          </a:p>
+        </p:txBody>
+      </p:sp>
+      <p:sp>
+        <p:nvSpPr>
+          <p:cNvPr id="15" name="TextBox 14"/>
+          <p:cNvSpPr txBox="1"/>
+          <p:nvPr/>
+        </p:nvSpPr>
+        <p:spPr>
+          <a:xfrm>
+            <a:off x="301752" y="4297680"/>
+            <a:ext cx="4114800" cy="228600"/>
           </a:xfrm>
           <a:prstGeom prst="rect">
             <a:avLst/>
@@ -1778,27 +1926,63 @@
               </a:defRPr>
             </a:pPr>
             <a:r>
-              <a:t>Sin suficientes ejemplos, la IA no aprende bien</a:t>
-            </a:r>
-          </a:p>
-        </p:txBody>
-      </p:sp>
-      <p:sp>
-        <p:nvSpPr>
-          <p:cNvPr id="13" name="Rectangle 12"/>
+              <a:t>Comparte qué datos vas a recopilar y por qué.</a:t>
+            </a:r>
+          </a:p>
+        </p:txBody>
+      </p:sp>
+      <p:sp>
+        <p:nvSpPr>
+          <p:cNvPr id="16" name="TextBox 15"/>
+          <p:cNvSpPr txBox="1"/>
+          <p:nvPr/>
+        </p:nvSpPr>
+        <p:spPr>
+          <a:xfrm>
+            <a:off x="4800600" y="1682496"/>
+            <a:ext cx="4114800" cy="265176"/>
+          </a:xfrm>
+          <a:prstGeom prst="rect">
+            <a:avLst/>
+          </a:prstGeom>
+          <a:noFill/>
+        </p:spPr>
+        <p:txBody>
+          <a:bodyPr wrap="none">
+            <a:spAutoFit/>
+          </a:bodyPr>
+          <a:lstStyle/>
+          <a:p>
+            <a:pPr algn="l">
+              <a:defRPr sz="1500" b="1">
+                <a:solidFill>
+                  <a:srgbClr val="EC4899"/>
+                </a:solidFill>
+                <a:latin typeface="Arial"/>
+              </a:defRPr>
+            </a:pPr>
+            <a:r>
+              <a:t>📋 Ficha de Recopilación</a:t>
+            </a:r>
+          </a:p>
+        </p:txBody>
+      </p:sp>
+      <p:sp>
+        <p:nvSpPr>
+          <p:cNvPr id="17" name="Rectangle 16"/>
           <p:cNvSpPr/>
           <p:nvPr/>
         </p:nvSpPr>
         <p:spPr>
           <a:xfrm>
-            <a:off x="4800600" y="1435608"/>
-            <a:ext cx="4114800" cy="978408"/>
+            <a:off x="4800600" y="2066543"/>
+            <a:ext cx="4041648" cy="2121408"/>
           </a:xfrm>
           <a:prstGeom prst="rect">
             <a:avLst/>
           </a:prstGeom>
           <a:solidFill>
-            <a:srgbClr val="D1FAE5"/>
+            <a:srgbClr val="FEF3C7"/>
           </a:solidFill>
           <a:ln>
             <a:noFill/>
@@ -1828,54 +2012,14 @@
       </p:sp>
       <p:sp>
         <p:nvSpPr>
-          <p:cNvPr id="14" name="Rectangle 13"/>
-          <p:cNvSpPr/>
-          <p:nvPr/>
-        </p:nvSpPr>
-        <p:spPr>
-          <a:xfrm>
-            <a:off x="4828032" y="1435608"/>
-            <a:ext cx="0" cy="978408"/>
-          </a:xfrm>
-          <a:prstGeom prst="rect">
-            <a:avLst/>
-          </a:prstGeom>
-          <a:ln>
-            <a:noFill/>
-          </a:ln>
-        </p:spPr>
-        <p:style>
-          <a:lnRef idx="1">
-            <a:schemeClr val="accent1"/>
-          </a:lnRef>
-          <a:fillRef idx="3">
-            <a:schemeClr val="accent1"/>
-          </a:fillRef>
-          <a:effectRef idx="2">
-            <a:schemeClr val="accent1"/>
-          </a:effectRef>
-          <a:fontRef idx="minor">
-            <a:schemeClr val="lt1"/>
-          </a:fontRef>
-        </p:style>
-        <p:txBody>
-          <a:bodyPr rtlCol="0" anchor="ctr"/>
-          <a:lstStyle/>
-          <a:p>
-            <a:pPr algn="ctr"/>
-          </a:p>
-        </p:txBody>
-      </p:sp>
-      <p:sp>
-        <p:nvSpPr>
-          <p:cNvPr id="15" name="TextBox 14"/>
-          <p:cNvSpPr txBox="1"/>
-          <p:nvPr/>
-        </p:nvSpPr>
-        <p:spPr>
-          <a:xfrm>
-            <a:off x="5038344" y="1618488"/>
-            <a:ext cx="3767328" cy="265176"/>
+          <p:cNvPr id="18" name="TextBox 17"/>
+          <p:cNvSpPr txBox="1"/>
+          <p:nvPr/>
+        </p:nvSpPr>
+        <p:spPr>
+          <a:xfrm>
+            <a:off x="5001768" y="2267712"/>
+            <a:ext cx="3703320" cy="192024"/>
           </a:xfrm>
           <a:prstGeom prst="rect">
             <a:avLst/>
@@ -1889,7 +2033,7 @@
           <a:lstStyle/>
           <a:p>
             <a:pPr algn="l">
-              <a:defRPr sz="1350" b="1">
+              <a:defRPr sz="1050" b="1">
                 <a:solidFill>
                   <a:srgbClr val="1E293B"/>
                 </a:solidFill>
@@ -1897,21 +2041,21 @@
               </a:defRPr>
             </a:pPr>
             <a:r>
-              <a:t>✅ Datos abundantes</a:t>
-            </a:r>
-          </a:p>
-        </p:txBody>
-      </p:sp>
-      <p:sp>
-        <p:nvSpPr>
-          <p:cNvPr id="16" name="TextBox 15"/>
-          <p:cNvSpPr txBox="1"/>
-          <p:nvPr/>
-        </p:nvSpPr>
-        <p:spPr>
-          <a:xfrm>
-            <a:off x="5038344" y="1993392"/>
-            <a:ext cx="3767328" cy="228600"/>
+              <a:t>Proyecto: _______________</a:t>
+            </a:r>
+          </a:p>
+        </p:txBody>
+      </p:sp>
+      <p:sp>
+        <p:nvSpPr>
+          <p:cNvPr id="19" name="TextBox 18"/>
+          <p:cNvSpPr txBox="1"/>
+          <p:nvPr/>
+        </p:nvSpPr>
+        <p:spPr>
+          <a:xfrm>
+            <a:off x="5001768" y="2569464"/>
+            <a:ext cx="3703320" cy="192024"/>
           </a:xfrm>
           <a:prstGeom prst="rect">
             <a:avLst/>
@@ -1925,7 +2069,7 @@
           <a:lstStyle/>
           <a:p>
             <a:pPr algn="l">
-              <a:defRPr sz="1200">
+              <a:defRPr sz="1050" b="1">
                 <a:solidFill>
                   <a:srgbClr val="1E293B"/>
                 </a:solidFill>
@@ -1933,104 +2077,21 @@
               </a:defRPr>
             </a:pPr>
             <a:r>
-              <a:t>Al menos 25-30 ejemplos por categoría</a:t>
-            </a:r>
-          </a:p>
-        </p:txBody>
-      </p:sp>
-      <p:sp>
-        <p:nvSpPr>
-          <p:cNvPr id="17" name="Rectangle 16"/>
-          <p:cNvSpPr/>
-          <p:nvPr/>
-        </p:nvSpPr>
-        <p:spPr>
-          <a:xfrm>
-            <a:off x="228600" y="2633472"/>
-            <a:ext cx="4114800" cy="978408"/>
-          </a:xfrm>
-          <a:prstGeom prst="rect">
-            <a:avLst/>
-          </a:prstGeom>
-          <a:solidFill>
-            <a:srgbClr val="FEE2E2"/>
-          </a:solidFill>
-          <a:ln>
-            <a:noFill/>
-          </a:ln>
-        </p:spPr>
-        <p:style>
-          <a:lnRef idx="1">
-            <a:schemeClr val="accent1"/>
-          </a:lnRef>
-          <a:fillRef idx="3">
-            <a:schemeClr val="accent1"/>
-          </a:fillRef>
-          <a:effectRef idx="2">
-            <a:schemeClr val="accent1"/>
-          </a:effectRef>
-          <a:fontRef idx="minor">
-            <a:schemeClr val="lt1"/>
-          </a:fontRef>
-        </p:style>
-        <p:txBody>
-          <a:bodyPr rtlCol="0" anchor="ctr"/>
-          <a:lstStyle/>
-          <a:p>
-            <a:pPr algn="ctr"/>
-          </a:p>
-        </p:txBody>
-      </p:sp>
-      <p:sp>
-        <p:nvSpPr>
-          <p:cNvPr id="18" name="Rectangle 17"/>
-          <p:cNvSpPr/>
-          <p:nvPr/>
-        </p:nvSpPr>
-        <p:spPr>
-          <a:xfrm>
-            <a:off x="256032" y="2633472"/>
-            <a:ext cx="0" cy="978408"/>
-          </a:xfrm>
-          <a:prstGeom prst="rect">
-            <a:avLst/>
-          </a:prstGeom>
-          <a:ln>
-            <a:noFill/>
-          </a:ln>
-        </p:spPr>
-        <p:style>
-          <a:lnRef idx="1">
-            <a:schemeClr val="accent1"/>
-          </a:lnRef>
-          <a:fillRef idx="3">
-            <a:schemeClr val="accent1"/>
-          </a:fillRef>
-          <a:effectRef idx="2">
-            <a:schemeClr val="accent1"/>
-          </a:effectRef>
-          <a:fontRef idx="minor">
-            <a:schemeClr val="lt1"/>
-          </a:fontRef>
-        </p:style>
-        <p:txBody>
-          <a:bodyPr rtlCol="0" anchor="ctr"/>
-          <a:lstStyle/>
-          <a:p>
-            <a:pPr algn="ctr"/>
-          </a:p>
-        </p:txBody>
-      </p:sp>
-      <p:sp>
-        <p:nvSpPr>
-          <p:cNvPr id="19" name="TextBox 18"/>
-          <p:cNvSpPr txBox="1"/>
-          <p:nvPr/>
-        </p:nvSpPr>
-        <p:spPr>
-          <a:xfrm>
-            <a:off x="466344" y="2816352"/>
-            <a:ext cx="3767328" cy="265176"/>
+              <a:t>Tipo de datos: _______________</a:t>
+            </a:r>
+          </a:p>
+        </p:txBody>
+      </p:sp>
+      <p:sp>
+        <p:nvSpPr>
+          <p:cNvPr id="20" name="TextBox 19"/>
+          <p:cNvSpPr txBox="1"/>
+          <p:nvPr/>
+        </p:nvSpPr>
+        <p:spPr>
+          <a:xfrm>
+            <a:off x="5001768" y="2871216"/>
+            <a:ext cx="3703320" cy="192024"/>
           </a:xfrm>
           <a:prstGeom prst="rect">
             <a:avLst/>
@@ -2044,7 +2105,7 @@
           <a:lstStyle/>
           <a:p>
             <a:pPr algn="l">
-              <a:defRPr sz="1350" b="1">
+              <a:defRPr sz="1050" b="1">
                 <a:solidFill>
                   <a:srgbClr val="1E293B"/>
                 </a:solidFill>
@@ -2052,21 +2113,21 @@
               </a:defRPr>
             </a:pPr>
             <a:r>
-              <a:t>❌ Datos similares</a:t>
-            </a:r>
-          </a:p>
-        </p:txBody>
-      </p:sp>
-      <p:sp>
-        <p:nvSpPr>
-          <p:cNvPr id="20" name="TextBox 19"/>
-          <p:cNvSpPr txBox="1"/>
-          <p:nvPr/>
-        </p:nvSpPr>
-        <p:spPr>
-          <a:xfrm>
-            <a:off x="466344" y="3191256"/>
-            <a:ext cx="3767328" cy="228600"/>
+              <a:t>Categorías: _______________</a:t>
+            </a:r>
+          </a:p>
+        </p:txBody>
+      </p:sp>
+      <p:sp>
+        <p:nvSpPr>
+          <p:cNvPr id="21" name="TextBox 20"/>
+          <p:cNvSpPr txBox="1"/>
+          <p:nvPr/>
+        </p:nvSpPr>
+        <p:spPr>
+          <a:xfrm>
+            <a:off x="5001768" y="3172968"/>
+            <a:ext cx="3703320" cy="192024"/>
           </a:xfrm>
           <a:prstGeom prst="rect">
             <a:avLst/>
@@ -2080,7 +2141,7 @@
           <a:lstStyle/>
           <a:p>
             <a:pPr algn="l">
-              <a:defRPr sz="1200">
+              <a:defRPr sz="1050" b="1">
                 <a:solidFill>
                   <a:srgbClr val="1E293B"/>
                 </a:solidFill>
@@ -2088,104 +2149,21 @@
               </a:defRPr>
             </a:pPr>
             <a:r>
-              <a:t>Sin variedad, el modelo no generaliza</a:t>
-            </a:r>
-          </a:p>
-        </p:txBody>
-      </p:sp>
-      <p:sp>
-        <p:nvSpPr>
-          <p:cNvPr id="21" name="Rectangle 20"/>
-          <p:cNvSpPr/>
-          <p:nvPr/>
-        </p:nvSpPr>
-        <p:spPr>
-          <a:xfrm>
-            <a:off x="4800600" y="2633472"/>
-            <a:ext cx="4114800" cy="978408"/>
-          </a:xfrm>
-          <a:prstGeom prst="rect">
-            <a:avLst/>
-          </a:prstGeom>
-          <a:solidFill>
-            <a:srgbClr val="D1FAE5"/>
-          </a:solidFill>
-          <a:ln>
-            <a:noFill/>
-          </a:ln>
-        </p:spPr>
-        <p:style>
-          <a:lnRef idx="1">
-            <a:schemeClr val="accent1"/>
-          </a:lnRef>
-          <a:fillRef idx="3">
-            <a:schemeClr val="accent1"/>
-          </a:fillRef>
-          <a:effectRef idx="2">
-            <a:schemeClr val="accent1"/>
-          </a:effectRef>
-          <a:fontRef idx="minor">
-            <a:schemeClr val="lt1"/>
-          </a:fontRef>
-        </p:style>
-        <p:txBody>
-          <a:bodyPr rtlCol="0" anchor="ctr"/>
-          <a:lstStyle/>
-          <a:p>
-            <a:pPr algn="ctr"/>
-          </a:p>
-        </p:txBody>
-      </p:sp>
-      <p:sp>
-        <p:nvSpPr>
-          <p:cNvPr id="22" name="Rectangle 21"/>
-          <p:cNvSpPr/>
-          <p:nvPr/>
-        </p:nvSpPr>
-        <p:spPr>
-          <a:xfrm>
-            <a:off x="4828032" y="2633472"/>
-            <a:ext cx="0" cy="978408"/>
-          </a:xfrm>
-          <a:prstGeom prst="rect">
-            <a:avLst/>
-          </a:prstGeom>
-          <a:ln>
-            <a:noFill/>
-          </a:ln>
-        </p:spPr>
-        <p:style>
-          <a:lnRef idx="1">
-            <a:schemeClr val="accent1"/>
-          </a:lnRef>
-          <a:fillRef idx="3">
-            <a:schemeClr val="accent1"/>
-          </a:fillRef>
-          <a:effectRef idx="2">
-            <a:schemeClr val="accent1"/>
-          </a:effectRef>
-          <a:fontRef idx="minor">
-            <a:schemeClr val="lt1"/>
-          </a:fontRef>
-        </p:style>
-        <p:txBody>
-          <a:bodyPr rtlCol="0" anchor="ctr"/>
-          <a:lstStyle/>
-          <a:p>
-            <a:pPr algn="ctr"/>
-          </a:p>
-        </p:txBody>
-      </p:sp>
-      <p:sp>
-        <p:nvSpPr>
-          <p:cNvPr id="23" name="TextBox 22"/>
-          <p:cNvSpPr txBox="1"/>
-          <p:nvPr/>
-        </p:nvSpPr>
-        <p:spPr>
-          <a:xfrm>
-            <a:off x="5038344" y="2816352"/>
-            <a:ext cx="3767328" cy="265176"/>
+              <a:t>Cantidad por categoría: _______________</a:t>
+            </a:r>
+          </a:p>
+        </p:txBody>
+      </p:sp>
+      <p:sp>
+        <p:nvSpPr>
+          <p:cNvPr id="22" name="TextBox 21"/>
+          <p:cNvSpPr txBox="1"/>
+          <p:nvPr/>
+        </p:nvSpPr>
+        <p:spPr>
+          <a:xfrm>
+            <a:off x="5001768" y="3474720"/>
+            <a:ext cx="3703320" cy="192024"/>
           </a:xfrm>
           <a:prstGeom prst="rect">
             <a:avLst/>
@@ -2199,7 +2177,7 @@
           <a:lstStyle/>
           <a:p>
             <a:pPr algn="l">
-              <a:defRPr sz="1350" b="1">
+              <a:defRPr sz="1050" b="1">
                 <a:solidFill>
                   <a:srgbClr val="1E293B"/>
                 </a:solidFill>
@@ -2207,21 +2185,21 @@
               </a:defRPr>
             </a:pPr>
             <a:r>
-              <a:t>✅ Datos variados</a:t>
-            </a:r>
-          </a:p>
-        </p:txBody>
-      </p:sp>
-      <p:sp>
-        <p:nvSpPr>
-          <p:cNvPr id="24" name="TextBox 23"/>
-          <p:cNvSpPr txBox="1"/>
-          <p:nvPr/>
-        </p:nvSpPr>
-        <p:spPr>
-          <a:xfrm>
-            <a:off x="5038344" y="3191256"/>
-            <a:ext cx="3767328" cy="228600"/>
+              <a:t>Herramienta: _______________</a:t>
+            </a:r>
+          </a:p>
+        </p:txBody>
+      </p:sp>
+      <p:sp>
+        <p:nvSpPr>
+          <p:cNvPr id="23" name="TextBox 22"/>
+          <p:cNvSpPr txBox="1"/>
+          <p:nvPr/>
+        </p:nvSpPr>
+        <p:spPr>
+          <a:xfrm>
+            <a:off x="5001768" y="3776472"/>
+            <a:ext cx="3703320" cy="192024"/>
           </a:xfrm>
           <a:prstGeom prst="rect">
             <a:avLst/>
@@ -2235,7 +2213,7 @@
           <a:lstStyle/>
           <a:p>
             <a:pPr algn="l">
-              <a:defRPr sz="1200">
+              <a:defRPr sz="1050" b="1">
                 <a:solidFill>
                   <a:srgbClr val="1E293B"/>
                 </a:solidFill>
@@ -2243,317 +2221,7 @@
               </a:defRPr>
             </a:pPr>
             <a:r>
-              <a:t>Diferentes ángulos, fondos y condiciones</a:t>
-            </a:r>
-          </a:p>
-        </p:txBody>
-      </p:sp>
-      <p:sp>
-        <p:nvSpPr>
-          <p:cNvPr id="25" name="Rectangle 24"/>
-          <p:cNvSpPr/>
-          <p:nvPr/>
-        </p:nvSpPr>
-        <p:spPr>
-          <a:xfrm>
-            <a:off x="228600" y="3840480"/>
-            <a:ext cx="4114800" cy="978408"/>
-          </a:xfrm>
-          <a:prstGeom prst="rect">
-            <a:avLst/>
-          </a:prstGeom>
-          <a:solidFill>
-            <a:srgbClr val="FEE2E2"/>
-          </a:solidFill>
-          <a:ln>
-            <a:noFill/>
-          </a:ln>
-        </p:spPr>
-        <p:style>
-          <a:lnRef idx="1">
-            <a:schemeClr val="accent1"/>
-          </a:lnRef>
-          <a:fillRef idx="3">
-            <a:schemeClr val="accent1"/>
-          </a:fillRef>
-          <a:effectRef idx="2">
-            <a:schemeClr val="accent1"/>
-          </a:effectRef>
-          <a:fontRef idx="minor">
-            <a:schemeClr val="lt1"/>
-          </a:fontRef>
-        </p:style>
-        <p:txBody>
-          <a:bodyPr rtlCol="0" anchor="ctr"/>
-          <a:lstStyle/>
-          <a:p>
-            <a:pPr algn="ctr"/>
-          </a:p>
-        </p:txBody>
-      </p:sp>
-      <p:sp>
-        <p:nvSpPr>
-          <p:cNvPr id="26" name="Rectangle 25"/>
-          <p:cNvSpPr/>
-          <p:nvPr/>
-        </p:nvSpPr>
-        <p:spPr>
-          <a:xfrm>
-            <a:off x="256032" y="3840480"/>
-            <a:ext cx="0" cy="978408"/>
-          </a:xfrm>
-          <a:prstGeom prst="rect">
-            <a:avLst/>
-          </a:prstGeom>
-          <a:ln>
-            <a:noFill/>
-          </a:ln>
-        </p:spPr>
-        <p:style>
-          <a:lnRef idx="1">
-            <a:schemeClr val="accent1"/>
-          </a:lnRef>
-          <a:fillRef idx="3">
-            <a:schemeClr val="accent1"/>
-          </a:fillRef>
-          <a:effectRef idx="2">
-            <a:schemeClr val="accent1"/>
-          </a:effectRef>
-          <a:fontRef idx="minor">
-            <a:schemeClr val="lt1"/>
-          </a:fontRef>
-        </p:style>
-        <p:txBody>
-          <a:bodyPr rtlCol="0" anchor="ctr"/>
-          <a:lstStyle/>
-          <a:p>
-            <a:pPr algn="ctr"/>
-          </a:p>
-        </p:txBody>
-      </p:sp>
-      <p:sp>
-        <p:nvSpPr>
-          <p:cNvPr id="27" name="TextBox 26"/>
-          <p:cNvSpPr txBox="1"/>
-          <p:nvPr/>
-        </p:nvSpPr>
-        <p:spPr>
-          <a:xfrm>
-            <a:off x="466344" y="4023360"/>
-            <a:ext cx="3767328" cy="265176"/>
-          </a:xfrm>
-          <a:prstGeom prst="rect">
-            <a:avLst/>
-          </a:prstGeom>
-          <a:noFill/>
-        </p:spPr>
-        <p:txBody>
-          <a:bodyPr wrap="none">
-            <a:spAutoFit/>
-          </a:bodyPr>
-          <a:lstStyle/>
-          <a:p>
-            <a:pPr algn="l">
-              <a:defRPr sz="1350" b="1">
-                <a:solidFill>
-                  <a:srgbClr val="1E293B"/>
-                </a:solidFill>
-                <a:latin typeface="Arial"/>
-              </a:defRPr>
-            </a:pPr>
-            <a:r>
-              <a:t>❌ Mala calidad</a:t>
-            </a:r>
-          </a:p>
-        </p:txBody>
-      </p:sp>
-      <p:sp>
-        <p:nvSpPr>
-          <p:cNvPr id="28" name="TextBox 27"/>
-          <p:cNvSpPr txBox="1"/>
-          <p:nvPr/>
-        </p:nvSpPr>
-        <p:spPr>
-          <a:xfrm>
-            <a:off x="466344" y="4398264"/>
-            <a:ext cx="3767328" cy="228600"/>
-          </a:xfrm>
-          <a:prstGeom prst="rect">
-            <a:avLst/>
-          </a:prstGeom>
-          <a:noFill/>
-        </p:spPr>
-        <p:txBody>
-          <a:bodyPr wrap="none">
-            <a:spAutoFit/>
-          </a:bodyPr>
-          <a:lstStyle/>
-          <a:p>
-            <a:pPr algn="l">
-              <a:defRPr sz="1200">
-                <a:solidFill>
-                  <a:srgbClr val="1E293B"/>
-                </a:solidFill>
-                <a:latin typeface="Arial"/>
-              </a:defRPr>
-            </a:pPr>
-            <a:r>
-              <a:t>Imágenes borrosas o audio con ruido</a:t>
-            </a:r>
-          </a:p>
-        </p:txBody>
-      </p:sp>
-      <p:sp>
-        <p:nvSpPr>
-          <p:cNvPr id="29" name="Rectangle 28"/>
-          <p:cNvSpPr/>
-          <p:nvPr/>
-        </p:nvSpPr>
-        <p:spPr>
-          <a:xfrm>
-            <a:off x="4800600" y="3840480"/>
-            <a:ext cx="4114800" cy="978408"/>
-          </a:xfrm>
-          <a:prstGeom prst="rect">
-            <a:avLst/>
-          </a:prstGeom>
-          <a:solidFill>
-            <a:srgbClr val="D1FAE5"/>
-          </a:solidFill>
-          <a:ln>
-            <a:noFill/>
-          </a:ln>
-        </p:spPr>
-        <p:style>
-          <a:lnRef idx="1">
-            <a:schemeClr val="accent1"/>
-          </a:lnRef>
-          <a:fillRef idx="3">
-            <a:schemeClr val="accent1"/>
-          </a:fillRef>
-          <a:effectRef idx="2">
-            <a:schemeClr val="accent1"/>
-          </a:effectRef>
-          <a:fontRef idx="minor">
-            <a:schemeClr val="lt1"/>
-          </a:fontRef>
-        </p:style>
-        <p:txBody>
-          <a:bodyPr rtlCol="0" anchor="ctr"/>
-          <a:lstStyle/>
-          <a:p>
-            <a:pPr algn="ctr"/>
-          </a:p>
-        </p:txBody>
-      </p:sp>
-      <p:sp>
-        <p:nvSpPr>
-          <p:cNvPr id="30" name="Rectangle 29"/>
-          <p:cNvSpPr/>
-          <p:nvPr/>
-        </p:nvSpPr>
-        <p:spPr>
-          <a:xfrm>
-            <a:off x="4828032" y="3840480"/>
-            <a:ext cx="0" cy="978408"/>
-          </a:xfrm>
-          <a:prstGeom prst="rect">
-            <a:avLst/>
-          </a:prstGeom>
-          <a:ln>
-            <a:noFill/>
-          </a:ln>
-        </p:spPr>
-        <p:style>
-          <a:lnRef idx="1">
-            <a:schemeClr val="accent1"/>
-          </a:lnRef>
-          <a:fillRef idx="3">
-            <a:schemeClr val="accent1"/>
-          </a:fillRef>
-          <a:effectRef idx="2">
-            <a:schemeClr val="accent1"/>
-          </a:effectRef>
-          <a:fontRef idx="minor">
-            <a:schemeClr val="lt1"/>
-          </a:fontRef>
-        </p:style>
-        <p:txBody>
-          <a:bodyPr rtlCol="0" anchor="ctr"/>
-          <a:lstStyle/>
-          <a:p>
-            <a:pPr algn="ctr"/>
-          </a:p>
-        </p:txBody>
-      </p:sp>
-      <p:sp>
-        <p:nvSpPr>
-          <p:cNvPr id="31" name="TextBox 30"/>
-          <p:cNvSpPr txBox="1"/>
-          <p:nvPr/>
-        </p:nvSpPr>
-        <p:spPr>
-          <a:xfrm>
-            <a:off x="5038344" y="4023360"/>
-            <a:ext cx="3767328" cy="265176"/>
-          </a:xfrm>
-          <a:prstGeom prst="rect">
-            <a:avLst/>
-          </a:prstGeom>
-          <a:noFill/>
-        </p:spPr>
-        <p:txBody>
-          <a:bodyPr wrap="none">
-            <a:spAutoFit/>
-          </a:bodyPr>
-          <a:lstStyle/>
-          <a:p>
-            <a:pPr algn="l">
-              <a:defRPr sz="1350" b="1">
-                <a:solidFill>
-                  <a:srgbClr val="1E293B"/>
-                </a:solidFill>
-                <a:latin typeface="Arial"/>
-              </a:defRPr>
-            </a:pPr>
-            <a:r>
-              <a:t>✅ Alta calidad</a:t>
-            </a:r>
-          </a:p>
-        </p:txBody>
-      </p:sp>
-      <p:sp>
-        <p:nvSpPr>
-          <p:cNvPr id="32" name="TextBox 31"/>
-          <p:cNvSpPr txBox="1"/>
-          <p:nvPr/>
-        </p:nvSpPr>
-        <p:spPr>
-          <a:xfrm>
-            <a:off x="5038344" y="4398264"/>
-            <a:ext cx="3767328" cy="228600"/>
-          </a:xfrm>
-          <a:prstGeom prst="rect">
-            <a:avLst/>
-          </a:prstGeom>
-          <a:noFill/>
-        </p:spPr>
-        <p:txBody>
-          <a:bodyPr wrap="none">
-            <a:spAutoFit/>
-          </a:bodyPr>
-          <a:lstStyle/>
-          <a:p>
-            <a:pPr algn="l">
-              <a:defRPr sz="1200">
-                <a:solidFill>
-                  <a:srgbClr val="1E293B"/>
-                </a:solidFill>
-                <a:latin typeface="Arial"/>
-              </a:defRPr>
-            </a:pPr>
-            <a:r>
-              <a:t>Datos claros, nítidos y representativos</a:t>
+              <a:t>Fecha límite: _______________</a:t>
             </a:r>
           </a:p>
         </p:txBody>
@@ -2689,6 +2357,1102 @@
                 </a:solidFill>
                 <a:latin typeface="Arial"/>
               </a:rPr>
+              <a:t>⚠️ Consejos y Errores Comunes</a:t>
+            </a:r>
+          </a:p>
+        </p:txBody>
+      </p:sp>
+      <p:pic>
+        <p:nvPicPr>
+          <p:cNvPr id="8" name="Imagen 7" descr="Texto&#10;&#10;El contenido generado por IA puede ser incorrecto.">
+            <a:extLst>
+              <a:ext uri="{FF2B5EF4-FFF2-40B4-BE49-F238E27FC236}">
+                <a16:creationId xmlns:a16="http://schemas.microsoft.com/office/drawing/2014/main" id="{230A2782-9461-771E-5BE7-95483C303EC2}"/>
+              </a:ext>
+            </a:extLst>
+          </p:cNvPr>
+          <p:cNvPicPr>
+            <a:picLocks noChangeAspect="1"/>
+          </p:cNvPicPr>
+          <p:nvPr/>
+        </p:nvPicPr>
+        <p:blipFill>
+          <a:blip r:embed="rId5"/>
+          <a:stretch>
+            <a:fillRect/>
+          </a:stretch>
+        </p:blipFill>
+        <p:spPr>
+          <a:xfrm>
+            <a:off x="7672435" y="0"/>
+            <a:ext cx="1471565" cy="605790"/>
+          </a:xfrm>
+          <a:prstGeom prst="rect">
+            <a:avLst/>
+          </a:prstGeom>
+        </p:spPr>
+      </p:pic>
+      <p:sp>
+        <p:nvSpPr>
+          <p:cNvPr id="9" name="Rectangle 8"/>
+          <p:cNvSpPr/>
+          <p:nvPr/>
+        </p:nvSpPr>
+        <p:spPr>
+          <a:xfrm>
+            <a:off x="228600" y="1435608"/>
+            <a:ext cx="4114800" cy="978408"/>
+          </a:xfrm>
+          <a:prstGeom prst="rect">
+            <a:avLst/>
+          </a:prstGeom>
+          <a:solidFill>
+            <a:srgbClr val="FEE2E2"/>
+          </a:solidFill>
+          <a:ln>
+            <a:noFill/>
+          </a:ln>
+        </p:spPr>
+        <p:style>
+          <a:lnRef idx="1">
+            <a:schemeClr val="accent1"/>
+          </a:lnRef>
+          <a:fillRef idx="3">
+            <a:schemeClr val="accent1"/>
+          </a:fillRef>
+          <a:effectRef idx="2">
+            <a:schemeClr val="accent1"/>
+          </a:effectRef>
+          <a:fontRef idx="minor">
+            <a:schemeClr val="lt1"/>
+          </a:fontRef>
+        </p:style>
+        <p:txBody>
+          <a:bodyPr rtlCol="0" anchor="ctr"/>
+          <a:lstStyle/>
+          <a:p>
+            <a:pPr algn="ctr"/>
+          </a:p>
+        </p:txBody>
+      </p:sp>
+      <p:sp>
+        <p:nvSpPr>
+          <p:cNvPr id="10" name="Rectangle 9"/>
+          <p:cNvSpPr/>
+          <p:nvPr/>
+        </p:nvSpPr>
+        <p:spPr>
+          <a:xfrm>
+            <a:off x="256032" y="1435608"/>
+            <a:ext cx="0" cy="978408"/>
+          </a:xfrm>
+          <a:prstGeom prst="rect">
+            <a:avLst/>
+          </a:prstGeom>
+          <a:ln>
+            <a:noFill/>
+          </a:ln>
+        </p:spPr>
+        <p:style>
+          <a:lnRef idx="1">
+            <a:schemeClr val="accent1"/>
+          </a:lnRef>
+          <a:fillRef idx="3">
+            <a:schemeClr val="accent1"/>
+          </a:fillRef>
+          <a:effectRef idx="2">
+            <a:schemeClr val="accent1"/>
+          </a:effectRef>
+          <a:fontRef idx="minor">
+            <a:schemeClr val="lt1"/>
+          </a:fontRef>
+        </p:style>
+        <p:txBody>
+          <a:bodyPr rtlCol="0" anchor="ctr"/>
+          <a:lstStyle/>
+          <a:p>
+            <a:pPr algn="ctr"/>
+          </a:p>
+        </p:txBody>
+      </p:sp>
+      <p:sp>
+        <p:nvSpPr>
+          <p:cNvPr id="11" name="TextBox 10"/>
+          <p:cNvSpPr txBox="1"/>
+          <p:nvPr/>
+        </p:nvSpPr>
+        <p:spPr>
+          <a:xfrm>
+            <a:off x="466344" y="1618488"/>
+            <a:ext cx="3767328" cy="265176"/>
+          </a:xfrm>
+          <a:prstGeom prst="rect">
+            <a:avLst/>
+          </a:prstGeom>
+          <a:noFill/>
+        </p:spPr>
+        <p:txBody>
+          <a:bodyPr wrap="none">
+            <a:spAutoFit/>
+          </a:bodyPr>
+          <a:lstStyle/>
+          <a:p>
+            <a:pPr algn="l">
+              <a:defRPr sz="1350" b="1">
+                <a:solidFill>
+                  <a:srgbClr val="1E293B"/>
+                </a:solidFill>
+                <a:latin typeface="Arial"/>
+              </a:defRPr>
+            </a:pPr>
+            <a:r>
+              <a:t>❌ Pocos datos</a:t>
+            </a:r>
+          </a:p>
+        </p:txBody>
+      </p:sp>
+      <p:sp>
+        <p:nvSpPr>
+          <p:cNvPr id="12" name="TextBox 11"/>
+          <p:cNvSpPr txBox="1"/>
+          <p:nvPr/>
+        </p:nvSpPr>
+        <p:spPr>
+          <a:xfrm>
+            <a:off x="466344" y="1993392"/>
+            <a:ext cx="3767328" cy="228600"/>
+          </a:xfrm>
+          <a:prstGeom prst="rect">
+            <a:avLst/>
+          </a:prstGeom>
+          <a:noFill/>
+        </p:spPr>
+        <p:txBody>
+          <a:bodyPr wrap="none">
+            <a:spAutoFit/>
+          </a:bodyPr>
+          <a:lstStyle/>
+          <a:p>
+            <a:pPr algn="l">
+              <a:defRPr sz="1200">
+                <a:solidFill>
+                  <a:srgbClr val="1E293B"/>
+                </a:solidFill>
+                <a:latin typeface="Arial"/>
+              </a:defRPr>
+            </a:pPr>
+            <a:r>
+              <a:t>Sin suficientes ejemplos, la IA no aprende bien</a:t>
+            </a:r>
+          </a:p>
+        </p:txBody>
+      </p:sp>
+      <p:sp>
+        <p:nvSpPr>
+          <p:cNvPr id="13" name="Rectangle 12"/>
+          <p:cNvSpPr/>
+          <p:nvPr/>
+        </p:nvSpPr>
+        <p:spPr>
+          <a:xfrm>
+            <a:off x="4800600" y="1435608"/>
+            <a:ext cx="4114800" cy="978408"/>
+          </a:xfrm>
+          <a:prstGeom prst="rect">
+            <a:avLst/>
+          </a:prstGeom>
+          <a:solidFill>
+            <a:srgbClr val="D1FAE5"/>
+          </a:solidFill>
+          <a:ln>
+            <a:noFill/>
+          </a:ln>
+        </p:spPr>
+        <p:style>
+          <a:lnRef idx="1">
+            <a:schemeClr val="accent1"/>
+          </a:lnRef>
+          <a:fillRef idx="3">
+            <a:schemeClr val="accent1"/>
+          </a:fillRef>
+          <a:effectRef idx="2">
+            <a:schemeClr val="accent1"/>
+          </a:effectRef>
+          <a:fontRef idx="minor">
+            <a:schemeClr val="lt1"/>
+          </a:fontRef>
+        </p:style>
+        <p:txBody>
+          <a:bodyPr rtlCol="0" anchor="ctr"/>
+          <a:lstStyle/>
+          <a:p>
+            <a:pPr algn="ctr"/>
+          </a:p>
+        </p:txBody>
+      </p:sp>
+      <p:sp>
+        <p:nvSpPr>
+          <p:cNvPr id="14" name="Rectangle 13"/>
+          <p:cNvSpPr/>
+          <p:nvPr/>
+        </p:nvSpPr>
+        <p:spPr>
+          <a:xfrm>
+            <a:off x="4828032" y="1435608"/>
+            <a:ext cx="0" cy="978408"/>
+          </a:xfrm>
+          <a:prstGeom prst="rect">
+            <a:avLst/>
+          </a:prstGeom>
+          <a:ln>
+            <a:noFill/>
+          </a:ln>
+        </p:spPr>
+        <p:style>
+          <a:lnRef idx="1">
+            <a:schemeClr val="accent1"/>
+          </a:lnRef>
+          <a:fillRef idx="3">
+            <a:schemeClr val="accent1"/>
+          </a:fillRef>
+          <a:effectRef idx="2">
+            <a:schemeClr val="accent1"/>
+          </a:effectRef>
+          <a:fontRef idx="minor">
+            <a:schemeClr val="lt1"/>
+          </a:fontRef>
+        </p:style>
+        <p:txBody>
+          <a:bodyPr rtlCol="0" anchor="ctr"/>
+          <a:lstStyle/>
+          <a:p>
+            <a:pPr algn="ctr"/>
+          </a:p>
+        </p:txBody>
+      </p:sp>
+      <p:sp>
+        <p:nvSpPr>
+          <p:cNvPr id="15" name="TextBox 14"/>
+          <p:cNvSpPr txBox="1"/>
+          <p:nvPr/>
+        </p:nvSpPr>
+        <p:spPr>
+          <a:xfrm>
+            <a:off x="5038344" y="1618488"/>
+            <a:ext cx="3767328" cy="265176"/>
+          </a:xfrm>
+          <a:prstGeom prst="rect">
+            <a:avLst/>
+          </a:prstGeom>
+          <a:noFill/>
+        </p:spPr>
+        <p:txBody>
+          <a:bodyPr wrap="none">
+            <a:spAutoFit/>
+          </a:bodyPr>
+          <a:lstStyle/>
+          <a:p>
+            <a:pPr algn="l">
+              <a:defRPr sz="1350" b="1">
+                <a:solidFill>
+                  <a:srgbClr val="1E293B"/>
+                </a:solidFill>
+                <a:latin typeface="Arial"/>
+              </a:defRPr>
+            </a:pPr>
+            <a:r>
+              <a:t>✅ Datos abundantes</a:t>
+            </a:r>
+          </a:p>
+        </p:txBody>
+      </p:sp>
+      <p:sp>
+        <p:nvSpPr>
+          <p:cNvPr id="16" name="TextBox 15"/>
+          <p:cNvSpPr txBox="1"/>
+          <p:nvPr/>
+        </p:nvSpPr>
+        <p:spPr>
+          <a:xfrm>
+            <a:off x="5038344" y="1993392"/>
+            <a:ext cx="3767328" cy="228600"/>
+          </a:xfrm>
+          <a:prstGeom prst="rect">
+            <a:avLst/>
+          </a:prstGeom>
+          <a:noFill/>
+        </p:spPr>
+        <p:txBody>
+          <a:bodyPr wrap="none">
+            <a:spAutoFit/>
+          </a:bodyPr>
+          <a:lstStyle/>
+          <a:p>
+            <a:pPr algn="l">
+              <a:defRPr sz="1200">
+                <a:solidFill>
+                  <a:srgbClr val="1E293B"/>
+                </a:solidFill>
+                <a:latin typeface="Arial"/>
+              </a:defRPr>
+            </a:pPr>
+            <a:r>
+              <a:t>Al menos 25-30 ejemplos por categoría</a:t>
+            </a:r>
+          </a:p>
+        </p:txBody>
+      </p:sp>
+      <p:sp>
+        <p:nvSpPr>
+          <p:cNvPr id="17" name="Rectangle 16"/>
+          <p:cNvSpPr/>
+          <p:nvPr/>
+        </p:nvSpPr>
+        <p:spPr>
+          <a:xfrm>
+            <a:off x="228600" y="2633472"/>
+            <a:ext cx="4114800" cy="978408"/>
+          </a:xfrm>
+          <a:prstGeom prst="rect">
+            <a:avLst/>
+          </a:prstGeom>
+          <a:solidFill>
+            <a:srgbClr val="FEE2E2"/>
+          </a:solidFill>
+          <a:ln>
+            <a:noFill/>
+          </a:ln>
+        </p:spPr>
+        <p:style>
+          <a:lnRef idx="1">
+            <a:schemeClr val="accent1"/>
+          </a:lnRef>
+          <a:fillRef idx="3">
+            <a:schemeClr val="accent1"/>
+          </a:fillRef>
+          <a:effectRef idx="2">
+            <a:schemeClr val="accent1"/>
+          </a:effectRef>
+          <a:fontRef idx="minor">
+            <a:schemeClr val="lt1"/>
+          </a:fontRef>
+        </p:style>
+        <p:txBody>
+          <a:bodyPr rtlCol="0" anchor="ctr"/>
+          <a:lstStyle/>
+          <a:p>
+            <a:pPr algn="ctr"/>
+          </a:p>
+        </p:txBody>
+      </p:sp>
+      <p:sp>
+        <p:nvSpPr>
+          <p:cNvPr id="18" name="Rectangle 17"/>
+          <p:cNvSpPr/>
+          <p:nvPr/>
+        </p:nvSpPr>
+        <p:spPr>
+          <a:xfrm>
+            <a:off x="256032" y="2633472"/>
+            <a:ext cx="0" cy="978408"/>
+          </a:xfrm>
+          <a:prstGeom prst="rect">
+            <a:avLst/>
+          </a:prstGeom>
+          <a:ln>
+            <a:noFill/>
+          </a:ln>
+        </p:spPr>
+        <p:style>
+          <a:lnRef idx="1">
+            <a:schemeClr val="accent1"/>
+          </a:lnRef>
+          <a:fillRef idx="3">
+            <a:schemeClr val="accent1"/>
+          </a:fillRef>
+          <a:effectRef idx="2">
+            <a:schemeClr val="accent1"/>
+          </a:effectRef>
+          <a:fontRef idx="minor">
+            <a:schemeClr val="lt1"/>
+          </a:fontRef>
+        </p:style>
+        <p:txBody>
+          <a:bodyPr rtlCol="0" anchor="ctr"/>
+          <a:lstStyle/>
+          <a:p>
+            <a:pPr algn="ctr"/>
+          </a:p>
+        </p:txBody>
+      </p:sp>
+      <p:sp>
+        <p:nvSpPr>
+          <p:cNvPr id="19" name="TextBox 18"/>
+          <p:cNvSpPr txBox="1"/>
+          <p:nvPr/>
+        </p:nvSpPr>
+        <p:spPr>
+          <a:xfrm>
+            <a:off x="466344" y="2816352"/>
+            <a:ext cx="3767328" cy="265176"/>
+          </a:xfrm>
+          <a:prstGeom prst="rect">
+            <a:avLst/>
+          </a:prstGeom>
+          <a:noFill/>
+        </p:spPr>
+        <p:txBody>
+          <a:bodyPr wrap="none">
+            <a:spAutoFit/>
+          </a:bodyPr>
+          <a:lstStyle/>
+          <a:p>
+            <a:pPr algn="l">
+              <a:defRPr sz="1350" b="1">
+                <a:solidFill>
+                  <a:srgbClr val="1E293B"/>
+                </a:solidFill>
+                <a:latin typeface="Arial"/>
+              </a:defRPr>
+            </a:pPr>
+            <a:r>
+              <a:t>❌ Datos similares</a:t>
+            </a:r>
+          </a:p>
+        </p:txBody>
+      </p:sp>
+      <p:sp>
+        <p:nvSpPr>
+          <p:cNvPr id="20" name="TextBox 19"/>
+          <p:cNvSpPr txBox="1"/>
+          <p:nvPr/>
+        </p:nvSpPr>
+        <p:spPr>
+          <a:xfrm>
+            <a:off x="466344" y="3191256"/>
+            <a:ext cx="3767328" cy="228600"/>
+          </a:xfrm>
+          <a:prstGeom prst="rect">
+            <a:avLst/>
+          </a:prstGeom>
+          <a:noFill/>
+        </p:spPr>
+        <p:txBody>
+          <a:bodyPr wrap="none">
+            <a:spAutoFit/>
+          </a:bodyPr>
+          <a:lstStyle/>
+          <a:p>
+            <a:pPr algn="l">
+              <a:defRPr sz="1200">
+                <a:solidFill>
+                  <a:srgbClr val="1E293B"/>
+                </a:solidFill>
+                <a:latin typeface="Arial"/>
+              </a:defRPr>
+            </a:pPr>
+            <a:r>
+              <a:t>Sin variedad, el modelo no generaliza</a:t>
+            </a:r>
+          </a:p>
+        </p:txBody>
+      </p:sp>
+      <p:sp>
+        <p:nvSpPr>
+          <p:cNvPr id="21" name="Rectangle 20"/>
+          <p:cNvSpPr/>
+          <p:nvPr/>
+        </p:nvSpPr>
+        <p:spPr>
+          <a:xfrm>
+            <a:off x="4800600" y="2633472"/>
+            <a:ext cx="4114800" cy="978408"/>
+          </a:xfrm>
+          <a:prstGeom prst="rect">
+            <a:avLst/>
+          </a:prstGeom>
+          <a:solidFill>
+            <a:srgbClr val="D1FAE5"/>
+          </a:solidFill>
+          <a:ln>
+            <a:noFill/>
+          </a:ln>
+        </p:spPr>
+        <p:style>
+          <a:lnRef idx="1">
+            <a:schemeClr val="accent1"/>
+          </a:lnRef>
+          <a:fillRef idx="3">
+            <a:schemeClr val="accent1"/>
+          </a:fillRef>
+          <a:effectRef idx="2">
+            <a:schemeClr val="accent1"/>
+          </a:effectRef>
+          <a:fontRef idx="minor">
+            <a:schemeClr val="lt1"/>
+          </a:fontRef>
+        </p:style>
+        <p:txBody>
+          <a:bodyPr rtlCol="0" anchor="ctr"/>
+          <a:lstStyle/>
+          <a:p>
+            <a:pPr algn="ctr"/>
+          </a:p>
+        </p:txBody>
+      </p:sp>
+      <p:sp>
+        <p:nvSpPr>
+          <p:cNvPr id="22" name="Rectangle 21"/>
+          <p:cNvSpPr/>
+          <p:nvPr/>
+        </p:nvSpPr>
+        <p:spPr>
+          <a:xfrm>
+            <a:off x="4828032" y="2633472"/>
+            <a:ext cx="0" cy="978408"/>
+          </a:xfrm>
+          <a:prstGeom prst="rect">
+            <a:avLst/>
+          </a:prstGeom>
+          <a:ln>
+            <a:noFill/>
+          </a:ln>
+        </p:spPr>
+        <p:style>
+          <a:lnRef idx="1">
+            <a:schemeClr val="accent1"/>
+          </a:lnRef>
+          <a:fillRef idx="3">
+            <a:schemeClr val="accent1"/>
+          </a:fillRef>
+          <a:effectRef idx="2">
+            <a:schemeClr val="accent1"/>
+          </a:effectRef>
+          <a:fontRef idx="minor">
+            <a:schemeClr val="lt1"/>
+          </a:fontRef>
+        </p:style>
+        <p:txBody>
+          <a:bodyPr rtlCol="0" anchor="ctr"/>
+          <a:lstStyle/>
+          <a:p>
+            <a:pPr algn="ctr"/>
+          </a:p>
+        </p:txBody>
+      </p:sp>
+      <p:sp>
+        <p:nvSpPr>
+          <p:cNvPr id="23" name="TextBox 22"/>
+          <p:cNvSpPr txBox="1"/>
+          <p:nvPr/>
+        </p:nvSpPr>
+        <p:spPr>
+          <a:xfrm>
+            <a:off x="5038344" y="2816352"/>
+            <a:ext cx="3767328" cy="265176"/>
+          </a:xfrm>
+          <a:prstGeom prst="rect">
+            <a:avLst/>
+          </a:prstGeom>
+          <a:noFill/>
+        </p:spPr>
+        <p:txBody>
+          <a:bodyPr wrap="none">
+            <a:spAutoFit/>
+          </a:bodyPr>
+          <a:lstStyle/>
+          <a:p>
+            <a:pPr algn="l">
+              <a:defRPr sz="1350" b="1">
+                <a:solidFill>
+                  <a:srgbClr val="1E293B"/>
+                </a:solidFill>
+                <a:latin typeface="Arial"/>
+              </a:defRPr>
+            </a:pPr>
+            <a:r>
+              <a:t>✅ Datos variados</a:t>
+            </a:r>
+          </a:p>
+        </p:txBody>
+      </p:sp>
+      <p:sp>
+        <p:nvSpPr>
+          <p:cNvPr id="24" name="TextBox 23"/>
+          <p:cNvSpPr txBox="1"/>
+          <p:nvPr/>
+        </p:nvSpPr>
+        <p:spPr>
+          <a:xfrm>
+            <a:off x="5038344" y="3191256"/>
+            <a:ext cx="3767328" cy="228600"/>
+          </a:xfrm>
+          <a:prstGeom prst="rect">
+            <a:avLst/>
+          </a:prstGeom>
+          <a:noFill/>
+        </p:spPr>
+        <p:txBody>
+          <a:bodyPr wrap="none">
+            <a:spAutoFit/>
+          </a:bodyPr>
+          <a:lstStyle/>
+          <a:p>
+            <a:pPr algn="l">
+              <a:defRPr sz="1200">
+                <a:solidFill>
+                  <a:srgbClr val="1E293B"/>
+                </a:solidFill>
+                <a:latin typeface="Arial"/>
+              </a:defRPr>
+            </a:pPr>
+            <a:r>
+              <a:t>Diferentes ángulos, fondos y condiciones</a:t>
+            </a:r>
+          </a:p>
+        </p:txBody>
+      </p:sp>
+      <p:sp>
+        <p:nvSpPr>
+          <p:cNvPr id="25" name="Rectangle 24"/>
+          <p:cNvSpPr/>
+          <p:nvPr/>
+        </p:nvSpPr>
+        <p:spPr>
+          <a:xfrm>
+            <a:off x="228600" y="3840480"/>
+            <a:ext cx="4114800" cy="978408"/>
+          </a:xfrm>
+          <a:prstGeom prst="rect">
+            <a:avLst/>
+          </a:prstGeom>
+          <a:solidFill>
+            <a:srgbClr val="FEE2E2"/>
+          </a:solidFill>
+          <a:ln>
+            <a:noFill/>
+          </a:ln>
+        </p:spPr>
+        <p:style>
+          <a:lnRef idx="1">
+            <a:schemeClr val="accent1"/>
+          </a:lnRef>
+          <a:fillRef idx="3">
+            <a:schemeClr val="accent1"/>
+          </a:fillRef>
+          <a:effectRef idx="2">
+            <a:schemeClr val="accent1"/>
+          </a:effectRef>
+          <a:fontRef idx="minor">
+            <a:schemeClr val="lt1"/>
+          </a:fontRef>
+        </p:style>
+        <p:txBody>
+          <a:bodyPr rtlCol="0" anchor="ctr"/>
+          <a:lstStyle/>
+          <a:p>
+            <a:pPr algn="ctr"/>
+          </a:p>
+        </p:txBody>
+      </p:sp>
+      <p:sp>
+        <p:nvSpPr>
+          <p:cNvPr id="26" name="Rectangle 25"/>
+          <p:cNvSpPr/>
+          <p:nvPr/>
+        </p:nvSpPr>
+        <p:spPr>
+          <a:xfrm>
+            <a:off x="256032" y="3840480"/>
+            <a:ext cx="0" cy="978408"/>
+          </a:xfrm>
+          <a:prstGeom prst="rect">
+            <a:avLst/>
+          </a:prstGeom>
+          <a:ln>
+            <a:noFill/>
+          </a:ln>
+        </p:spPr>
+        <p:style>
+          <a:lnRef idx="1">
+            <a:schemeClr val="accent1"/>
+          </a:lnRef>
+          <a:fillRef idx="3">
+            <a:schemeClr val="accent1"/>
+          </a:fillRef>
+          <a:effectRef idx="2">
+            <a:schemeClr val="accent1"/>
+          </a:effectRef>
+          <a:fontRef idx="minor">
+            <a:schemeClr val="lt1"/>
+          </a:fontRef>
+        </p:style>
+        <p:txBody>
+          <a:bodyPr rtlCol="0" anchor="ctr"/>
+          <a:lstStyle/>
+          <a:p>
+            <a:pPr algn="ctr"/>
+          </a:p>
+        </p:txBody>
+      </p:sp>
+      <p:sp>
+        <p:nvSpPr>
+          <p:cNvPr id="27" name="TextBox 26"/>
+          <p:cNvSpPr txBox="1"/>
+          <p:nvPr/>
+        </p:nvSpPr>
+        <p:spPr>
+          <a:xfrm>
+            <a:off x="466344" y="4023360"/>
+            <a:ext cx="3767328" cy="265176"/>
+          </a:xfrm>
+          <a:prstGeom prst="rect">
+            <a:avLst/>
+          </a:prstGeom>
+          <a:noFill/>
+        </p:spPr>
+        <p:txBody>
+          <a:bodyPr wrap="none">
+            <a:spAutoFit/>
+          </a:bodyPr>
+          <a:lstStyle/>
+          <a:p>
+            <a:pPr algn="l">
+              <a:defRPr sz="1350" b="1">
+                <a:solidFill>
+                  <a:srgbClr val="1E293B"/>
+                </a:solidFill>
+                <a:latin typeface="Arial"/>
+              </a:defRPr>
+            </a:pPr>
+            <a:r>
+              <a:t>❌ Mala calidad</a:t>
+            </a:r>
+          </a:p>
+        </p:txBody>
+      </p:sp>
+      <p:sp>
+        <p:nvSpPr>
+          <p:cNvPr id="28" name="TextBox 27"/>
+          <p:cNvSpPr txBox="1"/>
+          <p:nvPr/>
+        </p:nvSpPr>
+        <p:spPr>
+          <a:xfrm>
+            <a:off x="466344" y="4398264"/>
+            <a:ext cx="3767328" cy="228600"/>
+          </a:xfrm>
+          <a:prstGeom prst="rect">
+            <a:avLst/>
+          </a:prstGeom>
+          <a:noFill/>
+        </p:spPr>
+        <p:txBody>
+          <a:bodyPr wrap="none">
+            <a:spAutoFit/>
+          </a:bodyPr>
+          <a:lstStyle/>
+          <a:p>
+            <a:pPr algn="l">
+              <a:defRPr sz="1200">
+                <a:solidFill>
+                  <a:srgbClr val="1E293B"/>
+                </a:solidFill>
+                <a:latin typeface="Arial"/>
+              </a:defRPr>
+            </a:pPr>
+            <a:r>
+              <a:t>Imágenes borrosas o audio con ruido</a:t>
+            </a:r>
+          </a:p>
+        </p:txBody>
+      </p:sp>
+      <p:sp>
+        <p:nvSpPr>
+          <p:cNvPr id="29" name="Rectangle 28"/>
+          <p:cNvSpPr/>
+          <p:nvPr/>
+        </p:nvSpPr>
+        <p:spPr>
+          <a:xfrm>
+            <a:off x="4800600" y="3840480"/>
+            <a:ext cx="4114800" cy="978408"/>
+          </a:xfrm>
+          <a:prstGeom prst="rect">
+            <a:avLst/>
+          </a:prstGeom>
+          <a:solidFill>
+            <a:srgbClr val="D1FAE5"/>
+          </a:solidFill>
+          <a:ln>
+            <a:noFill/>
+          </a:ln>
+        </p:spPr>
+        <p:style>
+          <a:lnRef idx="1">
+            <a:schemeClr val="accent1"/>
+          </a:lnRef>
+          <a:fillRef idx="3">
+            <a:schemeClr val="accent1"/>
+          </a:fillRef>
+          <a:effectRef idx="2">
+            <a:schemeClr val="accent1"/>
+          </a:effectRef>
+          <a:fontRef idx="minor">
+            <a:schemeClr val="lt1"/>
+          </a:fontRef>
+        </p:style>
+        <p:txBody>
+          <a:bodyPr rtlCol="0" anchor="ctr"/>
+          <a:lstStyle/>
+          <a:p>
+            <a:pPr algn="ctr"/>
+          </a:p>
+        </p:txBody>
+      </p:sp>
+      <p:sp>
+        <p:nvSpPr>
+          <p:cNvPr id="30" name="Rectangle 29"/>
+          <p:cNvSpPr/>
+          <p:nvPr/>
+        </p:nvSpPr>
+        <p:spPr>
+          <a:xfrm>
+            <a:off x="4828032" y="3840480"/>
+            <a:ext cx="0" cy="978408"/>
+          </a:xfrm>
+          <a:prstGeom prst="rect">
+            <a:avLst/>
+          </a:prstGeom>
+          <a:ln>
+            <a:noFill/>
+          </a:ln>
+        </p:spPr>
+        <p:style>
+          <a:lnRef idx="1">
+            <a:schemeClr val="accent1"/>
+          </a:lnRef>
+          <a:fillRef idx="3">
+            <a:schemeClr val="accent1"/>
+          </a:fillRef>
+          <a:effectRef idx="2">
+            <a:schemeClr val="accent1"/>
+          </a:effectRef>
+          <a:fontRef idx="minor">
+            <a:schemeClr val="lt1"/>
+          </a:fontRef>
+        </p:style>
+        <p:txBody>
+          <a:bodyPr rtlCol="0" anchor="ctr"/>
+          <a:lstStyle/>
+          <a:p>
+            <a:pPr algn="ctr"/>
+          </a:p>
+        </p:txBody>
+      </p:sp>
+      <p:sp>
+        <p:nvSpPr>
+          <p:cNvPr id="31" name="TextBox 30"/>
+          <p:cNvSpPr txBox="1"/>
+          <p:nvPr/>
+        </p:nvSpPr>
+        <p:spPr>
+          <a:xfrm>
+            <a:off x="5038344" y="4023360"/>
+            <a:ext cx="3767328" cy="265176"/>
+          </a:xfrm>
+          <a:prstGeom prst="rect">
+            <a:avLst/>
+          </a:prstGeom>
+          <a:noFill/>
+        </p:spPr>
+        <p:txBody>
+          <a:bodyPr wrap="none">
+            <a:spAutoFit/>
+          </a:bodyPr>
+          <a:lstStyle/>
+          <a:p>
+            <a:pPr algn="l">
+              <a:defRPr sz="1350" b="1">
+                <a:solidFill>
+                  <a:srgbClr val="1E293B"/>
+                </a:solidFill>
+                <a:latin typeface="Arial"/>
+              </a:defRPr>
+            </a:pPr>
+            <a:r>
+              <a:t>✅ Alta calidad</a:t>
+            </a:r>
+          </a:p>
+        </p:txBody>
+      </p:sp>
+      <p:sp>
+        <p:nvSpPr>
+          <p:cNvPr id="32" name="TextBox 31"/>
+          <p:cNvSpPr txBox="1"/>
+          <p:nvPr/>
+        </p:nvSpPr>
+        <p:spPr>
+          <a:xfrm>
+            <a:off x="5038344" y="4398264"/>
+            <a:ext cx="3767328" cy="228600"/>
+          </a:xfrm>
+          <a:prstGeom prst="rect">
+            <a:avLst/>
+          </a:prstGeom>
+          <a:noFill/>
+        </p:spPr>
+        <p:txBody>
+          <a:bodyPr wrap="none">
+            <a:spAutoFit/>
+          </a:bodyPr>
+          <a:lstStyle/>
+          <a:p>
+            <a:pPr algn="l">
+              <a:defRPr sz="1200">
+                <a:solidFill>
+                  <a:srgbClr val="1E293B"/>
+                </a:solidFill>
+                <a:latin typeface="Arial"/>
+              </a:defRPr>
+            </a:pPr>
+            <a:r>
+              <a:t>Datos claros, nítidos y representativos</a:t>
+            </a:r>
+          </a:p>
+        </p:txBody>
+      </p:sp>
+    </p:spTree>
+  </p:cSld>
+  <p:clrMapOvr>
+    <a:masterClrMapping/>
+  </p:clrMapOvr>
+</p:sld>
+</file>
+
+<file path=ppt/slides/slide12.xml><?xml version="1.0" encoding="utf-8"?>
+<p:sld xmlns:a="http://schemas.openxmlformats.org/drawingml/2006/main" xmlns:p="http://schemas.openxmlformats.org/presentationml/2006/main" xmlns:r="http://schemas.openxmlformats.org/officeDocument/2006/relationships">
+  <p:cSld>
+    <p:spTree>
+      <p:nvGrpSpPr>
+        <p:cNvPr id="1" name=""/>
+        <p:cNvGrpSpPr/>
+        <p:nvPr/>
+      </p:nvGrpSpPr>
+      <p:grpSpPr/>
+      <p:sp>
+        <p:nvSpPr>
+          <p:cNvPr id="2" name="Rectangle 1"/>
+          <p:cNvSpPr/>
+          <p:nvPr/>
+        </p:nvSpPr>
+        <p:spPr>
+          <a:xfrm>
+            <a:off x="0" y="0"/>
+            <a:ext cx="9144000" cy="877824"/>
+          </a:xfrm>
+          <a:prstGeom prst="rect">
+            <a:avLst/>
+          </a:prstGeom>
+          <a:solidFill>
+            <a:srgbClr val="6366F1"/>
+          </a:solidFill>
+          <a:ln>
+            <a:noFill/>
+          </a:ln>
+        </p:spPr>
+        <p:style>
+          <a:lnRef idx="1">
+            <a:schemeClr val="accent1"/>
+          </a:lnRef>
+          <a:fillRef idx="3">
+            <a:schemeClr val="accent1"/>
+          </a:fillRef>
+          <a:effectRef idx="2">
+            <a:schemeClr val="accent1"/>
+          </a:effectRef>
+          <a:fontRef idx="minor">
+            <a:schemeClr val="lt1"/>
+          </a:fontRef>
+        </p:style>
+        <p:txBody>
+          <a:bodyPr rtlCol="0" anchor="ctr"/>
+          <a:lstStyle/>
+          <a:p>
+            <a:pPr algn="ctr"/>
+          </a:p>
+        </p:txBody>
+      </p:sp>
+      <p:sp>
+        <p:nvSpPr>
+          <p:cNvPr id="3" name="Rectangle 2"/>
+          <p:cNvSpPr/>
+          <p:nvPr/>
+        </p:nvSpPr>
+        <p:spPr>
+          <a:xfrm>
+            <a:off x="0" y="859536"/>
+            <a:ext cx="9144000" cy="0"/>
+          </a:xfrm>
+          <a:prstGeom prst="rect">
+            <a:avLst/>
+          </a:prstGeom>
+          <a:ln>
+            <a:noFill/>
+          </a:ln>
+        </p:spPr>
+        <p:style>
+          <a:lnRef idx="1">
+            <a:schemeClr val="accent1"/>
+          </a:lnRef>
+          <a:fillRef idx="3">
+            <a:schemeClr val="accent1"/>
+          </a:fillRef>
+          <a:effectRef idx="2">
+            <a:schemeClr val="accent1"/>
+          </a:effectRef>
+          <a:fontRef idx="minor">
+            <a:schemeClr val="lt1"/>
+          </a:fontRef>
+        </p:style>
+        <p:txBody>
+          <a:bodyPr rtlCol="0" anchor="ctr"/>
+          <a:lstStyle/>
+          <a:p>
+            <a:pPr algn="ctr"/>
+          </a:p>
+        </p:txBody>
+      </p:sp>
+      <p:sp>
+        <p:nvSpPr>
+          <p:cNvPr id="4" name="TextBox 3"/>
+          <p:cNvSpPr txBox="1"/>
+          <p:nvPr/>
+        </p:nvSpPr>
+        <p:spPr>
+          <a:xfrm>
+            <a:off x="228600" y="228600"/>
+            <a:ext cx="6400800" cy="384048"/>
+          </a:xfrm>
+          <a:prstGeom prst="rect">
+            <a:avLst/>
+          </a:prstGeom>
+          <a:noFill/>
+        </p:spPr>
+        <p:txBody>
+          <a:bodyPr wrap="none">
+            <a:spAutoFit/>
+          </a:bodyPr>
+          <a:lstStyle/>
+          <a:p>
+            <a:pPr algn="l"/>
+            <a:r>
+              <a:rPr sz="2700" b="1">
+                <a:solidFill>
+                  <a:srgbClr val="FFFFFF"/>
+                </a:solidFill>
+                <a:latin typeface="Arial"/>
+              </a:rPr>
               <a:t>🎯 Conclusión y Próximos Pasos</a:t>
             </a:r>
           </a:p>
@@ -3224,7 +3988,181 @@
       </p:pic>
       <p:sp>
         <p:nvSpPr>
-          <p:cNvPr id="9" name="Rectangle 8"/>
+          <p:cNvPr id="9" name="Oval 8"/>
+          <p:cNvSpPr/>
+          <p:nvPr/>
+        </p:nvSpPr>
+        <p:spPr>
+          <a:xfrm>
+            <a:off x="8046720" y="1097280"/>
+            <a:ext cx="548640" cy="548640"/>
+          </a:xfrm>
+          <a:prstGeom prst="ellipse">
+            <a:avLst/>
+          </a:prstGeom>
+          <a:solidFill>
+            <a:srgbClr val="A855F7"/>
+          </a:solidFill>
+          <a:ln w="38100">
+            <a:solidFill>
+              <a:srgbClr val="FFFFFF"/>
+            </a:solidFill>
+          </a:ln>
+        </p:spPr>
+        <p:style>
+          <a:lnRef idx="1">
+            <a:schemeClr val="accent1"/>
+          </a:lnRef>
+          <a:fillRef idx="3">
+            <a:schemeClr val="accent1"/>
+          </a:fillRef>
+          <a:effectRef idx="2">
+            <a:schemeClr val="accent1"/>
+          </a:effectRef>
+          <a:fontRef idx="minor">
+            <a:schemeClr val="lt1"/>
+          </a:fontRef>
+        </p:style>
+        <p:txBody>
+          <a:bodyPr rtlCol="0" anchor="ctr"/>
+          <a:lstStyle/>
+          <a:p>
+            <a:pPr algn="ctr"/>
+          </a:p>
+        </p:txBody>
+      </p:sp>
+      <p:sp>
+        <p:nvSpPr>
+          <p:cNvPr id="10" name="Rectangle 9"/>
+          <p:cNvSpPr/>
+          <p:nvPr/>
+        </p:nvSpPr>
+        <p:spPr>
+          <a:xfrm>
+            <a:off x="8156448" y="1261872"/>
+            <a:ext cx="18288" cy="219456"/>
+          </a:xfrm>
+          <a:prstGeom prst="rect">
+            <a:avLst/>
+          </a:prstGeom>
+          <a:solidFill>
+            <a:srgbClr val="FFFFFF"/>
+          </a:solidFill>
+          <a:ln>
+            <a:noFill/>
+          </a:ln>
+        </p:spPr>
+        <p:style>
+          <a:lnRef idx="1">
+            <a:schemeClr val="accent1"/>
+          </a:lnRef>
+          <a:fillRef idx="3">
+            <a:schemeClr val="accent1"/>
+          </a:fillRef>
+          <a:effectRef idx="2">
+            <a:schemeClr val="accent1"/>
+          </a:effectRef>
+          <a:fontRef idx="minor">
+            <a:schemeClr val="lt1"/>
+          </a:fontRef>
+        </p:style>
+        <p:txBody>
+          <a:bodyPr rtlCol="0" anchor="ctr"/>
+          <a:lstStyle/>
+          <a:p>
+            <a:pPr algn="ctr"/>
+          </a:p>
+        </p:txBody>
+      </p:sp>
+      <p:sp>
+        <p:nvSpPr>
+          <p:cNvPr id="11" name="Rectangle 10"/>
+          <p:cNvSpPr/>
+          <p:nvPr/>
+        </p:nvSpPr>
+        <p:spPr>
+          <a:xfrm>
+            <a:off x="8293608" y="1261872"/>
+            <a:ext cx="18288" cy="219456"/>
+          </a:xfrm>
+          <a:prstGeom prst="rect">
+            <a:avLst/>
+          </a:prstGeom>
+          <a:solidFill>
+            <a:srgbClr val="FFFFFF"/>
+          </a:solidFill>
+          <a:ln>
+            <a:noFill/>
+          </a:ln>
+        </p:spPr>
+        <p:style>
+          <a:lnRef idx="1">
+            <a:schemeClr val="accent1"/>
+          </a:lnRef>
+          <a:fillRef idx="3">
+            <a:schemeClr val="accent1"/>
+          </a:fillRef>
+          <a:effectRef idx="2">
+            <a:schemeClr val="accent1"/>
+          </a:effectRef>
+          <a:fontRef idx="minor">
+            <a:schemeClr val="lt1"/>
+          </a:fontRef>
+        </p:style>
+        <p:txBody>
+          <a:bodyPr rtlCol="0" anchor="ctr"/>
+          <a:lstStyle/>
+          <a:p>
+            <a:pPr algn="ctr"/>
+          </a:p>
+        </p:txBody>
+      </p:sp>
+      <p:sp>
+        <p:nvSpPr>
+          <p:cNvPr id="12" name="Rectangle 11"/>
+          <p:cNvSpPr/>
+          <p:nvPr/>
+        </p:nvSpPr>
+        <p:spPr>
+          <a:xfrm>
+            <a:off x="8430768" y="1261872"/>
+            <a:ext cx="18288" cy="219456"/>
+          </a:xfrm>
+          <a:prstGeom prst="rect">
+            <a:avLst/>
+          </a:prstGeom>
+          <a:solidFill>
+            <a:srgbClr val="FFFFFF"/>
+          </a:solidFill>
+          <a:ln>
+            <a:noFill/>
+          </a:ln>
+        </p:spPr>
+        <p:style>
+          <a:lnRef idx="1">
+            <a:schemeClr val="accent1"/>
+          </a:lnRef>
+          <a:fillRef idx="3">
+            <a:schemeClr val="accent1"/>
+          </a:fillRef>
+          <a:effectRef idx="2">
+            <a:schemeClr val="accent1"/>
+          </a:effectRef>
+          <a:fontRef idx="minor">
+            <a:schemeClr val="lt1"/>
+          </a:fontRef>
+        </p:style>
+        <p:txBody>
+          <a:bodyPr rtlCol="0" anchor="ctr"/>
+          <a:lstStyle/>
+          <a:p>
+            <a:pPr algn="ctr"/>
+          </a:p>
+        </p:txBody>
+      </p:sp>
+      <p:sp>
+        <p:nvSpPr>
+          <p:cNvPr id="13" name="Rectangle 12"/>
           <p:cNvSpPr/>
           <p:nvPr/>
         </p:nvSpPr>
@@ -3267,7 +4205,7 @@
       </p:sp>
       <p:sp>
         <p:nvSpPr>
-          <p:cNvPr id="10" name="Rectangle 9"/>
+          <p:cNvPr id="14" name="Rectangle 13"/>
           <p:cNvSpPr/>
           <p:nvPr/>
         </p:nvSpPr>
@@ -3307,7 +4245,7 @@
       </p:sp>
       <p:sp>
         <p:nvSpPr>
-          <p:cNvPr id="11" name="TextBox 10"/>
+          <p:cNvPr id="15" name="TextBox 14"/>
           <p:cNvSpPr txBox="1"/>
           <p:nvPr/>
         </p:nvSpPr>
@@ -3342,7 +4280,7 @@
       </p:sp>
       <p:sp>
         <p:nvSpPr>
-          <p:cNvPr id="12" name="TextBox 11"/>
+          <p:cNvPr id="16" name="TextBox 15"/>
           <p:cNvSpPr txBox="1"/>
           <p:nvPr/>
         </p:nvSpPr>
@@ -3377,7 +4315,7 @@
       </p:sp>
       <p:sp>
         <p:nvSpPr>
-          <p:cNvPr id="13" name="TextBox 12"/>
+          <p:cNvPr id="17" name="TextBox 16"/>
           <p:cNvSpPr txBox="1"/>
           <p:nvPr/>
         </p:nvSpPr>
@@ -3412,7 +4350,7 @@
       </p:sp>
       <p:sp>
         <p:nvSpPr>
-          <p:cNvPr id="14" name="TextBox 13"/>
+          <p:cNvPr id="18" name="TextBox 17"/>
           <p:cNvSpPr txBox="1"/>
           <p:nvPr/>
         </p:nvSpPr>
@@ -3653,14 +4591,59 @@
       </p:pic>
       <p:sp>
         <p:nvSpPr>
-          <p:cNvPr id="9" name="Rectangle 8"/>
+          <p:cNvPr id="9" name="Oval 8"/>
           <p:cNvSpPr/>
           <p:nvPr/>
         </p:nvSpPr>
         <p:spPr>
           <a:xfrm>
-            <a:off x="301752" y="1499616"/>
-            <a:ext cx="8531352" cy="1417320"/>
+            <a:off x="7955279" y="1005840"/>
+            <a:ext cx="640080" cy="192024"/>
+          </a:xfrm>
+          <a:prstGeom prst="ellipse">
+            <a:avLst/>
+          </a:prstGeom>
+          <a:solidFill>
+            <a:srgbClr val="6366F1"/>
+          </a:solidFill>
+          <a:ln w="25400">
+            <a:solidFill>
+              <a:srgbClr val="6366F1"/>
+            </a:solidFill>
+          </a:ln>
+        </p:spPr>
+        <p:style>
+          <a:lnRef idx="1">
+            <a:schemeClr val="accent1"/>
+          </a:lnRef>
+          <a:fillRef idx="3">
+            <a:schemeClr val="accent1"/>
+          </a:fillRef>
+          <a:effectRef idx="2">
+            <a:schemeClr val="accent1"/>
+          </a:effectRef>
+          <a:fontRef idx="minor">
+            <a:schemeClr val="lt1"/>
+          </a:fontRef>
+        </p:style>
+        <p:txBody>
+          <a:bodyPr rtlCol="0" anchor="ctr"/>
+          <a:lstStyle/>
+          <a:p>
+            <a:pPr algn="ctr"/>
+          </a:p>
+        </p:txBody>
+      </p:sp>
+      <p:sp>
+        <p:nvSpPr>
+          <p:cNvPr id="10" name="Rectangle 9"/>
+          <p:cNvSpPr/>
+          <p:nvPr/>
+        </p:nvSpPr>
+        <p:spPr>
+          <a:xfrm>
+            <a:off x="7955279" y="1101852"/>
+            <a:ext cx="640080" cy="320040"/>
           </a:xfrm>
           <a:prstGeom prst="rect">
             <a:avLst/>
@@ -3696,7 +4679,95 @@
       </p:sp>
       <p:sp>
         <p:nvSpPr>
-          <p:cNvPr id="10" name="TextBox 9"/>
+          <p:cNvPr id="11" name="Oval 10"/>
+          <p:cNvSpPr/>
+          <p:nvPr/>
+        </p:nvSpPr>
+        <p:spPr>
+          <a:xfrm>
+            <a:off x="7955279" y="1357884"/>
+            <a:ext cx="640080" cy="192024"/>
+          </a:xfrm>
+          <a:prstGeom prst="ellipse">
+            <a:avLst/>
+          </a:prstGeom>
+          <a:solidFill>
+            <a:srgbClr val="6366F1"/>
+          </a:solidFill>
+          <a:ln w="25400">
+            <a:solidFill>
+              <a:srgbClr val="6366F1"/>
+            </a:solidFill>
+          </a:ln>
+        </p:spPr>
+        <p:style>
+          <a:lnRef idx="1">
+            <a:schemeClr val="accent1"/>
+          </a:lnRef>
+          <a:fillRef idx="3">
+            <a:schemeClr val="accent1"/>
+          </a:fillRef>
+          <a:effectRef idx="2">
+            <a:schemeClr val="accent1"/>
+          </a:effectRef>
+          <a:fontRef idx="minor">
+            <a:schemeClr val="lt1"/>
+          </a:fontRef>
+        </p:style>
+        <p:txBody>
+          <a:bodyPr rtlCol="0" anchor="ctr"/>
+          <a:lstStyle/>
+          <a:p>
+            <a:pPr algn="ctr"/>
+          </a:p>
+        </p:txBody>
+      </p:sp>
+      <p:sp>
+        <p:nvSpPr>
+          <p:cNvPr id="12" name="Rectangle 11"/>
+          <p:cNvSpPr/>
+          <p:nvPr/>
+        </p:nvSpPr>
+        <p:spPr>
+          <a:xfrm>
+            <a:off x="301752" y="1499616"/>
+            <a:ext cx="8531352" cy="1417320"/>
+          </a:xfrm>
+          <a:prstGeom prst="rect">
+            <a:avLst/>
+          </a:prstGeom>
+          <a:solidFill>
+            <a:srgbClr val="6366F1"/>
+          </a:solidFill>
+          <a:ln>
+            <a:noFill/>
+          </a:ln>
+        </p:spPr>
+        <p:style>
+          <a:lnRef idx="1">
+            <a:schemeClr val="accent1"/>
+          </a:lnRef>
+          <a:fillRef idx="3">
+            <a:schemeClr val="accent1"/>
+          </a:fillRef>
+          <a:effectRef idx="2">
+            <a:schemeClr val="accent1"/>
+          </a:effectRef>
+          <a:fontRef idx="minor">
+            <a:schemeClr val="lt1"/>
+          </a:fontRef>
+        </p:style>
+        <p:txBody>
+          <a:bodyPr rtlCol="0" anchor="ctr"/>
+          <a:lstStyle/>
+          <a:p>
+            <a:pPr algn="ctr"/>
+          </a:p>
+        </p:txBody>
+      </p:sp>
+      <p:sp>
+        <p:nvSpPr>
+          <p:cNvPr id="13" name="TextBox 12"/>
           <p:cNvSpPr txBox="1"/>
           <p:nvPr/>
         </p:nvSpPr>
@@ -3732,7 +4803,7 @@
       </p:sp>
       <p:sp>
         <p:nvSpPr>
-          <p:cNvPr id="11" name="Rectangle 10"/>
+          <p:cNvPr id="14" name="Rectangle 13"/>
           <p:cNvSpPr/>
           <p:nvPr/>
         </p:nvSpPr>
@@ -3775,7 +4846,7 @@
       </p:sp>
       <p:sp>
         <p:nvSpPr>
-          <p:cNvPr id="12" name="TextBox 11"/>
+          <p:cNvPr id="15" name="TextBox 14"/>
           <p:cNvSpPr txBox="1"/>
           <p:nvPr/>
         </p:nvSpPr>
@@ -3811,7 +4882,7 @@
       </p:sp>
       <p:sp>
         <p:nvSpPr>
-          <p:cNvPr id="13" name="TextBox 12"/>
+          <p:cNvPr id="16" name="TextBox 15"/>
           <p:cNvSpPr txBox="1"/>
           <p:nvPr/>
         </p:nvSpPr>
@@ -3847,7 +4918,7 @@
       </p:sp>
       <p:sp>
         <p:nvSpPr>
-          <p:cNvPr id="14" name="Rectangle 13"/>
+          <p:cNvPr id="17" name="Rectangle 16"/>
           <p:cNvSpPr/>
           <p:nvPr/>
         </p:nvSpPr>
@@ -3890,7 +4961,7 @@
       </p:sp>
       <p:sp>
         <p:nvSpPr>
-          <p:cNvPr id="15" name="TextBox 14"/>
+          <p:cNvPr id="18" name="TextBox 17"/>
           <p:cNvSpPr txBox="1"/>
           <p:nvPr/>
         </p:nvSpPr>
@@ -3926,7 +4997,7 @@
       </p:sp>
       <p:sp>
         <p:nvSpPr>
-          <p:cNvPr id="16" name="TextBox 15"/>
+          <p:cNvPr id="19" name="TextBox 18"/>
           <p:cNvSpPr txBox="1"/>
           <p:nvPr/>
         </p:nvSpPr>
@@ -3962,7 +5033,7 @@
       </p:sp>
       <p:sp>
         <p:nvSpPr>
-          <p:cNvPr id="17" name="Rectangle 16"/>
+          <p:cNvPr id="20" name="Rectangle 19"/>
           <p:cNvSpPr/>
           <p:nvPr/>
         </p:nvSpPr>
@@ -4005,7 +5076,7 @@
       </p:sp>
       <p:sp>
         <p:nvSpPr>
-          <p:cNvPr id="18" name="TextBox 17"/>
+          <p:cNvPr id="21" name="TextBox 20"/>
           <p:cNvSpPr txBox="1"/>
           <p:nvPr/>
         </p:nvSpPr>
@@ -4041,7 +5112,7 @@
       </p:sp>
       <p:sp>
         <p:nvSpPr>
-          <p:cNvPr id="19" name="TextBox 18"/>
+          <p:cNvPr id="22" name="TextBox 21"/>
           <p:cNvSpPr txBox="1"/>
           <p:nvPr/>
         </p:nvSpPr>
@@ -4243,7 +5314,93 @@
       </p:pic>
       <p:sp>
         <p:nvSpPr>
-          <p:cNvPr id="9" name="Rectangle 8"/>
+          <p:cNvPr id="9" name="Rounded Rectangle 8"/>
+          <p:cNvSpPr/>
+          <p:nvPr/>
+        </p:nvSpPr>
+        <p:spPr>
+          <a:xfrm>
+            <a:off x="8046720" y="1133856"/>
+            <a:ext cx="640080" cy="384048"/>
+          </a:xfrm>
+          <a:prstGeom prst="roundRect">
+            <a:avLst/>
+          </a:prstGeom>
+          <a:solidFill>
+            <a:srgbClr val="EC4899"/>
+          </a:solidFill>
+          <a:ln>
+            <a:noFill/>
+          </a:ln>
+        </p:spPr>
+        <p:style>
+          <a:lnRef idx="1">
+            <a:schemeClr val="accent1"/>
+          </a:lnRef>
+          <a:fillRef idx="3">
+            <a:schemeClr val="accent1"/>
+          </a:fillRef>
+          <a:effectRef idx="2">
+            <a:schemeClr val="accent1"/>
+          </a:effectRef>
+          <a:fontRef idx="minor">
+            <a:schemeClr val="lt1"/>
+          </a:fontRef>
+        </p:style>
+        <p:txBody>
+          <a:bodyPr rtlCol="0" anchor="ctr"/>
+          <a:lstStyle/>
+          <a:p>
+            <a:pPr algn="ctr"/>
+          </a:p>
+        </p:txBody>
+      </p:sp>
+      <p:sp>
+        <p:nvSpPr>
+          <p:cNvPr id="10" name="Oval 9"/>
+          <p:cNvSpPr/>
+          <p:nvPr/>
+        </p:nvSpPr>
+        <p:spPr>
+          <a:xfrm>
+            <a:off x="8238744" y="1197864"/>
+            <a:ext cx="256031" cy="256031"/>
+          </a:xfrm>
+          <a:prstGeom prst="ellipse">
+            <a:avLst/>
+          </a:prstGeom>
+          <a:solidFill>
+            <a:srgbClr val="FFFFFF"/>
+          </a:solidFill>
+          <a:ln>
+            <a:noFill/>
+          </a:ln>
+        </p:spPr>
+        <p:style>
+          <a:lnRef idx="1">
+            <a:schemeClr val="accent1"/>
+          </a:lnRef>
+          <a:fillRef idx="3">
+            <a:schemeClr val="accent1"/>
+          </a:fillRef>
+          <a:effectRef idx="2">
+            <a:schemeClr val="accent1"/>
+          </a:effectRef>
+          <a:fontRef idx="minor">
+            <a:schemeClr val="lt1"/>
+          </a:fontRef>
+        </p:style>
+        <p:txBody>
+          <a:bodyPr rtlCol="0" anchor="ctr"/>
+          <a:lstStyle/>
+          <a:p>
+            <a:pPr algn="ctr"/>
+          </a:p>
+        </p:txBody>
+      </p:sp>
+      <p:sp>
+        <p:nvSpPr>
+          <p:cNvPr id="11" name="Rectangle 10"/>
           <p:cNvSpPr/>
           <p:nvPr/>
         </p:nvSpPr>
@@ -4288,7 +5445,7 @@
       </p:sp>
       <p:sp>
         <p:nvSpPr>
-          <p:cNvPr id="10" name="TextBox 9"/>
+          <p:cNvPr id="12" name="TextBox 11"/>
           <p:cNvSpPr txBox="1"/>
           <p:nvPr/>
         </p:nvSpPr>
@@ -4324,7 +5481,7 @@
       </p:sp>
       <p:sp>
         <p:nvSpPr>
-          <p:cNvPr id="11" name="TextBox 10"/>
+          <p:cNvPr id="13" name="TextBox 12"/>
           <p:cNvSpPr txBox="1"/>
           <p:nvPr/>
         </p:nvSpPr>
@@ -4365,7 +5522,7 @@
       </p:sp>
       <p:sp>
         <p:nvSpPr>
-          <p:cNvPr id="12" name="Rectangle 11"/>
+          <p:cNvPr id="14" name="Rectangle 13"/>
           <p:cNvSpPr/>
           <p:nvPr/>
         </p:nvSpPr>
@@ -4410,7 +5567,7 @@
       </p:sp>
       <p:sp>
         <p:nvSpPr>
-          <p:cNvPr id="13" name="TextBox 12"/>
+          <p:cNvPr id="15" name="TextBox 14"/>
           <p:cNvSpPr txBox="1"/>
           <p:nvPr/>
         </p:nvSpPr>
@@ -4446,7 +5603,7 @@
       </p:sp>
       <p:sp>
         <p:nvSpPr>
-          <p:cNvPr id="14" name="TextBox 13"/>
+          <p:cNvPr id="16" name="TextBox 15"/>
           <p:cNvSpPr txBox="1"/>
           <p:nvPr/>
         </p:nvSpPr>
@@ -4487,7 +5644,7 @@
       </p:sp>
       <p:sp>
         <p:nvSpPr>
-          <p:cNvPr id="15" name="Rectangle 14"/>
+          <p:cNvPr id="17" name="Rectangle 16"/>
           <p:cNvSpPr/>
           <p:nvPr/>
         </p:nvSpPr>
@@ -4532,7 +5689,7 @@
       </p:sp>
       <p:sp>
         <p:nvSpPr>
-          <p:cNvPr id="16" name="TextBox 15"/>
+          <p:cNvPr id="18" name="TextBox 17"/>
           <p:cNvSpPr txBox="1"/>
           <p:nvPr/>
         </p:nvSpPr>
@@ -4568,7 +5725,7 @@
       </p:sp>
       <p:sp>
         <p:nvSpPr>
-          <p:cNvPr id="17" name="TextBox 16"/>
+          <p:cNvPr id="19" name="TextBox 18"/>
           <p:cNvSpPr txBox="1"/>
           <p:nvPr/>
         </p:nvSpPr>
@@ -4609,7 +5766,7 @@
       </p:sp>
       <p:sp>
         <p:nvSpPr>
-          <p:cNvPr id="18" name="Rectangle 17"/>
+          <p:cNvPr id="20" name="Rectangle 19"/>
           <p:cNvSpPr/>
           <p:nvPr/>
         </p:nvSpPr>
@@ -4654,7 +5811,7 @@
       </p:sp>
       <p:sp>
         <p:nvSpPr>
-          <p:cNvPr id="19" name="TextBox 18"/>
+          <p:cNvPr id="21" name="TextBox 20"/>
           <p:cNvSpPr txBox="1"/>
           <p:nvPr/>
         </p:nvSpPr>
@@ -4690,7 +5847,7 @@
       </p:sp>
       <p:sp>
         <p:nvSpPr>
-          <p:cNvPr id="20" name="TextBox 19"/>
+          <p:cNvPr id="22" name="TextBox 21"/>
           <p:cNvSpPr txBox="1"/>
           <p:nvPr/>
         </p:nvSpPr>
@@ -4897,16 +6054,16 @@
       </p:pic>
       <p:sp>
         <p:nvSpPr>
-          <p:cNvPr id="9" name="Rectangle 8"/>
+          <p:cNvPr id="9" name="Rounded Rectangle 8"/>
           <p:cNvSpPr/>
           <p:nvPr/>
         </p:nvSpPr>
         <p:spPr>
           <a:xfrm>
-            <a:off x="548640" y="1197864"/>
-            <a:ext cx="8055864" cy="1673352"/>
-          </a:xfrm>
-          <a:prstGeom prst="rect">
+            <a:off x="7955279" y="914400"/>
+            <a:ext cx="457200" cy="548640"/>
+          </a:xfrm>
+          <a:prstGeom prst="roundRect">
             <a:avLst/>
           </a:prstGeom>
           <a:solidFill>
@@ -4940,7 +6097,179 @@
       </p:sp>
       <p:sp>
         <p:nvSpPr>
-          <p:cNvPr id="10" name="TextBox 9"/>
+          <p:cNvPr id="10" name="Rectangle 9"/>
+          <p:cNvSpPr/>
+          <p:nvPr/>
+        </p:nvSpPr>
+        <p:spPr>
+          <a:xfrm>
+            <a:off x="8046719" y="1097280"/>
+            <a:ext cx="274320" cy="36576"/>
+          </a:xfrm>
+          <a:prstGeom prst="rect">
+            <a:avLst/>
+          </a:prstGeom>
+          <a:solidFill>
+            <a:srgbClr val="FFFFFF"/>
+          </a:solidFill>
+          <a:ln>
+            <a:noFill/>
+          </a:ln>
+        </p:spPr>
+        <p:style>
+          <a:lnRef idx="1">
+            <a:schemeClr val="accent1"/>
+          </a:lnRef>
+          <a:fillRef idx="3">
+            <a:schemeClr val="accent1"/>
+          </a:fillRef>
+          <a:effectRef idx="2">
+            <a:schemeClr val="accent1"/>
+          </a:effectRef>
+          <a:fontRef idx="minor">
+            <a:schemeClr val="lt1"/>
+          </a:fontRef>
+        </p:style>
+        <p:txBody>
+          <a:bodyPr rtlCol="0" anchor="ctr"/>
+          <a:lstStyle/>
+          <a:p>
+            <a:pPr algn="ctr"/>
+          </a:p>
+        </p:txBody>
+      </p:sp>
+      <p:sp>
+        <p:nvSpPr>
+          <p:cNvPr id="11" name="Rectangle 10"/>
+          <p:cNvSpPr/>
+          <p:nvPr/>
+        </p:nvSpPr>
+        <p:spPr>
+          <a:xfrm>
+            <a:off x="8046719" y="1325880"/>
+            <a:ext cx="274320" cy="36576"/>
+          </a:xfrm>
+          <a:prstGeom prst="rect">
+            <a:avLst/>
+          </a:prstGeom>
+          <a:solidFill>
+            <a:srgbClr val="FFFFFF"/>
+          </a:solidFill>
+          <a:ln>
+            <a:noFill/>
+          </a:ln>
+        </p:spPr>
+        <p:style>
+          <a:lnRef idx="1">
+            <a:schemeClr val="accent1"/>
+          </a:lnRef>
+          <a:fillRef idx="3">
+            <a:schemeClr val="accent1"/>
+          </a:fillRef>
+          <a:effectRef idx="2">
+            <a:schemeClr val="accent1"/>
+          </a:effectRef>
+          <a:fontRef idx="minor">
+            <a:schemeClr val="lt1"/>
+          </a:fontRef>
+        </p:style>
+        <p:txBody>
+          <a:bodyPr rtlCol="0" anchor="ctr"/>
+          <a:lstStyle/>
+          <a:p>
+            <a:pPr algn="ctr"/>
+          </a:p>
+        </p:txBody>
+      </p:sp>
+      <p:sp>
+        <p:nvSpPr>
+          <p:cNvPr id="12" name="Rectangle 11"/>
+          <p:cNvSpPr/>
+          <p:nvPr/>
+        </p:nvSpPr>
+        <p:spPr>
+          <a:xfrm>
+            <a:off x="8046719" y="1554480"/>
+            <a:ext cx="274320" cy="36576"/>
+          </a:xfrm>
+          <a:prstGeom prst="rect">
+            <a:avLst/>
+          </a:prstGeom>
+          <a:solidFill>
+            <a:srgbClr val="FFFFFF"/>
+          </a:solidFill>
+          <a:ln>
+            <a:noFill/>
+          </a:ln>
+        </p:spPr>
+        <p:style>
+          <a:lnRef idx="1">
+            <a:schemeClr val="accent1"/>
+          </a:lnRef>
+          <a:fillRef idx="3">
+            <a:schemeClr val="accent1"/>
+          </a:fillRef>
+          <a:effectRef idx="2">
+            <a:schemeClr val="accent1"/>
+          </a:effectRef>
+          <a:fontRef idx="minor">
+            <a:schemeClr val="lt1"/>
+          </a:fontRef>
+        </p:style>
+        <p:txBody>
+          <a:bodyPr rtlCol="0" anchor="ctr"/>
+          <a:lstStyle/>
+          <a:p>
+            <a:pPr algn="ctr"/>
+          </a:p>
+        </p:txBody>
+      </p:sp>
+      <p:sp>
+        <p:nvSpPr>
+          <p:cNvPr id="13" name="Rectangle 12"/>
+          <p:cNvSpPr/>
+          <p:nvPr/>
+        </p:nvSpPr>
+        <p:spPr>
+          <a:xfrm>
+            <a:off x="548640" y="1197864"/>
+            <a:ext cx="8055864" cy="1673352"/>
+          </a:xfrm>
+          <a:prstGeom prst="rect">
+            <a:avLst/>
+          </a:prstGeom>
+          <a:solidFill>
+            <a:srgbClr val="22C55E"/>
+          </a:solidFill>
+          <a:ln>
+            <a:noFill/>
+          </a:ln>
+        </p:spPr>
+        <p:style>
+          <a:lnRef idx="1">
+            <a:schemeClr val="accent1"/>
+          </a:lnRef>
+          <a:fillRef idx="3">
+            <a:schemeClr val="accent1"/>
+          </a:fillRef>
+          <a:effectRef idx="2">
+            <a:schemeClr val="accent1"/>
+          </a:effectRef>
+          <a:fontRef idx="minor">
+            <a:schemeClr val="lt1"/>
+          </a:fontRef>
+        </p:style>
+        <p:txBody>
+          <a:bodyPr rtlCol="0" anchor="ctr"/>
+          <a:lstStyle/>
+          <a:p>
+            <a:pPr algn="ctr"/>
+          </a:p>
+        </p:txBody>
+      </p:sp>
+      <p:sp>
+        <p:nvSpPr>
+          <p:cNvPr id="14" name="TextBox 13"/>
           <p:cNvSpPr txBox="1"/>
           <p:nvPr/>
         </p:nvSpPr>
@@ -4976,7 +6305,7 @@
       </p:sp>
       <p:sp>
         <p:nvSpPr>
-          <p:cNvPr id="11" name="Rectangle 10"/>
+          <p:cNvPr id="15" name="Rectangle 14"/>
           <p:cNvSpPr/>
           <p:nvPr/>
         </p:nvSpPr>
@@ -5019,7 +6348,7 @@
       </p:sp>
       <p:sp>
         <p:nvSpPr>
-          <p:cNvPr id="12" name="Rectangle 11"/>
+          <p:cNvPr id="16" name="Rectangle 15"/>
           <p:cNvSpPr/>
           <p:nvPr/>
         </p:nvSpPr>
@@ -5059,7 +6388,7 @@
       </p:sp>
       <p:sp>
         <p:nvSpPr>
-          <p:cNvPr id="13" name="TextBox 12"/>
+          <p:cNvPr id="17" name="TextBox 16"/>
           <p:cNvSpPr txBox="1"/>
           <p:nvPr/>
         </p:nvSpPr>
@@ -5095,7 +6424,7 @@
       </p:sp>
       <p:sp>
         <p:nvSpPr>
-          <p:cNvPr id="14" name="TextBox 13"/>
+          <p:cNvPr id="18" name="TextBox 17"/>
           <p:cNvSpPr txBox="1"/>
           <p:nvPr/>
         </p:nvSpPr>
@@ -5303,6 +6632,178 @@
         </p:nvSpPr>
         <p:spPr>
           <a:xfrm>
+            <a:off x="8001000" y="1453896"/>
+            <a:ext cx="82295" cy="192024"/>
+          </a:xfrm>
+          <a:prstGeom prst="rect">
+            <a:avLst/>
+          </a:prstGeom>
+          <a:solidFill>
+            <a:srgbClr val="F59E0B"/>
+          </a:solidFill>
+          <a:ln>
+            <a:noFill/>
+          </a:ln>
+        </p:spPr>
+        <p:style>
+          <a:lnRef idx="1">
+            <a:schemeClr val="accent1"/>
+          </a:lnRef>
+          <a:fillRef idx="3">
+            <a:schemeClr val="accent1"/>
+          </a:fillRef>
+          <a:effectRef idx="2">
+            <a:schemeClr val="accent1"/>
+          </a:effectRef>
+          <a:fontRef idx="minor">
+            <a:schemeClr val="lt1"/>
+          </a:fontRef>
+        </p:style>
+        <p:txBody>
+          <a:bodyPr rtlCol="0" anchor="ctr"/>
+          <a:lstStyle/>
+          <a:p>
+            <a:pPr algn="ctr"/>
+          </a:p>
+        </p:txBody>
+      </p:sp>
+      <p:sp>
+        <p:nvSpPr>
+          <p:cNvPr id="10" name="Rectangle 9"/>
+          <p:cNvSpPr/>
+          <p:nvPr/>
+        </p:nvSpPr>
+        <p:spPr>
+          <a:xfrm>
+            <a:off x="8129016" y="1261872"/>
+            <a:ext cx="82295" cy="384048"/>
+          </a:xfrm>
+          <a:prstGeom prst="rect">
+            <a:avLst/>
+          </a:prstGeom>
+          <a:solidFill>
+            <a:srgbClr val="F59E0B"/>
+          </a:solidFill>
+          <a:ln>
+            <a:noFill/>
+          </a:ln>
+        </p:spPr>
+        <p:style>
+          <a:lnRef idx="1">
+            <a:schemeClr val="accent1"/>
+          </a:lnRef>
+          <a:fillRef idx="3">
+            <a:schemeClr val="accent1"/>
+          </a:fillRef>
+          <a:effectRef idx="2">
+            <a:schemeClr val="accent1"/>
+          </a:effectRef>
+          <a:fontRef idx="minor">
+            <a:schemeClr val="lt1"/>
+          </a:fontRef>
+        </p:style>
+        <p:txBody>
+          <a:bodyPr rtlCol="0" anchor="ctr"/>
+          <a:lstStyle/>
+          <a:p>
+            <a:pPr algn="ctr"/>
+          </a:p>
+        </p:txBody>
+      </p:sp>
+      <p:sp>
+        <p:nvSpPr>
+          <p:cNvPr id="11" name="Rectangle 10"/>
+          <p:cNvSpPr/>
+          <p:nvPr/>
+        </p:nvSpPr>
+        <p:spPr>
+          <a:xfrm>
+            <a:off x="8257031" y="1389888"/>
+            <a:ext cx="82295" cy="256031"/>
+          </a:xfrm>
+          <a:prstGeom prst="rect">
+            <a:avLst/>
+          </a:prstGeom>
+          <a:solidFill>
+            <a:srgbClr val="F59E0B"/>
+          </a:solidFill>
+          <a:ln>
+            <a:noFill/>
+          </a:ln>
+        </p:spPr>
+        <p:style>
+          <a:lnRef idx="1">
+            <a:schemeClr val="accent1"/>
+          </a:lnRef>
+          <a:fillRef idx="3">
+            <a:schemeClr val="accent1"/>
+          </a:fillRef>
+          <a:effectRef idx="2">
+            <a:schemeClr val="accent1"/>
+          </a:effectRef>
+          <a:fontRef idx="minor">
+            <a:schemeClr val="lt1"/>
+          </a:fontRef>
+        </p:style>
+        <p:txBody>
+          <a:bodyPr rtlCol="0" anchor="ctr"/>
+          <a:lstStyle/>
+          <a:p>
+            <a:pPr algn="ctr"/>
+          </a:p>
+        </p:txBody>
+      </p:sp>
+      <p:sp>
+        <p:nvSpPr>
+          <p:cNvPr id="12" name="Rectangle 11"/>
+          <p:cNvSpPr/>
+          <p:nvPr/>
+        </p:nvSpPr>
+        <p:spPr>
+          <a:xfrm>
+            <a:off x="8385048" y="1197864"/>
+            <a:ext cx="82295" cy="448055"/>
+          </a:xfrm>
+          <a:prstGeom prst="rect">
+            <a:avLst/>
+          </a:prstGeom>
+          <a:solidFill>
+            <a:srgbClr val="F59E0B"/>
+          </a:solidFill>
+          <a:ln>
+            <a:noFill/>
+          </a:ln>
+        </p:spPr>
+        <p:style>
+          <a:lnRef idx="1">
+            <a:schemeClr val="accent1"/>
+          </a:lnRef>
+          <a:fillRef idx="3">
+            <a:schemeClr val="accent1"/>
+          </a:fillRef>
+          <a:effectRef idx="2">
+            <a:schemeClr val="accent1"/>
+          </a:effectRef>
+          <a:fontRef idx="minor">
+            <a:schemeClr val="lt1"/>
+          </a:fontRef>
+        </p:style>
+        <p:txBody>
+          <a:bodyPr rtlCol="0" anchor="ctr"/>
+          <a:lstStyle/>
+          <a:p>
+            <a:pPr algn="ctr"/>
+          </a:p>
+        </p:txBody>
+      </p:sp>
+      <p:sp>
+        <p:nvSpPr>
+          <p:cNvPr id="13" name="Rectangle 12"/>
+          <p:cNvSpPr/>
+          <p:nvPr/>
+        </p:nvSpPr>
+        <p:spPr>
+          <a:xfrm>
             <a:off x="228600" y="1563624"/>
             <a:ext cx="4114800" cy="1444752"/>
           </a:xfrm>
@@ -5340,7 +6841,7 @@
       </p:sp>
       <p:sp>
         <p:nvSpPr>
-          <p:cNvPr id="10" name="TextBox 9"/>
+          <p:cNvPr id="14" name="TextBox 13"/>
           <p:cNvSpPr txBox="1"/>
           <p:nvPr/>
         </p:nvSpPr>
@@ -5376,7 +6877,7 @@
       </p:sp>
       <p:sp>
         <p:nvSpPr>
-          <p:cNvPr id="11" name="TextBox 10"/>
+          <p:cNvPr id="15" name="TextBox 14"/>
           <p:cNvSpPr txBox="1"/>
           <p:nvPr/>
         </p:nvSpPr>
@@ -5412,7 +6913,7 @@
       </p:sp>
       <p:sp>
         <p:nvSpPr>
-          <p:cNvPr id="12" name="Rectangle 11"/>
+          <p:cNvPr id="16" name="Rectangle 15"/>
           <p:cNvSpPr/>
           <p:nvPr/>
         </p:nvSpPr>
@@ -5455,7 +6956,7 @@
       </p:sp>
       <p:sp>
         <p:nvSpPr>
-          <p:cNvPr id="13" name="TextBox 12"/>
+          <p:cNvPr id="17" name="TextBox 16"/>
           <p:cNvSpPr txBox="1"/>
           <p:nvPr/>
         </p:nvSpPr>
@@ -5491,7 +6992,7 @@
       </p:sp>
       <p:sp>
         <p:nvSpPr>
-          <p:cNvPr id="14" name="TextBox 13"/>
+          <p:cNvPr id="18" name="TextBox 17"/>
           <p:cNvSpPr txBox="1"/>
           <p:nvPr/>
         </p:nvSpPr>
@@ -5527,7 +7028,7 @@
       </p:sp>
       <p:sp>
         <p:nvSpPr>
-          <p:cNvPr id="15" name="Rectangle 14"/>
+          <p:cNvPr id="19" name="Rectangle 18"/>
           <p:cNvSpPr/>
           <p:nvPr/>
         </p:nvSpPr>
@@ -5570,7 +7071,7 @@
       </p:sp>
       <p:sp>
         <p:nvSpPr>
-          <p:cNvPr id="16" name="TextBox 15"/>
+          <p:cNvPr id="20" name="TextBox 19"/>
           <p:cNvSpPr txBox="1"/>
           <p:nvPr/>
         </p:nvSpPr>
@@ -5606,7 +7107,7 @@
       </p:sp>
       <p:sp>
         <p:nvSpPr>
-          <p:cNvPr id="17" name="TextBox 16"/>
+          <p:cNvPr id="21" name="TextBox 20"/>
           <p:cNvSpPr txBox="1"/>
           <p:nvPr/>
         </p:nvSpPr>
@@ -5642,7 +7143,7 @@
       </p:sp>
       <p:sp>
         <p:nvSpPr>
-          <p:cNvPr id="18" name="Rectangle 17"/>
+          <p:cNvPr id="22" name="Rectangle 21"/>
           <p:cNvSpPr/>
           <p:nvPr/>
         </p:nvSpPr>
@@ -5685,7 +7186,7 @@
       </p:sp>
       <p:sp>
         <p:nvSpPr>
-          <p:cNvPr id="19" name="TextBox 18"/>
+          <p:cNvPr id="23" name="TextBox 22"/>
           <p:cNvSpPr txBox="1"/>
           <p:nvPr/>
         </p:nvSpPr>
@@ -5721,7 +7222,7 @@
       </p:sp>
       <p:sp>
         <p:nvSpPr>
-          <p:cNvPr id="20" name="TextBox 19"/>
+          <p:cNvPr id="24" name="TextBox 23"/>
           <p:cNvSpPr txBox="1"/>
           <p:nvPr/>
         </p:nvSpPr>
@@ -7802,7 +9303,7 @@
                 </a:solidFill>
                 <a:latin typeface="Arial"/>
               </a:rPr>
-              <a:t>👥 Actividad Práctica</a:t>
+              <a:t>📝 Ejercicio: Mi Primer Dataset</a:t>
             </a:r>
           </a:p>
         </p:txBody>
@@ -7845,17 +9346,19 @@
         </p:nvSpPr>
         <p:spPr>
           <a:xfrm>
-            <a:off x="301752" y="1307592"/>
-            <a:ext cx="4041648" cy="758952"/>
+            <a:off x="301752" y="1097280"/>
+            <a:ext cx="8531352" cy="3931920"/>
           </a:xfrm>
           <a:prstGeom prst="rect">
             <a:avLst/>
           </a:prstGeom>
           <a:solidFill>
-            <a:srgbClr val="CFFAFE"/>
+            <a:srgbClr val="F3F4F6"/>
           </a:solidFill>
-          <a:ln>
-            <a:noFill/>
+          <a:ln w="38100">
+            <a:solidFill>
+              <a:srgbClr val="6366F1"/>
+            </a:solidFill>
           </a:ln>
         </p:spPr>
         <p:style>
@@ -7882,54 +9385,14 @@
       </p:sp>
       <p:sp>
         <p:nvSpPr>
-          <p:cNvPr id="10" name="Rectangle 9"/>
-          <p:cNvSpPr/>
-          <p:nvPr/>
-        </p:nvSpPr>
-        <p:spPr>
-          <a:xfrm>
-            <a:off x="329184" y="1307592"/>
-            <a:ext cx="0" cy="758952"/>
-          </a:xfrm>
-          <a:prstGeom prst="rect">
-            <a:avLst/>
-          </a:prstGeom>
-          <a:ln>
-            <a:noFill/>
-          </a:ln>
-        </p:spPr>
-        <p:style>
-          <a:lnRef idx="1">
-            <a:schemeClr val="accent1"/>
-          </a:lnRef>
-          <a:fillRef idx="3">
-            <a:schemeClr val="accent1"/>
-          </a:fillRef>
-          <a:effectRef idx="2">
-            <a:schemeClr val="accent1"/>
-          </a:effectRef>
-          <a:fontRef idx="minor">
-            <a:schemeClr val="lt1"/>
-          </a:fontRef>
-        </p:style>
-        <p:txBody>
-          <a:bodyPr rtlCol="0" anchor="ctr"/>
-          <a:lstStyle/>
-          <a:p>
-            <a:pPr algn="ctr"/>
-          </a:p>
-        </p:txBody>
-      </p:sp>
-      <p:sp>
-        <p:nvSpPr>
-          <p:cNvPr id="11" name="TextBox 10"/>
-          <p:cNvSpPr txBox="1"/>
-          <p:nvPr/>
-        </p:nvSpPr>
-        <p:spPr>
-          <a:xfrm>
-            <a:off x="594360" y="1536192"/>
-            <a:ext cx="2551176" cy="301752"/>
+          <p:cNvPr id="10" name="TextBox 9"/>
+          <p:cNvSpPr txBox="1"/>
+          <p:nvPr/>
+        </p:nvSpPr>
+        <p:spPr>
+          <a:xfrm>
+            <a:off x="548640" y="1371600"/>
+            <a:ext cx="8046720" cy="365760"/>
           </a:xfrm>
           <a:prstGeom prst="rect">
             <a:avLst/>
@@ -7942,251 +9405,68 @@
           </a:bodyPr>
           <a:lstStyle/>
           <a:p>
-            <a:pPr algn="l">
-              <a:defRPr sz="1800" b="1">
-                <a:solidFill>
-                  <a:srgbClr val="06B6D4"/>
+            <a:pPr algn="ctr">
+              <a:defRPr sz="2000" b="1">
+                <a:solidFill>
+                  <a:srgbClr val="6366F1"/>
                 </a:solidFill>
                 <a:latin typeface="Arial"/>
               </a:defRPr>
             </a:pPr>
             <a:r>
-              <a:t>⏱️ Tiempo: 20 minutos</a:t>
-            </a:r>
-          </a:p>
-        </p:txBody>
-      </p:sp>
-      <p:sp>
-        <p:nvSpPr>
-          <p:cNvPr id="12" name="TextBox 11"/>
-          <p:cNvSpPr txBox="1"/>
-          <p:nvPr/>
-        </p:nvSpPr>
-        <p:spPr>
-          <a:xfrm>
-            <a:off x="301752" y="2194560"/>
-            <a:ext cx="4114800" cy="265176"/>
-          </a:xfrm>
-          <a:prstGeom prst="rect">
-            <a:avLst/>
-          </a:prstGeom>
-          <a:noFill/>
-        </p:spPr>
-        <p:txBody>
-          <a:bodyPr wrap="none">
+              <a:t>🎓 Proyecto: Construye un Clasificador de Objetos Escolares</a:t>
+            </a:r>
+          </a:p>
+        </p:txBody>
+      </p:sp>
+      <p:sp>
+        <p:nvSpPr>
+          <p:cNvPr id="11" name="TextBox 10"/>
+          <p:cNvSpPr txBox="1"/>
+          <p:nvPr/>
+        </p:nvSpPr>
+        <p:spPr>
+          <a:xfrm>
+            <a:off x="731520" y="1828800"/>
+            <a:ext cx="7680960" cy="457200"/>
+          </a:xfrm>
+          <a:prstGeom prst="rect">
+            <a:avLst/>
+          </a:prstGeom>
+          <a:noFill/>
+        </p:spPr>
+        <p:txBody>
+          <a:bodyPr wrap="square">
             <a:spAutoFit/>
           </a:bodyPr>
           <a:lstStyle/>
           <a:p>
             <a:pPr algn="l">
-              <a:defRPr sz="1500" b="1">
-                <a:solidFill>
-                  <a:srgbClr val="A855F7"/>
+              <a:defRPr sz="1300">
+                <a:solidFill>
+                  <a:srgbClr val="1E293B"/>
                 </a:solidFill>
                 <a:latin typeface="Arial"/>
               </a:defRPr>
             </a:pPr>
             <a:r>
-              <a:t>📝 Instrucciones</a:t>
-            </a:r>
-          </a:p>
-        </p:txBody>
-      </p:sp>
-      <p:sp>
-        <p:nvSpPr>
-          <p:cNvPr id="13" name="TextBox 12"/>
-          <p:cNvSpPr txBox="1"/>
-          <p:nvPr/>
-        </p:nvSpPr>
-        <p:spPr>
-          <a:xfrm>
-            <a:off x="301752" y="2569464"/>
-            <a:ext cx="4041648" cy="1179576"/>
-          </a:xfrm>
-          <a:prstGeom prst="rect">
-            <a:avLst/>
-          </a:prstGeom>
-          <a:noFill/>
-        </p:spPr>
-        <p:txBody>
-          <a:bodyPr wrap="square">
-            <a:spAutoFit/>
-          </a:bodyPr>
-          <a:lstStyle/>
-          <a:p>
-            <a:pPr algn="l">
-              <a:defRPr sz="1350">
-                <a:solidFill>
-                  <a:srgbClr val="1E293B"/>
-                </a:solidFill>
-                <a:latin typeface="Arial"/>
-              </a:defRPr>
-            </a:pPr>
-            <a:r>
-              <a:t>Define tu proyecto de IA</a:t>
-            </a:r>
-          </a:p>
-          <a:p>
-            <a:pPr algn="l">
-              <a:defRPr sz="1350">
-                <a:solidFill>
-                  <a:srgbClr val="1E293B"/>
-                </a:solidFill>
-                <a:latin typeface="Arial"/>
-              </a:defRPr>
-            </a:pPr>
-            <a:r>
-              <a:t>Identifica qué datos necesitas</a:t>
-            </a:r>
-          </a:p>
-          <a:p>
-            <a:pPr algn="l">
-              <a:defRPr sz="1350">
-                <a:solidFill>
-                  <a:srgbClr val="1E293B"/>
-                </a:solidFill>
-                <a:latin typeface="Arial"/>
-              </a:defRPr>
-            </a:pPr>
-            <a:r>
-              <a:t>Determina cuántas categorías tendrás</a:t>
-            </a:r>
-          </a:p>
-          <a:p>
-            <a:pPr algn="l">
-              <a:defRPr sz="1350">
-                <a:solidFill>
-                  <a:srgbClr val="1E293B"/>
-                </a:solidFill>
-                <a:latin typeface="Arial"/>
-              </a:defRPr>
-            </a:pPr>
-            <a:r>
-              <a:t>Comienza a recopilar ejemplos</a:t>
-            </a:r>
-          </a:p>
-        </p:txBody>
-      </p:sp>
-      <p:sp>
-        <p:nvSpPr>
-          <p:cNvPr id="14" name="TextBox 13"/>
-          <p:cNvSpPr txBox="1"/>
-          <p:nvPr/>
-        </p:nvSpPr>
-        <p:spPr>
-          <a:xfrm>
-            <a:off x="301752" y="3877056"/>
-            <a:ext cx="4114800" cy="265176"/>
-          </a:xfrm>
-          <a:prstGeom prst="rect">
-            <a:avLst/>
-          </a:prstGeom>
-          <a:noFill/>
-        </p:spPr>
-        <p:txBody>
-          <a:bodyPr wrap="none">
-            <a:spAutoFit/>
-          </a:bodyPr>
-          <a:lstStyle/>
-          <a:p>
-            <a:pPr algn="l">
-              <a:defRPr sz="1500" b="1">
-                <a:solidFill>
-                  <a:srgbClr val="F59E0B"/>
-                </a:solidFill>
-                <a:latin typeface="Arial"/>
-              </a:defRPr>
-            </a:pPr>
-            <a:r>
-              <a:t>💬 Presentación</a:t>
-            </a:r>
-          </a:p>
-        </p:txBody>
-      </p:sp>
-      <p:sp>
-        <p:nvSpPr>
-          <p:cNvPr id="15" name="TextBox 14"/>
-          <p:cNvSpPr txBox="1"/>
-          <p:nvPr/>
-        </p:nvSpPr>
-        <p:spPr>
-          <a:xfrm>
-            <a:off x="301752" y="4297680"/>
-            <a:ext cx="4114800" cy="228600"/>
-          </a:xfrm>
-          <a:prstGeom prst="rect">
-            <a:avLst/>
-          </a:prstGeom>
-          <a:noFill/>
-        </p:spPr>
-        <p:txBody>
-          <a:bodyPr wrap="none">
-            <a:spAutoFit/>
-          </a:bodyPr>
-          <a:lstStyle/>
-          <a:p>
-            <a:pPr algn="l">
-              <a:defRPr sz="1200">
-                <a:solidFill>
-                  <a:srgbClr val="1E293B"/>
-                </a:solidFill>
-                <a:latin typeface="Arial"/>
-              </a:defRPr>
-            </a:pPr>
-            <a:r>
-              <a:t>Comparte qué datos vas a recopilar y por qué.</a:t>
-            </a:r>
-          </a:p>
-        </p:txBody>
-      </p:sp>
-      <p:sp>
-        <p:nvSpPr>
-          <p:cNvPr id="16" name="TextBox 15"/>
-          <p:cNvSpPr txBox="1"/>
-          <p:nvPr/>
-        </p:nvSpPr>
-        <p:spPr>
-          <a:xfrm>
-            <a:off x="4800600" y="1682496"/>
-            <a:ext cx="4114800" cy="265176"/>
-          </a:xfrm>
-          <a:prstGeom prst="rect">
-            <a:avLst/>
-          </a:prstGeom>
-          <a:noFill/>
-        </p:spPr>
-        <p:txBody>
-          <a:bodyPr wrap="none">
-            <a:spAutoFit/>
-          </a:bodyPr>
-          <a:lstStyle/>
-          <a:p>
-            <a:pPr algn="l">
-              <a:defRPr sz="1500" b="1">
-                <a:solidFill>
-                  <a:srgbClr val="EC4899"/>
-                </a:solidFill>
-                <a:latin typeface="Arial"/>
-              </a:defRPr>
-            </a:pPr>
-            <a:r>
-              <a:t>📋 Ficha de Recopilación</a:t>
-            </a:r>
-          </a:p>
-        </p:txBody>
-      </p:sp>
-      <p:sp>
-        <p:nvSpPr>
-          <p:cNvPr id="17" name="Rectangle 16"/>
+              <a:t>Crea un modelo de IA que pueda reconocer 3 objetos escolares diferentes usando la cámara. Vas a recopilar tus propios datos y entrenar el modelo.</a:t>
+            </a:r>
+          </a:p>
+        </p:txBody>
+      </p:sp>
+      <p:sp>
+        <p:nvSpPr>
+          <p:cNvPr id="12" name="Rounded Rectangle 11"/>
           <p:cNvSpPr/>
           <p:nvPr/>
         </p:nvSpPr>
         <p:spPr>
           <a:xfrm>
-            <a:off x="4800600" y="2066543"/>
-            <a:ext cx="4041648" cy="2121408"/>
-          </a:xfrm>
-          <a:prstGeom prst="rect">
+            <a:off x="731520" y="2423160"/>
+            <a:ext cx="3657600" cy="1143000"/>
+          </a:xfrm>
+          <a:prstGeom prst="roundRect">
             <a:avLst/>
           </a:prstGeom>
           <a:solidFill>
@@ -8220,14 +9500,14 @@
       </p:sp>
       <p:sp>
         <p:nvSpPr>
-          <p:cNvPr id="18" name="TextBox 17"/>
-          <p:cNvSpPr txBox="1"/>
-          <p:nvPr/>
-        </p:nvSpPr>
-        <p:spPr>
-          <a:xfrm>
-            <a:off x="5001768" y="2267712"/>
-            <a:ext cx="3703320" cy="192024"/>
+          <p:cNvPr id="13" name="TextBox 12"/>
+          <p:cNvSpPr txBox="1"/>
+          <p:nvPr/>
+        </p:nvSpPr>
+        <p:spPr>
+          <a:xfrm>
+            <a:off x="914400" y="2560320"/>
+            <a:ext cx="3291840" cy="274320"/>
           </a:xfrm>
           <a:prstGeom prst="rect">
             <a:avLst/>
@@ -8241,43 +9521,43 @@
           <a:lstStyle/>
           <a:p>
             <a:pPr algn="l">
-              <a:defRPr sz="1050" b="1">
-                <a:solidFill>
-                  <a:srgbClr val="1E293B"/>
+              <a:defRPr sz="1400" b="1">
+                <a:solidFill>
+                  <a:srgbClr val="F59E0B"/>
                 </a:solidFill>
                 <a:latin typeface="Arial"/>
               </a:defRPr>
             </a:pPr>
             <a:r>
-              <a:t>Proyecto: _______________</a:t>
-            </a:r>
-          </a:p>
-        </p:txBody>
-      </p:sp>
-      <p:sp>
-        <p:nvSpPr>
-          <p:cNvPr id="19" name="TextBox 18"/>
-          <p:cNvSpPr txBox="1"/>
-          <p:nvPr/>
-        </p:nvSpPr>
-        <p:spPr>
-          <a:xfrm>
-            <a:off x="5001768" y="2569464"/>
-            <a:ext cx="3703320" cy="192024"/>
-          </a:xfrm>
-          <a:prstGeom prst="rect">
-            <a:avLst/>
-          </a:prstGeom>
-          <a:noFill/>
-        </p:spPr>
-        <p:txBody>
-          <a:bodyPr wrap="none">
+              <a:t>1️⃣ Selecciona tus objetos</a:t>
+            </a:r>
+          </a:p>
+        </p:txBody>
+      </p:sp>
+      <p:sp>
+        <p:nvSpPr>
+          <p:cNvPr id="14" name="TextBox 13"/>
+          <p:cNvSpPr txBox="1"/>
+          <p:nvPr/>
+        </p:nvSpPr>
+        <p:spPr>
+          <a:xfrm>
+            <a:off x="914400" y="2880360"/>
+            <a:ext cx="3291840" cy="548640"/>
+          </a:xfrm>
+          <a:prstGeom prst="rect">
+            <a:avLst/>
+          </a:prstGeom>
+          <a:noFill/>
+        </p:spPr>
+        <p:txBody>
+          <a:bodyPr wrap="square">
             <a:spAutoFit/>
           </a:bodyPr>
           <a:lstStyle/>
           <a:p>
             <a:pPr algn="l">
-              <a:defRPr sz="1050" b="1">
+              <a:defRPr sz="1100">
                 <a:solidFill>
                   <a:srgbClr val="1E293B"/>
                 </a:solidFill>
@@ -8285,21 +9565,74 @@
               </a:defRPr>
             </a:pPr>
             <a:r>
-              <a:t>Tipo de datos: _______________</a:t>
-            </a:r>
-          </a:p>
-        </p:txBody>
-      </p:sp>
-      <p:sp>
-        <p:nvSpPr>
-          <p:cNvPr id="20" name="TextBox 19"/>
-          <p:cNvSpPr txBox="1"/>
-          <p:nvPr/>
-        </p:nvSpPr>
-        <p:spPr>
-          <a:xfrm>
-            <a:off x="5001768" y="2871216"/>
-            <a:ext cx="3703320" cy="192024"/>
+              <a:t>• Escoge 3 objetos: lápiz, libro, calculadora</a:t>
+            </a:r>
+          </a:p>
+          <a:p>
+            <a:r>
+              <a:t>• Asegúrate de que sean fáciles de distinguir</a:t>
+            </a:r>
+          </a:p>
+          <a:p>
+            <a:r>
+              <a:t>• Ten los objetos a la mano</a:t>
+            </a:r>
+          </a:p>
+        </p:txBody>
+      </p:sp>
+      <p:sp>
+        <p:nvSpPr>
+          <p:cNvPr id="15" name="Rounded Rectangle 14"/>
+          <p:cNvSpPr/>
+          <p:nvPr/>
+        </p:nvSpPr>
+        <p:spPr>
+          <a:xfrm>
+            <a:off x="4617720" y="2423160"/>
+            <a:ext cx="3657600" cy="1143000"/>
+          </a:xfrm>
+          <a:prstGeom prst="roundRect">
+            <a:avLst/>
+          </a:prstGeom>
+          <a:solidFill>
+            <a:srgbClr val="DBEAFE"/>
+          </a:solidFill>
+          <a:ln>
+            <a:noFill/>
+          </a:ln>
+        </p:spPr>
+        <p:style>
+          <a:lnRef idx="1">
+            <a:schemeClr val="accent1"/>
+          </a:lnRef>
+          <a:fillRef idx="3">
+            <a:schemeClr val="accent1"/>
+          </a:fillRef>
+          <a:effectRef idx="2">
+            <a:schemeClr val="accent1"/>
+          </a:effectRef>
+          <a:fontRef idx="minor">
+            <a:schemeClr val="lt1"/>
+          </a:fontRef>
+        </p:style>
+        <p:txBody>
+          <a:bodyPr rtlCol="0" anchor="ctr"/>
+          <a:lstStyle/>
+          <a:p>
+            <a:pPr algn="ctr"/>
+          </a:p>
+        </p:txBody>
+      </p:sp>
+      <p:sp>
+        <p:nvSpPr>
+          <p:cNvPr id="16" name="TextBox 15"/>
+          <p:cNvSpPr txBox="1"/>
+          <p:nvPr/>
+        </p:nvSpPr>
+        <p:spPr>
+          <a:xfrm>
+            <a:off x="4800600" y="2560320"/>
+            <a:ext cx="3291840" cy="274320"/>
           </a:xfrm>
           <a:prstGeom prst="rect">
             <a:avLst/>
@@ -8313,43 +9646,43 @@
           <a:lstStyle/>
           <a:p>
             <a:pPr algn="l">
-              <a:defRPr sz="1050" b="1">
-                <a:solidFill>
-                  <a:srgbClr val="1E293B"/>
+              <a:defRPr sz="1400" b="1">
+                <a:solidFill>
+                  <a:srgbClr val="06B6D4"/>
                 </a:solidFill>
                 <a:latin typeface="Arial"/>
               </a:defRPr>
             </a:pPr>
             <a:r>
-              <a:t>Categorías: _______________</a:t>
-            </a:r>
-          </a:p>
-        </p:txBody>
-      </p:sp>
-      <p:sp>
-        <p:nvSpPr>
-          <p:cNvPr id="21" name="TextBox 20"/>
-          <p:cNvSpPr txBox="1"/>
-          <p:nvPr/>
-        </p:nvSpPr>
-        <p:spPr>
-          <a:xfrm>
-            <a:off x="5001768" y="3172968"/>
-            <a:ext cx="3703320" cy="192024"/>
-          </a:xfrm>
-          <a:prstGeom prst="rect">
-            <a:avLst/>
-          </a:prstGeom>
-          <a:noFill/>
-        </p:spPr>
-        <p:txBody>
-          <a:bodyPr wrap="none">
+              <a:t>2️⃣ Recopila las imágenes</a:t>
+            </a:r>
+          </a:p>
+        </p:txBody>
+      </p:sp>
+      <p:sp>
+        <p:nvSpPr>
+          <p:cNvPr id="17" name="TextBox 16"/>
+          <p:cNvSpPr txBox="1"/>
+          <p:nvPr/>
+        </p:nvSpPr>
+        <p:spPr>
+          <a:xfrm>
+            <a:off x="4800600" y="2880360"/>
+            <a:ext cx="3291840" cy="548640"/>
+          </a:xfrm>
+          <a:prstGeom prst="rect">
+            <a:avLst/>
+          </a:prstGeom>
+          <a:noFill/>
+        </p:spPr>
+        <p:txBody>
+          <a:bodyPr wrap="square">
             <a:spAutoFit/>
           </a:bodyPr>
           <a:lstStyle/>
           <a:p>
             <a:pPr algn="l">
-              <a:defRPr sz="1050" b="1">
+              <a:defRPr sz="1100">
                 <a:solidFill>
                   <a:srgbClr val="1E293B"/>
                 </a:solidFill>
@@ -8357,21 +9690,74 @@
               </a:defRPr>
             </a:pPr>
             <a:r>
-              <a:t>Cantidad por categoría: _______________</a:t>
-            </a:r>
-          </a:p>
-        </p:txBody>
-      </p:sp>
-      <p:sp>
-        <p:nvSpPr>
-          <p:cNvPr id="22" name="TextBox 21"/>
-          <p:cNvSpPr txBox="1"/>
-          <p:nvPr/>
-        </p:nvSpPr>
-        <p:spPr>
-          <a:xfrm>
-            <a:off x="5001768" y="3474720"/>
-            <a:ext cx="3703320" cy="192024"/>
+              <a:t>• 30 fotos de cada objeto (90 en total)</a:t>
+            </a:r>
+          </a:p>
+          <a:p>
+            <a:r>
+              <a:t>• Varía: ángulos, distancia, iluminación</a:t>
+            </a:r>
+          </a:p>
+          <a:p>
+            <a:r>
+              <a:t>• Usa fondos diferentes</a:t>
+            </a:r>
+          </a:p>
+        </p:txBody>
+      </p:sp>
+      <p:sp>
+        <p:nvSpPr>
+          <p:cNvPr id="18" name="Rounded Rectangle 17"/>
+          <p:cNvSpPr/>
+          <p:nvPr/>
+        </p:nvSpPr>
+        <p:spPr>
+          <a:xfrm>
+            <a:off x="731520" y="3703320"/>
+            <a:ext cx="3657600" cy="1143000"/>
+          </a:xfrm>
+          <a:prstGeom prst="roundRect">
+            <a:avLst/>
+          </a:prstGeom>
+          <a:solidFill>
+            <a:srgbClr val="DCFCE7"/>
+          </a:solidFill>
+          <a:ln>
+            <a:noFill/>
+          </a:ln>
+        </p:spPr>
+        <p:style>
+          <a:lnRef idx="1">
+            <a:schemeClr val="accent1"/>
+          </a:lnRef>
+          <a:fillRef idx="3">
+            <a:schemeClr val="accent1"/>
+          </a:fillRef>
+          <a:effectRef idx="2">
+            <a:schemeClr val="accent1"/>
+          </a:effectRef>
+          <a:fontRef idx="minor">
+            <a:schemeClr val="lt1"/>
+          </a:fontRef>
+        </p:style>
+        <p:txBody>
+          <a:bodyPr rtlCol="0" anchor="ctr"/>
+          <a:lstStyle/>
+          <a:p>
+            <a:pPr algn="ctr"/>
+          </a:p>
+        </p:txBody>
+      </p:sp>
+      <p:sp>
+        <p:nvSpPr>
+          <p:cNvPr id="19" name="TextBox 18"/>
+          <p:cNvSpPr txBox="1"/>
+          <p:nvPr/>
+        </p:nvSpPr>
+        <p:spPr>
+          <a:xfrm>
+            <a:off x="914400" y="3840480"/>
+            <a:ext cx="3291840" cy="274320"/>
           </a:xfrm>
           <a:prstGeom prst="rect">
             <a:avLst/>
@@ -8385,43 +9771,43 @@
           <a:lstStyle/>
           <a:p>
             <a:pPr algn="l">
-              <a:defRPr sz="1050" b="1">
-                <a:solidFill>
-                  <a:srgbClr val="1E293B"/>
+              <a:defRPr sz="1400" b="1">
+                <a:solidFill>
+                  <a:srgbClr val="22C55E"/>
                 </a:solidFill>
                 <a:latin typeface="Arial"/>
               </a:defRPr>
             </a:pPr>
             <a:r>
-              <a:t>Herramienta: _______________</a:t>
-            </a:r>
-          </a:p>
-        </p:txBody>
-      </p:sp>
-      <p:sp>
-        <p:nvSpPr>
-          <p:cNvPr id="23" name="TextBox 22"/>
-          <p:cNvSpPr txBox="1"/>
-          <p:nvPr/>
-        </p:nvSpPr>
-        <p:spPr>
-          <a:xfrm>
-            <a:off x="5001768" y="3776472"/>
-            <a:ext cx="3703320" cy="192024"/>
-          </a:xfrm>
-          <a:prstGeom prst="rect">
-            <a:avLst/>
-          </a:prstGeom>
-          <a:noFill/>
-        </p:spPr>
-        <p:txBody>
-          <a:bodyPr wrap="none">
+              <a:t>3️⃣ Entrena tu modelo</a:t>
+            </a:r>
+          </a:p>
+        </p:txBody>
+      </p:sp>
+      <p:sp>
+        <p:nvSpPr>
+          <p:cNvPr id="20" name="TextBox 19"/>
+          <p:cNvSpPr txBox="1"/>
+          <p:nvPr/>
+        </p:nvSpPr>
+        <p:spPr>
+          <a:xfrm>
+            <a:off x="914400" y="4160520"/>
+            <a:ext cx="3291840" cy="548640"/>
+          </a:xfrm>
+          <a:prstGeom prst="rect">
+            <a:avLst/>
+          </a:prstGeom>
+          <a:noFill/>
+        </p:spPr>
+        <p:txBody>
+          <a:bodyPr wrap="square">
             <a:spAutoFit/>
           </a:bodyPr>
           <a:lstStyle/>
           <a:p>
             <a:pPr algn="l">
-              <a:defRPr sz="1050" b="1">
+              <a:defRPr sz="1100">
                 <a:solidFill>
                   <a:srgbClr val="1E293B"/>
                 </a:solidFill>
@@ -8429,7 +9815,142 @@
               </a:defRPr>
             </a:pPr>
             <a:r>
-              <a:t>Fecha límite: _______________</a:t>
+              <a:t>• Ve a teachablemachine.withgoogle.com</a:t>
+            </a:r>
+          </a:p>
+          <a:p>
+            <a:r>
+              <a:t>• Sube tus fotos en 3 clases</a:t>
+            </a:r>
+          </a:p>
+          <a:p>
+            <a:r>
+              <a:t>• Entrena el modelo y pruébalo</a:t>
+            </a:r>
+          </a:p>
+        </p:txBody>
+      </p:sp>
+      <p:sp>
+        <p:nvSpPr>
+          <p:cNvPr id="21" name="Rounded Rectangle 20"/>
+          <p:cNvSpPr/>
+          <p:nvPr/>
+        </p:nvSpPr>
+        <p:spPr>
+          <a:xfrm>
+            <a:off x="4617720" y="3703320"/>
+            <a:ext cx="3657600" cy="1143000"/>
+          </a:xfrm>
+          <a:prstGeom prst="roundRect">
+            <a:avLst/>
+          </a:prstGeom>
+          <a:solidFill>
+            <a:srgbClr val="FEE2E2"/>
+          </a:solidFill>
+          <a:ln>
+            <a:noFill/>
+          </a:ln>
+        </p:spPr>
+        <p:style>
+          <a:lnRef idx="1">
+            <a:schemeClr val="accent1"/>
+          </a:lnRef>
+          <a:fillRef idx="3">
+            <a:schemeClr val="accent1"/>
+          </a:fillRef>
+          <a:effectRef idx="2">
+            <a:schemeClr val="accent1"/>
+          </a:effectRef>
+          <a:fontRef idx="minor">
+            <a:schemeClr val="lt1"/>
+          </a:fontRef>
+        </p:style>
+        <p:txBody>
+          <a:bodyPr rtlCol="0" anchor="ctr"/>
+          <a:lstStyle/>
+          <a:p>
+            <a:pPr algn="ctr"/>
+          </a:p>
+        </p:txBody>
+      </p:sp>
+      <p:sp>
+        <p:nvSpPr>
+          <p:cNvPr id="22" name="TextBox 21"/>
+          <p:cNvSpPr txBox="1"/>
+          <p:nvPr/>
+        </p:nvSpPr>
+        <p:spPr>
+          <a:xfrm>
+            <a:off x="4800600" y="3840480"/>
+            <a:ext cx="3291840" cy="274320"/>
+          </a:xfrm>
+          <a:prstGeom prst="rect">
+            <a:avLst/>
+          </a:prstGeom>
+          <a:noFill/>
+        </p:spPr>
+        <p:txBody>
+          <a:bodyPr wrap="none">
+            <a:spAutoFit/>
+          </a:bodyPr>
+          <a:lstStyle/>
+          <a:p>
+            <a:pPr algn="l">
+              <a:defRPr sz="1400" b="1">
+                <a:solidFill>
+                  <a:srgbClr val="EC4899"/>
+                </a:solidFill>
+                <a:latin typeface="Arial"/>
+              </a:defRPr>
+            </a:pPr>
+            <a:r>
+              <a:t>4️⃣ Presenta tu proyecto</a:t>
+            </a:r>
+          </a:p>
+        </p:txBody>
+      </p:sp>
+      <p:sp>
+        <p:nvSpPr>
+          <p:cNvPr id="23" name="TextBox 22"/>
+          <p:cNvSpPr txBox="1"/>
+          <p:nvPr/>
+        </p:nvSpPr>
+        <p:spPr>
+          <a:xfrm>
+            <a:off x="4800600" y="4160520"/>
+            <a:ext cx="3291840" cy="548640"/>
+          </a:xfrm>
+          <a:prstGeom prst="rect">
+            <a:avLst/>
+          </a:prstGeom>
+          <a:noFill/>
+        </p:spPr>
+        <p:txBody>
+          <a:bodyPr wrap="square">
+            <a:spAutoFit/>
+          </a:bodyPr>
+          <a:lstStyle/>
+          <a:p>
+            <a:pPr algn="l">
+              <a:defRPr sz="1100">
+                <a:solidFill>
+                  <a:srgbClr val="1E293B"/>
+                </a:solidFill>
+                <a:latin typeface="Arial"/>
+              </a:defRPr>
+            </a:pPr>
+            <a:r>
+              <a:t>• Muestra tu modelo funcionando</a:t>
+            </a:r>
+          </a:p>
+          <a:p>
+            <a:r>
+              <a:t>• Explica qué objetos reconoce</a:t>
+            </a:r>
+          </a:p>
+          <a:p>
+            <a:r>
+              <a:t>• Comparte qué aprendiste</a:t>
             </a:r>
           </a:p>
         </p:txBody>
